--- a/trunk/PA4/4. Slide/WARM.pptx
+++ b/trunk/PA4/4. Slide/WARM.pptx
@@ -5,10 +5,10 @@
     <p:sldMasterId id="2147483648" r:id="rId1"/>
   </p:sldMasterIdLst>
   <p:notesMasterIdLst>
-    <p:notesMasterId r:id="rId18"/>
+    <p:notesMasterId r:id="rId21"/>
   </p:notesMasterIdLst>
   <p:handoutMasterIdLst>
-    <p:handoutMasterId r:id="rId19"/>
+    <p:handoutMasterId r:id="rId22"/>
   </p:handoutMasterIdLst>
   <p:sldIdLst>
     <p:sldId id="256" r:id="rId2"/>
@@ -23,10 +23,13 @@
     <p:sldId id="298" r:id="rId11"/>
     <p:sldId id="299" r:id="rId12"/>
     <p:sldId id="300" r:id="rId13"/>
-    <p:sldId id="291" r:id="rId14"/>
-    <p:sldId id="287" r:id="rId15"/>
-    <p:sldId id="276" r:id="rId16"/>
-    <p:sldId id="286" r:id="rId17"/>
+    <p:sldId id="301" r:id="rId14"/>
+    <p:sldId id="302" r:id="rId15"/>
+    <p:sldId id="303" r:id="rId16"/>
+    <p:sldId id="291" r:id="rId17"/>
+    <p:sldId id="287" r:id="rId18"/>
+    <p:sldId id="276" r:id="rId19"/>
+    <p:sldId id="286" r:id="rId20"/>
   </p:sldIdLst>
   <p:sldSz cx="9144000" cy="6858000" type="screen4x3"/>
   <p:notesSz cx="6858000" cy="9144000"/>
@@ -175,10 +178,10 @@
           <c:layoutTarget val="inner"/>
           <c:xMode val="edge"/>
           <c:yMode val="edge"/>
-          <c:x val="7.2388831437435575E-2"/>
+          <c:x val="7.2388831437435602E-2"/>
           <c:y val="0.16610169491525423"/>
           <c:w val="0.85729058945191317"/>
-          <c:h val="0.66949152542373003"/>
+          <c:h val="0.66949152542373014"/>
         </c:manualLayout>
       </c:layout>
       <c:pie3DChart>
@@ -338,7 +341,7 @@
               <c:idx val="3"/>
               <c:layout>
                 <c:manualLayout>
-                  <c:x val="4.9430272538912599E-2"/>
+                  <c:x val="4.9430272538912606E-2"/>
                   <c:y val="8.8076831305177766E-2"/>
                 </c:manualLayout>
               </c:layout>
@@ -362,7 +365,7 @@
               <c:layout>
                 <c:manualLayout>
                   <c:x val="-0.17960033264157374"/>
-                  <c:y val="6.2378429968981318E-2"/>
+                  <c:y val="6.2378429968981339E-2"/>
                 </c:manualLayout>
               </c:layout>
               <c:tx>
@@ -1187,11 +1190,7 @@
             </a:r>
             <a:r>
               <a:rPr lang="en-US" baseline="0" smtClean="0"/>
-              <a:t> </a:t>
-            </a:r>
-            <a:r>
-              <a:rPr lang="en-US" baseline="0" smtClean="0"/>
-              <a:t>Management</a:t>
+              <a:t> Management</a:t>
             </a:r>
           </a:p>
           <a:p>
@@ -1425,7 +1424,7 @@
             <a:fld id="{896E4393-75D9-4774-85D5-EA38865C8C2D}" type="slidenum">
               <a:rPr lang="en-US" smtClean="0"/>
               <a:pPr/>
-              <a:t>13</a:t>
+              <a:t>16</a:t>
             </a:fld>
             <a:endParaRPr lang="en-US"/>
           </a:p>
@@ -1507,7 +1506,7 @@
             <a:fld id="{896E4393-75D9-4774-85D5-EA38865C8C2D}" type="slidenum">
               <a:rPr lang="en-US" smtClean="0"/>
               <a:pPr/>
-              <a:t>15</a:t>
+              <a:t>18</a:t>
             </a:fld>
             <a:endParaRPr lang="en-US"/>
           </a:p>
@@ -9930,15 +9929,7 @@
           <a:p>
             <a:r>
               <a:rPr lang="en-US" smtClean="0"/>
-              <a:t>GVTH: </a:t>
-            </a:r>
-            <a:r>
-              <a:rPr lang="en-US" smtClean="0"/>
-              <a:t>Hồ </a:t>
-            </a:r>
-            <a:r>
-              <a:rPr lang="en-US" smtClean="0"/>
-              <a:t>Tuấn Thanh</a:t>
+              <a:t>GVTH: Hồ Tuấn Thanh</a:t>
             </a:r>
             <a:endParaRPr lang="vi-VN"/>
           </a:p>
@@ -12972,6 +12963,194 @@
 </file>
 
 <file path=ppt/slides/slide13.xml><?xml version="1.0" encoding="utf-8"?>
+<p:sld xmlns:a="http://schemas.openxmlformats.org/drawingml/2006/main" xmlns:r="http://schemas.openxmlformats.org/officeDocument/2006/relationships" xmlns:p="http://schemas.openxmlformats.org/presentationml/2006/main">
+  <p:cSld>
+    <p:spTree>
+      <p:nvGrpSpPr>
+        <p:cNvPr id="1" name=""/>
+        <p:cNvGrpSpPr/>
+        <p:nvPr/>
+      </p:nvGrpSpPr>
+      <p:grpSpPr>
+        <a:xfrm>
+          <a:off x="0" y="0"/>
+          <a:ext cx="0" cy="0"/>
+          <a:chOff x="0" y="0"/>
+          <a:chExt cx="0" cy="0"/>
+        </a:xfrm>
+      </p:grpSpPr>
+      <p:pic>
+        <p:nvPicPr>
+          <p:cNvPr id="27" name="Picture 26"/>
+          <p:cNvPicPr/>
+          <p:nvPr/>
+        </p:nvPicPr>
+        <p:blipFill>
+          <a:blip r:embed="rId2" cstate="print"/>
+          <a:srcRect/>
+          <a:stretch>
+            <a:fillRect/>
+          </a:stretch>
+        </p:blipFill>
+        <p:spPr bwMode="auto">
+          <a:xfrm>
+            <a:off x="0" y="0"/>
+            <a:ext cx="9144000" cy="6858000"/>
+          </a:xfrm>
+          <a:prstGeom prst="rect">
+            <a:avLst/>
+          </a:prstGeom>
+          <a:noFill/>
+          <a:ln w="9525">
+            <a:noFill/>
+            <a:miter lim="800000"/>
+            <a:headEnd/>
+            <a:tailEnd/>
+          </a:ln>
+        </p:spPr>
+      </p:pic>
+    </p:spTree>
+  </p:cSld>
+  <p:clrMapOvr>
+    <a:masterClrMapping/>
+  </p:clrMapOvr>
+  <p:timing>
+    <p:tnLst>
+      <p:par>
+        <p:cTn id="1" dur="indefinite" restart="never" nodeType="tmRoot"/>
+      </p:par>
+    </p:tnLst>
+  </p:timing>
+</p:sld>
+</file>
+
+<file path=ppt/slides/slide14.xml><?xml version="1.0" encoding="utf-8"?>
+<p:sld xmlns:a="http://schemas.openxmlformats.org/drawingml/2006/main" xmlns:r="http://schemas.openxmlformats.org/officeDocument/2006/relationships" xmlns:p="http://schemas.openxmlformats.org/presentationml/2006/main">
+  <p:cSld>
+    <p:spTree>
+      <p:nvGrpSpPr>
+        <p:cNvPr id="1" name=""/>
+        <p:cNvGrpSpPr/>
+        <p:nvPr/>
+      </p:nvGrpSpPr>
+      <p:grpSpPr>
+        <a:xfrm>
+          <a:off x="0" y="0"/>
+          <a:ext cx="0" cy="0"/>
+          <a:chOff x="0" y="0"/>
+          <a:chExt cx="0" cy="0"/>
+        </a:xfrm>
+      </p:grpSpPr>
+      <p:pic>
+        <p:nvPicPr>
+          <p:cNvPr id="3" name="Picture 2"/>
+          <p:cNvPicPr/>
+          <p:nvPr/>
+        </p:nvPicPr>
+        <p:blipFill>
+          <a:blip r:embed="rId2" cstate="print"/>
+          <a:srcRect/>
+          <a:stretch>
+            <a:fillRect/>
+          </a:stretch>
+        </p:blipFill>
+        <p:spPr bwMode="auto">
+          <a:xfrm>
+            <a:off x="0" y="0"/>
+            <a:ext cx="9144000" cy="6858000"/>
+          </a:xfrm>
+          <a:prstGeom prst="rect">
+            <a:avLst/>
+          </a:prstGeom>
+          <a:noFill/>
+          <a:ln w="9525">
+            <a:noFill/>
+            <a:miter lim="800000"/>
+            <a:headEnd/>
+            <a:tailEnd/>
+          </a:ln>
+        </p:spPr>
+      </p:pic>
+    </p:spTree>
+  </p:cSld>
+  <p:clrMapOvr>
+    <a:masterClrMapping/>
+  </p:clrMapOvr>
+  <p:timing>
+    <p:tnLst>
+      <p:par>
+        <p:cTn id="1" dur="indefinite" restart="never" nodeType="tmRoot"/>
+      </p:par>
+    </p:tnLst>
+  </p:timing>
+</p:sld>
+</file>
+
+<file path=ppt/slides/slide15.xml><?xml version="1.0" encoding="utf-8"?>
+<p:sld xmlns:a="http://schemas.openxmlformats.org/drawingml/2006/main" xmlns:r="http://schemas.openxmlformats.org/officeDocument/2006/relationships" xmlns:p="http://schemas.openxmlformats.org/presentationml/2006/main">
+  <p:cSld>
+    <p:spTree>
+      <p:nvGrpSpPr>
+        <p:cNvPr id="1" name=""/>
+        <p:cNvGrpSpPr/>
+        <p:nvPr/>
+      </p:nvGrpSpPr>
+      <p:grpSpPr>
+        <a:xfrm>
+          <a:off x="0" y="0"/>
+          <a:ext cx="0" cy="0"/>
+          <a:chOff x="0" y="0"/>
+          <a:chExt cx="0" cy="0"/>
+        </a:xfrm>
+      </p:grpSpPr>
+      <p:pic>
+        <p:nvPicPr>
+          <p:cNvPr id="1026" name="Picture 2"/>
+          <p:cNvPicPr>
+            <a:picLocks noChangeAspect="1" noChangeArrowheads="1"/>
+          </p:cNvPicPr>
+          <p:nvPr/>
+        </p:nvPicPr>
+        <p:blipFill>
+          <a:blip r:embed="rId2" cstate="print"/>
+          <a:srcRect/>
+          <a:stretch>
+            <a:fillRect/>
+          </a:stretch>
+        </p:blipFill>
+        <p:spPr bwMode="auto">
+          <a:xfrm>
+            <a:off x="0" y="0"/>
+            <a:ext cx="9144000" cy="6923674"/>
+          </a:xfrm>
+          <a:prstGeom prst="rect">
+            <a:avLst/>
+          </a:prstGeom>
+          <a:noFill/>
+          <a:ln w="9525">
+            <a:noFill/>
+            <a:miter lim="800000"/>
+            <a:headEnd/>
+            <a:tailEnd/>
+          </a:ln>
+        </p:spPr>
+      </p:pic>
+    </p:spTree>
+  </p:cSld>
+  <p:clrMapOvr>
+    <a:masterClrMapping/>
+  </p:clrMapOvr>
+  <p:timing>
+    <p:tnLst>
+      <p:par>
+        <p:cTn id="1" dur="indefinite" restart="never" nodeType="tmRoot"/>
+      </p:par>
+    </p:tnLst>
+  </p:timing>
+</p:sld>
+</file>
+
+<file path=ppt/slides/slide16.xml><?xml version="1.0" encoding="utf-8"?>
 <p:sld xmlns:a="http://schemas.openxmlformats.org/drawingml/2006/main" xmlns:r="http://schemas.openxmlformats.org/officeDocument/2006/relationships" xmlns:p="http://schemas.openxmlformats.org/presentationml/2006/main" showMasterPhAnim="0">
   <p:cSld>
     <p:spTree>
@@ -16025,7 +16204,7 @@
 </p:sld>
 </file>
 
-<file path=ppt/slides/slide14.xml><?xml version="1.0" encoding="utf-8"?>
+<file path=ppt/slides/slide17.xml><?xml version="1.0" encoding="utf-8"?>
 <p:sld xmlns:a="http://schemas.openxmlformats.org/drawingml/2006/main" xmlns:r="http://schemas.openxmlformats.org/officeDocument/2006/relationships" xmlns:p="http://schemas.openxmlformats.org/presentationml/2006/main" showMasterPhAnim="0">
   <p:cSld>
     <p:spTree>
@@ -19215,7 +19394,7 @@
 </p:sld>
 </file>
 
-<file path=ppt/slides/slide15.xml><?xml version="1.0" encoding="utf-8"?>
+<file path=ppt/slides/slide18.xml><?xml version="1.0" encoding="utf-8"?>
 <p:sld xmlns:a="http://schemas.openxmlformats.org/drawingml/2006/main" xmlns:r="http://schemas.openxmlformats.org/officeDocument/2006/relationships" xmlns:p="http://schemas.openxmlformats.org/presentationml/2006/main">
   <p:cSld>
     <p:spTree>
@@ -20889,7 +21068,7 @@
 </p:sld>
 </file>
 
-<file path=ppt/slides/slide16.xml><?xml version="1.0" encoding="utf-8"?>
+<file path=ppt/slides/slide19.xml><?xml version="1.0" encoding="utf-8"?>
 <p:sld xmlns:a="http://schemas.openxmlformats.org/drawingml/2006/main" xmlns:r="http://schemas.openxmlformats.org/officeDocument/2006/relationships" xmlns:p="http://schemas.openxmlformats.org/presentationml/2006/main">
   <p:cSld>
     <p:spTree>
@@ -22755,7 +22934,7 @@
           <a:graphicData uri="http://schemas.openxmlformats.org/drawingml/2006/table">
             <a:tbl>
               <a:tblPr firstRow="1" bandRow="1">
-                <a:tableStyleId>{69012ECD-51FC-41F1-AA8D-1B2483CD663E}</a:tableStyleId>
+                <a:tableStyleId>{912C8C85-51F0-491E-9774-3900AFEF0FD7}</a:tableStyleId>
               </a:tblPr>
               <a:tblGrid>
                 <a:gridCol w="1475326"/>
@@ -22775,7 +22954,11 @@
                       <a:endParaRPr lang="vi-VN"/>
                     </a:p>
                   </a:txBody>
-                  <a:tcPr/>
+                  <a:tcPr>
+                    <a:solidFill>
+                      <a:srgbClr val="0070C0"/>
+                    </a:solidFill>
+                  </a:tcPr>
                 </a:tc>
                 <a:tc>
                   <a:txBody>
@@ -22793,7 +22976,11 @@
                       <a:endParaRPr lang="vi-VN"/>
                     </a:p>
                   </a:txBody>
-                  <a:tcPr/>
+                  <a:tcPr>
+                    <a:solidFill>
+                      <a:srgbClr val="0070C0"/>
+                    </a:solidFill>
+                  </a:tcPr>
                 </a:tc>
                 <a:tc>
                   <a:txBody>
@@ -22807,7 +22994,11 @@
                       <a:endParaRPr lang="vi-VN"/>
                     </a:p>
                   </a:txBody>
-                  <a:tcPr/>
+                  <a:tcPr>
+                    <a:solidFill>
+                      <a:srgbClr val="0070C0"/>
+                    </a:solidFill>
+                  </a:tcPr>
                 </a:tc>
               </a:tr>
               <a:tr h="431800">
@@ -22845,9 +23036,7 @@
                     <a:lstStyle/>
                     <a:p>
                       <a:r>
-                        <a:rPr lang="en-US" sz="1800" u="sng" kern="1200" smtClean="0">
-                          <a:hlinkClick r:id="rId3"/>
-                        </a:rPr>
+                        <a:rPr lang="en-US" sz="1800" u="sng" kern="1200" smtClean="0"/>
                         <a:t>thuan178@gmail.com</a:t>
                       </a:r>
                       <a:endParaRPr lang="vi-VN">
@@ -22918,9 +23107,7 @@
                         <a:defRPr/>
                       </a:pPr>
                       <a:r>
-                        <a:rPr lang="en-US" sz="1800" u="sng" kern="1200" smtClean="0">
-                          <a:hlinkClick r:id="rId4"/>
-                        </a:rPr>
+                        <a:rPr lang="en-US" sz="1800" u="sng" kern="1200" smtClean="0"/>
                         <a:t>0812508@gmail.com</a:t>
                       </a:r>
                       <a:endParaRPr lang="vi-VN">
@@ -22987,9 +23174,7 @@
                         <a:defRPr/>
                       </a:pPr>
                       <a:r>
-                        <a:rPr lang="en-US" sz="1800" u="sng" kern="1200" smtClean="0">
-                          <a:hlinkClick r:id="rId5"/>
-                        </a:rPr>
+                        <a:rPr lang="en-US" sz="1800" u="sng" kern="1200" smtClean="0"/>
                         <a:t>tienvx2008gs@gmail.com</a:t>
                       </a:r>
                       <a:endParaRPr lang="vi-VN">
@@ -23060,12 +23245,10 @@
                         <a:defRPr/>
                       </a:pPr>
                       <a:r>
-                        <a:rPr lang="vi-VN" sz="1800" kern="1200" smtClean="0">
-                          <a:hlinkClick r:id="rId6"/>
-                        </a:rPr>
+                        <a:rPr lang="vi-VN" sz="1800" u="sng" kern="1200" smtClean="0"/>
                         <a:t>7hanatos13@gmail.com</a:t>
                       </a:r>
-                      <a:endParaRPr lang="vi-VN" sz="1800" kern="1200">
+                      <a:endParaRPr lang="vi-VN" sz="1800" u="sng" kern="1200">
                         <a:solidFill>
                           <a:schemeClr val="accent1">
                             <a:lumMod val="75000"/>
@@ -23136,12 +23319,10 @@
                         <a:defRPr/>
                       </a:pPr>
                       <a:r>
-                        <a:rPr lang="vi-VN" smtClean="0">
-                          <a:hlinkClick r:id="rId7"/>
-                        </a:rPr>
+                        <a:rPr lang="vi-VN" u="sng" smtClean="0"/>
                         <a:t>toai104040005@tiengiang.edu.vn</a:t>
                       </a:r>
-                      <a:endParaRPr lang="vi-VN">
+                      <a:endParaRPr lang="vi-VN" u="sng">
                         <a:solidFill>
                           <a:schemeClr val="accent1">
                             <a:lumMod val="75000"/>

--- a/trunk/PA4/4. Slide/WARM.pptx
+++ b/trunk/PA4/4. Slide/WARM.pptx
@@ -24,8 +24,8 @@
     <p:sldId id="299" r:id="rId12"/>
     <p:sldId id="300" r:id="rId13"/>
     <p:sldId id="301" r:id="rId14"/>
-    <p:sldId id="302" r:id="rId15"/>
-    <p:sldId id="303" r:id="rId16"/>
+    <p:sldId id="303" r:id="rId15"/>
+    <p:sldId id="302" r:id="rId16"/>
     <p:sldId id="291" r:id="rId17"/>
     <p:sldId id="287" r:id="rId18"/>
     <p:sldId id="276" r:id="rId19"/>
@@ -178,10 +178,10 @@
           <c:layoutTarget val="inner"/>
           <c:xMode val="edge"/>
           <c:yMode val="edge"/>
-          <c:x val="7.2388831437435602E-2"/>
+          <c:x val="7.238883143743563E-2"/>
           <c:y val="0.16610169491525423"/>
           <c:w val="0.85729058945191317"/>
-          <c:h val="0.66949152542373014"/>
+          <c:h val="0.66949152542373025"/>
         </c:manualLayout>
       </c:layout>
       <c:pie3DChart>
@@ -341,7 +341,7 @@
               <c:idx val="3"/>
               <c:layout>
                 <c:manualLayout>
-                  <c:x val="4.9430272538912606E-2"/>
+                  <c:x val="4.9430272538912627E-2"/>
                   <c:y val="8.8076831305177766E-2"/>
                 </c:manualLayout>
               </c:layout>
@@ -365,7 +365,7 @@
               <c:layout>
                 <c:manualLayout>
                   <c:x val="-0.17960033264157374"/>
-                  <c:y val="6.2378429968981339E-2"/>
+                  <c:y val="6.2378429968981353E-2"/>
                 </c:manualLayout>
               </c:layout>
               <c:tx>
@@ -1395,12 +1395,280 @@
           <a:lstStyle/>
           <a:p>
             <a:r>
-              <a:rPr lang="en-US" smtClean="0"/>
-              <a:t>Giới</a:t>
+              <a:rPr lang="en-US" baseline="0" smtClean="0"/>
+              <a:t>Cần nêu ra các nguyên tắc chủ yếu như:</a:t>
+            </a:r>
+          </a:p>
+          <a:p>
+            <a:pPr lvl="1">
+              <a:buFont typeface="Wingdings" pitchFamily="2" charset="2"/>
+              <a:buChar char="v"/>
+            </a:pPr>
+            <a:r>
+              <a:rPr lang="en-US" baseline="0" smtClean="0"/>
+              <a:t> Simple diaglog: hộp thoại thông báo đặt món đơn giản.</a:t>
+            </a:r>
+          </a:p>
+          <a:p>
+            <a:pPr lvl="1">
+              <a:buFont typeface="Wingdings" pitchFamily="2" charset="2"/>
+              <a:buChar char="v"/>
+            </a:pPr>
+            <a:r>
+              <a:rPr lang="en-US" baseline="0" smtClean="0"/>
+              <a:t> Speak user language: quá trình đặt món nhanh chóng.</a:t>
+            </a:r>
+          </a:p>
+          <a:p>
+            <a:pPr lvl="1">
+              <a:buFont typeface="Wingdings" pitchFamily="2" charset="2"/>
+              <a:buChar char="v"/>
+            </a:pPr>
+            <a:r>
+              <a:rPr lang="en-US" sz="1200" kern="1200" smtClean="0">
+                <a:solidFill>
+                  <a:schemeClr val="tx1"/>
+                </a:solidFill>
+                <a:latin typeface="Arial" charset="0"/>
+                <a:ea typeface="+mn-ea"/>
+                <a:cs typeface="+mn-cs"/>
+              </a:rPr>
+              <a:t> Minimize the users' memory load: nhắc</a:t>
             </a:r>
             <a:r>
-              <a:rPr lang="en-US" baseline="0" smtClean="0"/>
-              <a:t> thiệu một số đặc điểm nổi bật của trang web so với các trang web tương tự.</a:t>
+              <a:rPr lang="en-US" sz="1200" kern="1200" baseline="0" smtClean="0">
+                <a:solidFill>
+                  <a:schemeClr val="tx1"/>
+                </a:solidFill>
+                <a:latin typeface="Arial" charset="0"/>
+                <a:ea typeface="+mn-ea"/>
+                <a:cs typeface="+mn-cs"/>
+              </a:rPr>
+              <a:t> tên món cho người dùng khi tìm kiếm.</a:t>
+            </a:r>
+          </a:p>
+          <a:p>
+            <a:pPr marL="457200" marR="0" lvl="1" indent="0" algn="l" defTabSz="914400" rtl="0" eaLnBrk="1" fontAlgn="base" latinLnBrk="0" hangingPunct="1">
+              <a:lnSpc>
+                <a:spcPct val="100000"/>
+              </a:lnSpc>
+              <a:spcBef>
+                <a:spcPct val="30000"/>
+              </a:spcBef>
+              <a:spcAft>
+                <a:spcPct val="0"/>
+              </a:spcAft>
+              <a:buClrTx/>
+              <a:buSzTx/>
+              <a:buFont typeface="Wingdings" pitchFamily="2" charset="2"/>
+              <a:buChar char="v"/>
+              <a:tabLst/>
+              <a:defRPr/>
+            </a:pPr>
+            <a:r>
+              <a:rPr lang="en-US" sz="1200" kern="1200" smtClean="0">
+                <a:solidFill>
+                  <a:schemeClr val="tx1"/>
+                </a:solidFill>
+                <a:latin typeface="Arial" charset="0"/>
+                <a:ea typeface="+mn-ea"/>
+                <a:cs typeface="+mn-cs"/>
+              </a:rPr>
+              <a:t> Consistency:</a:t>
+            </a:r>
+            <a:r>
+              <a:rPr lang="en-US" sz="1200" kern="1200" baseline="0" smtClean="0">
+                <a:solidFill>
+                  <a:schemeClr val="tx1"/>
+                </a:solidFill>
+                <a:latin typeface="Arial" charset="0"/>
+                <a:ea typeface="+mn-ea"/>
+                <a:cs typeface="+mn-cs"/>
+              </a:rPr>
+              <a:t> giao diện thống nhất ở các button và textbox.</a:t>
+            </a:r>
+          </a:p>
+          <a:p>
+            <a:pPr marL="457200" marR="0" lvl="1" indent="0" algn="l" defTabSz="914400" rtl="0" eaLnBrk="1" fontAlgn="base" latinLnBrk="0" hangingPunct="1">
+              <a:lnSpc>
+                <a:spcPct val="100000"/>
+              </a:lnSpc>
+              <a:spcBef>
+                <a:spcPct val="30000"/>
+              </a:spcBef>
+              <a:spcAft>
+                <a:spcPct val="0"/>
+              </a:spcAft>
+              <a:buClrTx/>
+              <a:buSzTx/>
+              <a:buFont typeface="Wingdings" pitchFamily="2" charset="2"/>
+              <a:buChar char="v"/>
+              <a:tabLst/>
+              <a:defRPr/>
+            </a:pPr>
+            <a:r>
+              <a:rPr lang="en-US" sz="1200" kern="1200" smtClean="0">
+                <a:solidFill>
+                  <a:schemeClr val="tx1"/>
+                </a:solidFill>
+                <a:latin typeface="Arial" charset="0"/>
+                <a:ea typeface="+mn-ea"/>
+                <a:cs typeface="+mn-cs"/>
+              </a:rPr>
+              <a:t> Feedback: phản</a:t>
+            </a:r>
+            <a:r>
+              <a:rPr lang="en-US" sz="1200" kern="1200" baseline="0" smtClean="0">
+                <a:solidFill>
+                  <a:schemeClr val="tx1"/>
+                </a:solidFill>
+                <a:latin typeface="Arial" charset="0"/>
+                <a:ea typeface="+mn-ea"/>
+                <a:cs typeface="+mn-cs"/>
+              </a:rPr>
+              <a:t> hồi khi người dùng chọn chức năng hay thông báo khi đặt món thành công.</a:t>
+            </a:r>
+            <a:endParaRPr lang="en-US" baseline="0" smtClean="0"/>
+          </a:p>
+          <a:p>
+            <a:pPr lvl="1">
+              <a:buFont typeface="Wingdings" pitchFamily="2" charset="2"/>
+              <a:buChar char="v"/>
+            </a:pPr>
+            <a:r>
+              <a:rPr lang="en-US" sz="1200" kern="1200" smtClean="0">
+                <a:solidFill>
+                  <a:schemeClr val="tx1"/>
+                </a:solidFill>
+                <a:latin typeface="Arial" charset="0"/>
+                <a:ea typeface="+mn-ea"/>
+                <a:cs typeface="+mn-cs"/>
+              </a:rPr>
+              <a:t> Clearly marked exits:</a:t>
+            </a:r>
+            <a:r>
+              <a:rPr lang="en-US" sz="1200" kern="1200" baseline="0" smtClean="0">
+                <a:solidFill>
+                  <a:schemeClr val="tx1"/>
+                </a:solidFill>
+                <a:latin typeface="Arial" charset="0"/>
+                <a:ea typeface="+mn-ea"/>
+                <a:cs typeface="+mn-cs"/>
+              </a:rPr>
+              <a:t> không có.</a:t>
+            </a:r>
+          </a:p>
+          <a:p>
+            <a:pPr lvl="1">
+              <a:buFont typeface="Wingdings" pitchFamily="2" charset="2"/>
+              <a:buChar char="v"/>
+            </a:pPr>
+            <a:r>
+              <a:rPr lang="en-US" sz="1200" kern="1200" smtClean="0">
+                <a:solidFill>
+                  <a:schemeClr val="tx1"/>
+                </a:solidFill>
+                <a:latin typeface="Arial" charset="0"/>
+                <a:ea typeface="+mn-ea"/>
+                <a:cs typeface="+mn-cs"/>
+              </a:rPr>
+              <a:t> Shortcuts: các</a:t>
+            </a:r>
+            <a:r>
+              <a:rPr lang="en-US" sz="1200" kern="1200" baseline="0" smtClean="0">
+                <a:solidFill>
+                  <a:schemeClr val="tx1"/>
+                </a:solidFill>
+                <a:latin typeface="Arial" charset="0"/>
+                <a:ea typeface="+mn-ea"/>
+                <a:cs typeface="+mn-cs"/>
+              </a:rPr>
+              <a:t> thanh định hướng giúp dễ dàng thao tác.</a:t>
+            </a:r>
+            <a:endParaRPr lang="en-US" smtClean="0"/>
+          </a:p>
+          <a:p>
+            <a:pPr lvl="1">
+              <a:buFont typeface="Wingdings" pitchFamily="2" charset="2"/>
+              <a:buChar char="v"/>
+            </a:pPr>
+            <a:r>
+              <a:rPr lang="en-US" sz="1200" kern="1200" smtClean="0">
+                <a:solidFill>
+                  <a:schemeClr val="tx1"/>
+                </a:solidFill>
+                <a:latin typeface="Arial" charset="0"/>
+                <a:ea typeface="+mn-ea"/>
+                <a:cs typeface="+mn-cs"/>
+              </a:rPr>
+              <a:t> Good error messages: không</a:t>
+            </a:r>
+            <a:r>
+              <a:rPr lang="en-US" sz="1200" kern="1200" baseline="0" smtClean="0">
+                <a:solidFill>
+                  <a:schemeClr val="tx1"/>
+                </a:solidFill>
+                <a:latin typeface="Arial" charset="0"/>
+                <a:ea typeface="+mn-ea"/>
+                <a:cs typeface="+mn-cs"/>
+              </a:rPr>
+              <a:t> có.</a:t>
+            </a:r>
+          </a:p>
+          <a:p>
+            <a:pPr lvl="1">
+              <a:buFont typeface="Wingdings" pitchFamily="2" charset="2"/>
+              <a:buChar char="v"/>
+            </a:pPr>
+            <a:r>
+              <a:rPr lang="en-US" sz="1200" kern="1200" smtClean="0">
+                <a:solidFill>
+                  <a:schemeClr val="tx1"/>
+                </a:solidFill>
+                <a:latin typeface="Arial" charset="0"/>
+                <a:ea typeface="+mn-ea"/>
+                <a:cs typeface="+mn-cs"/>
+              </a:rPr>
+              <a:t> Prevent errors: dễ</a:t>
+            </a:r>
+            <a:r>
+              <a:rPr lang="en-US" sz="1200" kern="1200" baseline="0" smtClean="0">
+                <a:solidFill>
+                  <a:schemeClr val="tx1"/>
+                </a:solidFill>
+                <a:latin typeface="Arial" charset="0"/>
+                <a:ea typeface="+mn-ea"/>
+                <a:cs typeface="+mn-cs"/>
+              </a:rPr>
+              <a:t> dàng xóa món đã chọn ra khỏi phiếu đặt.</a:t>
+            </a:r>
+          </a:p>
+          <a:p>
+            <a:pPr lvl="1">
+              <a:buFont typeface="Wingdings" pitchFamily="2" charset="2"/>
+              <a:buChar char="v"/>
+            </a:pPr>
+            <a:r>
+              <a:rPr lang="fr-FR" sz="1200" kern="1200" smtClean="0">
+                <a:solidFill>
+                  <a:schemeClr val="tx1"/>
+                </a:solidFill>
+                <a:latin typeface="Arial" charset="0"/>
+                <a:ea typeface="+mn-ea"/>
+                <a:cs typeface="+mn-cs"/>
+              </a:rPr>
+              <a:t> Help and documentation: không</a:t>
+            </a:r>
+            <a:r>
+              <a:rPr lang="fr-FR" sz="1200" kern="1200" baseline="0" smtClean="0">
+                <a:solidFill>
+                  <a:schemeClr val="tx1"/>
+                </a:solidFill>
+                <a:latin typeface="Arial" charset="0"/>
+                <a:ea typeface="+mn-ea"/>
+                <a:cs typeface="+mn-cs"/>
+              </a:rPr>
+              <a:t> có.</a:t>
             </a:r>
             <a:endParaRPr lang="vi-VN"/>
           </a:p>
@@ -1672,7 +1940,11 @@
             </a:pPr>
             <a:r>
               <a:rPr lang="en-US" baseline="0" smtClean="0"/>
-              <a:t>Rất ích nhà hàng ở Việt Nam có trang web.</a:t>
+              <a:t> Rất </a:t>
+            </a:r>
+            <a:r>
+              <a:rPr lang="en-US" baseline="0" smtClean="0"/>
+              <a:t>ích nhà hàng ở Việt Nam có trang web.</a:t>
             </a:r>
           </a:p>
           <a:p>
@@ -1682,11 +1954,15 @@
             </a:pPr>
             <a:r>
               <a:rPr lang="en-US" smtClean="0"/>
-              <a:t>Các</a:t>
+              <a:t> Các</a:t>
             </a:r>
             <a:r>
               <a:rPr lang="en-US" baseline="0" smtClean="0"/>
-              <a:t> trang web của các nhà hàng hàng đầu thế giới cũng không thật sự nổi bật.</a:t>
+              <a:t> </a:t>
+            </a:r>
+            <a:r>
+              <a:rPr lang="en-US" baseline="0" smtClean="0"/>
+              <a:t>trang web của các nhà hàng hàng đầu thế giới cũng không thật sự nổi bật.</a:t>
             </a:r>
           </a:p>
           <a:p>
@@ -1696,7 +1972,11 @@
             </a:pPr>
             <a:r>
               <a:rPr lang="en-US" baseline="0" smtClean="0"/>
-              <a:t>Khi muốn đặt món phải gọi điện trực tiếp (tốn thời gian), hoặc đến tận nhà hàng để coi thực đơn (càng tốn thời gian).</a:t>
+              <a:t> Khi </a:t>
+            </a:r>
+            <a:r>
+              <a:rPr lang="en-US" baseline="0" smtClean="0"/>
+              <a:t>muốn đặt món phải gọi điện trực tiếp (tốn thời gian), hoặc đến tận nhà hàng để coi thực đơn (càng tốn thời gian).</a:t>
             </a:r>
             <a:endParaRPr lang="vi-VN"/>
           </a:p>
@@ -1780,6 +2060,26 @@
           </a:bodyPr>
           <a:lstStyle/>
           <a:p>
+            <a:r>
+              <a:rPr lang="en-US" smtClean="0"/>
+              <a:t>Các</a:t>
+            </a:r>
+            <a:r>
+              <a:rPr lang="en-US" baseline="0" smtClean="0"/>
+              <a:t> yêu cầu phân chia theo 3 phân hệ.</a:t>
+            </a:r>
+          </a:p>
+          <a:p>
+            <a:r>
+              <a:rPr lang="en-US" baseline="0" smtClean="0"/>
+              <a:t>Phân hệ bên phải sẽ bao gồm luôn các chức năng của phân hệ bên trái.</a:t>
+            </a:r>
+          </a:p>
+          <a:p>
+            <a:r>
+              <a:rPr lang="en-US" baseline="0" smtClean="0"/>
+              <a:t>Các chức năng quản lý bao gồm luôn việc thêm-xóa-cập nhật.</a:t>
+            </a:r>
             <a:endParaRPr lang="vi-VN"/>
           </a:p>
         </p:txBody>
@@ -1878,8 +2178,17 @@
             </a:pPr>
             <a:r>
               <a:rPr lang="en-US" baseline="0" smtClean="0"/>
-              <a:t>Người có dùng internet, không cần thường xuyên, ít nhất 1 tháng 1 lần.</a:t>
+              <a:t> Người </a:t>
             </a:r>
+            <a:r>
+              <a:rPr lang="en-US" baseline="0" smtClean="0"/>
+              <a:t>có dùng internet, không cần thường xuyên, ít nhất 1 tháng 1 </a:t>
+            </a:r>
+            <a:r>
+              <a:rPr lang="en-US" baseline="0" smtClean="0"/>
+              <a:t>lần, không cần hiểu biết sâu về tin học.</a:t>
+            </a:r>
+            <a:endParaRPr lang="en-US" baseline="0" smtClean="0"/>
           </a:p>
           <a:p>
             <a:pPr lvl="1">
@@ -1888,7 +2197,11 @@
             </a:pPr>
             <a:r>
               <a:rPr lang="en-US" baseline="0" smtClean="0"/>
-              <a:t>Người có độ tuổi trên 16 tuổi.</a:t>
+              <a:t> Người </a:t>
+            </a:r>
+            <a:r>
+              <a:rPr lang="en-US" baseline="0" smtClean="0"/>
+              <a:t>có độ tuổi trên 16 tuổi.</a:t>
             </a:r>
           </a:p>
           <a:p>
@@ -1898,7 +2211,11 @@
             </a:pPr>
             <a:r>
               <a:rPr lang="en-US" baseline="0" smtClean="0"/>
-              <a:t>Đối tượng là công chức, sinh viên, doanh nhân.</a:t>
+              <a:t> Đối </a:t>
+            </a:r>
+            <a:r>
+              <a:rPr lang="en-US" baseline="0" smtClean="0"/>
+              <a:t>tượng là công chức, sinh viên, doanh nhân.</a:t>
             </a:r>
             <a:endParaRPr lang="vi-VN"/>
           </a:p>
@@ -2028,8 +2345,38 @@
                 <a:ea typeface="+mn-ea"/>
                 <a:cs typeface="+mn-cs"/>
               </a:rPr>
-              <a:t>Chạy thẳng đến nhà hàng và đặt món.</a:t>
+              <a:t> Chạy </a:t>
             </a:r>
+            <a:r>
+              <a:rPr lang="vi-VN" sz="1200" kern="1200" smtClean="0">
+                <a:solidFill>
+                  <a:schemeClr val="tx1"/>
+                </a:solidFill>
+                <a:latin typeface="Arial" charset="0"/>
+                <a:ea typeface="+mn-ea"/>
+                <a:cs typeface="+mn-cs"/>
+              </a:rPr>
+              <a:t>thẳng đến nhà hàng và đặt món</a:t>
+            </a:r>
+            <a:r>
+              <a:rPr lang="vi-VN" sz="1200" kern="1200" smtClean="0">
+                <a:solidFill>
+                  <a:schemeClr val="tx1"/>
+                </a:solidFill>
+                <a:latin typeface="Arial" charset="0"/>
+                <a:ea typeface="+mn-ea"/>
+                <a:cs typeface="+mn-cs"/>
+              </a:rPr>
+              <a:t>.</a:t>
+            </a:r>
+            <a:endParaRPr lang="vi-VN" sz="1200" kern="1200" smtClean="0">
+              <a:solidFill>
+                <a:schemeClr val="tx1"/>
+              </a:solidFill>
+              <a:latin typeface="Arial" charset="0"/>
+              <a:ea typeface="+mn-ea"/>
+              <a:cs typeface="+mn-cs"/>
+            </a:endParaRPr>
           </a:p>
           <a:p>
             <a:pPr lvl="1">
@@ -2045,7 +2392,18 @@
                 <a:ea typeface="+mn-ea"/>
                 <a:cs typeface="+mn-cs"/>
               </a:rPr>
-              <a:t>Gọi điện trực tiếp đến nhà hàng đặt món.</a:t>
+              <a:t> Gọi </a:t>
+            </a:r>
+            <a:r>
+              <a:rPr lang="vi-VN" sz="1200" kern="1200" smtClean="0">
+                <a:solidFill>
+                  <a:schemeClr val="tx1"/>
+                </a:solidFill>
+                <a:latin typeface="Arial" charset="0"/>
+                <a:ea typeface="+mn-ea"/>
+                <a:cs typeface="+mn-cs"/>
+              </a:rPr>
+              <a:t>điện trực tiếp đến nhà hàng đặt món.</a:t>
             </a:r>
           </a:p>
           <a:p>
@@ -2062,7 +2420,18 @@
                 <a:ea typeface="+mn-ea"/>
                 <a:cs typeface="+mn-cs"/>
               </a:rPr>
-              <a:t>Đặt món ăn từ trang web của nhà hàng.</a:t>
+              <a:t> Đặt </a:t>
+            </a:r>
+            <a:r>
+              <a:rPr lang="vi-VN" sz="1200" kern="1200" smtClean="0">
+                <a:solidFill>
+                  <a:schemeClr val="tx1"/>
+                </a:solidFill>
+                <a:latin typeface="Arial" charset="0"/>
+                <a:ea typeface="+mn-ea"/>
+                <a:cs typeface="+mn-cs"/>
+              </a:rPr>
+              <a:t>món ăn từ trang web của nhà hàng.</a:t>
             </a:r>
           </a:p>
           <a:p>
@@ -2079,7 +2448,18 @@
                 <a:ea typeface="+mn-ea"/>
                 <a:cs typeface="+mn-cs"/>
               </a:rPr>
-              <a:t>Khác:________</a:t>
+              <a:t> Khác</a:t>
+            </a:r>
+            <a:r>
+              <a:rPr lang="en-US" sz="1200" kern="1200" smtClean="0">
+                <a:solidFill>
+                  <a:schemeClr val="tx1"/>
+                </a:solidFill>
+                <a:latin typeface="Arial" charset="0"/>
+                <a:ea typeface="+mn-ea"/>
+                <a:cs typeface="+mn-cs"/>
+              </a:rPr>
+              <a:t>:________</a:t>
             </a:r>
             <a:endParaRPr lang="vi-VN" sz="1200" kern="1200" smtClean="0">
               <a:solidFill>
@@ -2146,7 +2526,18 @@
                 <a:ea typeface="+mn-ea"/>
                 <a:cs typeface="+mn-cs"/>
               </a:rPr>
-              <a:t>Bố cục trình bày dễ hiểu, dễ thao tác.</a:t>
+              <a:t> Bố </a:t>
+            </a:r>
+            <a:r>
+              <a:rPr lang="vi-VN" sz="1200" kern="1200" smtClean="0">
+                <a:solidFill>
+                  <a:schemeClr val="tx1"/>
+                </a:solidFill>
+                <a:latin typeface="Arial" charset="0"/>
+                <a:ea typeface="+mn-ea"/>
+                <a:cs typeface="+mn-cs"/>
+              </a:rPr>
+              <a:t>cục trình bày dễ hiểu, dễ thao tác.</a:t>
             </a:r>
           </a:p>
           <a:p>
@@ -2169,7 +2560,18 @@
                 <a:ea typeface="+mn-ea"/>
                 <a:cs typeface="+mn-cs"/>
               </a:rPr>
-              <a:t>Có nhiều hình ảnh sinh động, đủ màu sắc sặc sở.</a:t>
+              <a:t> Có </a:t>
+            </a:r>
+            <a:r>
+              <a:rPr lang="vi-VN" sz="1200" kern="1200" smtClean="0">
+                <a:solidFill>
+                  <a:schemeClr val="tx1"/>
+                </a:solidFill>
+                <a:latin typeface="Arial" charset="0"/>
+                <a:ea typeface="+mn-ea"/>
+                <a:cs typeface="+mn-cs"/>
+              </a:rPr>
+              <a:t>nhiều hình ảnh sinh động, đủ màu sắc sặc sở.</a:t>
             </a:r>
           </a:p>
           <a:p>
@@ -2192,7 +2594,18 @@
                 <a:ea typeface="+mn-ea"/>
                 <a:cs typeface="+mn-cs"/>
               </a:rPr>
-              <a:t>Nội dung hay, đúng tiêu chí người dùng.</a:t>
+              <a:t> Nội </a:t>
+            </a:r>
+            <a:r>
+              <a:rPr lang="vi-VN" sz="1200" kern="1200" smtClean="0">
+                <a:solidFill>
+                  <a:schemeClr val="tx1"/>
+                </a:solidFill>
+                <a:latin typeface="Arial" charset="0"/>
+                <a:ea typeface="+mn-ea"/>
+                <a:cs typeface="+mn-cs"/>
+              </a:rPr>
+              <a:t>dung hay, đúng tiêu chí người dùng.</a:t>
             </a:r>
           </a:p>
           <a:p>
@@ -2215,7 +2628,18 @@
                 <a:ea typeface="+mn-ea"/>
                 <a:cs typeface="+mn-cs"/>
               </a:rPr>
-              <a:t>Khác:________</a:t>
+              <a:t> Khác</a:t>
+            </a:r>
+            <a:r>
+              <a:rPr lang="en-US" sz="1200" kern="1200" smtClean="0">
+                <a:solidFill>
+                  <a:schemeClr val="tx1"/>
+                </a:solidFill>
+                <a:latin typeface="Arial" charset="0"/>
+                <a:ea typeface="+mn-ea"/>
+                <a:cs typeface="+mn-cs"/>
+              </a:rPr>
+              <a:t>:________</a:t>
             </a:r>
             <a:endParaRPr lang="vi-VN" sz="1200" kern="1200" smtClean="0">
               <a:solidFill>
@@ -2304,7 +2728,18 @@
                 <a:ea typeface="+mn-ea"/>
                 <a:cs typeface="+mn-cs"/>
               </a:rPr>
-              <a:t>Gọi điện thoại để xác nhận việc đặt bàn.</a:t>
+              <a:t> Gọi </a:t>
+            </a:r>
+            <a:r>
+              <a:rPr lang="vi-VN" sz="1200" kern="1200" smtClean="0">
+                <a:solidFill>
+                  <a:schemeClr val="tx1"/>
+                </a:solidFill>
+                <a:latin typeface="Arial" charset="0"/>
+                <a:ea typeface="+mn-ea"/>
+                <a:cs typeface="+mn-cs"/>
+              </a:rPr>
+              <a:t>điện thoại để xác nhận việc đặt bàn.</a:t>
             </a:r>
           </a:p>
           <a:p>
@@ -2327,7 +2762,18 @@
                 <a:ea typeface="+mn-ea"/>
                 <a:cs typeface="+mn-cs"/>
               </a:rPr>
-              <a:t>Phải tạo tài khoản và đăng nhập trước khi đặt bàn.</a:t>
+              <a:t> Phải </a:t>
+            </a:r>
+            <a:r>
+              <a:rPr lang="vi-VN" sz="1200" kern="1200" smtClean="0">
+                <a:solidFill>
+                  <a:schemeClr val="tx1"/>
+                </a:solidFill>
+                <a:latin typeface="Arial" charset="0"/>
+                <a:ea typeface="+mn-ea"/>
+                <a:cs typeface="+mn-cs"/>
+              </a:rPr>
+              <a:t>tạo tài khoản và đăng nhập trước khi đặt bàn.</a:t>
             </a:r>
           </a:p>
           <a:p>
@@ -2350,7 +2796,18 @@
                 <a:ea typeface="+mn-ea"/>
                 <a:cs typeface="+mn-cs"/>
               </a:rPr>
-              <a:t>Tốn thời gian thực hiện nhiều bước để đặt bàn.</a:t>
+              <a:t> Tốn </a:t>
+            </a:r>
+            <a:r>
+              <a:rPr lang="vi-VN" sz="1200" kern="1200" smtClean="0">
+                <a:solidFill>
+                  <a:schemeClr val="tx1"/>
+                </a:solidFill>
+                <a:latin typeface="Arial" charset="0"/>
+                <a:ea typeface="+mn-ea"/>
+                <a:cs typeface="+mn-cs"/>
+              </a:rPr>
+              <a:t>thời gian thực hiện nhiều bước để đặt bàn.</a:t>
             </a:r>
           </a:p>
           <a:p>
@@ -2373,7 +2830,18 @@
                 <a:ea typeface="+mn-ea"/>
                 <a:cs typeface="+mn-cs"/>
               </a:rPr>
-              <a:t>Không hỗ trợ tốt quá trình lựa chọn các món ăn.</a:t>
+              <a:t> Không </a:t>
+            </a:r>
+            <a:r>
+              <a:rPr lang="vi-VN" sz="1200" kern="1200" smtClean="0">
+                <a:solidFill>
+                  <a:schemeClr val="tx1"/>
+                </a:solidFill>
+                <a:latin typeface="Arial" charset="0"/>
+                <a:ea typeface="+mn-ea"/>
+                <a:cs typeface="+mn-cs"/>
+              </a:rPr>
+              <a:t>hỗ trợ tốt quá trình lựa chọn các món ăn.</a:t>
             </a:r>
           </a:p>
           <a:p>
@@ -2396,7 +2864,7 @@
                 <a:ea typeface="+mn-ea"/>
                 <a:cs typeface="+mn-cs"/>
               </a:rPr>
-              <a:t>Khác:________</a:t>
+              <a:t> Khác:________</a:t>
             </a:r>
             <a:endParaRPr lang="vi-VN" sz="1200" kern="1200" smtClean="0">
               <a:solidFill>
@@ -2406,9 +2874,6 @@
               <a:ea typeface="+mn-ea"/>
               <a:cs typeface="+mn-cs"/>
             </a:endParaRPr>
-          </a:p>
-          <a:p>
-            <a:endParaRPr lang="en-US" smtClean="0"/>
           </a:p>
         </p:txBody>
       </p:sp>
@@ -2506,7 +2971,11 @@
             </a:pPr>
             <a:r>
               <a:rPr lang="en-US" baseline="0" smtClean="0"/>
-              <a:t>Quảng cáo trên TV: khoảng một phút, nhiều người biết, tốn nhiều tiền, không đầy đủ thông tin.</a:t>
+              <a:t> Quảng </a:t>
+            </a:r>
+            <a:r>
+              <a:rPr lang="en-US" baseline="0" smtClean="0"/>
+              <a:t>cáo trên TV: khoảng một phút, nhiều người biết, tốn nhiều tiền, không đầy đủ thông tin.</a:t>
             </a:r>
           </a:p>
           <a:p>
@@ -2516,7 +2985,11 @@
             </a:pPr>
             <a:r>
               <a:rPr lang="en-US" baseline="0" smtClean="0"/>
-              <a:t>Treo băng-rôn: chi phí rẻ, ít người biết, không đầy đủ thông tin.</a:t>
+              <a:t> Treo </a:t>
+            </a:r>
+            <a:r>
+              <a:rPr lang="en-US" baseline="0" smtClean="0"/>
+              <a:t>băng-rôn: chi phí rẻ, ít người biết, không đầy đủ thông tin.</a:t>
             </a:r>
           </a:p>
           <a:p>
@@ -2526,7 +2999,11 @@
             </a:pPr>
             <a:r>
               <a:rPr lang="en-US" baseline="0" smtClean="0"/>
-              <a:t>Phát tờ rơi: chi phí tương đối, số lượng người biết tương đối, thông tin cũng ở mức tương đối.</a:t>
+              <a:t> Phát </a:t>
+            </a:r>
+            <a:r>
+              <a:rPr lang="en-US" baseline="0" smtClean="0"/>
+              <a:t>tờ rơi: chi phí tương đối, số lượng người biết tương đối, thông tin cũng ở mức tương đối.</a:t>
             </a:r>
           </a:p>
           <a:p>
@@ -2536,7 +3013,11 @@
             </a:pPr>
             <a:r>
               <a:rPr lang="en-US" baseline="0" smtClean="0"/>
-              <a:t>Làm trang web: chi phí tương đối cao, nhiều người biết nếu có khả năng quảng cáo trang web, lượng thông tin nhiều.</a:t>
+              <a:t> Làm </a:t>
+            </a:r>
+            <a:r>
+              <a:rPr lang="en-US" baseline="0" smtClean="0"/>
+              <a:t>trang web: chi phí tương đối cao, nhiều người biết nếu có khả năng quảng cáo trang web, lượng thông tin nhiều.</a:t>
             </a:r>
             <a:endParaRPr lang="vi-VN"/>
           </a:p>
@@ -10512,7 +10993,15 @@
                   <a:srgbClr val="080808"/>
                 </a:solidFill>
               </a:rPr>
-              <a:t>Kiến trúc từng tầng</a:t>
+              <a:t>Kiến trúc từng </a:t>
+            </a:r>
+            <a:r>
+              <a:rPr lang="en-US" sz="2000" smtClean="0">
+                <a:solidFill>
+                  <a:srgbClr val="080808"/>
+                </a:solidFill>
+              </a:rPr>
+              <a:t>tầng dạng 2D/3D</a:t>
             </a:r>
             <a:endParaRPr lang="en-US" sz="2000">
               <a:solidFill>
@@ -10889,8 +11378,21 @@
                   <a:srgbClr val="080808"/>
                 </a:solidFill>
               </a:rPr>
-              <a:t>Nhập từ khóa tìm kiếm.</a:t>
+              <a:t>Nhập từ khóa tìm </a:t>
             </a:r>
+            <a:r>
+              <a:rPr lang="en-US" sz="2000" smtClean="0">
+                <a:solidFill>
+                  <a:srgbClr val="080808"/>
+                </a:solidFill>
+              </a:rPr>
+              <a:t>kiếm</a:t>
+            </a:r>
+            <a:endParaRPr lang="en-US" sz="2000" smtClean="0">
+              <a:solidFill>
+                <a:srgbClr val="080808"/>
+              </a:solidFill>
+            </a:endParaRPr>
           </a:p>
           <a:p>
             <a:pPr marL="171450" indent="-171450"/>
@@ -10900,7 +11402,31 @@
                   <a:srgbClr val="080808"/>
                 </a:solidFill>
               </a:rPr>
-              <a:t>Xem chi tiết kế quả tìm kiếm.</a:t>
+              <a:t>Xem chi tiết </a:t>
+            </a:r>
+            <a:r>
+              <a:rPr lang="en-US" sz="2000" smtClean="0">
+                <a:solidFill>
+                  <a:srgbClr val="080808"/>
+                </a:solidFill>
+              </a:rPr>
+              <a:t>kết </a:t>
+            </a:r>
+            <a:r>
+              <a:rPr lang="en-US" sz="2000" smtClean="0">
+                <a:solidFill>
+                  <a:srgbClr val="080808"/>
+                </a:solidFill>
+              </a:rPr>
+              <a:t>quả tìm </a:t>
+            </a:r>
+            <a:r>
+              <a:rPr lang="en-US" sz="2000" smtClean="0">
+                <a:solidFill>
+                  <a:srgbClr val="080808"/>
+                </a:solidFill>
+              </a:rPr>
+              <a:t>kiếm</a:t>
             </a:r>
             <a:endParaRPr lang="en-US" sz="2000">
               <a:solidFill>
@@ -10948,7 +11474,15 @@
                   <a:srgbClr val="080808"/>
                 </a:solidFill>
               </a:rPr>
-              <a:t>Xem danh sách món theo danh mục</a:t>
+              <a:t>Đặt </a:t>
+            </a:r>
+            <a:r>
+              <a:rPr lang="en-US" sz="2000" smtClean="0">
+                <a:solidFill>
+                  <a:srgbClr val="080808"/>
+                </a:solidFill>
+              </a:rPr>
+              <a:t>món</a:t>
             </a:r>
           </a:p>
           <a:p>
@@ -10959,7 +11493,15 @@
                   <a:srgbClr val="080808"/>
                 </a:solidFill>
               </a:rPr>
-              <a:t>Đặt món</a:t>
+              <a:t>Đặt </a:t>
+            </a:r>
+            <a:r>
+              <a:rPr lang="en-US" sz="2000" smtClean="0">
+                <a:solidFill>
+                  <a:srgbClr val="080808"/>
+                </a:solidFill>
+              </a:rPr>
+              <a:t>bàn</a:t>
             </a:r>
           </a:p>
           <a:p>
@@ -10970,7 +11512,7 @@
                   <a:srgbClr val="080808"/>
                 </a:solidFill>
               </a:rPr>
-              <a:t>Đặt bàn</a:t>
+              <a:t>Đăng nhập/đăng ký</a:t>
             </a:r>
             <a:endParaRPr lang="en-US" sz="2000">
               <a:solidFill>
@@ -13043,8 +13585,10 @@
       </p:grpSpPr>
       <p:pic>
         <p:nvPicPr>
-          <p:cNvPr id="3" name="Picture 2"/>
-          <p:cNvPicPr/>
+          <p:cNvPr id="1026" name="Picture 2"/>
+          <p:cNvPicPr>
+            <a:picLocks noChangeAspect="1" noChangeArrowheads="1"/>
+          </p:cNvPicPr>
           <p:nvPr/>
         </p:nvPicPr>
         <p:blipFill>
@@ -13057,7 +13601,7 @@
         <p:spPr bwMode="auto">
           <a:xfrm>
             <a:off x="0" y="0"/>
-            <a:ext cx="9144000" cy="6858000"/>
+            <a:ext cx="9144000" cy="6923674"/>
           </a:xfrm>
           <a:prstGeom prst="rect">
             <a:avLst/>
@@ -13105,10 +13649,8 @@
       </p:grpSpPr>
       <p:pic>
         <p:nvPicPr>
-          <p:cNvPr id="1026" name="Picture 2"/>
-          <p:cNvPicPr>
-            <a:picLocks noChangeAspect="1" noChangeArrowheads="1"/>
-          </p:cNvPicPr>
+          <p:cNvPr id="3" name="Picture 2"/>
+          <p:cNvPicPr/>
           <p:nvPr/>
         </p:nvPicPr>
         <p:blipFill>
@@ -13121,7 +13663,7 @@
         <p:spPr bwMode="auto">
           <a:xfrm>
             <a:off x="0" y="0"/>
-            <a:ext cx="9144000" cy="6923674"/>
+            <a:ext cx="9144000" cy="6858000"/>
           </a:xfrm>
           <a:prstGeom prst="rect">
             <a:avLst/>
@@ -17431,8 +17973,21 @@
                   <a:srgbClr val="FFFFFF"/>
                 </a:solidFill>
               </a:rPr>
-              <a:t>Đăng nhập.</a:t>
+              <a:t>Đăng </a:t>
             </a:r>
+            <a:r>
+              <a:rPr lang="en-US" sz="1400" smtClean="0">
+                <a:solidFill>
+                  <a:srgbClr val="FFFFFF"/>
+                </a:solidFill>
+              </a:rPr>
+              <a:t>nhập</a:t>
+            </a:r>
+            <a:endParaRPr lang="en-US" sz="1400" smtClean="0">
+              <a:solidFill>
+                <a:srgbClr val="FFFFFF"/>
+              </a:solidFill>
+            </a:endParaRPr>
           </a:p>
           <a:p>
             <a:pPr marL="120650" indent="-120650">
@@ -17451,7 +18006,15 @@
                   <a:srgbClr val="FFFFFF"/>
                 </a:solidFill>
               </a:rPr>
-              <a:t>Đăng ký.</a:t>
+              <a:t>Đăng </a:t>
+            </a:r>
+            <a:r>
+              <a:rPr lang="en-US" sz="1400" smtClean="0">
+                <a:solidFill>
+                  <a:srgbClr val="FFFFFF"/>
+                </a:solidFill>
+              </a:rPr>
+              <a:t>ký</a:t>
             </a:r>
             <a:endParaRPr lang="en-US" sz="1400">
               <a:solidFill>
@@ -21178,6 +21741,32 @@
           </a:p>
         </p:txBody>
       </p:sp>
+      <p:pic>
+        <p:nvPicPr>
+          <p:cNvPr id="5" name="Picture 10" descr="http://t3.gstatic.com/images?q=tbn:ANd9GcTSKPIzSb6YjdrnFmFez-IP1WLpEXKujuqMDDkJjhlYWeI85aVd"/>
+          <p:cNvPicPr>
+            <a:picLocks noChangeAspect="1" noChangeArrowheads="1"/>
+          </p:cNvPicPr>
+          <p:nvPr/>
+        </p:nvPicPr>
+        <p:blipFill>
+          <a:blip r:embed="rId3" cstate="print"/>
+          <a:srcRect/>
+          <a:stretch>
+            <a:fillRect/>
+          </a:stretch>
+        </p:blipFill>
+        <p:spPr bwMode="auto">
+          <a:xfrm>
+            <a:off x="0" y="0"/>
+            <a:ext cx="1331640" cy="1363870"/>
+          </a:xfrm>
+          <a:prstGeom prst="rect">
+            <a:avLst/>
+          </a:prstGeom>
+          <a:noFill/>
+        </p:spPr>
+      </p:pic>
     </p:spTree>
   </p:cSld>
   <p:clrMapOvr>
@@ -28815,7 +29404,7 @@
                   <a:srgbClr val="000000"/>
                 </a:solidFill>
               </a:rPr>
-              <a:t>Công nhân</a:t>
+              <a:t>Nội trợ</a:t>
             </a:r>
             <a:endParaRPr lang="en-US" sz="1200" b="1">
               <a:solidFill>
@@ -29731,7 +30320,7 @@
                   <a:srgbClr val="000000"/>
                 </a:solidFill>
               </a:rPr>
-              <a:t>Nội trợ</a:t>
+              <a:t>Đối tượng khác</a:t>
             </a:r>
             <a:endParaRPr lang="en-US" sz="1200" b="1">
               <a:solidFill>
@@ -30116,7 +30705,7 @@
                   <a:srgbClr val="000000"/>
                 </a:solidFill>
               </a:rPr>
-              <a:t>Đối tượng khác</a:t>
+              <a:t>Doanh nhân</a:t>
             </a:r>
             <a:endParaRPr lang="en-US" sz="1200" b="1">
               <a:solidFill>
@@ -39957,7 +40546,7 @@
         <p:spPr bwMode="gray">
           <a:xfrm>
             <a:off x="4527550" y="2865438"/>
-            <a:ext cx="4038600" cy="592137"/>
+            <a:ext cx="4148906" cy="592137"/>
           </a:xfrm>
           <a:prstGeom prst="roundRect">
             <a:avLst>
@@ -40231,7 +40820,7 @@
         <p:spPr bwMode="gray">
           <a:xfrm>
             <a:off x="4527550" y="3633788"/>
-            <a:ext cx="4038600" cy="592137"/>
+            <a:ext cx="4148906" cy="592137"/>
           </a:xfrm>
           <a:prstGeom prst="roundRect">
             <a:avLst>
@@ -40505,7 +41094,7 @@
         <p:spPr bwMode="gray">
           <a:xfrm>
             <a:off x="4527550" y="4410075"/>
-            <a:ext cx="4038600" cy="592138"/>
+            <a:ext cx="4148906" cy="592138"/>
           </a:xfrm>
           <a:prstGeom prst="roundRect">
             <a:avLst>
@@ -40716,7 +41305,7 @@
         <p:spPr bwMode="gray">
           <a:xfrm>
             <a:off x="5140325" y="4511675"/>
-            <a:ext cx="2159566" cy="369332"/>
+            <a:ext cx="3480440" cy="369332"/>
           </a:xfrm>
           <a:prstGeom prst="rect">
             <a:avLst/>
@@ -40758,7 +41347,15 @@
                   <a:srgbClr val="FFFFFF"/>
                 </a:solidFill>
               </a:rPr>
-              <a:t>Xem giá món ăn</a:t>
+              <a:t>Xem giá món </a:t>
+            </a:r>
+            <a:r>
+              <a:rPr lang="en-US" smtClean="0">
+                <a:solidFill>
+                  <a:srgbClr val="FFFFFF"/>
+                </a:solidFill>
+              </a:rPr>
+              <a:t>ăn và bình luận</a:t>
             </a:r>
             <a:endParaRPr lang="en-US">
               <a:solidFill>
@@ -40779,7 +41376,7 @@
         <p:spPr bwMode="gray">
           <a:xfrm>
             <a:off x="4527550" y="5146675"/>
-            <a:ext cx="4038600" cy="592138"/>
+            <a:ext cx="4148906" cy="592138"/>
           </a:xfrm>
           <a:prstGeom prst="roundRect">
             <a:avLst>

--- a/trunk/PA4/4. Slide/WARM.pptx
+++ b/trunk/PA4/4. Slide/WARM.pptx
@@ -12,11 +12,11 @@
   </p:handoutMasterIdLst>
   <p:sldIdLst>
     <p:sldId id="256" r:id="rId2"/>
-    <p:sldId id="258" r:id="rId3"/>
-    <p:sldId id="293" r:id="rId4"/>
+    <p:sldId id="305" r:id="rId3"/>
+    <p:sldId id="258" r:id="rId4"/>
     <p:sldId id="295" r:id="rId5"/>
     <p:sldId id="296" r:id="rId6"/>
-    <p:sldId id="297" r:id="rId7"/>
+    <p:sldId id="304" r:id="rId7"/>
     <p:sldId id="261" r:id="rId8"/>
     <p:sldId id="268" r:id="rId9"/>
     <p:sldId id="282" r:id="rId10"/>
@@ -24,8 +24,8 @@
     <p:sldId id="299" r:id="rId12"/>
     <p:sldId id="300" r:id="rId13"/>
     <p:sldId id="301" r:id="rId14"/>
-    <p:sldId id="303" r:id="rId15"/>
-    <p:sldId id="302" r:id="rId16"/>
+    <p:sldId id="302" r:id="rId15"/>
+    <p:sldId id="303" r:id="rId16"/>
     <p:sldId id="291" r:id="rId17"/>
     <p:sldId id="287" r:id="rId18"/>
     <p:sldId id="276" r:id="rId19"/>
@@ -164,7 +164,7 @@
 <file path=ppt/charts/chart1.xml><?xml version="1.0" encoding="utf-8"?>
 <c:chartSpace xmlns:c="http://schemas.openxmlformats.org/drawingml/2006/chart" xmlns:a="http://schemas.openxmlformats.org/drawingml/2006/main" xmlns:r="http://schemas.openxmlformats.org/officeDocument/2006/relationships">
   <c:date1904 val="1"/>
-  <c:lang val="vi-VN"/>
+  <c:lang val="en-US"/>
   <c:chart>
     <c:autoTitleDeleted val="1"/>
     <c:view3D>
@@ -178,10 +178,10 @@
           <c:layoutTarget val="inner"/>
           <c:xMode val="edge"/>
           <c:yMode val="edge"/>
-          <c:x val="7.238883143743563E-2"/>
-          <c:y val="0.16610169491525423"/>
+          <c:x val="7.2388831437435686E-2"/>
+          <c:y val="0.1661016949152542"/>
           <c:w val="0.85729058945191317"/>
-          <c:h val="0.66949152542373025"/>
+          <c:h val="0.66949152542373058"/>
         </c:manualLayout>
       </c:layout>
       <c:pie3DChart>
@@ -341,7 +341,7 @@
               <c:idx val="3"/>
               <c:layout>
                 <c:manualLayout>
-                  <c:x val="4.9430272538912627E-2"/>
+                  <c:x val="4.9430272538912655E-2"/>
                   <c:y val="8.8076831305177766E-2"/>
                 </c:manualLayout>
               </c:layout>
@@ -365,7 +365,7 @@
               <c:layout>
                 <c:manualLayout>
                   <c:x val="-0.17960033264157374"/>
-                  <c:y val="6.2378429968981353E-2"/>
+                  <c:y val="6.2378429968981387E-2"/>
                 </c:manualLayout>
               </c:layout>
               <c:tx>
@@ -395,7 +395,7 @@
               <a:lstStyle/>
               <a:p>
                 <a:pPr>
-                  <a:defRPr sz="1109" b="1" i="0" u="none" strike="noStrike" baseline="0">
+                  <a:defRPr lang="vi-VN" sz="1109" b="1" i="0" u="none" strike="noStrike" baseline="0">
                     <a:solidFill>
                       <a:srgbClr val="FFFFFF"/>
                     </a:solidFill>
@@ -404,7 +404,7 @@
                     <a:cs typeface="Arial"/>
                   </a:defRPr>
                 </a:pPr>
-                <a:endParaRPr lang="vi-VN"/>
+                <a:endParaRPr lang="en-US"/>
               </a:p>
             </c:txPr>
             <c:dLblPos val="ctr"/>
@@ -492,7 +492,7 @@
           <a:cs typeface="Arial"/>
         </a:defRPr>
       </a:pPr>
-      <a:endParaRPr lang="vi-VN"/>
+      <a:endParaRPr lang="en-US"/>
     </a:p>
   </c:txPr>
   <c:externalData r:id="rId1"/>
@@ -1395,8 +1395,94 @@
           <a:lstStyle/>
           <a:p>
             <a:r>
-              <a:rPr lang="en-US" baseline="0" smtClean="0"/>
-              <a:t>Cần nêu ra các nguyên tắc chủ yếu như:</a:t>
+              <a:rPr lang="en-US" baseline="0" dirty="0" err="1" smtClean="0"/>
+              <a:t>Các</a:t>
+            </a:r>
+            <a:r>
+              <a:rPr lang="en-US" baseline="0" dirty="0" smtClean="0"/>
+              <a:t> </a:t>
+            </a:r>
+            <a:r>
+              <a:rPr lang="en-US" baseline="0" dirty="0" err="1" smtClean="0"/>
+              <a:t>tieu</a:t>
+            </a:r>
+            <a:r>
+              <a:rPr lang="en-US" baseline="0" dirty="0" smtClean="0"/>
+              <a:t> chi</a:t>
+            </a:r>
+          </a:p>
+          <a:p>
+            <a:r>
+              <a:rPr lang="en-US" baseline="0" dirty="0" err="1" smtClean="0"/>
+              <a:t>Cần</a:t>
+            </a:r>
+            <a:r>
+              <a:rPr lang="en-US" baseline="0" dirty="0" smtClean="0"/>
+              <a:t> </a:t>
+            </a:r>
+            <a:r>
+              <a:rPr lang="en-US" baseline="0" dirty="0" err="1" smtClean="0"/>
+              <a:t>nêu</a:t>
+            </a:r>
+            <a:r>
+              <a:rPr lang="en-US" baseline="0" dirty="0" smtClean="0"/>
+              <a:t> </a:t>
+            </a:r>
+            <a:r>
+              <a:rPr lang="en-US" baseline="0" dirty="0" err="1" smtClean="0"/>
+              <a:t>ra</a:t>
+            </a:r>
+            <a:r>
+              <a:rPr lang="en-US" baseline="0" dirty="0" smtClean="0"/>
+              <a:t> </a:t>
+            </a:r>
+            <a:r>
+              <a:rPr lang="en-US" baseline="0" dirty="0" err="1" smtClean="0"/>
+              <a:t>các</a:t>
+            </a:r>
+            <a:r>
+              <a:rPr lang="en-US" baseline="0" dirty="0" smtClean="0"/>
+              <a:t> </a:t>
+            </a:r>
+            <a:r>
+              <a:rPr lang="en-US" baseline="0" dirty="0" err="1" smtClean="0"/>
+              <a:t>nguyên</a:t>
+            </a:r>
+            <a:r>
+              <a:rPr lang="en-US" baseline="0" dirty="0" smtClean="0"/>
+              <a:t> </a:t>
+            </a:r>
+            <a:r>
+              <a:rPr lang="en-US" baseline="0" dirty="0" err="1" smtClean="0"/>
+              <a:t>tắc</a:t>
+            </a:r>
+            <a:r>
+              <a:rPr lang="en-US" baseline="0" dirty="0" smtClean="0"/>
+              <a:t> </a:t>
+            </a:r>
+            <a:r>
+              <a:rPr lang="en-US" baseline="0" dirty="0" err="1" smtClean="0"/>
+              <a:t>chủ</a:t>
+            </a:r>
+            <a:r>
+              <a:rPr lang="en-US" baseline="0" dirty="0" smtClean="0"/>
+              <a:t> </a:t>
+            </a:r>
+            <a:r>
+              <a:rPr lang="en-US" baseline="0" dirty="0" err="1" smtClean="0"/>
+              <a:t>yếu</a:t>
+            </a:r>
+            <a:r>
+              <a:rPr lang="en-US" baseline="0" dirty="0" smtClean="0"/>
+              <a:t> </a:t>
+            </a:r>
+            <a:r>
+              <a:rPr lang="en-US" baseline="0" dirty="0" err="1" smtClean="0"/>
+              <a:t>như</a:t>
+            </a:r>
+            <a:r>
+              <a:rPr lang="en-US" baseline="0" dirty="0" smtClean="0"/>
+              <a:t>:</a:t>
             </a:r>
           </a:p>
           <a:p>
@@ -1405,8 +1491,80 @@
               <a:buChar char="v"/>
             </a:pPr>
             <a:r>
-              <a:rPr lang="en-US" baseline="0" smtClean="0"/>
-              <a:t> Simple diaglog: hộp thoại thông báo đặt món đơn giản.</a:t>
+              <a:rPr lang="en-US" baseline="0" dirty="0" smtClean="0"/>
+              <a:t> Simple </a:t>
+            </a:r>
+            <a:r>
+              <a:rPr lang="en-US" baseline="0" dirty="0" err="1" smtClean="0"/>
+              <a:t>diaglog</a:t>
+            </a:r>
+            <a:r>
+              <a:rPr lang="en-US" baseline="0" dirty="0" smtClean="0"/>
+              <a:t>: </a:t>
+            </a:r>
+            <a:r>
+              <a:rPr lang="en-US" baseline="0" dirty="0" err="1" smtClean="0"/>
+              <a:t>hộp</a:t>
+            </a:r>
+            <a:r>
+              <a:rPr lang="en-US" baseline="0" dirty="0" smtClean="0"/>
+              <a:t> </a:t>
+            </a:r>
+            <a:r>
+              <a:rPr lang="en-US" baseline="0" dirty="0" err="1" smtClean="0"/>
+              <a:t>thoại</a:t>
+            </a:r>
+            <a:r>
+              <a:rPr lang="en-US" baseline="0" dirty="0" smtClean="0"/>
+              <a:t> </a:t>
+            </a:r>
+            <a:r>
+              <a:rPr lang="en-US" baseline="0" dirty="0" err="1" smtClean="0"/>
+              <a:t>thông</a:t>
+            </a:r>
+            <a:r>
+              <a:rPr lang="en-US" baseline="0" dirty="0" smtClean="0"/>
+              <a:t> </a:t>
+            </a:r>
+            <a:r>
+              <a:rPr lang="en-US" baseline="0" dirty="0" err="1" smtClean="0"/>
+              <a:t>báo</a:t>
+            </a:r>
+            <a:r>
+              <a:rPr lang="en-US" baseline="0" dirty="0" smtClean="0"/>
+              <a:t> </a:t>
+            </a:r>
+            <a:r>
+              <a:rPr lang="en-US" baseline="0" dirty="0" err="1" smtClean="0"/>
+              <a:t>đặt</a:t>
+            </a:r>
+            <a:r>
+              <a:rPr lang="en-US" baseline="0" dirty="0" smtClean="0"/>
+              <a:t> </a:t>
+            </a:r>
+            <a:r>
+              <a:rPr lang="en-US" baseline="0" dirty="0" err="1" smtClean="0"/>
+              <a:t>món</a:t>
+            </a:r>
+            <a:r>
+              <a:rPr lang="en-US" baseline="0" dirty="0" smtClean="0"/>
+              <a:t> </a:t>
+            </a:r>
+            <a:r>
+              <a:rPr lang="en-US" baseline="0" dirty="0" err="1" smtClean="0"/>
+              <a:t>đơn</a:t>
+            </a:r>
+            <a:r>
+              <a:rPr lang="en-US" baseline="0" dirty="0" smtClean="0"/>
+              <a:t> </a:t>
+            </a:r>
+            <a:r>
+              <a:rPr lang="en-US" baseline="0" dirty="0" err="1" smtClean="0"/>
+              <a:t>giản</a:t>
+            </a:r>
+            <a:r>
+              <a:rPr lang="en-US" baseline="0" dirty="0" smtClean="0"/>
+              <a:t>.</a:t>
             </a:r>
           </a:p>
           <a:p>
@@ -1415,8 +1573,56 @@
               <a:buChar char="v"/>
             </a:pPr>
             <a:r>
-              <a:rPr lang="en-US" baseline="0" smtClean="0"/>
-              <a:t> Speak user language: quá trình đặt món nhanh chóng.</a:t>
+              <a:rPr lang="en-US" baseline="0" dirty="0" smtClean="0"/>
+              <a:t> Speak user language: </a:t>
+            </a:r>
+            <a:r>
+              <a:rPr lang="en-US" baseline="0" dirty="0" err="1" smtClean="0"/>
+              <a:t>quá</a:t>
+            </a:r>
+            <a:r>
+              <a:rPr lang="en-US" baseline="0" dirty="0" smtClean="0"/>
+              <a:t> </a:t>
+            </a:r>
+            <a:r>
+              <a:rPr lang="en-US" baseline="0" dirty="0" err="1" smtClean="0"/>
+              <a:t>trình</a:t>
+            </a:r>
+            <a:r>
+              <a:rPr lang="en-US" baseline="0" dirty="0" smtClean="0"/>
+              <a:t> </a:t>
+            </a:r>
+            <a:r>
+              <a:rPr lang="en-US" baseline="0" dirty="0" err="1" smtClean="0"/>
+              <a:t>đặt</a:t>
+            </a:r>
+            <a:r>
+              <a:rPr lang="en-US" baseline="0" dirty="0" smtClean="0"/>
+              <a:t> </a:t>
+            </a:r>
+            <a:r>
+              <a:rPr lang="en-US" baseline="0" dirty="0" err="1" smtClean="0"/>
+              <a:t>món</a:t>
+            </a:r>
+            <a:r>
+              <a:rPr lang="en-US" baseline="0" dirty="0" smtClean="0"/>
+              <a:t> </a:t>
+            </a:r>
+            <a:r>
+              <a:rPr lang="en-US" baseline="0" dirty="0" err="1" smtClean="0"/>
+              <a:t>nhanh</a:t>
+            </a:r>
+            <a:r>
+              <a:rPr lang="en-US" baseline="0" dirty="0" smtClean="0"/>
+              <a:t> </a:t>
+            </a:r>
+            <a:r>
+              <a:rPr lang="en-US" baseline="0" dirty="0" err="1" smtClean="0"/>
+              <a:t>chóng</a:t>
+            </a:r>
+            <a:r>
+              <a:rPr lang="en-US" baseline="0" dirty="0" smtClean="0"/>
+              <a:t>.</a:t>
             </a:r>
           </a:p>
           <a:p>
@@ -1425,7 +1631,7 @@
               <a:buChar char="v"/>
             </a:pPr>
             <a:r>
-              <a:rPr lang="en-US" sz="1200" kern="1200" smtClean="0">
+              <a:rPr lang="en-US" sz="1200" kern="1200" dirty="0" smtClean="0">
                 <a:solidFill>
                   <a:schemeClr val="tx1"/>
                 </a:solidFill>
@@ -1433,10 +1639,10 @@
                 <a:ea typeface="+mn-ea"/>
                 <a:cs typeface="+mn-cs"/>
               </a:rPr>
-              <a:t> Minimize the users' memory load: nhắc</a:t>
-            </a:r>
-            <a:r>
-              <a:rPr lang="en-US" sz="1200" kern="1200" baseline="0" smtClean="0">
+              <a:t> Minimize the users' memory load: </a:t>
+            </a:r>
+            <a:r>
+              <a:rPr lang="en-US" sz="1200" kern="1200" dirty="0" err="1" smtClean="0">
                 <a:solidFill>
                   <a:schemeClr val="tx1"/>
                 </a:solidFill>
@@ -1444,7 +1650,194 @@
                 <a:ea typeface="+mn-ea"/>
                 <a:cs typeface="+mn-cs"/>
               </a:rPr>
-              <a:t> tên món cho người dùng khi tìm kiếm.</a:t>
+              <a:t>nhắc</a:t>
+            </a:r>
+            <a:r>
+              <a:rPr lang="en-US" sz="1200" kern="1200" baseline="0" dirty="0" smtClean="0">
+                <a:solidFill>
+                  <a:schemeClr val="tx1"/>
+                </a:solidFill>
+                <a:latin typeface="Arial" charset="0"/>
+                <a:ea typeface="+mn-ea"/>
+                <a:cs typeface="+mn-cs"/>
+              </a:rPr>
+              <a:t> </a:t>
+            </a:r>
+            <a:r>
+              <a:rPr lang="en-US" sz="1200" kern="1200" baseline="0" dirty="0" err="1" smtClean="0">
+                <a:solidFill>
+                  <a:schemeClr val="tx1"/>
+                </a:solidFill>
+                <a:latin typeface="Arial" charset="0"/>
+                <a:ea typeface="+mn-ea"/>
+                <a:cs typeface="+mn-cs"/>
+              </a:rPr>
+              <a:t>tên</a:t>
+            </a:r>
+            <a:r>
+              <a:rPr lang="en-US" sz="1200" kern="1200" baseline="0" dirty="0" smtClean="0">
+                <a:solidFill>
+                  <a:schemeClr val="tx1"/>
+                </a:solidFill>
+                <a:latin typeface="Arial" charset="0"/>
+                <a:ea typeface="+mn-ea"/>
+                <a:cs typeface="+mn-cs"/>
+              </a:rPr>
+              <a:t> </a:t>
+            </a:r>
+            <a:r>
+              <a:rPr lang="en-US" sz="1200" kern="1200" baseline="0" dirty="0" err="1" smtClean="0">
+                <a:solidFill>
+                  <a:schemeClr val="tx1"/>
+                </a:solidFill>
+                <a:latin typeface="Arial" charset="0"/>
+                <a:ea typeface="+mn-ea"/>
+                <a:cs typeface="+mn-cs"/>
+              </a:rPr>
+              <a:t>món</a:t>
+            </a:r>
+            <a:r>
+              <a:rPr lang="en-US" sz="1200" kern="1200" baseline="0" dirty="0" smtClean="0">
+                <a:solidFill>
+                  <a:schemeClr val="tx1"/>
+                </a:solidFill>
+                <a:latin typeface="Arial" charset="0"/>
+                <a:ea typeface="+mn-ea"/>
+                <a:cs typeface="+mn-cs"/>
+              </a:rPr>
+              <a:t> </a:t>
+            </a:r>
+            <a:r>
+              <a:rPr lang="en-US" sz="1200" kern="1200" baseline="0" dirty="0" err="1" smtClean="0">
+                <a:solidFill>
+                  <a:schemeClr val="tx1"/>
+                </a:solidFill>
+                <a:latin typeface="Arial" charset="0"/>
+                <a:ea typeface="+mn-ea"/>
+                <a:cs typeface="+mn-cs"/>
+              </a:rPr>
+              <a:t>cho</a:t>
+            </a:r>
+            <a:r>
+              <a:rPr lang="en-US" sz="1200" kern="1200" baseline="0" dirty="0" smtClean="0">
+                <a:solidFill>
+                  <a:schemeClr val="tx1"/>
+                </a:solidFill>
+                <a:latin typeface="Arial" charset="0"/>
+                <a:ea typeface="+mn-ea"/>
+                <a:cs typeface="+mn-cs"/>
+              </a:rPr>
+              <a:t> </a:t>
+            </a:r>
+            <a:r>
+              <a:rPr lang="en-US" sz="1200" kern="1200" baseline="0" dirty="0" err="1" smtClean="0">
+                <a:solidFill>
+                  <a:schemeClr val="tx1"/>
+                </a:solidFill>
+                <a:latin typeface="Arial" charset="0"/>
+                <a:ea typeface="+mn-ea"/>
+                <a:cs typeface="+mn-cs"/>
+              </a:rPr>
+              <a:t>người</a:t>
+            </a:r>
+            <a:r>
+              <a:rPr lang="en-US" sz="1200" kern="1200" baseline="0" dirty="0" smtClean="0">
+                <a:solidFill>
+                  <a:schemeClr val="tx1"/>
+                </a:solidFill>
+                <a:latin typeface="Arial" charset="0"/>
+                <a:ea typeface="+mn-ea"/>
+                <a:cs typeface="+mn-cs"/>
+              </a:rPr>
+              <a:t> </a:t>
+            </a:r>
+            <a:r>
+              <a:rPr lang="en-US" sz="1200" kern="1200" baseline="0" dirty="0" err="1" smtClean="0">
+                <a:solidFill>
+                  <a:schemeClr val="tx1"/>
+                </a:solidFill>
+                <a:latin typeface="Arial" charset="0"/>
+                <a:ea typeface="+mn-ea"/>
+                <a:cs typeface="+mn-cs"/>
+              </a:rPr>
+              <a:t>dùng</a:t>
+            </a:r>
+            <a:r>
+              <a:rPr lang="en-US" sz="1200" kern="1200" baseline="0" dirty="0" smtClean="0">
+                <a:solidFill>
+                  <a:schemeClr val="tx1"/>
+                </a:solidFill>
+                <a:latin typeface="Arial" charset="0"/>
+                <a:ea typeface="+mn-ea"/>
+                <a:cs typeface="+mn-cs"/>
+              </a:rPr>
+              <a:t> </a:t>
+            </a:r>
+            <a:r>
+              <a:rPr lang="en-US" sz="1200" kern="1200" baseline="0" dirty="0" err="1" smtClean="0">
+                <a:solidFill>
+                  <a:schemeClr val="tx1"/>
+                </a:solidFill>
+                <a:latin typeface="Arial" charset="0"/>
+                <a:ea typeface="+mn-ea"/>
+                <a:cs typeface="+mn-cs"/>
+              </a:rPr>
+              <a:t>khi</a:t>
+            </a:r>
+            <a:r>
+              <a:rPr lang="en-US" sz="1200" kern="1200" baseline="0" dirty="0" smtClean="0">
+                <a:solidFill>
+                  <a:schemeClr val="tx1"/>
+                </a:solidFill>
+                <a:latin typeface="Arial" charset="0"/>
+                <a:ea typeface="+mn-ea"/>
+                <a:cs typeface="+mn-cs"/>
+              </a:rPr>
+              <a:t> </a:t>
+            </a:r>
+            <a:r>
+              <a:rPr lang="en-US" sz="1200" kern="1200" baseline="0" dirty="0" err="1" smtClean="0">
+                <a:solidFill>
+                  <a:schemeClr val="tx1"/>
+                </a:solidFill>
+                <a:latin typeface="Arial" charset="0"/>
+                <a:ea typeface="+mn-ea"/>
+                <a:cs typeface="+mn-cs"/>
+              </a:rPr>
+              <a:t>tìm</a:t>
+            </a:r>
+            <a:r>
+              <a:rPr lang="en-US" sz="1200" kern="1200" baseline="0" dirty="0" smtClean="0">
+                <a:solidFill>
+                  <a:schemeClr val="tx1"/>
+                </a:solidFill>
+                <a:latin typeface="Arial" charset="0"/>
+                <a:ea typeface="+mn-ea"/>
+                <a:cs typeface="+mn-cs"/>
+              </a:rPr>
+              <a:t> </a:t>
+            </a:r>
+            <a:r>
+              <a:rPr lang="en-US" sz="1200" kern="1200" baseline="0" dirty="0" err="1" smtClean="0">
+                <a:solidFill>
+                  <a:schemeClr val="tx1"/>
+                </a:solidFill>
+                <a:latin typeface="Arial" charset="0"/>
+                <a:ea typeface="+mn-ea"/>
+                <a:cs typeface="+mn-cs"/>
+              </a:rPr>
+              <a:t>kiếm</a:t>
+            </a:r>
+            <a:r>
+              <a:rPr lang="en-US" sz="1200" kern="1200" baseline="0" dirty="0" smtClean="0">
+                <a:solidFill>
+                  <a:schemeClr val="tx1"/>
+                </a:solidFill>
+                <a:latin typeface="Arial" charset="0"/>
+                <a:ea typeface="+mn-ea"/>
+                <a:cs typeface="+mn-cs"/>
+              </a:rPr>
+              <a:t>.</a:t>
             </a:r>
           </a:p>
           <a:p>
@@ -1466,7 +1859,7 @@
               <a:defRPr/>
             </a:pPr>
             <a:r>
-              <a:rPr lang="en-US" sz="1200" kern="1200" smtClean="0">
+              <a:rPr lang="en-US" sz="1200" kern="1200" dirty="0" smtClean="0">
                 <a:solidFill>
                   <a:schemeClr val="tx1"/>
                 </a:solidFill>
@@ -1477,7 +1870,7 @@
               <a:t> Consistency:</a:t>
             </a:r>
             <a:r>
-              <a:rPr lang="en-US" sz="1200" kern="1200" baseline="0" smtClean="0">
+              <a:rPr lang="en-US" sz="1200" kern="1200" baseline="0" dirty="0" smtClean="0">
                 <a:solidFill>
                   <a:schemeClr val="tx1"/>
                 </a:solidFill>
@@ -1485,7 +1878,139 @@
                 <a:ea typeface="+mn-ea"/>
                 <a:cs typeface="+mn-cs"/>
               </a:rPr>
-              <a:t> giao diện thống nhất ở các button và textbox.</a:t>
+              <a:t> </a:t>
+            </a:r>
+            <a:r>
+              <a:rPr lang="en-US" sz="1200" kern="1200" baseline="0" dirty="0" err="1" smtClean="0">
+                <a:solidFill>
+                  <a:schemeClr val="tx1"/>
+                </a:solidFill>
+                <a:latin typeface="Arial" charset="0"/>
+                <a:ea typeface="+mn-ea"/>
+                <a:cs typeface="+mn-cs"/>
+              </a:rPr>
+              <a:t>giao</a:t>
+            </a:r>
+            <a:r>
+              <a:rPr lang="en-US" sz="1200" kern="1200" baseline="0" dirty="0" smtClean="0">
+                <a:solidFill>
+                  <a:schemeClr val="tx1"/>
+                </a:solidFill>
+                <a:latin typeface="Arial" charset="0"/>
+                <a:ea typeface="+mn-ea"/>
+                <a:cs typeface="+mn-cs"/>
+              </a:rPr>
+              <a:t> </a:t>
+            </a:r>
+            <a:r>
+              <a:rPr lang="en-US" sz="1200" kern="1200" baseline="0" dirty="0" err="1" smtClean="0">
+                <a:solidFill>
+                  <a:schemeClr val="tx1"/>
+                </a:solidFill>
+                <a:latin typeface="Arial" charset="0"/>
+                <a:ea typeface="+mn-ea"/>
+                <a:cs typeface="+mn-cs"/>
+              </a:rPr>
+              <a:t>diện</a:t>
+            </a:r>
+            <a:r>
+              <a:rPr lang="en-US" sz="1200" kern="1200" baseline="0" dirty="0" smtClean="0">
+                <a:solidFill>
+                  <a:schemeClr val="tx1"/>
+                </a:solidFill>
+                <a:latin typeface="Arial" charset="0"/>
+                <a:ea typeface="+mn-ea"/>
+                <a:cs typeface="+mn-cs"/>
+              </a:rPr>
+              <a:t> </a:t>
+            </a:r>
+            <a:r>
+              <a:rPr lang="en-US" sz="1200" kern="1200" baseline="0" dirty="0" err="1" smtClean="0">
+                <a:solidFill>
+                  <a:schemeClr val="tx1"/>
+                </a:solidFill>
+                <a:latin typeface="Arial" charset="0"/>
+                <a:ea typeface="+mn-ea"/>
+                <a:cs typeface="+mn-cs"/>
+              </a:rPr>
+              <a:t>thống</a:t>
+            </a:r>
+            <a:r>
+              <a:rPr lang="en-US" sz="1200" kern="1200" baseline="0" dirty="0" smtClean="0">
+                <a:solidFill>
+                  <a:schemeClr val="tx1"/>
+                </a:solidFill>
+                <a:latin typeface="Arial" charset="0"/>
+                <a:ea typeface="+mn-ea"/>
+                <a:cs typeface="+mn-cs"/>
+              </a:rPr>
+              <a:t> </a:t>
+            </a:r>
+            <a:r>
+              <a:rPr lang="en-US" sz="1200" kern="1200" baseline="0" dirty="0" err="1" smtClean="0">
+                <a:solidFill>
+                  <a:schemeClr val="tx1"/>
+                </a:solidFill>
+                <a:latin typeface="Arial" charset="0"/>
+                <a:ea typeface="+mn-ea"/>
+                <a:cs typeface="+mn-cs"/>
+              </a:rPr>
+              <a:t>nhất</a:t>
+            </a:r>
+            <a:r>
+              <a:rPr lang="en-US" sz="1200" kern="1200" baseline="0" dirty="0" smtClean="0">
+                <a:solidFill>
+                  <a:schemeClr val="tx1"/>
+                </a:solidFill>
+                <a:latin typeface="Arial" charset="0"/>
+                <a:ea typeface="+mn-ea"/>
+                <a:cs typeface="+mn-cs"/>
+              </a:rPr>
+              <a:t> ở </a:t>
+            </a:r>
+            <a:r>
+              <a:rPr lang="en-US" sz="1200" kern="1200" baseline="0" dirty="0" err="1" smtClean="0">
+                <a:solidFill>
+                  <a:schemeClr val="tx1"/>
+                </a:solidFill>
+                <a:latin typeface="Arial" charset="0"/>
+                <a:ea typeface="+mn-ea"/>
+                <a:cs typeface="+mn-cs"/>
+              </a:rPr>
+              <a:t>các</a:t>
+            </a:r>
+            <a:r>
+              <a:rPr lang="en-US" sz="1200" kern="1200" baseline="0" dirty="0" smtClean="0">
+                <a:solidFill>
+                  <a:schemeClr val="tx1"/>
+                </a:solidFill>
+                <a:latin typeface="Arial" charset="0"/>
+                <a:ea typeface="+mn-ea"/>
+                <a:cs typeface="+mn-cs"/>
+              </a:rPr>
+              <a:t> button </a:t>
+            </a:r>
+            <a:r>
+              <a:rPr lang="en-US" sz="1200" kern="1200" baseline="0" dirty="0" err="1" smtClean="0">
+                <a:solidFill>
+                  <a:schemeClr val="tx1"/>
+                </a:solidFill>
+                <a:latin typeface="Arial" charset="0"/>
+                <a:ea typeface="+mn-ea"/>
+                <a:cs typeface="+mn-cs"/>
+              </a:rPr>
+              <a:t>và</a:t>
+            </a:r>
+            <a:r>
+              <a:rPr lang="en-US" sz="1200" kern="1200" baseline="0" dirty="0" smtClean="0">
+                <a:solidFill>
+                  <a:schemeClr val="tx1"/>
+                </a:solidFill>
+                <a:latin typeface="Arial" charset="0"/>
+                <a:ea typeface="+mn-ea"/>
+                <a:cs typeface="+mn-cs"/>
+              </a:rPr>
+              <a:t> textbox.</a:t>
             </a:r>
           </a:p>
           <a:p>
@@ -1507,7 +2032,7 @@
               <a:defRPr/>
             </a:pPr>
             <a:r>
-              <a:rPr lang="en-US" sz="1200" kern="1200" smtClean="0">
+              <a:rPr lang="en-US" sz="1200" kern="1200" dirty="0" smtClean="0">
                 <a:solidFill>
                   <a:schemeClr val="tx1"/>
                 </a:solidFill>
@@ -1515,10 +2040,10 @@
                 <a:ea typeface="+mn-ea"/>
                 <a:cs typeface="+mn-cs"/>
               </a:rPr>
-              <a:t> Feedback: phản</a:t>
-            </a:r>
-            <a:r>
-              <a:rPr lang="en-US" sz="1200" kern="1200" baseline="0" smtClean="0">
+              <a:t> Feedback: </a:t>
+            </a:r>
+            <a:r>
+              <a:rPr lang="en-US" sz="1200" kern="1200" dirty="0" err="1" smtClean="0">
                 <a:solidFill>
                   <a:schemeClr val="tx1"/>
                 </a:solidFill>
@@ -1526,9 +2051,328 @@
                 <a:ea typeface="+mn-ea"/>
                 <a:cs typeface="+mn-cs"/>
               </a:rPr>
-              <a:t> hồi khi người dùng chọn chức năng hay thông báo khi đặt món thành công.</a:t>
-            </a:r>
-            <a:endParaRPr lang="en-US" baseline="0" smtClean="0"/>
+              <a:t>phản</a:t>
+            </a:r>
+            <a:r>
+              <a:rPr lang="en-US" sz="1200" kern="1200" baseline="0" dirty="0" smtClean="0">
+                <a:solidFill>
+                  <a:schemeClr val="tx1"/>
+                </a:solidFill>
+                <a:latin typeface="Arial" charset="0"/>
+                <a:ea typeface="+mn-ea"/>
+                <a:cs typeface="+mn-cs"/>
+              </a:rPr>
+              <a:t> </a:t>
+            </a:r>
+            <a:r>
+              <a:rPr lang="en-US" sz="1200" kern="1200" baseline="0" dirty="0" err="1" smtClean="0">
+                <a:solidFill>
+                  <a:schemeClr val="tx1"/>
+                </a:solidFill>
+                <a:latin typeface="Arial" charset="0"/>
+                <a:ea typeface="+mn-ea"/>
+                <a:cs typeface="+mn-cs"/>
+              </a:rPr>
+              <a:t>hồi</a:t>
+            </a:r>
+            <a:r>
+              <a:rPr lang="en-US" sz="1200" kern="1200" baseline="0" dirty="0" smtClean="0">
+                <a:solidFill>
+                  <a:schemeClr val="tx1"/>
+                </a:solidFill>
+                <a:latin typeface="Arial" charset="0"/>
+                <a:ea typeface="+mn-ea"/>
+                <a:cs typeface="+mn-cs"/>
+              </a:rPr>
+              <a:t> </a:t>
+            </a:r>
+            <a:r>
+              <a:rPr lang="en-US" sz="1200" kern="1200" baseline="0" dirty="0" err="1" smtClean="0">
+                <a:solidFill>
+                  <a:schemeClr val="tx1"/>
+                </a:solidFill>
+                <a:latin typeface="Arial" charset="0"/>
+                <a:ea typeface="+mn-ea"/>
+                <a:cs typeface="+mn-cs"/>
+              </a:rPr>
+              <a:t>khi</a:t>
+            </a:r>
+            <a:r>
+              <a:rPr lang="en-US" sz="1200" kern="1200" baseline="0" dirty="0" smtClean="0">
+                <a:solidFill>
+                  <a:schemeClr val="tx1"/>
+                </a:solidFill>
+                <a:latin typeface="Arial" charset="0"/>
+                <a:ea typeface="+mn-ea"/>
+                <a:cs typeface="+mn-cs"/>
+              </a:rPr>
+              <a:t> </a:t>
+            </a:r>
+            <a:r>
+              <a:rPr lang="en-US" sz="1200" kern="1200" baseline="0" dirty="0" err="1" smtClean="0">
+                <a:solidFill>
+                  <a:schemeClr val="tx1"/>
+                </a:solidFill>
+                <a:latin typeface="Arial" charset="0"/>
+                <a:ea typeface="+mn-ea"/>
+                <a:cs typeface="+mn-cs"/>
+              </a:rPr>
+              <a:t>người</a:t>
+            </a:r>
+            <a:r>
+              <a:rPr lang="en-US" sz="1200" kern="1200" baseline="0" dirty="0" smtClean="0">
+                <a:solidFill>
+                  <a:schemeClr val="tx1"/>
+                </a:solidFill>
+                <a:latin typeface="Arial" charset="0"/>
+                <a:ea typeface="+mn-ea"/>
+                <a:cs typeface="+mn-cs"/>
+              </a:rPr>
+              <a:t> </a:t>
+            </a:r>
+            <a:r>
+              <a:rPr lang="en-US" sz="1200" kern="1200" baseline="0" dirty="0" err="1" smtClean="0">
+                <a:solidFill>
+                  <a:schemeClr val="tx1"/>
+                </a:solidFill>
+                <a:latin typeface="Arial" charset="0"/>
+                <a:ea typeface="+mn-ea"/>
+                <a:cs typeface="+mn-cs"/>
+              </a:rPr>
+              <a:t>dùng</a:t>
+            </a:r>
+            <a:r>
+              <a:rPr lang="en-US" sz="1200" kern="1200" baseline="0" dirty="0" smtClean="0">
+                <a:solidFill>
+                  <a:schemeClr val="tx1"/>
+                </a:solidFill>
+                <a:latin typeface="Arial" charset="0"/>
+                <a:ea typeface="+mn-ea"/>
+                <a:cs typeface="+mn-cs"/>
+              </a:rPr>
+              <a:t> </a:t>
+            </a:r>
+            <a:r>
+              <a:rPr lang="en-US" sz="1200" kern="1200" baseline="0" dirty="0" err="1" smtClean="0">
+                <a:solidFill>
+                  <a:schemeClr val="tx1"/>
+                </a:solidFill>
+                <a:latin typeface="Arial" charset="0"/>
+                <a:ea typeface="+mn-ea"/>
+                <a:cs typeface="+mn-cs"/>
+              </a:rPr>
+              <a:t>chọn</a:t>
+            </a:r>
+            <a:r>
+              <a:rPr lang="en-US" sz="1200" kern="1200" baseline="0" dirty="0" smtClean="0">
+                <a:solidFill>
+                  <a:schemeClr val="tx1"/>
+                </a:solidFill>
+                <a:latin typeface="Arial" charset="0"/>
+                <a:ea typeface="+mn-ea"/>
+                <a:cs typeface="+mn-cs"/>
+              </a:rPr>
+              <a:t> </a:t>
+            </a:r>
+            <a:r>
+              <a:rPr lang="en-US" sz="1200" kern="1200" baseline="0" dirty="0" err="1" smtClean="0">
+                <a:solidFill>
+                  <a:schemeClr val="tx1"/>
+                </a:solidFill>
+                <a:latin typeface="Arial" charset="0"/>
+                <a:ea typeface="+mn-ea"/>
+                <a:cs typeface="+mn-cs"/>
+              </a:rPr>
+              <a:t>chức</a:t>
+            </a:r>
+            <a:r>
+              <a:rPr lang="en-US" sz="1200" kern="1200" baseline="0" dirty="0" smtClean="0">
+                <a:solidFill>
+                  <a:schemeClr val="tx1"/>
+                </a:solidFill>
+                <a:latin typeface="Arial" charset="0"/>
+                <a:ea typeface="+mn-ea"/>
+                <a:cs typeface="+mn-cs"/>
+              </a:rPr>
+              <a:t> </a:t>
+            </a:r>
+            <a:r>
+              <a:rPr lang="en-US" sz="1200" kern="1200" baseline="0" dirty="0" err="1" smtClean="0">
+                <a:solidFill>
+                  <a:schemeClr val="tx1"/>
+                </a:solidFill>
+                <a:latin typeface="Arial" charset="0"/>
+                <a:ea typeface="+mn-ea"/>
+                <a:cs typeface="+mn-cs"/>
+              </a:rPr>
+              <a:t>năng</a:t>
+            </a:r>
+            <a:r>
+              <a:rPr lang="en-US" sz="1200" kern="1200" baseline="0" dirty="0" smtClean="0">
+                <a:solidFill>
+                  <a:schemeClr val="tx1"/>
+                </a:solidFill>
+                <a:latin typeface="Arial" charset="0"/>
+                <a:ea typeface="+mn-ea"/>
+                <a:cs typeface="+mn-cs"/>
+              </a:rPr>
+              <a:t> hay </a:t>
+            </a:r>
+            <a:r>
+              <a:rPr lang="en-US" sz="1200" kern="1200" baseline="0" dirty="0" err="1" smtClean="0">
+                <a:solidFill>
+                  <a:schemeClr val="tx1"/>
+                </a:solidFill>
+                <a:latin typeface="Arial" charset="0"/>
+                <a:ea typeface="+mn-ea"/>
+                <a:cs typeface="+mn-cs"/>
+              </a:rPr>
+              <a:t>thông</a:t>
+            </a:r>
+            <a:r>
+              <a:rPr lang="en-US" sz="1200" kern="1200" baseline="0" dirty="0" smtClean="0">
+                <a:solidFill>
+                  <a:schemeClr val="tx1"/>
+                </a:solidFill>
+                <a:latin typeface="Arial" charset="0"/>
+                <a:ea typeface="+mn-ea"/>
+                <a:cs typeface="+mn-cs"/>
+              </a:rPr>
+              <a:t> </a:t>
+            </a:r>
+            <a:r>
+              <a:rPr lang="en-US" sz="1200" kern="1200" baseline="0" dirty="0" err="1" smtClean="0">
+                <a:solidFill>
+                  <a:schemeClr val="tx1"/>
+                </a:solidFill>
+                <a:latin typeface="Arial" charset="0"/>
+                <a:ea typeface="+mn-ea"/>
+                <a:cs typeface="+mn-cs"/>
+              </a:rPr>
+              <a:t>báo</a:t>
+            </a:r>
+            <a:r>
+              <a:rPr lang="en-US" sz="1200" kern="1200" baseline="0" dirty="0" smtClean="0">
+                <a:solidFill>
+                  <a:schemeClr val="tx1"/>
+                </a:solidFill>
+                <a:latin typeface="Arial" charset="0"/>
+                <a:ea typeface="+mn-ea"/>
+                <a:cs typeface="+mn-cs"/>
+              </a:rPr>
+              <a:t> </a:t>
+            </a:r>
+            <a:r>
+              <a:rPr lang="en-US" sz="1200" kern="1200" baseline="0" dirty="0" err="1" smtClean="0">
+                <a:solidFill>
+                  <a:schemeClr val="tx1"/>
+                </a:solidFill>
+                <a:latin typeface="Arial" charset="0"/>
+                <a:ea typeface="+mn-ea"/>
+                <a:cs typeface="+mn-cs"/>
+              </a:rPr>
+              <a:t>khi</a:t>
+            </a:r>
+            <a:r>
+              <a:rPr lang="en-US" sz="1200" kern="1200" baseline="0" dirty="0" smtClean="0">
+                <a:solidFill>
+                  <a:schemeClr val="tx1"/>
+                </a:solidFill>
+                <a:latin typeface="Arial" charset="0"/>
+                <a:ea typeface="+mn-ea"/>
+                <a:cs typeface="+mn-cs"/>
+              </a:rPr>
+              <a:t> </a:t>
+            </a:r>
+            <a:r>
+              <a:rPr lang="en-US" sz="1200" kern="1200" baseline="0" dirty="0" err="1" smtClean="0">
+                <a:solidFill>
+                  <a:schemeClr val="tx1"/>
+                </a:solidFill>
+                <a:latin typeface="Arial" charset="0"/>
+                <a:ea typeface="+mn-ea"/>
+                <a:cs typeface="+mn-cs"/>
+              </a:rPr>
+              <a:t>đặt</a:t>
+            </a:r>
+            <a:r>
+              <a:rPr lang="en-US" sz="1200" kern="1200" baseline="0" dirty="0" smtClean="0">
+                <a:solidFill>
+                  <a:schemeClr val="tx1"/>
+                </a:solidFill>
+                <a:latin typeface="Arial" charset="0"/>
+                <a:ea typeface="+mn-ea"/>
+                <a:cs typeface="+mn-cs"/>
+              </a:rPr>
+              <a:t> </a:t>
+            </a:r>
+            <a:r>
+              <a:rPr lang="en-US" sz="1200" kern="1200" baseline="0" dirty="0" err="1" smtClean="0">
+                <a:solidFill>
+                  <a:schemeClr val="tx1"/>
+                </a:solidFill>
+                <a:latin typeface="Arial" charset="0"/>
+                <a:ea typeface="+mn-ea"/>
+                <a:cs typeface="+mn-cs"/>
+              </a:rPr>
+              <a:t>món</a:t>
+            </a:r>
+            <a:r>
+              <a:rPr lang="en-US" sz="1200" kern="1200" baseline="0" dirty="0" smtClean="0">
+                <a:solidFill>
+                  <a:schemeClr val="tx1"/>
+                </a:solidFill>
+                <a:latin typeface="Arial" charset="0"/>
+                <a:ea typeface="+mn-ea"/>
+                <a:cs typeface="+mn-cs"/>
+              </a:rPr>
+              <a:t> </a:t>
+            </a:r>
+            <a:r>
+              <a:rPr lang="en-US" sz="1200" kern="1200" baseline="0" dirty="0" err="1" smtClean="0">
+                <a:solidFill>
+                  <a:schemeClr val="tx1"/>
+                </a:solidFill>
+                <a:latin typeface="Arial" charset="0"/>
+                <a:ea typeface="+mn-ea"/>
+                <a:cs typeface="+mn-cs"/>
+              </a:rPr>
+              <a:t>thành</a:t>
+            </a:r>
+            <a:r>
+              <a:rPr lang="en-US" sz="1200" kern="1200" baseline="0" dirty="0" smtClean="0">
+                <a:solidFill>
+                  <a:schemeClr val="tx1"/>
+                </a:solidFill>
+                <a:latin typeface="Arial" charset="0"/>
+                <a:ea typeface="+mn-ea"/>
+                <a:cs typeface="+mn-cs"/>
+              </a:rPr>
+              <a:t> </a:t>
+            </a:r>
+            <a:r>
+              <a:rPr lang="en-US" sz="1200" kern="1200" baseline="0" dirty="0" err="1" smtClean="0">
+                <a:solidFill>
+                  <a:schemeClr val="tx1"/>
+                </a:solidFill>
+                <a:latin typeface="Arial" charset="0"/>
+                <a:ea typeface="+mn-ea"/>
+                <a:cs typeface="+mn-cs"/>
+              </a:rPr>
+              <a:t>công</a:t>
+            </a:r>
+            <a:r>
+              <a:rPr lang="en-US" sz="1200" kern="1200" baseline="0" dirty="0" smtClean="0">
+                <a:solidFill>
+                  <a:schemeClr val="tx1"/>
+                </a:solidFill>
+                <a:latin typeface="Arial" charset="0"/>
+                <a:ea typeface="+mn-ea"/>
+                <a:cs typeface="+mn-cs"/>
+              </a:rPr>
+              <a:t>.</a:t>
+            </a:r>
+            <a:endParaRPr lang="en-US" baseline="0" dirty="0" smtClean="0"/>
           </a:p>
           <a:p>
             <a:pPr lvl="1">
@@ -1536,7 +2380,7 @@
               <a:buChar char="v"/>
             </a:pPr>
             <a:r>
-              <a:rPr lang="en-US" sz="1200" kern="1200" smtClean="0">
+              <a:rPr lang="en-US" sz="1200" kern="1200" dirty="0" smtClean="0">
                 <a:solidFill>
                   <a:schemeClr val="tx1"/>
                 </a:solidFill>
@@ -1547,7 +2391,7 @@
               <a:t> Clearly marked exits:</a:t>
             </a:r>
             <a:r>
-              <a:rPr lang="en-US" sz="1200" kern="1200" baseline="0" smtClean="0">
+              <a:rPr lang="en-US" sz="1200" kern="1200" baseline="0" dirty="0" smtClean="0">
                 <a:solidFill>
                   <a:schemeClr val="tx1"/>
                 </a:solidFill>
@@ -1555,16 +2399,10 @@
                 <a:ea typeface="+mn-ea"/>
                 <a:cs typeface="+mn-cs"/>
               </a:rPr>
-              <a:t> không có.</a:t>
-            </a:r>
-          </a:p>
-          <a:p>
-            <a:pPr lvl="1">
-              <a:buFont typeface="Wingdings" pitchFamily="2" charset="2"/>
-              <a:buChar char="v"/>
-            </a:pPr>
-            <a:r>
-              <a:rPr lang="en-US" sz="1200" kern="1200" smtClean="0">
+              <a:t> </a:t>
+            </a:r>
+            <a:r>
+              <a:rPr lang="en-US" sz="1200" kern="1200" baseline="0" dirty="0" err="1" smtClean="0">
                 <a:solidFill>
                   <a:schemeClr val="tx1"/>
                 </a:solidFill>
@@ -1572,10 +2410,10 @@
                 <a:ea typeface="+mn-ea"/>
                 <a:cs typeface="+mn-cs"/>
               </a:rPr>
-              <a:t> Shortcuts: các</a:t>
-            </a:r>
-            <a:r>
-              <a:rPr lang="en-US" sz="1200" kern="1200" baseline="0" smtClean="0">
+              <a:t>không</a:t>
+            </a:r>
+            <a:r>
+              <a:rPr lang="en-US" sz="1200" kern="1200" baseline="0" dirty="0" smtClean="0">
                 <a:solidFill>
                   <a:schemeClr val="tx1"/>
                 </a:solidFill>
@@ -1583,17 +2421,10 @@
                 <a:ea typeface="+mn-ea"/>
                 <a:cs typeface="+mn-cs"/>
               </a:rPr>
-              <a:t> thanh định hướng giúp dễ dàng thao tác.</a:t>
-            </a:r>
-            <a:endParaRPr lang="en-US" smtClean="0"/>
-          </a:p>
-          <a:p>
-            <a:pPr lvl="1">
-              <a:buFont typeface="Wingdings" pitchFamily="2" charset="2"/>
-              <a:buChar char="v"/>
-            </a:pPr>
-            <a:r>
-              <a:rPr lang="en-US" sz="1200" kern="1200" smtClean="0">
+              <a:t> </a:t>
+            </a:r>
+            <a:r>
+              <a:rPr lang="en-US" sz="1200" kern="1200" baseline="0" dirty="0" err="1" smtClean="0">
                 <a:solidFill>
                   <a:schemeClr val="tx1"/>
                 </a:solidFill>
@@ -1601,10 +2432,10 @@
                 <a:ea typeface="+mn-ea"/>
                 <a:cs typeface="+mn-cs"/>
               </a:rPr>
-              <a:t> Good error messages: không</a:t>
-            </a:r>
-            <a:r>
-              <a:rPr lang="en-US" sz="1200" kern="1200" baseline="0" smtClean="0">
+              <a:t>có</a:t>
+            </a:r>
+            <a:r>
+              <a:rPr lang="en-US" sz="1200" kern="1200" baseline="0" dirty="0" smtClean="0">
                 <a:solidFill>
                   <a:schemeClr val="tx1"/>
                 </a:solidFill>
@@ -1612,7 +2443,7 @@
                 <a:ea typeface="+mn-ea"/>
                 <a:cs typeface="+mn-cs"/>
               </a:rPr>
-              <a:t> có.</a:t>
+              <a:t>.</a:t>
             </a:r>
           </a:p>
           <a:p>
@@ -1621,7 +2452,7 @@
               <a:buChar char="v"/>
             </a:pPr>
             <a:r>
-              <a:rPr lang="en-US" sz="1200" kern="1200" smtClean="0">
+              <a:rPr lang="en-US" sz="1200" kern="1200" dirty="0" smtClean="0">
                 <a:solidFill>
                   <a:schemeClr val="tx1"/>
                 </a:solidFill>
@@ -1629,10 +2460,10 @@
                 <a:ea typeface="+mn-ea"/>
                 <a:cs typeface="+mn-cs"/>
               </a:rPr>
-              <a:t> Prevent errors: dễ</a:t>
-            </a:r>
-            <a:r>
-              <a:rPr lang="en-US" sz="1200" kern="1200" baseline="0" smtClean="0">
+              <a:t> Shortcuts: </a:t>
+            </a:r>
+            <a:r>
+              <a:rPr lang="en-US" sz="1200" kern="1200" dirty="0" err="1" smtClean="0">
                 <a:solidFill>
                   <a:schemeClr val="tx1"/>
                 </a:solidFill>
@@ -1640,16 +2471,10 @@
                 <a:ea typeface="+mn-ea"/>
                 <a:cs typeface="+mn-cs"/>
               </a:rPr>
-              <a:t> dàng xóa món đã chọn ra khỏi phiếu đặt.</a:t>
-            </a:r>
-          </a:p>
-          <a:p>
-            <a:pPr lvl="1">
-              <a:buFont typeface="Wingdings" pitchFamily="2" charset="2"/>
-              <a:buChar char="v"/>
-            </a:pPr>
-            <a:r>
-              <a:rPr lang="fr-FR" sz="1200" kern="1200" smtClean="0">
+              <a:t>các</a:t>
+            </a:r>
+            <a:r>
+              <a:rPr lang="en-US" sz="1200" kern="1200" baseline="0" dirty="0" smtClean="0">
                 <a:solidFill>
                   <a:schemeClr val="tx1"/>
                 </a:solidFill>
@@ -1657,10 +2482,10 @@
                 <a:ea typeface="+mn-ea"/>
                 <a:cs typeface="+mn-cs"/>
               </a:rPr>
-              <a:t> Help and documentation: không</a:t>
-            </a:r>
-            <a:r>
-              <a:rPr lang="fr-FR" sz="1200" kern="1200" baseline="0" smtClean="0">
+              <a:t> </a:t>
+            </a:r>
+            <a:r>
+              <a:rPr lang="en-US" sz="1200" kern="1200" baseline="0" dirty="0" err="1" smtClean="0">
                 <a:solidFill>
                   <a:schemeClr val="tx1"/>
                 </a:solidFill>
@@ -1668,9 +2493,534 @@
                 <a:ea typeface="+mn-ea"/>
                 <a:cs typeface="+mn-cs"/>
               </a:rPr>
-              <a:t> có.</a:t>
-            </a:r>
-            <a:endParaRPr lang="vi-VN"/>
+              <a:t>thanh</a:t>
+            </a:r>
+            <a:r>
+              <a:rPr lang="en-US" sz="1200" kern="1200" baseline="0" dirty="0" smtClean="0">
+                <a:solidFill>
+                  <a:schemeClr val="tx1"/>
+                </a:solidFill>
+                <a:latin typeface="Arial" charset="0"/>
+                <a:ea typeface="+mn-ea"/>
+                <a:cs typeface="+mn-cs"/>
+              </a:rPr>
+              <a:t> </a:t>
+            </a:r>
+            <a:r>
+              <a:rPr lang="en-US" sz="1200" kern="1200" baseline="0" dirty="0" err="1" smtClean="0">
+                <a:solidFill>
+                  <a:schemeClr val="tx1"/>
+                </a:solidFill>
+                <a:latin typeface="Arial" charset="0"/>
+                <a:ea typeface="+mn-ea"/>
+                <a:cs typeface="+mn-cs"/>
+              </a:rPr>
+              <a:t>định</a:t>
+            </a:r>
+            <a:r>
+              <a:rPr lang="en-US" sz="1200" kern="1200" baseline="0" dirty="0" smtClean="0">
+                <a:solidFill>
+                  <a:schemeClr val="tx1"/>
+                </a:solidFill>
+                <a:latin typeface="Arial" charset="0"/>
+                <a:ea typeface="+mn-ea"/>
+                <a:cs typeface="+mn-cs"/>
+              </a:rPr>
+              <a:t> </a:t>
+            </a:r>
+            <a:r>
+              <a:rPr lang="en-US" sz="1200" kern="1200" baseline="0" dirty="0" err="1" smtClean="0">
+                <a:solidFill>
+                  <a:schemeClr val="tx1"/>
+                </a:solidFill>
+                <a:latin typeface="Arial" charset="0"/>
+                <a:ea typeface="+mn-ea"/>
+                <a:cs typeface="+mn-cs"/>
+              </a:rPr>
+              <a:t>hướng</a:t>
+            </a:r>
+            <a:r>
+              <a:rPr lang="en-US" sz="1200" kern="1200" baseline="0" dirty="0" smtClean="0">
+                <a:solidFill>
+                  <a:schemeClr val="tx1"/>
+                </a:solidFill>
+                <a:latin typeface="Arial" charset="0"/>
+                <a:ea typeface="+mn-ea"/>
+                <a:cs typeface="+mn-cs"/>
+              </a:rPr>
+              <a:t> </a:t>
+            </a:r>
+            <a:r>
+              <a:rPr lang="en-US" sz="1200" kern="1200" baseline="0" dirty="0" err="1" smtClean="0">
+                <a:solidFill>
+                  <a:schemeClr val="tx1"/>
+                </a:solidFill>
+                <a:latin typeface="Arial" charset="0"/>
+                <a:ea typeface="+mn-ea"/>
+                <a:cs typeface="+mn-cs"/>
+              </a:rPr>
+              <a:t>giúp</a:t>
+            </a:r>
+            <a:r>
+              <a:rPr lang="en-US" sz="1200" kern="1200" baseline="0" dirty="0" smtClean="0">
+                <a:solidFill>
+                  <a:schemeClr val="tx1"/>
+                </a:solidFill>
+                <a:latin typeface="Arial" charset="0"/>
+                <a:ea typeface="+mn-ea"/>
+                <a:cs typeface="+mn-cs"/>
+              </a:rPr>
+              <a:t> </a:t>
+            </a:r>
+            <a:r>
+              <a:rPr lang="en-US" sz="1200" kern="1200" baseline="0" dirty="0" err="1" smtClean="0">
+                <a:solidFill>
+                  <a:schemeClr val="tx1"/>
+                </a:solidFill>
+                <a:latin typeface="Arial" charset="0"/>
+                <a:ea typeface="+mn-ea"/>
+                <a:cs typeface="+mn-cs"/>
+              </a:rPr>
+              <a:t>dễ</a:t>
+            </a:r>
+            <a:r>
+              <a:rPr lang="en-US" sz="1200" kern="1200" baseline="0" dirty="0" smtClean="0">
+                <a:solidFill>
+                  <a:schemeClr val="tx1"/>
+                </a:solidFill>
+                <a:latin typeface="Arial" charset="0"/>
+                <a:ea typeface="+mn-ea"/>
+                <a:cs typeface="+mn-cs"/>
+              </a:rPr>
+              <a:t> </a:t>
+            </a:r>
+            <a:r>
+              <a:rPr lang="en-US" sz="1200" kern="1200" baseline="0" dirty="0" err="1" smtClean="0">
+                <a:solidFill>
+                  <a:schemeClr val="tx1"/>
+                </a:solidFill>
+                <a:latin typeface="Arial" charset="0"/>
+                <a:ea typeface="+mn-ea"/>
+                <a:cs typeface="+mn-cs"/>
+              </a:rPr>
+              <a:t>dàng</a:t>
+            </a:r>
+            <a:r>
+              <a:rPr lang="en-US" sz="1200" kern="1200" baseline="0" dirty="0" smtClean="0">
+                <a:solidFill>
+                  <a:schemeClr val="tx1"/>
+                </a:solidFill>
+                <a:latin typeface="Arial" charset="0"/>
+                <a:ea typeface="+mn-ea"/>
+                <a:cs typeface="+mn-cs"/>
+              </a:rPr>
+              <a:t> </a:t>
+            </a:r>
+            <a:r>
+              <a:rPr lang="en-US" sz="1200" kern="1200" baseline="0" dirty="0" err="1" smtClean="0">
+                <a:solidFill>
+                  <a:schemeClr val="tx1"/>
+                </a:solidFill>
+                <a:latin typeface="Arial" charset="0"/>
+                <a:ea typeface="+mn-ea"/>
+                <a:cs typeface="+mn-cs"/>
+              </a:rPr>
+              <a:t>thao</a:t>
+            </a:r>
+            <a:r>
+              <a:rPr lang="en-US" sz="1200" kern="1200" baseline="0" dirty="0" smtClean="0">
+                <a:solidFill>
+                  <a:schemeClr val="tx1"/>
+                </a:solidFill>
+                <a:latin typeface="Arial" charset="0"/>
+                <a:ea typeface="+mn-ea"/>
+                <a:cs typeface="+mn-cs"/>
+              </a:rPr>
+              <a:t> </a:t>
+            </a:r>
+            <a:r>
+              <a:rPr lang="en-US" sz="1200" kern="1200" baseline="0" dirty="0" err="1" smtClean="0">
+                <a:solidFill>
+                  <a:schemeClr val="tx1"/>
+                </a:solidFill>
+                <a:latin typeface="Arial" charset="0"/>
+                <a:ea typeface="+mn-ea"/>
+                <a:cs typeface="+mn-cs"/>
+              </a:rPr>
+              <a:t>tác</a:t>
+            </a:r>
+            <a:r>
+              <a:rPr lang="en-US" sz="1200" kern="1200" baseline="0" dirty="0" smtClean="0">
+                <a:solidFill>
+                  <a:schemeClr val="tx1"/>
+                </a:solidFill>
+                <a:latin typeface="Arial" charset="0"/>
+                <a:ea typeface="+mn-ea"/>
+                <a:cs typeface="+mn-cs"/>
+              </a:rPr>
+              <a:t>.</a:t>
+            </a:r>
+            <a:endParaRPr lang="en-US" dirty="0" smtClean="0"/>
+          </a:p>
+          <a:p>
+            <a:pPr lvl="1">
+              <a:buFont typeface="Wingdings" pitchFamily="2" charset="2"/>
+              <a:buChar char="v"/>
+            </a:pPr>
+            <a:r>
+              <a:rPr lang="en-US" sz="1200" kern="1200" dirty="0" smtClean="0">
+                <a:solidFill>
+                  <a:schemeClr val="tx1"/>
+                </a:solidFill>
+                <a:latin typeface="Arial" charset="0"/>
+                <a:ea typeface="+mn-ea"/>
+                <a:cs typeface="+mn-cs"/>
+              </a:rPr>
+              <a:t> Good error messages: </a:t>
+            </a:r>
+            <a:r>
+              <a:rPr lang="en-US" sz="1200" kern="1200" dirty="0" err="1" smtClean="0">
+                <a:solidFill>
+                  <a:schemeClr val="tx1"/>
+                </a:solidFill>
+                <a:latin typeface="Arial" charset="0"/>
+                <a:ea typeface="+mn-ea"/>
+                <a:cs typeface="+mn-cs"/>
+              </a:rPr>
+              <a:t>không</a:t>
+            </a:r>
+            <a:r>
+              <a:rPr lang="en-US" sz="1200" kern="1200" baseline="0" dirty="0" smtClean="0">
+                <a:solidFill>
+                  <a:schemeClr val="tx1"/>
+                </a:solidFill>
+                <a:latin typeface="Arial" charset="0"/>
+                <a:ea typeface="+mn-ea"/>
+                <a:cs typeface="+mn-cs"/>
+              </a:rPr>
+              <a:t> </a:t>
+            </a:r>
+            <a:r>
+              <a:rPr lang="en-US" sz="1200" kern="1200" baseline="0" dirty="0" err="1" smtClean="0">
+                <a:solidFill>
+                  <a:schemeClr val="tx1"/>
+                </a:solidFill>
+                <a:latin typeface="Arial" charset="0"/>
+                <a:ea typeface="+mn-ea"/>
+                <a:cs typeface="+mn-cs"/>
+              </a:rPr>
+              <a:t>có</a:t>
+            </a:r>
+            <a:r>
+              <a:rPr lang="en-US" sz="1200" kern="1200" baseline="0" dirty="0" smtClean="0">
+                <a:solidFill>
+                  <a:schemeClr val="tx1"/>
+                </a:solidFill>
+                <a:latin typeface="Arial" charset="0"/>
+                <a:ea typeface="+mn-ea"/>
+                <a:cs typeface="+mn-cs"/>
+              </a:rPr>
+              <a:t>.</a:t>
+            </a:r>
+          </a:p>
+          <a:p>
+            <a:pPr lvl="1">
+              <a:buFont typeface="Wingdings" pitchFamily="2" charset="2"/>
+              <a:buChar char="v"/>
+            </a:pPr>
+            <a:r>
+              <a:rPr lang="en-US" sz="1200" kern="1200" dirty="0" smtClean="0">
+                <a:solidFill>
+                  <a:schemeClr val="tx1"/>
+                </a:solidFill>
+                <a:latin typeface="Arial" charset="0"/>
+                <a:ea typeface="+mn-ea"/>
+                <a:cs typeface="+mn-cs"/>
+              </a:rPr>
+              <a:t> Prevent errors: </a:t>
+            </a:r>
+            <a:r>
+              <a:rPr lang="en-US" sz="1200" kern="1200" dirty="0" err="1" smtClean="0">
+                <a:solidFill>
+                  <a:schemeClr val="tx1"/>
+                </a:solidFill>
+                <a:latin typeface="Arial" charset="0"/>
+                <a:ea typeface="+mn-ea"/>
+                <a:cs typeface="+mn-cs"/>
+              </a:rPr>
+              <a:t>dễ</a:t>
+            </a:r>
+            <a:r>
+              <a:rPr lang="en-US" sz="1200" kern="1200" baseline="0" dirty="0" smtClean="0">
+                <a:solidFill>
+                  <a:schemeClr val="tx1"/>
+                </a:solidFill>
+                <a:latin typeface="Arial" charset="0"/>
+                <a:ea typeface="+mn-ea"/>
+                <a:cs typeface="+mn-cs"/>
+              </a:rPr>
+              <a:t> </a:t>
+            </a:r>
+            <a:r>
+              <a:rPr lang="en-US" sz="1200" kern="1200" baseline="0" dirty="0" err="1" smtClean="0">
+                <a:solidFill>
+                  <a:schemeClr val="tx1"/>
+                </a:solidFill>
+                <a:latin typeface="Arial" charset="0"/>
+                <a:ea typeface="+mn-ea"/>
+                <a:cs typeface="+mn-cs"/>
+              </a:rPr>
+              <a:t>dàng</a:t>
+            </a:r>
+            <a:r>
+              <a:rPr lang="en-US" sz="1200" kern="1200" baseline="0" dirty="0" smtClean="0">
+                <a:solidFill>
+                  <a:schemeClr val="tx1"/>
+                </a:solidFill>
+                <a:latin typeface="Arial" charset="0"/>
+                <a:ea typeface="+mn-ea"/>
+                <a:cs typeface="+mn-cs"/>
+              </a:rPr>
+              <a:t> </a:t>
+            </a:r>
+            <a:r>
+              <a:rPr lang="en-US" sz="1200" kern="1200" baseline="0" dirty="0" err="1" smtClean="0">
+                <a:solidFill>
+                  <a:schemeClr val="tx1"/>
+                </a:solidFill>
+                <a:latin typeface="Arial" charset="0"/>
+                <a:ea typeface="+mn-ea"/>
+                <a:cs typeface="+mn-cs"/>
+              </a:rPr>
+              <a:t>xóa</a:t>
+            </a:r>
+            <a:r>
+              <a:rPr lang="en-US" sz="1200" kern="1200" baseline="0" dirty="0" smtClean="0">
+                <a:solidFill>
+                  <a:schemeClr val="tx1"/>
+                </a:solidFill>
+                <a:latin typeface="Arial" charset="0"/>
+                <a:ea typeface="+mn-ea"/>
+                <a:cs typeface="+mn-cs"/>
+              </a:rPr>
+              <a:t> </a:t>
+            </a:r>
+            <a:r>
+              <a:rPr lang="en-US" sz="1200" kern="1200" baseline="0" dirty="0" err="1" smtClean="0">
+                <a:solidFill>
+                  <a:schemeClr val="tx1"/>
+                </a:solidFill>
+                <a:latin typeface="Arial" charset="0"/>
+                <a:ea typeface="+mn-ea"/>
+                <a:cs typeface="+mn-cs"/>
+              </a:rPr>
+              <a:t>món</a:t>
+            </a:r>
+            <a:r>
+              <a:rPr lang="en-US" sz="1200" kern="1200" baseline="0" dirty="0" smtClean="0">
+                <a:solidFill>
+                  <a:schemeClr val="tx1"/>
+                </a:solidFill>
+                <a:latin typeface="Arial" charset="0"/>
+                <a:ea typeface="+mn-ea"/>
+                <a:cs typeface="+mn-cs"/>
+              </a:rPr>
+              <a:t> </a:t>
+            </a:r>
+            <a:r>
+              <a:rPr lang="en-US" sz="1200" kern="1200" baseline="0" dirty="0" err="1" smtClean="0">
+                <a:solidFill>
+                  <a:schemeClr val="tx1"/>
+                </a:solidFill>
+                <a:latin typeface="Arial" charset="0"/>
+                <a:ea typeface="+mn-ea"/>
+                <a:cs typeface="+mn-cs"/>
+              </a:rPr>
+              <a:t>đã</a:t>
+            </a:r>
+            <a:r>
+              <a:rPr lang="en-US" sz="1200" kern="1200" baseline="0" dirty="0" smtClean="0">
+                <a:solidFill>
+                  <a:schemeClr val="tx1"/>
+                </a:solidFill>
+                <a:latin typeface="Arial" charset="0"/>
+                <a:ea typeface="+mn-ea"/>
+                <a:cs typeface="+mn-cs"/>
+              </a:rPr>
+              <a:t> </a:t>
+            </a:r>
+            <a:r>
+              <a:rPr lang="en-US" sz="1200" kern="1200" baseline="0" dirty="0" err="1" smtClean="0">
+                <a:solidFill>
+                  <a:schemeClr val="tx1"/>
+                </a:solidFill>
+                <a:latin typeface="Arial" charset="0"/>
+                <a:ea typeface="+mn-ea"/>
+                <a:cs typeface="+mn-cs"/>
+              </a:rPr>
+              <a:t>chọn</a:t>
+            </a:r>
+            <a:r>
+              <a:rPr lang="en-US" sz="1200" kern="1200" baseline="0" dirty="0" smtClean="0">
+                <a:solidFill>
+                  <a:schemeClr val="tx1"/>
+                </a:solidFill>
+                <a:latin typeface="Arial" charset="0"/>
+                <a:ea typeface="+mn-ea"/>
+                <a:cs typeface="+mn-cs"/>
+              </a:rPr>
+              <a:t> </a:t>
+            </a:r>
+            <a:r>
+              <a:rPr lang="en-US" sz="1200" kern="1200" baseline="0" dirty="0" err="1" smtClean="0">
+                <a:solidFill>
+                  <a:schemeClr val="tx1"/>
+                </a:solidFill>
+                <a:latin typeface="Arial" charset="0"/>
+                <a:ea typeface="+mn-ea"/>
+                <a:cs typeface="+mn-cs"/>
+              </a:rPr>
+              <a:t>ra</a:t>
+            </a:r>
+            <a:r>
+              <a:rPr lang="en-US" sz="1200" kern="1200" baseline="0" dirty="0" smtClean="0">
+                <a:solidFill>
+                  <a:schemeClr val="tx1"/>
+                </a:solidFill>
+                <a:latin typeface="Arial" charset="0"/>
+                <a:ea typeface="+mn-ea"/>
+                <a:cs typeface="+mn-cs"/>
+              </a:rPr>
+              <a:t> </a:t>
+            </a:r>
+            <a:r>
+              <a:rPr lang="en-US" sz="1200" kern="1200" baseline="0" dirty="0" err="1" smtClean="0">
+                <a:solidFill>
+                  <a:schemeClr val="tx1"/>
+                </a:solidFill>
+                <a:latin typeface="Arial" charset="0"/>
+                <a:ea typeface="+mn-ea"/>
+                <a:cs typeface="+mn-cs"/>
+              </a:rPr>
+              <a:t>khỏi</a:t>
+            </a:r>
+            <a:r>
+              <a:rPr lang="en-US" sz="1200" kern="1200" baseline="0" dirty="0" smtClean="0">
+                <a:solidFill>
+                  <a:schemeClr val="tx1"/>
+                </a:solidFill>
+                <a:latin typeface="Arial" charset="0"/>
+                <a:ea typeface="+mn-ea"/>
+                <a:cs typeface="+mn-cs"/>
+              </a:rPr>
+              <a:t> </a:t>
+            </a:r>
+            <a:r>
+              <a:rPr lang="en-US" sz="1200" kern="1200" baseline="0" dirty="0" err="1" smtClean="0">
+                <a:solidFill>
+                  <a:schemeClr val="tx1"/>
+                </a:solidFill>
+                <a:latin typeface="Arial" charset="0"/>
+                <a:ea typeface="+mn-ea"/>
+                <a:cs typeface="+mn-cs"/>
+              </a:rPr>
+              <a:t>phiếu</a:t>
+            </a:r>
+            <a:r>
+              <a:rPr lang="en-US" sz="1200" kern="1200" baseline="0" dirty="0" smtClean="0">
+                <a:solidFill>
+                  <a:schemeClr val="tx1"/>
+                </a:solidFill>
+                <a:latin typeface="Arial" charset="0"/>
+                <a:ea typeface="+mn-ea"/>
+                <a:cs typeface="+mn-cs"/>
+              </a:rPr>
+              <a:t> </a:t>
+            </a:r>
+            <a:r>
+              <a:rPr lang="en-US" sz="1200" kern="1200" baseline="0" dirty="0" err="1" smtClean="0">
+                <a:solidFill>
+                  <a:schemeClr val="tx1"/>
+                </a:solidFill>
+                <a:latin typeface="Arial" charset="0"/>
+                <a:ea typeface="+mn-ea"/>
+                <a:cs typeface="+mn-cs"/>
+              </a:rPr>
+              <a:t>đặt</a:t>
+            </a:r>
+            <a:r>
+              <a:rPr lang="en-US" sz="1200" kern="1200" baseline="0" dirty="0" smtClean="0">
+                <a:solidFill>
+                  <a:schemeClr val="tx1"/>
+                </a:solidFill>
+                <a:latin typeface="Arial" charset="0"/>
+                <a:ea typeface="+mn-ea"/>
+                <a:cs typeface="+mn-cs"/>
+              </a:rPr>
+              <a:t>.</a:t>
+            </a:r>
+          </a:p>
+          <a:p>
+            <a:pPr lvl="1">
+              <a:buFont typeface="Wingdings" pitchFamily="2" charset="2"/>
+              <a:buChar char="v"/>
+            </a:pPr>
+            <a:r>
+              <a:rPr lang="fr-FR" sz="1200" kern="1200" dirty="0" smtClean="0">
+                <a:solidFill>
+                  <a:schemeClr val="tx1"/>
+                </a:solidFill>
+                <a:latin typeface="Arial" charset="0"/>
+                <a:ea typeface="+mn-ea"/>
+                <a:cs typeface="+mn-cs"/>
+              </a:rPr>
+              <a:t> Help and documentation: </a:t>
+            </a:r>
+            <a:r>
+              <a:rPr lang="fr-FR" sz="1200" kern="1200" dirty="0" err="1" smtClean="0">
+                <a:solidFill>
+                  <a:schemeClr val="tx1"/>
+                </a:solidFill>
+                <a:latin typeface="Arial" charset="0"/>
+                <a:ea typeface="+mn-ea"/>
+                <a:cs typeface="+mn-cs"/>
+              </a:rPr>
+              <a:t>không</a:t>
+            </a:r>
+            <a:r>
+              <a:rPr lang="fr-FR" sz="1200" kern="1200" baseline="0" dirty="0" smtClean="0">
+                <a:solidFill>
+                  <a:schemeClr val="tx1"/>
+                </a:solidFill>
+                <a:latin typeface="Arial" charset="0"/>
+                <a:ea typeface="+mn-ea"/>
+                <a:cs typeface="+mn-cs"/>
+              </a:rPr>
+              <a:t> </a:t>
+            </a:r>
+            <a:r>
+              <a:rPr lang="fr-FR" sz="1200" kern="1200" baseline="0" dirty="0" err="1" smtClean="0">
+                <a:solidFill>
+                  <a:schemeClr val="tx1"/>
+                </a:solidFill>
+                <a:latin typeface="Arial" charset="0"/>
+                <a:ea typeface="+mn-ea"/>
+                <a:cs typeface="+mn-cs"/>
+              </a:rPr>
+              <a:t>có</a:t>
+            </a:r>
+            <a:r>
+              <a:rPr lang="fr-FR" sz="1200" kern="1200" baseline="0" dirty="0" smtClean="0">
+                <a:solidFill>
+                  <a:schemeClr val="tx1"/>
+                </a:solidFill>
+                <a:latin typeface="Arial" charset="0"/>
+                <a:ea typeface="+mn-ea"/>
+                <a:cs typeface="+mn-cs"/>
+              </a:rPr>
+              <a:t>.</a:t>
+            </a:r>
+            <a:endParaRPr lang="vi-VN" dirty="0"/>
           </a:p>
         </p:txBody>
       </p:sp>
@@ -1752,6 +3102,88 @@
           </a:bodyPr>
           <a:lstStyle/>
           <a:p>
+            <a:endParaRPr lang="en-US" dirty="0"/>
+          </a:p>
+        </p:txBody>
+      </p:sp>
+      <p:sp>
+        <p:nvSpPr>
+          <p:cNvPr id="4" name="Slide Number Placeholder 3"/>
+          <p:cNvSpPr>
+            <a:spLocks noGrp="1"/>
+          </p:cNvSpPr>
+          <p:nvPr>
+            <p:ph type="sldNum" sz="quarter" idx="10"/>
+          </p:nvPr>
+        </p:nvSpPr>
+        <p:spPr/>
+        <p:txBody>
+          <a:bodyPr/>
+          <a:lstStyle/>
+          <a:p>
+            <a:fld id="{896E4393-75D9-4774-85D5-EA38865C8C2D}" type="slidenum">
+              <a:rPr lang="en-US" smtClean="0"/>
+              <a:pPr/>
+              <a:t>17</a:t>
+            </a:fld>
+            <a:endParaRPr lang="en-US"/>
+          </a:p>
+        </p:txBody>
+      </p:sp>
+    </p:spTree>
+  </p:cSld>
+  <p:clrMapOvr>
+    <a:masterClrMapping/>
+  </p:clrMapOvr>
+</p:notes>
+</file>
+
+<file path=ppt/notesSlides/notesSlide13.xml><?xml version="1.0" encoding="utf-8"?>
+<p:notes xmlns:a="http://schemas.openxmlformats.org/drawingml/2006/main" xmlns:r="http://schemas.openxmlformats.org/officeDocument/2006/relationships" xmlns:p="http://schemas.openxmlformats.org/presentationml/2006/main">
+  <p:cSld>
+    <p:spTree>
+      <p:nvGrpSpPr>
+        <p:cNvPr id="1" name=""/>
+        <p:cNvGrpSpPr/>
+        <p:nvPr/>
+      </p:nvGrpSpPr>
+      <p:grpSpPr>
+        <a:xfrm>
+          <a:off x="0" y="0"/>
+          <a:ext cx="0" cy="0"/>
+          <a:chOff x="0" y="0"/>
+          <a:chExt cx="0" cy="0"/>
+        </a:xfrm>
+      </p:grpSpPr>
+      <p:sp>
+        <p:nvSpPr>
+          <p:cNvPr id="2" name="Slide Image Placeholder 1"/>
+          <p:cNvSpPr>
+            <a:spLocks noGrp="1" noRot="1" noChangeAspect="1"/>
+          </p:cNvSpPr>
+          <p:nvPr>
+            <p:ph type="sldImg"/>
+          </p:nvPr>
+        </p:nvSpPr>
+        <p:spPr/>
+      </p:sp>
+      <p:sp>
+        <p:nvSpPr>
+          <p:cNvPr id="3" name="Notes Placeholder 2"/>
+          <p:cNvSpPr>
+            <a:spLocks noGrp="1"/>
+          </p:cNvSpPr>
+          <p:nvPr>
+            <p:ph type="body" idx="1"/>
+          </p:nvPr>
+        </p:nvSpPr>
+        <p:spPr/>
+        <p:txBody>
+          <a:bodyPr>
+            <a:normAutofit/>
+          </a:bodyPr>
+          <a:lstStyle/>
+          <a:p>
             <a:endParaRPr lang="vi-VN"/>
           </a:p>
         </p:txBody>
@@ -1864,7 +3296,7 @@
             <a:fld id="{896E4393-75D9-4774-85D5-EA38865C8C2D}" type="slidenum">
               <a:rPr lang="en-US" smtClean="0"/>
               <a:pPr/>
-              <a:t>3</a:t>
+              <a:t>2</a:t>
             </a:fld>
             <a:endParaRPr lang="en-US"/>
           </a:p>
@@ -1925,12 +3357,52 @@
           <a:lstStyle/>
           <a:p>
             <a:r>
-              <a:rPr lang="en-US" smtClean="0"/>
+              <a:rPr lang="en-US" dirty="0" err="1" smtClean="0"/>
               <a:t>Giải</a:t>
             </a:r>
             <a:r>
-              <a:rPr lang="en-US" baseline="0" smtClean="0"/>
-              <a:t> thích ích lợi của trang web:</a:t>
+              <a:rPr lang="en-US" baseline="0" dirty="0" smtClean="0"/>
+              <a:t> </a:t>
+            </a:r>
+            <a:r>
+              <a:rPr lang="en-US" baseline="0" dirty="0" err="1" smtClean="0"/>
+              <a:t>thích</a:t>
+            </a:r>
+            <a:r>
+              <a:rPr lang="en-US" baseline="0" dirty="0" smtClean="0"/>
+              <a:t> </a:t>
+            </a:r>
+            <a:r>
+              <a:rPr lang="en-US" baseline="0" dirty="0" err="1" smtClean="0"/>
+              <a:t>ích</a:t>
+            </a:r>
+            <a:r>
+              <a:rPr lang="en-US" baseline="0" dirty="0" smtClean="0"/>
+              <a:t> </a:t>
+            </a:r>
+            <a:r>
+              <a:rPr lang="en-US" baseline="0" dirty="0" err="1" smtClean="0"/>
+              <a:t>lợi</a:t>
+            </a:r>
+            <a:r>
+              <a:rPr lang="en-US" baseline="0" dirty="0" smtClean="0"/>
+              <a:t> </a:t>
+            </a:r>
+            <a:r>
+              <a:rPr lang="en-US" baseline="0" dirty="0" err="1" smtClean="0"/>
+              <a:t>của</a:t>
+            </a:r>
+            <a:r>
+              <a:rPr lang="en-US" baseline="0" dirty="0" smtClean="0"/>
+              <a:t> </a:t>
+            </a:r>
+            <a:r>
+              <a:rPr lang="en-US" baseline="0" dirty="0" err="1" smtClean="0"/>
+              <a:t>trang</a:t>
+            </a:r>
+            <a:r>
+              <a:rPr lang="en-US" baseline="0" dirty="0" smtClean="0"/>
+              <a:t> web:</a:t>
             </a:r>
           </a:p>
           <a:p>
@@ -1939,12 +3411,64 @@
               <a:buChar char="v"/>
             </a:pPr>
             <a:r>
-              <a:rPr lang="en-US" baseline="0" smtClean="0"/>
-              <a:t> Rất </a:t>
-            </a:r>
-            <a:r>
-              <a:rPr lang="en-US" baseline="0" smtClean="0"/>
-              <a:t>ích nhà hàng ở Việt Nam có trang web.</a:t>
+              <a:rPr lang="en-US" baseline="0" dirty="0" smtClean="0"/>
+              <a:t> </a:t>
+            </a:r>
+            <a:r>
+              <a:rPr lang="en-US" baseline="0" dirty="0" err="1" smtClean="0"/>
+              <a:t>Rất</a:t>
+            </a:r>
+            <a:r>
+              <a:rPr lang="en-US" baseline="0" dirty="0" smtClean="0"/>
+              <a:t> </a:t>
+            </a:r>
+            <a:r>
+              <a:rPr lang="en-US" baseline="0" dirty="0" err="1" smtClean="0"/>
+              <a:t>ích</a:t>
+            </a:r>
+            <a:r>
+              <a:rPr lang="en-US" baseline="0" dirty="0" smtClean="0"/>
+              <a:t> </a:t>
+            </a:r>
+            <a:r>
+              <a:rPr lang="en-US" baseline="0" dirty="0" err="1" smtClean="0"/>
+              <a:t>nhà</a:t>
+            </a:r>
+            <a:r>
+              <a:rPr lang="en-US" baseline="0" dirty="0" smtClean="0"/>
+              <a:t> </a:t>
+            </a:r>
+            <a:r>
+              <a:rPr lang="en-US" baseline="0" dirty="0" err="1" smtClean="0"/>
+              <a:t>hàng</a:t>
+            </a:r>
+            <a:r>
+              <a:rPr lang="en-US" baseline="0" dirty="0" smtClean="0"/>
+              <a:t> ở </a:t>
+            </a:r>
+            <a:r>
+              <a:rPr lang="en-US" baseline="0" dirty="0" err="1" smtClean="0"/>
+              <a:t>Việt</a:t>
+            </a:r>
+            <a:r>
+              <a:rPr lang="en-US" baseline="0" dirty="0" smtClean="0"/>
+              <a:t> Nam </a:t>
+            </a:r>
+            <a:r>
+              <a:rPr lang="en-US" baseline="0" dirty="0" err="1" smtClean="0"/>
+              <a:t>có</a:t>
+            </a:r>
+            <a:r>
+              <a:rPr lang="en-US" baseline="0" dirty="0" smtClean="0"/>
+              <a:t> </a:t>
+            </a:r>
+            <a:r>
+              <a:rPr lang="en-US" baseline="0" dirty="0" err="1" smtClean="0"/>
+              <a:t>trang</a:t>
+            </a:r>
+            <a:r>
+              <a:rPr lang="en-US" baseline="0" dirty="0" smtClean="0"/>
+              <a:t> web.</a:t>
             </a:r>
           </a:p>
           <a:p>
@@ -1953,16 +3477,136 @@
               <a:buChar char="v"/>
             </a:pPr>
             <a:r>
-              <a:rPr lang="en-US" smtClean="0"/>
-              <a:t> Các</a:t>
-            </a:r>
-            <a:r>
-              <a:rPr lang="en-US" baseline="0" smtClean="0"/>
+              <a:rPr lang="en-US" dirty="0" smtClean="0"/>
               <a:t> </a:t>
             </a:r>
             <a:r>
-              <a:rPr lang="en-US" baseline="0" smtClean="0"/>
-              <a:t>trang web của các nhà hàng hàng đầu thế giới cũng không thật sự nổi bật.</a:t>
+              <a:rPr lang="en-US" dirty="0" err="1" smtClean="0"/>
+              <a:t>Các</a:t>
+            </a:r>
+            <a:r>
+              <a:rPr lang="en-US" baseline="0" dirty="0" smtClean="0"/>
+              <a:t> </a:t>
+            </a:r>
+            <a:r>
+              <a:rPr lang="en-US" baseline="0" dirty="0" err="1" smtClean="0"/>
+              <a:t>trang</a:t>
+            </a:r>
+            <a:r>
+              <a:rPr lang="en-US" baseline="0" dirty="0" smtClean="0"/>
+              <a:t> web </a:t>
+            </a:r>
+            <a:r>
+              <a:rPr lang="en-US" baseline="0" dirty="0" err="1" smtClean="0"/>
+              <a:t>của</a:t>
+            </a:r>
+            <a:r>
+              <a:rPr lang="en-US" baseline="0" dirty="0" smtClean="0"/>
+              <a:t> </a:t>
+            </a:r>
+            <a:r>
+              <a:rPr lang="en-US" baseline="0" dirty="0" err="1" smtClean="0"/>
+              <a:t>các</a:t>
+            </a:r>
+            <a:r>
+              <a:rPr lang="en-US" baseline="0" dirty="0" smtClean="0"/>
+              <a:t> </a:t>
+            </a:r>
+            <a:r>
+              <a:rPr lang="en-US" baseline="0" dirty="0" err="1" smtClean="0"/>
+              <a:t>nhà</a:t>
+            </a:r>
+            <a:r>
+              <a:rPr lang="en-US" baseline="0" dirty="0" smtClean="0"/>
+              <a:t> </a:t>
+            </a:r>
+            <a:r>
+              <a:rPr lang="en-US" baseline="0" dirty="0" err="1" smtClean="0"/>
+              <a:t>hàng</a:t>
+            </a:r>
+            <a:r>
+              <a:rPr lang="en-US" baseline="0" dirty="0" smtClean="0"/>
+              <a:t> </a:t>
+            </a:r>
+            <a:r>
+              <a:rPr lang="en-US" baseline="0" dirty="0" err="1" smtClean="0"/>
+              <a:t>hàng</a:t>
+            </a:r>
+            <a:r>
+              <a:rPr lang="en-US" baseline="0" dirty="0" smtClean="0"/>
+              <a:t> </a:t>
+            </a:r>
+            <a:r>
+              <a:rPr lang="en-US" baseline="0" dirty="0" err="1" smtClean="0"/>
+              <a:t>đầu</a:t>
+            </a:r>
+            <a:r>
+              <a:rPr lang="en-US" baseline="0" dirty="0" smtClean="0"/>
+              <a:t> </a:t>
+            </a:r>
+            <a:r>
+              <a:rPr lang="en-US" baseline="0" dirty="0" err="1" smtClean="0"/>
+              <a:t>thế</a:t>
+            </a:r>
+            <a:r>
+              <a:rPr lang="en-US" baseline="0" dirty="0" smtClean="0"/>
+              <a:t> </a:t>
+            </a:r>
+            <a:r>
+              <a:rPr lang="en-US" baseline="0" dirty="0" err="1" smtClean="0"/>
+              <a:t>giới</a:t>
+            </a:r>
+            <a:r>
+              <a:rPr lang="en-US" baseline="0" dirty="0" smtClean="0"/>
+              <a:t> </a:t>
+            </a:r>
+            <a:r>
+              <a:rPr lang="en-US" baseline="0" dirty="0" err="1" smtClean="0"/>
+              <a:t>cũng</a:t>
+            </a:r>
+            <a:r>
+              <a:rPr lang="en-US" baseline="0" dirty="0" smtClean="0"/>
+              <a:t> </a:t>
+            </a:r>
+            <a:r>
+              <a:rPr lang="en-US" baseline="0" dirty="0" err="1" smtClean="0"/>
+              <a:t>không</a:t>
+            </a:r>
+            <a:r>
+              <a:rPr lang="en-US" baseline="0" dirty="0" smtClean="0"/>
+              <a:t> </a:t>
+            </a:r>
+            <a:r>
+              <a:rPr lang="en-US" baseline="0" dirty="0" err="1" smtClean="0"/>
+              <a:t>thật</a:t>
+            </a:r>
+            <a:r>
+              <a:rPr lang="en-US" baseline="0" dirty="0" smtClean="0"/>
+              <a:t> </a:t>
+            </a:r>
+            <a:r>
+              <a:rPr lang="en-US" baseline="0" dirty="0" err="1" smtClean="0"/>
+              <a:t>sự</a:t>
+            </a:r>
+            <a:r>
+              <a:rPr lang="en-US" baseline="0" dirty="0" smtClean="0"/>
+              <a:t> </a:t>
+            </a:r>
+            <a:r>
+              <a:rPr lang="en-US" baseline="0" dirty="0" err="1" smtClean="0"/>
+              <a:t>nổi</a:t>
+            </a:r>
+            <a:r>
+              <a:rPr lang="en-US" baseline="0" dirty="0" smtClean="0"/>
+              <a:t> </a:t>
+            </a:r>
+            <a:r>
+              <a:rPr lang="en-US" baseline="0" dirty="0" err="1" smtClean="0"/>
+              <a:t>bật</a:t>
+            </a:r>
+            <a:r>
+              <a:rPr lang="en-US" baseline="0" dirty="0" smtClean="0"/>
+              <a:t>.</a:t>
             </a:r>
           </a:p>
           <a:p>
@@ -1971,14 +3615,210 @@
               <a:buChar char="v"/>
             </a:pPr>
             <a:r>
-              <a:rPr lang="en-US" baseline="0" smtClean="0"/>
-              <a:t> Khi </a:t>
-            </a:r>
-            <a:r>
-              <a:rPr lang="en-US" baseline="0" smtClean="0"/>
-              <a:t>muốn đặt món phải gọi điện trực tiếp (tốn thời gian), hoặc đến tận nhà hàng để coi thực đơn (càng tốn thời gian).</a:t>
-            </a:r>
-            <a:endParaRPr lang="vi-VN"/>
+              <a:rPr lang="en-US" baseline="0" dirty="0" smtClean="0"/>
+              <a:t> </a:t>
+            </a:r>
+            <a:r>
+              <a:rPr lang="en-US" baseline="0" dirty="0" err="1" smtClean="0"/>
+              <a:t>Khi</a:t>
+            </a:r>
+            <a:r>
+              <a:rPr lang="en-US" baseline="0" dirty="0" smtClean="0"/>
+              <a:t> </a:t>
+            </a:r>
+            <a:r>
+              <a:rPr lang="en-US" baseline="0" dirty="0" err="1" smtClean="0"/>
+              <a:t>muốn</a:t>
+            </a:r>
+            <a:r>
+              <a:rPr lang="en-US" baseline="0" dirty="0" smtClean="0"/>
+              <a:t> </a:t>
+            </a:r>
+            <a:r>
+              <a:rPr lang="en-US" baseline="0" dirty="0" err="1" smtClean="0"/>
+              <a:t>đặt</a:t>
+            </a:r>
+            <a:r>
+              <a:rPr lang="en-US" baseline="0" dirty="0" smtClean="0"/>
+              <a:t> </a:t>
+            </a:r>
+            <a:r>
+              <a:rPr lang="en-US" baseline="0" dirty="0" err="1" smtClean="0"/>
+              <a:t>món</a:t>
+            </a:r>
+            <a:r>
+              <a:rPr lang="en-US" baseline="0" dirty="0" smtClean="0"/>
+              <a:t> </a:t>
+            </a:r>
+            <a:r>
+              <a:rPr lang="en-US" baseline="0" dirty="0" err="1" smtClean="0"/>
+              <a:t>phải</a:t>
+            </a:r>
+            <a:r>
+              <a:rPr lang="en-US" baseline="0" dirty="0" smtClean="0"/>
+              <a:t> </a:t>
+            </a:r>
+            <a:r>
+              <a:rPr lang="en-US" baseline="0" dirty="0" err="1" smtClean="0"/>
+              <a:t>gọi</a:t>
+            </a:r>
+            <a:r>
+              <a:rPr lang="en-US" baseline="0" dirty="0" smtClean="0"/>
+              <a:t> </a:t>
+            </a:r>
+            <a:r>
+              <a:rPr lang="en-US" baseline="0" dirty="0" err="1" smtClean="0"/>
+              <a:t>điện</a:t>
+            </a:r>
+            <a:r>
+              <a:rPr lang="en-US" baseline="0" dirty="0" smtClean="0"/>
+              <a:t> </a:t>
+            </a:r>
+            <a:r>
+              <a:rPr lang="en-US" baseline="0" dirty="0" err="1" smtClean="0"/>
+              <a:t>trực</a:t>
+            </a:r>
+            <a:r>
+              <a:rPr lang="en-US" baseline="0" dirty="0" smtClean="0"/>
+              <a:t> </a:t>
+            </a:r>
+            <a:r>
+              <a:rPr lang="en-US" baseline="0" dirty="0" err="1" smtClean="0"/>
+              <a:t>tiếp</a:t>
+            </a:r>
+            <a:r>
+              <a:rPr lang="en-US" baseline="0" dirty="0" smtClean="0"/>
+              <a:t> (</a:t>
+            </a:r>
+            <a:r>
+              <a:rPr lang="en-US" baseline="0" dirty="0" err="1" smtClean="0"/>
+              <a:t>tốn</a:t>
+            </a:r>
+            <a:r>
+              <a:rPr lang="en-US" baseline="0" dirty="0" smtClean="0"/>
+              <a:t> </a:t>
+            </a:r>
+            <a:r>
+              <a:rPr lang="en-US" baseline="0" dirty="0" err="1" smtClean="0"/>
+              <a:t>thời</a:t>
+            </a:r>
+            <a:r>
+              <a:rPr lang="en-US" baseline="0" dirty="0" smtClean="0"/>
+              <a:t> </a:t>
+            </a:r>
+            <a:r>
+              <a:rPr lang="en-US" baseline="0" dirty="0" err="1" smtClean="0"/>
+              <a:t>gian</a:t>
+            </a:r>
+            <a:r>
+              <a:rPr lang="en-US" baseline="0" dirty="0" smtClean="0"/>
+              <a:t>), </a:t>
+            </a:r>
+            <a:r>
+              <a:rPr lang="en-US" baseline="0" dirty="0" err="1" smtClean="0"/>
+              <a:t>hoặc</a:t>
+            </a:r>
+            <a:r>
+              <a:rPr lang="en-US" baseline="0" dirty="0" smtClean="0"/>
+              <a:t> </a:t>
+            </a:r>
+            <a:r>
+              <a:rPr lang="en-US" baseline="0" dirty="0" err="1" smtClean="0"/>
+              <a:t>đến</a:t>
+            </a:r>
+            <a:r>
+              <a:rPr lang="en-US" baseline="0" dirty="0" smtClean="0"/>
+              <a:t> </a:t>
+            </a:r>
+            <a:r>
+              <a:rPr lang="en-US" baseline="0" dirty="0" err="1" smtClean="0"/>
+              <a:t>tận</a:t>
+            </a:r>
+            <a:r>
+              <a:rPr lang="en-US" baseline="0" dirty="0" smtClean="0"/>
+              <a:t> </a:t>
+            </a:r>
+            <a:r>
+              <a:rPr lang="en-US" baseline="0" dirty="0" err="1" smtClean="0"/>
+              <a:t>nhà</a:t>
+            </a:r>
+            <a:r>
+              <a:rPr lang="en-US" baseline="0" dirty="0" smtClean="0"/>
+              <a:t> </a:t>
+            </a:r>
+            <a:r>
+              <a:rPr lang="en-US" baseline="0" dirty="0" err="1" smtClean="0"/>
+              <a:t>hàng</a:t>
+            </a:r>
+            <a:r>
+              <a:rPr lang="en-US" baseline="0" dirty="0" smtClean="0"/>
+              <a:t> </a:t>
+            </a:r>
+            <a:r>
+              <a:rPr lang="en-US" baseline="0" dirty="0" err="1" smtClean="0"/>
+              <a:t>để</a:t>
+            </a:r>
+            <a:r>
+              <a:rPr lang="en-US" baseline="0" dirty="0" smtClean="0"/>
+              <a:t> </a:t>
+            </a:r>
+            <a:r>
+              <a:rPr lang="en-US" baseline="0" dirty="0" err="1" smtClean="0"/>
+              <a:t>coi</a:t>
+            </a:r>
+            <a:r>
+              <a:rPr lang="en-US" baseline="0" dirty="0" smtClean="0"/>
+              <a:t> </a:t>
+            </a:r>
+            <a:r>
+              <a:rPr lang="en-US" baseline="0" dirty="0" err="1" smtClean="0"/>
+              <a:t>thực</a:t>
+            </a:r>
+            <a:r>
+              <a:rPr lang="en-US" baseline="0" dirty="0" smtClean="0"/>
+              <a:t> </a:t>
+            </a:r>
+            <a:r>
+              <a:rPr lang="en-US" baseline="0" dirty="0" err="1" smtClean="0"/>
+              <a:t>đơn</a:t>
+            </a:r>
+            <a:r>
+              <a:rPr lang="en-US" baseline="0" dirty="0" smtClean="0"/>
+              <a:t> (</a:t>
+            </a:r>
+            <a:r>
+              <a:rPr lang="en-US" baseline="0" dirty="0" err="1" smtClean="0"/>
+              <a:t>càng</a:t>
+            </a:r>
+            <a:r>
+              <a:rPr lang="en-US" baseline="0" dirty="0" smtClean="0"/>
+              <a:t> </a:t>
+            </a:r>
+            <a:r>
+              <a:rPr lang="en-US" baseline="0" dirty="0" err="1" smtClean="0"/>
+              <a:t>tốn</a:t>
+            </a:r>
+            <a:r>
+              <a:rPr lang="en-US" baseline="0" dirty="0" smtClean="0"/>
+              <a:t> </a:t>
+            </a:r>
+            <a:r>
+              <a:rPr lang="en-US" baseline="0" dirty="0" err="1" smtClean="0"/>
+              <a:t>thời</a:t>
+            </a:r>
+            <a:r>
+              <a:rPr lang="en-US" baseline="0" dirty="0" smtClean="0"/>
+              <a:t> </a:t>
+            </a:r>
+            <a:r>
+              <a:rPr lang="en-US" baseline="0" dirty="0" err="1" smtClean="0"/>
+              <a:t>gian</a:t>
+            </a:r>
+            <a:r>
+              <a:rPr lang="en-US" baseline="0" dirty="0" smtClean="0"/>
+              <a:t>).</a:t>
+            </a:r>
+            <a:endParaRPr lang="vi-VN" dirty="0"/>
           </a:p>
         </p:txBody>
       </p:sp>
@@ -2178,17 +4018,8 @@
             </a:pPr>
             <a:r>
               <a:rPr lang="en-US" baseline="0" smtClean="0"/>
-              <a:t> Người </a:t>
-            </a:r>
-            <a:r>
-              <a:rPr lang="en-US" baseline="0" smtClean="0"/>
-              <a:t>có dùng internet, không cần thường xuyên, ít nhất 1 tháng 1 </a:t>
-            </a:r>
-            <a:r>
-              <a:rPr lang="en-US" baseline="0" smtClean="0"/>
-              <a:t>lần, không cần hiểu biết sâu về tin học.</a:t>
-            </a:r>
-            <a:endParaRPr lang="en-US" baseline="0" smtClean="0"/>
+              <a:t> Người có dùng internet, không cần thường xuyên, ít nhất 1 tháng 1 lần, không cần hiểu biết sâu về tin học.</a:t>
+            </a:r>
           </a:p>
           <a:p>
             <a:pPr lvl="1">
@@ -2197,11 +4028,7 @@
             </a:pPr>
             <a:r>
               <a:rPr lang="en-US" baseline="0" smtClean="0"/>
-              <a:t> Người </a:t>
-            </a:r>
-            <a:r>
-              <a:rPr lang="en-US" baseline="0" smtClean="0"/>
-              <a:t>có độ tuổi trên 16 tuổi.</a:t>
+              <a:t> Người có độ tuổi trên 16 tuổi.</a:t>
             </a:r>
           </a:p>
           <a:p>
@@ -2211,11 +4038,7 @@
             </a:pPr>
             <a:r>
               <a:rPr lang="en-US" baseline="0" smtClean="0"/>
-              <a:t> Đối </a:t>
-            </a:r>
-            <a:r>
-              <a:rPr lang="en-US" baseline="0" smtClean="0"/>
-              <a:t>tượng là công chức, sinh viên, doanh nhân.</a:t>
+              <a:t> Đối tượng là công chức, sinh viên, doanh nhân.</a:t>
             </a:r>
             <a:endParaRPr lang="vi-VN"/>
           </a:p>
@@ -2301,7 +4124,7 @@
           <a:p>
             <a:pPr lvl="0"/>
             <a:r>
-              <a:rPr lang="vi-VN" sz="1200" kern="1200" smtClean="0">
+              <a:rPr lang="vi-VN" sz="1200" kern="1200" dirty="0" smtClean="0">
                 <a:solidFill>
                   <a:schemeClr val="tx1"/>
                 </a:solidFill>
@@ -2312,7 +4135,7 @@
               <a:t>Khi bạn cần đặt món ăn ở nhà hàng thì bạn thường chọn phương pháp nào</a:t>
             </a:r>
             <a:r>
-              <a:rPr lang="en-US" sz="1200" kern="1200" smtClean="0">
+              <a:rPr lang="en-US" sz="1200" kern="1200" dirty="0" smtClean="0">
                 <a:solidFill>
                   <a:schemeClr val="tx1"/>
                 </a:solidFill>
@@ -2322,7 +4145,7 @@
               </a:rPr>
               <a:t>?</a:t>
             </a:r>
-            <a:endParaRPr lang="vi-VN" sz="1200" kern="1200" smtClean="0">
+            <a:endParaRPr lang="vi-VN" sz="1200" kern="1200" dirty="0" smtClean="0">
               <a:solidFill>
                 <a:schemeClr val="tx1"/>
               </a:solidFill>
@@ -2337,7 +4160,7 @@
               <a:buChar char="v"/>
             </a:pPr>
             <a:r>
-              <a:rPr lang="vi-VN" sz="1200" kern="1200" smtClean="0">
+              <a:rPr lang="vi-VN" sz="1200" kern="1200" dirty="0" smtClean="0">
                 <a:solidFill>
                   <a:schemeClr val="tx1"/>
                 </a:solidFill>
@@ -2345,10 +4168,16 @@
                 <a:ea typeface="+mn-ea"/>
                 <a:cs typeface="+mn-cs"/>
               </a:rPr>
-              <a:t> Chạy </a:t>
-            </a:r>
-            <a:r>
-              <a:rPr lang="vi-VN" sz="1200" kern="1200" smtClean="0">
+              <a:t> Chạy thẳng đến nhà hàng và đặt món.</a:t>
+            </a:r>
+          </a:p>
+          <a:p>
+            <a:pPr lvl="1">
+              <a:buFont typeface="Wingdings" pitchFamily="2" charset="2"/>
+              <a:buChar char="v"/>
+            </a:pPr>
+            <a:r>
+              <a:rPr lang="vi-VN" sz="1200" kern="1200" dirty="0" smtClean="0">
                 <a:solidFill>
                   <a:schemeClr val="tx1"/>
                 </a:solidFill>
@@ -2356,10 +4185,16 @@
                 <a:ea typeface="+mn-ea"/>
                 <a:cs typeface="+mn-cs"/>
               </a:rPr>
-              <a:t>thẳng đến nhà hàng và đặt món</a:t>
-            </a:r>
-            <a:r>
-              <a:rPr lang="vi-VN" sz="1200" kern="1200" smtClean="0">
+              <a:t> Gọi điện trực tiếp đến nhà hàng đặt món.</a:t>
+            </a:r>
+          </a:p>
+          <a:p>
+            <a:pPr lvl="1">
+              <a:buFont typeface="Wingdings" pitchFamily="2" charset="2"/>
+              <a:buChar char="v"/>
+            </a:pPr>
+            <a:r>
+              <a:rPr lang="vi-VN" sz="1200" kern="1200" dirty="0" smtClean="0">
                 <a:solidFill>
                   <a:schemeClr val="tx1"/>
                 </a:solidFill>
@@ -2367,16 +4202,8 @@
                 <a:ea typeface="+mn-ea"/>
                 <a:cs typeface="+mn-cs"/>
               </a:rPr>
-              <a:t>.</a:t>
-            </a:r>
-            <a:endParaRPr lang="vi-VN" sz="1200" kern="1200" smtClean="0">
-              <a:solidFill>
-                <a:schemeClr val="tx1"/>
-              </a:solidFill>
-              <a:latin typeface="Arial" charset="0"/>
-              <a:ea typeface="+mn-ea"/>
-              <a:cs typeface="+mn-cs"/>
-            </a:endParaRPr>
+              <a:t> Đặt món ăn từ trang web của nhà hàng.</a:t>
+            </a:r>
           </a:p>
           <a:p>
             <a:pPr lvl="1">
@@ -2384,7 +4211,7 @@
               <a:buChar char="v"/>
             </a:pPr>
             <a:r>
-              <a:rPr lang="vi-VN" sz="1200" kern="1200" smtClean="0">
+              <a:rPr lang="en-US" sz="1200" kern="1200" dirty="0" smtClean="0">
                 <a:solidFill>
                   <a:schemeClr val="tx1"/>
                 </a:solidFill>
@@ -2392,10 +4219,10 @@
                 <a:ea typeface="+mn-ea"/>
                 <a:cs typeface="+mn-cs"/>
               </a:rPr>
-              <a:t> Gọi </a:t>
-            </a:r>
-            <a:r>
-              <a:rPr lang="vi-VN" sz="1200" kern="1200" smtClean="0">
+              <a:t> </a:t>
+            </a:r>
+            <a:r>
+              <a:rPr lang="en-US" sz="1200" kern="1200" dirty="0" err="1" smtClean="0">
                 <a:solidFill>
                   <a:schemeClr val="tx1"/>
                 </a:solidFill>
@@ -2403,55 +4230,10 @@
                 <a:ea typeface="+mn-ea"/>
                 <a:cs typeface="+mn-cs"/>
               </a:rPr>
-              <a:t>điện trực tiếp đến nhà hàng đặt món.</a:t>
-            </a:r>
-          </a:p>
-          <a:p>
-            <a:pPr lvl="1">
-              <a:buFont typeface="Wingdings" pitchFamily="2" charset="2"/>
-              <a:buChar char="v"/>
-            </a:pPr>
-            <a:r>
-              <a:rPr lang="vi-VN" sz="1200" kern="1200" smtClean="0">
-                <a:solidFill>
-                  <a:schemeClr val="tx1"/>
-                </a:solidFill>
-                <a:latin typeface="Arial" charset="0"/>
-                <a:ea typeface="+mn-ea"/>
-                <a:cs typeface="+mn-cs"/>
-              </a:rPr>
-              <a:t> Đặt </a:t>
-            </a:r>
-            <a:r>
-              <a:rPr lang="vi-VN" sz="1200" kern="1200" smtClean="0">
-                <a:solidFill>
-                  <a:schemeClr val="tx1"/>
-                </a:solidFill>
-                <a:latin typeface="Arial" charset="0"/>
-                <a:ea typeface="+mn-ea"/>
-                <a:cs typeface="+mn-cs"/>
-              </a:rPr>
-              <a:t>món ăn từ trang web của nhà hàng.</a:t>
-            </a:r>
-          </a:p>
-          <a:p>
-            <a:pPr lvl="1">
-              <a:buFont typeface="Wingdings" pitchFamily="2" charset="2"/>
-              <a:buChar char="v"/>
-            </a:pPr>
-            <a:r>
-              <a:rPr lang="en-US" sz="1200" kern="1200" smtClean="0">
-                <a:solidFill>
-                  <a:schemeClr val="tx1"/>
-                </a:solidFill>
-                <a:latin typeface="Arial" charset="0"/>
-                <a:ea typeface="+mn-ea"/>
-                <a:cs typeface="+mn-cs"/>
-              </a:rPr>
-              <a:t> Khác</a:t>
-            </a:r>
-            <a:r>
-              <a:rPr lang="en-US" sz="1200" kern="1200" smtClean="0">
+              <a:t>Khác</a:t>
+            </a:r>
+            <a:r>
+              <a:rPr lang="en-US" sz="1200" kern="1200" dirty="0" smtClean="0">
                 <a:solidFill>
                   <a:schemeClr val="tx1"/>
                 </a:solidFill>
@@ -2461,7 +4243,7 @@
               </a:rPr>
               <a:t>:________</a:t>
             </a:r>
-            <a:endParaRPr lang="vi-VN" sz="1200" kern="1200" smtClean="0">
+            <a:endParaRPr lang="vi-VN" sz="1200" kern="1200" dirty="0" smtClean="0">
               <a:solidFill>
                 <a:schemeClr val="tx1"/>
               </a:solidFill>
@@ -2473,7 +4255,7 @@
           <a:p>
             <a:pPr lvl="0"/>
             <a:r>
-              <a:rPr lang="vi-VN" sz="1200" kern="1200" smtClean="0">
+              <a:rPr lang="vi-VN" sz="1200" kern="1200" dirty="0" smtClean="0">
                 <a:solidFill>
                   <a:schemeClr val="tx1"/>
                 </a:solidFill>
@@ -2484,7 +4266,7 @@
               <a:t>Theo bạn </a:t>
             </a:r>
             <a:r>
-              <a:rPr lang="en-US" sz="1200" kern="1200" smtClean="0">
+              <a:rPr lang="en-US" sz="1200" kern="1200" dirty="0" err="1" smtClean="0">
                 <a:solidFill>
                   <a:schemeClr val="tx1"/>
                 </a:solidFill>
@@ -2492,10 +4274,21 @@
                 <a:ea typeface="+mn-ea"/>
                 <a:cs typeface="+mn-cs"/>
               </a:rPr>
-              <a:t>một </a:t>
-            </a:r>
-            <a:r>
-              <a:rPr lang="vi-VN" sz="1200" kern="1200" smtClean="0">
+              <a:t>một</a:t>
+            </a:r>
+            <a:r>
+              <a:rPr lang="en-US" sz="1200" kern="1200" dirty="0" smtClean="0">
+                <a:solidFill>
+                  <a:schemeClr val="tx1"/>
+                </a:solidFill>
+                <a:latin typeface="Arial" charset="0"/>
+                <a:ea typeface="+mn-ea"/>
+                <a:cs typeface="+mn-cs"/>
+              </a:rPr>
+              <a:t> </a:t>
+            </a:r>
+            <a:r>
+              <a:rPr lang="vi-VN" sz="1200" kern="1200" dirty="0" smtClean="0">
                 <a:solidFill>
                   <a:schemeClr val="tx1"/>
                 </a:solidFill>
@@ -2518,7 +4311,7 @@
               <a:buChar char="v"/>
             </a:pPr>
             <a:r>
-              <a:rPr lang="vi-VN" sz="1200" kern="1200" smtClean="0">
+              <a:rPr lang="vi-VN" sz="1200" kern="1200" dirty="0" smtClean="0">
                 <a:solidFill>
                   <a:schemeClr val="tx1"/>
                 </a:solidFill>
@@ -2526,18 +4319,7 @@
                 <a:ea typeface="+mn-ea"/>
                 <a:cs typeface="+mn-cs"/>
               </a:rPr>
-              <a:t> Bố </a:t>
-            </a:r>
-            <a:r>
-              <a:rPr lang="vi-VN" sz="1200" kern="1200" smtClean="0">
-                <a:solidFill>
-                  <a:schemeClr val="tx1"/>
-                </a:solidFill>
-                <a:latin typeface="Arial" charset="0"/>
-                <a:ea typeface="+mn-ea"/>
-                <a:cs typeface="+mn-cs"/>
-              </a:rPr>
-              <a:t>cục trình bày dễ hiểu, dễ thao tác.</a:t>
+              <a:t> Bố cục trình bày dễ hiểu, dễ thao tác.</a:t>
             </a:r>
           </a:p>
           <a:p>
@@ -2552,7 +4334,7 @@
               <a:buChar char="v"/>
             </a:pPr>
             <a:r>
-              <a:rPr lang="vi-VN" sz="1200" kern="1200" smtClean="0">
+              <a:rPr lang="vi-VN" sz="1200" kern="1200" dirty="0" smtClean="0">
                 <a:solidFill>
                   <a:schemeClr val="tx1"/>
                 </a:solidFill>
@@ -2560,18 +4342,7 @@
                 <a:ea typeface="+mn-ea"/>
                 <a:cs typeface="+mn-cs"/>
               </a:rPr>
-              <a:t> Có </a:t>
-            </a:r>
-            <a:r>
-              <a:rPr lang="vi-VN" sz="1200" kern="1200" smtClean="0">
-                <a:solidFill>
-                  <a:schemeClr val="tx1"/>
-                </a:solidFill>
-                <a:latin typeface="Arial" charset="0"/>
-                <a:ea typeface="+mn-ea"/>
-                <a:cs typeface="+mn-cs"/>
-              </a:rPr>
-              <a:t>nhiều hình ảnh sinh động, đủ màu sắc sặc sở.</a:t>
+              <a:t> Có nhiều hình ảnh sinh động, đủ màu sắc sặc sở.</a:t>
             </a:r>
           </a:p>
           <a:p>
@@ -2586,7 +4357,7 @@
               <a:buChar char="v"/>
             </a:pPr>
             <a:r>
-              <a:rPr lang="vi-VN" sz="1200" kern="1200" smtClean="0">
+              <a:rPr lang="vi-VN" sz="1200" kern="1200" dirty="0" smtClean="0">
                 <a:solidFill>
                   <a:schemeClr val="tx1"/>
                 </a:solidFill>
@@ -2594,18 +4365,7 @@
                 <a:ea typeface="+mn-ea"/>
                 <a:cs typeface="+mn-cs"/>
               </a:rPr>
-              <a:t> Nội </a:t>
-            </a:r>
-            <a:r>
-              <a:rPr lang="vi-VN" sz="1200" kern="1200" smtClean="0">
-                <a:solidFill>
-                  <a:schemeClr val="tx1"/>
-                </a:solidFill>
-                <a:latin typeface="Arial" charset="0"/>
-                <a:ea typeface="+mn-ea"/>
-                <a:cs typeface="+mn-cs"/>
-              </a:rPr>
-              <a:t>dung hay, đúng tiêu chí người dùng.</a:t>
+              <a:t> Nội dung hay, đúng tiêu chí người dùng.</a:t>
             </a:r>
           </a:p>
           <a:p>
@@ -2620,7 +4380,7 @@
               <a:buChar char="v"/>
             </a:pPr>
             <a:r>
-              <a:rPr lang="en-US" sz="1200" kern="1200" smtClean="0">
+              <a:rPr lang="en-US" sz="1200" kern="1200" dirty="0" smtClean="0">
                 <a:solidFill>
                   <a:schemeClr val="tx1"/>
                 </a:solidFill>
@@ -2628,10 +4388,21 @@
                 <a:ea typeface="+mn-ea"/>
                 <a:cs typeface="+mn-cs"/>
               </a:rPr>
-              <a:t> Khác</a:t>
-            </a:r>
-            <a:r>
-              <a:rPr lang="en-US" sz="1200" kern="1200" smtClean="0">
+              <a:t> </a:t>
+            </a:r>
+            <a:r>
+              <a:rPr lang="en-US" sz="1200" kern="1200" dirty="0" err="1" smtClean="0">
+                <a:solidFill>
+                  <a:schemeClr val="tx1"/>
+                </a:solidFill>
+                <a:latin typeface="Arial" charset="0"/>
+                <a:ea typeface="+mn-ea"/>
+                <a:cs typeface="+mn-cs"/>
+              </a:rPr>
+              <a:t>Khác</a:t>
+            </a:r>
+            <a:r>
+              <a:rPr lang="en-US" sz="1200" kern="1200" dirty="0" smtClean="0">
                 <a:solidFill>
                   <a:schemeClr val="tx1"/>
                 </a:solidFill>
@@ -2641,7 +4412,7 @@
               </a:rPr>
               <a:t>:________</a:t>
             </a:r>
-            <a:endParaRPr lang="vi-VN" sz="1200" kern="1200" smtClean="0">
+            <a:endParaRPr lang="vi-VN" sz="1200" kern="1200" dirty="0" smtClean="0">
               <a:solidFill>
                 <a:schemeClr val="tx1"/>
               </a:solidFill>
@@ -2653,7 +4424,7 @@
           <a:p>
             <a:pPr lvl="0"/>
             <a:r>
-              <a:rPr lang="vi-VN" sz="1200" kern="1200" smtClean="0">
+              <a:rPr lang="vi-VN" sz="1200" kern="1200" dirty="0" smtClean="0">
                 <a:solidFill>
                   <a:schemeClr val="tx1"/>
                 </a:solidFill>
@@ -2664,7 +4435,7 @@
               <a:t>Điều làm bạn </a:t>
             </a:r>
             <a:r>
-              <a:rPr lang="en-US" sz="1200" kern="1200" smtClean="0">
+              <a:rPr lang="en-US" sz="1200" kern="1200" dirty="0" err="1" smtClean="0">
                 <a:solidFill>
                   <a:schemeClr val="tx1"/>
                 </a:solidFill>
@@ -2672,10 +4443,65 @@
                 <a:ea typeface="+mn-ea"/>
                 <a:cs typeface="+mn-cs"/>
               </a:rPr>
-              <a:t>không hài lòng </a:t>
-            </a:r>
-            <a:r>
-              <a:rPr lang="vi-VN" sz="1200" kern="1200" smtClean="0">
+              <a:t>không</a:t>
+            </a:r>
+            <a:r>
+              <a:rPr lang="en-US" sz="1200" kern="1200" dirty="0" smtClean="0">
+                <a:solidFill>
+                  <a:schemeClr val="tx1"/>
+                </a:solidFill>
+                <a:latin typeface="Arial" charset="0"/>
+                <a:ea typeface="+mn-ea"/>
+                <a:cs typeface="+mn-cs"/>
+              </a:rPr>
+              <a:t> </a:t>
+            </a:r>
+            <a:r>
+              <a:rPr lang="en-US" sz="1200" kern="1200" dirty="0" err="1" smtClean="0">
+                <a:solidFill>
+                  <a:schemeClr val="tx1"/>
+                </a:solidFill>
+                <a:latin typeface="Arial" charset="0"/>
+                <a:ea typeface="+mn-ea"/>
+                <a:cs typeface="+mn-cs"/>
+              </a:rPr>
+              <a:t>hài</a:t>
+            </a:r>
+            <a:r>
+              <a:rPr lang="en-US" sz="1200" kern="1200" dirty="0" smtClean="0">
+                <a:solidFill>
+                  <a:schemeClr val="tx1"/>
+                </a:solidFill>
+                <a:latin typeface="Arial" charset="0"/>
+                <a:ea typeface="+mn-ea"/>
+                <a:cs typeface="+mn-cs"/>
+              </a:rPr>
+              <a:t> </a:t>
+            </a:r>
+            <a:r>
+              <a:rPr lang="en-US" sz="1200" kern="1200" dirty="0" err="1" smtClean="0">
+                <a:solidFill>
+                  <a:schemeClr val="tx1"/>
+                </a:solidFill>
+                <a:latin typeface="Arial" charset="0"/>
+                <a:ea typeface="+mn-ea"/>
+                <a:cs typeface="+mn-cs"/>
+              </a:rPr>
+              <a:t>lòng</a:t>
+            </a:r>
+            <a:r>
+              <a:rPr lang="en-US" sz="1200" kern="1200" dirty="0" smtClean="0">
+                <a:solidFill>
+                  <a:schemeClr val="tx1"/>
+                </a:solidFill>
+                <a:latin typeface="Arial" charset="0"/>
+                <a:ea typeface="+mn-ea"/>
+                <a:cs typeface="+mn-cs"/>
+              </a:rPr>
+              <a:t> </a:t>
+            </a:r>
+            <a:r>
+              <a:rPr lang="vi-VN" sz="1200" kern="1200" dirty="0" smtClean="0">
                 <a:solidFill>
                   <a:schemeClr val="tx1"/>
                 </a:solidFill>
@@ -2686,7 +4512,7 @@
               <a:t>khi đặt bàn thông qua website của </a:t>
             </a:r>
             <a:r>
-              <a:rPr lang="en-US" sz="1200" kern="1200" smtClean="0">
+              <a:rPr lang="en-US" sz="1200" kern="1200" dirty="0" err="1" smtClean="0">
                 <a:solidFill>
                   <a:schemeClr val="tx1"/>
                 </a:solidFill>
@@ -2697,7 +4523,7 @@
               <a:t>một</a:t>
             </a:r>
             <a:r>
-              <a:rPr lang="vi-VN" sz="1200" kern="1200" smtClean="0">
+              <a:rPr lang="vi-VN" sz="1200" kern="1200" dirty="0" smtClean="0">
                 <a:solidFill>
                   <a:schemeClr val="tx1"/>
                 </a:solidFill>
@@ -2720,7 +4546,7 @@
               <a:buChar char="v"/>
             </a:pPr>
             <a:r>
-              <a:rPr lang="vi-VN" sz="1200" kern="1200" smtClean="0">
+              <a:rPr lang="vi-VN" sz="1200" kern="1200" dirty="0" smtClean="0">
                 <a:solidFill>
                   <a:schemeClr val="tx1"/>
                 </a:solidFill>
@@ -2728,18 +4554,7 @@
                 <a:ea typeface="+mn-ea"/>
                 <a:cs typeface="+mn-cs"/>
               </a:rPr>
-              <a:t> Gọi </a:t>
-            </a:r>
-            <a:r>
-              <a:rPr lang="vi-VN" sz="1200" kern="1200" smtClean="0">
-                <a:solidFill>
-                  <a:schemeClr val="tx1"/>
-                </a:solidFill>
-                <a:latin typeface="Arial" charset="0"/>
-                <a:ea typeface="+mn-ea"/>
-                <a:cs typeface="+mn-cs"/>
-              </a:rPr>
-              <a:t>điện thoại để xác nhận việc đặt bàn.</a:t>
+              <a:t> Gọi điện thoại để xác nhận việc đặt bàn.</a:t>
             </a:r>
           </a:p>
           <a:p>
@@ -2754,7 +4569,7 @@
               <a:buChar char="v"/>
             </a:pPr>
             <a:r>
-              <a:rPr lang="vi-VN" sz="1200" kern="1200" smtClean="0">
+              <a:rPr lang="vi-VN" sz="1200" kern="1200" dirty="0" smtClean="0">
                 <a:solidFill>
                   <a:schemeClr val="tx1"/>
                 </a:solidFill>
@@ -2762,18 +4577,7 @@
                 <a:ea typeface="+mn-ea"/>
                 <a:cs typeface="+mn-cs"/>
               </a:rPr>
-              <a:t> Phải </a:t>
-            </a:r>
-            <a:r>
-              <a:rPr lang="vi-VN" sz="1200" kern="1200" smtClean="0">
-                <a:solidFill>
-                  <a:schemeClr val="tx1"/>
-                </a:solidFill>
-                <a:latin typeface="Arial" charset="0"/>
-                <a:ea typeface="+mn-ea"/>
-                <a:cs typeface="+mn-cs"/>
-              </a:rPr>
-              <a:t>tạo tài khoản và đăng nhập trước khi đặt bàn.</a:t>
+              <a:t> Phải tạo tài khoản và đăng nhập trước khi đặt bàn.</a:t>
             </a:r>
           </a:p>
           <a:p>
@@ -2788,7 +4592,7 @@
               <a:buChar char="v"/>
             </a:pPr>
             <a:r>
-              <a:rPr lang="vi-VN" sz="1200" kern="1200" smtClean="0">
+              <a:rPr lang="vi-VN" sz="1200" kern="1200" dirty="0" smtClean="0">
                 <a:solidFill>
                   <a:schemeClr val="tx1"/>
                 </a:solidFill>
@@ -2796,18 +4600,7 @@
                 <a:ea typeface="+mn-ea"/>
                 <a:cs typeface="+mn-cs"/>
               </a:rPr>
-              <a:t> Tốn </a:t>
-            </a:r>
-            <a:r>
-              <a:rPr lang="vi-VN" sz="1200" kern="1200" smtClean="0">
-                <a:solidFill>
-                  <a:schemeClr val="tx1"/>
-                </a:solidFill>
-                <a:latin typeface="Arial" charset="0"/>
-                <a:ea typeface="+mn-ea"/>
-                <a:cs typeface="+mn-cs"/>
-              </a:rPr>
-              <a:t>thời gian thực hiện nhiều bước để đặt bàn.</a:t>
+              <a:t> Tốn thời gian thực hiện nhiều bước để đặt bàn.</a:t>
             </a:r>
           </a:p>
           <a:p>
@@ -2822,7 +4615,7 @@
               <a:buChar char="v"/>
             </a:pPr>
             <a:r>
-              <a:rPr lang="vi-VN" sz="1200" kern="1200" smtClean="0">
+              <a:rPr lang="vi-VN" sz="1200" kern="1200" dirty="0" smtClean="0">
                 <a:solidFill>
                   <a:schemeClr val="tx1"/>
                 </a:solidFill>
@@ -2830,18 +4623,7 @@
                 <a:ea typeface="+mn-ea"/>
                 <a:cs typeface="+mn-cs"/>
               </a:rPr>
-              <a:t> Không </a:t>
-            </a:r>
-            <a:r>
-              <a:rPr lang="vi-VN" sz="1200" kern="1200" smtClean="0">
-                <a:solidFill>
-                  <a:schemeClr val="tx1"/>
-                </a:solidFill>
-                <a:latin typeface="Arial" charset="0"/>
-                <a:ea typeface="+mn-ea"/>
-                <a:cs typeface="+mn-cs"/>
-              </a:rPr>
-              <a:t>hỗ trợ tốt quá trình lựa chọn các món ăn.</a:t>
+              <a:t> Không hỗ trợ tốt quá trình lựa chọn các món ăn.</a:t>
             </a:r>
           </a:p>
           <a:p>
@@ -2856,7 +4638,7 @@
               <a:buChar char="v"/>
             </a:pPr>
             <a:r>
-              <a:rPr lang="en-US" sz="1200" kern="1200" smtClean="0">
+              <a:rPr lang="en-US" sz="1200" kern="1200" dirty="0" smtClean="0">
                 <a:solidFill>
                   <a:schemeClr val="tx1"/>
                 </a:solidFill>
@@ -2864,9 +4646,31 @@
                 <a:ea typeface="+mn-ea"/>
                 <a:cs typeface="+mn-cs"/>
               </a:rPr>
-              <a:t> Khác:________</a:t>
-            </a:r>
-            <a:endParaRPr lang="vi-VN" sz="1200" kern="1200" smtClean="0">
+              <a:t> </a:t>
+            </a:r>
+            <a:r>
+              <a:rPr lang="en-US" sz="1200" kern="1200" dirty="0" err="1" smtClean="0">
+                <a:solidFill>
+                  <a:schemeClr val="tx1"/>
+                </a:solidFill>
+                <a:latin typeface="Arial" charset="0"/>
+                <a:ea typeface="+mn-ea"/>
+                <a:cs typeface="+mn-cs"/>
+              </a:rPr>
+              <a:t>Khác</a:t>
+            </a:r>
+            <a:r>
+              <a:rPr lang="en-US" sz="1200" kern="1200" dirty="0" smtClean="0">
+                <a:solidFill>
+                  <a:schemeClr val="tx1"/>
+                </a:solidFill>
+                <a:latin typeface="Arial" charset="0"/>
+                <a:ea typeface="+mn-ea"/>
+                <a:cs typeface="+mn-cs"/>
+              </a:rPr>
+              <a:t>:________</a:t>
+            </a:r>
+            <a:endParaRPr lang="vi-VN" sz="1200" kern="1200" dirty="0" smtClean="0">
               <a:solidFill>
                 <a:schemeClr val="tx1"/>
               </a:solidFill>
@@ -2956,12 +4760,84 @@
           <a:lstStyle/>
           <a:p>
             <a:r>
-              <a:rPr lang="en-US" smtClean="0"/>
+              <a:rPr lang="en-US" dirty="0" err="1" smtClean="0"/>
               <a:t>Giải</a:t>
             </a:r>
             <a:r>
-              <a:rPr lang="en-US" baseline="0" smtClean="0"/>
-              <a:t> thích ưu và nhược điểm của các phương pháp:</a:t>
+              <a:rPr lang="en-US" baseline="0" dirty="0" smtClean="0"/>
+              <a:t> </a:t>
+            </a:r>
+            <a:r>
+              <a:rPr lang="en-US" baseline="0" dirty="0" err="1" smtClean="0"/>
+              <a:t>thích</a:t>
+            </a:r>
+            <a:r>
+              <a:rPr lang="en-US" baseline="0" dirty="0" smtClean="0"/>
+              <a:t> </a:t>
+            </a:r>
+            <a:r>
+              <a:rPr lang="en-US" baseline="0" dirty="0" err="1" smtClean="0"/>
+              <a:t>ưu</a:t>
+            </a:r>
+            <a:r>
+              <a:rPr lang="en-US" baseline="0" dirty="0" smtClean="0"/>
+              <a:t> </a:t>
+            </a:r>
+            <a:r>
+              <a:rPr lang="en-US" baseline="0" dirty="0" err="1" smtClean="0"/>
+              <a:t>và</a:t>
+            </a:r>
+            <a:r>
+              <a:rPr lang="en-US" baseline="0" dirty="0" smtClean="0"/>
+              <a:t> </a:t>
+            </a:r>
+            <a:r>
+              <a:rPr lang="en-US" baseline="0" dirty="0" err="1" smtClean="0"/>
+              <a:t>nhược</a:t>
+            </a:r>
+            <a:r>
+              <a:rPr lang="en-US" baseline="0" dirty="0" smtClean="0"/>
+              <a:t> </a:t>
+            </a:r>
+            <a:r>
+              <a:rPr lang="en-US" baseline="0" dirty="0" err="1" smtClean="0"/>
+              <a:t>điểm</a:t>
+            </a:r>
+            <a:r>
+              <a:rPr lang="en-US" baseline="0" dirty="0" smtClean="0"/>
+              <a:t> </a:t>
+            </a:r>
+            <a:r>
+              <a:rPr lang="en-US" baseline="0" dirty="0" err="1" smtClean="0"/>
+              <a:t>của</a:t>
+            </a:r>
+            <a:r>
+              <a:rPr lang="en-US" baseline="0" dirty="0" smtClean="0"/>
+              <a:t> </a:t>
+            </a:r>
+            <a:r>
+              <a:rPr lang="en-US" baseline="0" dirty="0" err="1" smtClean="0"/>
+              <a:t>các</a:t>
+            </a:r>
+            <a:r>
+              <a:rPr lang="en-US" baseline="0" dirty="0" smtClean="0"/>
+              <a:t> </a:t>
+            </a:r>
+            <a:r>
+              <a:rPr lang="en-US" baseline="0" dirty="0" err="1" smtClean="0"/>
+              <a:t>phương</a:t>
+            </a:r>
+            <a:r>
+              <a:rPr lang="en-US" baseline="0" dirty="0" smtClean="0"/>
+              <a:t> </a:t>
+            </a:r>
+            <a:r>
+              <a:rPr lang="en-US" baseline="0" dirty="0" err="1" smtClean="0"/>
+              <a:t>pháp</a:t>
+            </a:r>
+            <a:r>
+              <a:rPr lang="en-US" baseline="0" dirty="0" smtClean="0"/>
+              <a:t>:</a:t>
             </a:r>
           </a:p>
           <a:p>
@@ -2970,12 +4846,136 @@
               <a:buChar char="v"/>
             </a:pPr>
             <a:r>
-              <a:rPr lang="en-US" baseline="0" smtClean="0"/>
-              <a:t> Quảng </a:t>
-            </a:r>
-            <a:r>
-              <a:rPr lang="en-US" baseline="0" smtClean="0"/>
-              <a:t>cáo trên TV: khoảng một phút, nhiều người biết, tốn nhiều tiền, không đầy đủ thông tin.</a:t>
+              <a:rPr lang="en-US" baseline="0" dirty="0" smtClean="0"/>
+              <a:t> </a:t>
+            </a:r>
+            <a:r>
+              <a:rPr lang="en-US" baseline="0" dirty="0" err="1" smtClean="0"/>
+              <a:t>Quảng</a:t>
+            </a:r>
+            <a:r>
+              <a:rPr lang="en-US" baseline="0" dirty="0" smtClean="0"/>
+              <a:t> </a:t>
+            </a:r>
+            <a:r>
+              <a:rPr lang="en-US" baseline="0" dirty="0" err="1" smtClean="0"/>
+              <a:t>cáo</a:t>
+            </a:r>
+            <a:r>
+              <a:rPr lang="en-US" baseline="0" dirty="0" smtClean="0"/>
+              <a:t> </a:t>
+            </a:r>
+            <a:r>
+              <a:rPr lang="en-US" baseline="0" dirty="0" err="1" smtClean="0"/>
+              <a:t>trên</a:t>
+            </a:r>
+            <a:r>
+              <a:rPr lang="en-US" baseline="0" dirty="0" smtClean="0"/>
+              <a:t> TV: </a:t>
+            </a:r>
+            <a:r>
+              <a:rPr lang="en-US" baseline="0" dirty="0" err="1" smtClean="0"/>
+              <a:t>khoảng</a:t>
+            </a:r>
+            <a:r>
+              <a:rPr lang="en-US" baseline="0" dirty="0" smtClean="0"/>
+              <a:t> </a:t>
+            </a:r>
+            <a:r>
+              <a:rPr lang="en-US" baseline="0" dirty="0" err="1" smtClean="0"/>
+              <a:t>một</a:t>
+            </a:r>
+            <a:r>
+              <a:rPr lang="en-US" baseline="0" dirty="0" smtClean="0"/>
+              <a:t> </a:t>
+            </a:r>
+            <a:r>
+              <a:rPr lang="en-US" baseline="0" dirty="0" err="1" smtClean="0"/>
+              <a:t>phút</a:t>
+            </a:r>
+            <a:r>
+              <a:rPr lang="en-US" baseline="0" dirty="0" smtClean="0"/>
+              <a:t>, </a:t>
+            </a:r>
+            <a:r>
+              <a:rPr lang="en-US" baseline="0" dirty="0" err="1" smtClean="0"/>
+              <a:t>nhiều</a:t>
+            </a:r>
+            <a:r>
+              <a:rPr lang="en-US" baseline="0" dirty="0" smtClean="0"/>
+              <a:t> </a:t>
+            </a:r>
+            <a:r>
+              <a:rPr lang="en-US" baseline="0" dirty="0" err="1" smtClean="0"/>
+              <a:t>người</a:t>
+            </a:r>
+            <a:r>
+              <a:rPr lang="en-US" baseline="0" dirty="0" smtClean="0"/>
+              <a:t> </a:t>
+            </a:r>
+            <a:r>
+              <a:rPr lang="en-US" baseline="0" dirty="0" err="1" smtClean="0"/>
+              <a:t>biết</a:t>
+            </a:r>
+            <a:r>
+              <a:rPr lang="en-US" baseline="0" dirty="0" smtClean="0"/>
+              <a:t>, </a:t>
+            </a:r>
+            <a:r>
+              <a:rPr lang="en-US" baseline="0" dirty="0" err="1" smtClean="0"/>
+              <a:t>tốn</a:t>
+            </a:r>
+            <a:r>
+              <a:rPr lang="en-US" baseline="0" dirty="0" smtClean="0"/>
+              <a:t> </a:t>
+            </a:r>
+            <a:r>
+              <a:rPr lang="en-US" baseline="0" dirty="0" err="1" smtClean="0"/>
+              <a:t>nhiều</a:t>
+            </a:r>
+            <a:r>
+              <a:rPr lang="en-US" baseline="0" dirty="0" smtClean="0"/>
+              <a:t> </a:t>
+            </a:r>
+            <a:r>
+              <a:rPr lang="en-US" baseline="0" dirty="0" err="1" smtClean="0"/>
+              <a:t>tiền</a:t>
+            </a:r>
+            <a:r>
+              <a:rPr lang="en-US" baseline="0" dirty="0" smtClean="0"/>
+              <a:t>, </a:t>
+            </a:r>
+            <a:r>
+              <a:rPr lang="en-US" baseline="0" dirty="0" err="1" smtClean="0"/>
+              <a:t>không</a:t>
+            </a:r>
+            <a:r>
+              <a:rPr lang="en-US" baseline="0" dirty="0" smtClean="0"/>
+              <a:t> </a:t>
+            </a:r>
+            <a:r>
+              <a:rPr lang="en-US" baseline="0" dirty="0" err="1" smtClean="0"/>
+              <a:t>đầy</a:t>
+            </a:r>
+            <a:r>
+              <a:rPr lang="en-US" baseline="0" dirty="0" smtClean="0"/>
+              <a:t> </a:t>
+            </a:r>
+            <a:r>
+              <a:rPr lang="en-US" baseline="0" dirty="0" err="1" smtClean="0"/>
+              <a:t>đủ</a:t>
+            </a:r>
+            <a:r>
+              <a:rPr lang="en-US" baseline="0" dirty="0" smtClean="0"/>
+              <a:t> </a:t>
+            </a:r>
+            <a:r>
+              <a:rPr lang="en-US" baseline="0" dirty="0" err="1" smtClean="0"/>
+              <a:t>thông</a:t>
+            </a:r>
+            <a:r>
+              <a:rPr lang="en-US" baseline="0" dirty="0" smtClean="0"/>
+              <a:t> tin.</a:t>
             </a:r>
           </a:p>
           <a:p>
@@ -2984,12 +4984,88 @@
               <a:buChar char="v"/>
             </a:pPr>
             <a:r>
-              <a:rPr lang="en-US" baseline="0" smtClean="0"/>
+              <a:rPr lang="en-US" baseline="0" dirty="0" smtClean="0"/>
               <a:t> Treo </a:t>
             </a:r>
             <a:r>
-              <a:rPr lang="en-US" baseline="0" smtClean="0"/>
-              <a:t>băng-rôn: chi phí rẻ, ít người biết, không đầy đủ thông tin.</a:t>
+              <a:rPr lang="en-US" baseline="0" dirty="0" err="1" smtClean="0"/>
+              <a:t>băng-rôn</a:t>
+            </a:r>
+            <a:r>
+              <a:rPr lang="en-US" baseline="0" dirty="0" smtClean="0"/>
+              <a:t>: chi </a:t>
+            </a:r>
+            <a:r>
+              <a:rPr lang="en-US" baseline="0" dirty="0" err="1" smtClean="0"/>
+              <a:t>phí</a:t>
+            </a:r>
+            <a:r>
+              <a:rPr lang="en-US" baseline="0" dirty="0" smtClean="0"/>
+              <a:t> </a:t>
+            </a:r>
+            <a:r>
+              <a:rPr lang="en-US" baseline="0" dirty="0" err="1" smtClean="0"/>
+              <a:t>rẻ</a:t>
+            </a:r>
+            <a:r>
+              <a:rPr lang="en-US" baseline="0" dirty="0" smtClean="0"/>
+              <a:t>, </a:t>
+            </a:r>
+            <a:r>
+              <a:rPr lang="en-US" baseline="0" dirty="0" err="1" smtClean="0"/>
+              <a:t>ít</a:t>
+            </a:r>
+            <a:r>
+              <a:rPr lang="en-US" baseline="0" dirty="0" smtClean="0"/>
+              <a:t> </a:t>
+            </a:r>
+            <a:r>
+              <a:rPr lang="en-US" baseline="0" dirty="0" err="1" smtClean="0"/>
+              <a:t>người</a:t>
+            </a:r>
+            <a:r>
+              <a:rPr lang="en-US" baseline="0" dirty="0" smtClean="0"/>
+              <a:t> </a:t>
+            </a:r>
+            <a:r>
+              <a:rPr lang="en-US" baseline="0" dirty="0" err="1" smtClean="0"/>
+              <a:t>biết</a:t>
+            </a:r>
+            <a:r>
+              <a:rPr lang="en-US" baseline="0" dirty="0" smtClean="0"/>
+              <a:t>, </a:t>
+            </a:r>
+            <a:r>
+              <a:rPr lang="en-US" baseline="0" dirty="0" err="1" smtClean="0"/>
+              <a:t>không</a:t>
+            </a:r>
+            <a:r>
+              <a:rPr lang="en-US" baseline="0" dirty="0" smtClean="0"/>
+              <a:t> </a:t>
+            </a:r>
+            <a:r>
+              <a:rPr lang="en-US" baseline="0" dirty="0" err="1" smtClean="0"/>
+              <a:t>đầy</a:t>
+            </a:r>
+            <a:r>
+              <a:rPr lang="en-US" baseline="0" dirty="0" smtClean="0"/>
+              <a:t> </a:t>
+            </a:r>
+            <a:r>
+              <a:rPr lang="en-US" baseline="0" dirty="0" err="1" smtClean="0"/>
+              <a:t>đủ</a:t>
+            </a:r>
+            <a:r>
+              <a:rPr lang="en-US" baseline="0" dirty="0" smtClean="0"/>
+              <a:t> </a:t>
+            </a:r>
+            <a:r>
+              <a:rPr lang="en-US" baseline="0" dirty="0" err="1" smtClean="0"/>
+              <a:t>thông</a:t>
+            </a:r>
+            <a:r>
+              <a:rPr lang="en-US" baseline="0" dirty="0" smtClean="0"/>
+              <a:t> tin.</a:t>
             </a:r>
           </a:p>
           <a:p>
@@ -2998,12 +5074,144 @@
               <a:buChar char="v"/>
             </a:pPr>
             <a:r>
-              <a:rPr lang="en-US" baseline="0" smtClean="0"/>
-              <a:t> Phát </a:t>
-            </a:r>
-            <a:r>
-              <a:rPr lang="en-US" baseline="0" smtClean="0"/>
-              <a:t>tờ rơi: chi phí tương đối, số lượng người biết tương đối, thông tin cũng ở mức tương đối.</a:t>
+              <a:rPr lang="en-US" baseline="0" dirty="0" smtClean="0"/>
+              <a:t> </a:t>
+            </a:r>
+            <a:r>
+              <a:rPr lang="en-US" baseline="0" dirty="0" err="1" smtClean="0"/>
+              <a:t>Phát</a:t>
+            </a:r>
+            <a:r>
+              <a:rPr lang="en-US" baseline="0" dirty="0" smtClean="0"/>
+              <a:t> </a:t>
+            </a:r>
+            <a:r>
+              <a:rPr lang="en-US" baseline="0" dirty="0" err="1" smtClean="0"/>
+              <a:t>tờ</a:t>
+            </a:r>
+            <a:r>
+              <a:rPr lang="en-US" baseline="0" dirty="0" smtClean="0"/>
+              <a:t> </a:t>
+            </a:r>
+            <a:r>
+              <a:rPr lang="en-US" baseline="0" dirty="0" err="1" smtClean="0"/>
+              <a:t>rơi</a:t>
+            </a:r>
+            <a:r>
+              <a:rPr lang="en-US" baseline="0" dirty="0" smtClean="0"/>
+              <a:t>: chi </a:t>
+            </a:r>
+            <a:r>
+              <a:rPr lang="en-US" baseline="0" dirty="0" err="1" smtClean="0"/>
+              <a:t>phí</a:t>
+            </a:r>
+            <a:r>
+              <a:rPr lang="en-US" baseline="0" dirty="0" smtClean="0"/>
+              <a:t> </a:t>
+            </a:r>
+            <a:r>
+              <a:rPr lang="en-US" baseline="0" dirty="0" err="1" smtClean="0"/>
+              <a:t>tương</a:t>
+            </a:r>
+            <a:r>
+              <a:rPr lang="en-US" baseline="0" dirty="0" smtClean="0"/>
+              <a:t> </a:t>
+            </a:r>
+            <a:r>
+              <a:rPr lang="en-US" baseline="0" dirty="0" err="1" smtClean="0"/>
+              <a:t>đối</a:t>
+            </a:r>
+            <a:r>
+              <a:rPr lang="en-US" baseline="0" dirty="0" smtClean="0"/>
+              <a:t>, </a:t>
+            </a:r>
+            <a:r>
+              <a:rPr lang="en-US" baseline="0" dirty="0" err="1" smtClean="0"/>
+              <a:t>số</a:t>
+            </a:r>
+            <a:r>
+              <a:rPr lang="en-US" baseline="0" dirty="0" smtClean="0"/>
+              <a:t> </a:t>
+            </a:r>
+            <a:r>
+              <a:rPr lang="en-US" baseline="0" dirty="0" err="1" smtClean="0"/>
+              <a:t>lượng</a:t>
+            </a:r>
+            <a:r>
+              <a:rPr lang="en-US" baseline="0" dirty="0" smtClean="0"/>
+              <a:t> </a:t>
+            </a:r>
+            <a:r>
+              <a:rPr lang="en-US" baseline="0" dirty="0" err="1" smtClean="0"/>
+              <a:t>người</a:t>
+            </a:r>
+            <a:r>
+              <a:rPr lang="en-US" baseline="0" dirty="0" smtClean="0"/>
+              <a:t> </a:t>
+            </a:r>
+            <a:r>
+              <a:rPr lang="en-US" baseline="0" dirty="0" err="1" smtClean="0"/>
+              <a:t>biết</a:t>
+            </a:r>
+            <a:r>
+              <a:rPr lang="en-US" baseline="0" dirty="0" smtClean="0"/>
+              <a:t> </a:t>
+            </a:r>
+            <a:r>
+              <a:rPr lang="en-US" baseline="0" dirty="0" err="1" smtClean="0"/>
+              <a:t>tương</a:t>
+            </a:r>
+            <a:r>
+              <a:rPr lang="en-US" baseline="0" dirty="0" smtClean="0"/>
+              <a:t> </a:t>
+            </a:r>
+            <a:r>
+              <a:rPr lang="en-US" baseline="0" dirty="0" err="1" smtClean="0"/>
+              <a:t>đối</a:t>
+            </a:r>
+            <a:r>
+              <a:rPr lang="en-US" baseline="0" dirty="0" smtClean="0"/>
+              <a:t>, </a:t>
+            </a:r>
+            <a:r>
+              <a:rPr lang="en-US" baseline="0" dirty="0" err="1" smtClean="0"/>
+              <a:t>thông</a:t>
+            </a:r>
+            <a:r>
+              <a:rPr lang="en-US" baseline="0" dirty="0" smtClean="0"/>
+              <a:t> tin </a:t>
+            </a:r>
+            <a:r>
+              <a:rPr lang="en-US" baseline="0" dirty="0" err="1" smtClean="0"/>
+              <a:t>cũng</a:t>
+            </a:r>
+            <a:r>
+              <a:rPr lang="en-US" baseline="0" dirty="0" smtClean="0"/>
+              <a:t> ở </a:t>
+            </a:r>
+            <a:r>
+              <a:rPr lang="en-US" baseline="0" dirty="0" err="1" smtClean="0"/>
+              <a:t>mức</a:t>
+            </a:r>
+            <a:r>
+              <a:rPr lang="en-US" baseline="0" dirty="0" smtClean="0"/>
+              <a:t> </a:t>
+            </a:r>
+            <a:r>
+              <a:rPr lang="en-US" baseline="0" dirty="0" err="1" smtClean="0"/>
+              <a:t>tương</a:t>
+            </a:r>
+            <a:r>
+              <a:rPr lang="en-US" baseline="0" dirty="0" smtClean="0"/>
+              <a:t> </a:t>
+            </a:r>
+            <a:r>
+              <a:rPr lang="en-US" baseline="0" dirty="0" err="1" smtClean="0"/>
+              <a:t>đối</a:t>
+            </a:r>
+            <a:r>
+              <a:rPr lang="en-US" baseline="0" dirty="0" smtClean="0"/>
+              <a:t>.</a:t>
             </a:r>
           </a:p>
           <a:p>
@@ -3012,14 +5220,162 @@
               <a:buChar char="v"/>
             </a:pPr>
             <a:r>
-              <a:rPr lang="en-US" baseline="0" smtClean="0"/>
-              <a:t> Làm </a:t>
-            </a:r>
-            <a:r>
-              <a:rPr lang="en-US" baseline="0" smtClean="0"/>
-              <a:t>trang web: chi phí tương đối cao, nhiều người biết nếu có khả năng quảng cáo trang web, lượng thông tin nhiều.</a:t>
-            </a:r>
-            <a:endParaRPr lang="vi-VN"/>
+              <a:rPr lang="en-US" baseline="0" dirty="0" smtClean="0"/>
+              <a:t> </a:t>
+            </a:r>
+            <a:r>
+              <a:rPr lang="en-US" baseline="0" dirty="0" err="1" smtClean="0"/>
+              <a:t>Làm</a:t>
+            </a:r>
+            <a:r>
+              <a:rPr lang="en-US" baseline="0" dirty="0" smtClean="0"/>
+              <a:t> </a:t>
+            </a:r>
+            <a:r>
+              <a:rPr lang="en-US" baseline="0" dirty="0" err="1" smtClean="0"/>
+              <a:t>trang</a:t>
+            </a:r>
+            <a:r>
+              <a:rPr lang="en-US" baseline="0" dirty="0" smtClean="0"/>
+              <a:t> web: chi </a:t>
+            </a:r>
+            <a:r>
+              <a:rPr lang="en-US" baseline="0" dirty="0" err="1" smtClean="0"/>
+              <a:t>phí</a:t>
+            </a:r>
+            <a:r>
+              <a:rPr lang="en-US" baseline="0" dirty="0" smtClean="0"/>
+              <a:t> </a:t>
+            </a:r>
+            <a:r>
+              <a:rPr lang="en-US" baseline="0" dirty="0" err="1" smtClean="0"/>
+              <a:t>tương</a:t>
+            </a:r>
+            <a:r>
+              <a:rPr lang="en-US" baseline="0" dirty="0" smtClean="0"/>
+              <a:t> </a:t>
+            </a:r>
+            <a:r>
+              <a:rPr lang="en-US" baseline="0" dirty="0" err="1" smtClean="0"/>
+              <a:t>đối</a:t>
+            </a:r>
+            <a:r>
+              <a:rPr lang="en-US" baseline="0" dirty="0" smtClean="0"/>
+              <a:t> </a:t>
+            </a:r>
+            <a:r>
+              <a:rPr lang="en-US" baseline="0" dirty="0" err="1" smtClean="0"/>
+              <a:t>cao</a:t>
+            </a:r>
+            <a:r>
+              <a:rPr lang="en-US" baseline="0" dirty="0" smtClean="0"/>
+              <a:t>, </a:t>
+            </a:r>
+            <a:r>
+              <a:rPr lang="en-US" baseline="0" dirty="0" err="1" smtClean="0"/>
+              <a:t>nhiều</a:t>
+            </a:r>
+            <a:r>
+              <a:rPr lang="en-US" baseline="0" dirty="0" smtClean="0"/>
+              <a:t> </a:t>
+            </a:r>
+            <a:r>
+              <a:rPr lang="en-US" baseline="0" dirty="0" err="1" smtClean="0"/>
+              <a:t>người</a:t>
+            </a:r>
+            <a:r>
+              <a:rPr lang="en-US" baseline="0" dirty="0" smtClean="0"/>
+              <a:t> </a:t>
+            </a:r>
+            <a:r>
+              <a:rPr lang="en-US" baseline="0" dirty="0" err="1" smtClean="0"/>
+              <a:t>biết</a:t>
+            </a:r>
+            <a:r>
+              <a:rPr lang="en-US" baseline="0" dirty="0" smtClean="0"/>
+              <a:t> </a:t>
+            </a:r>
+            <a:r>
+              <a:rPr lang="en-US" baseline="0" dirty="0" err="1" smtClean="0"/>
+              <a:t>nếu</a:t>
+            </a:r>
+            <a:r>
+              <a:rPr lang="en-US" baseline="0" dirty="0" smtClean="0"/>
+              <a:t> </a:t>
+            </a:r>
+            <a:r>
+              <a:rPr lang="en-US" baseline="0" dirty="0" err="1" smtClean="0"/>
+              <a:t>có</a:t>
+            </a:r>
+            <a:r>
+              <a:rPr lang="en-US" baseline="0" dirty="0" smtClean="0"/>
+              <a:t> </a:t>
+            </a:r>
+            <a:r>
+              <a:rPr lang="en-US" baseline="0" dirty="0" err="1" smtClean="0"/>
+              <a:t>khả</a:t>
+            </a:r>
+            <a:r>
+              <a:rPr lang="en-US" baseline="0" dirty="0" smtClean="0"/>
+              <a:t> </a:t>
+            </a:r>
+            <a:r>
+              <a:rPr lang="en-US" baseline="0" dirty="0" err="1" smtClean="0"/>
+              <a:t>năng</a:t>
+            </a:r>
+            <a:r>
+              <a:rPr lang="en-US" baseline="0" dirty="0" smtClean="0"/>
+              <a:t> </a:t>
+            </a:r>
+            <a:r>
+              <a:rPr lang="en-US" baseline="0" dirty="0" err="1" smtClean="0"/>
+              <a:t>quảng</a:t>
+            </a:r>
+            <a:r>
+              <a:rPr lang="en-US" baseline="0" dirty="0" smtClean="0"/>
+              <a:t> </a:t>
+            </a:r>
+            <a:r>
+              <a:rPr lang="en-US" baseline="0" dirty="0" err="1" smtClean="0"/>
+              <a:t>cáo</a:t>
+            </a:r>
+            <a:r>
+              <a:rPr lang="en-US" baseline="0" dirty="0" smtClean="0"/>
+              <a:t> </a:t>
+            </a:r>
+            <a:r>
+              <a:rPr lang="en-US" baseline="0" dirty="0" err="1" smtClean="0"/>
+              <a:t>trang</a:t>
+            </a:r>
+            <a:r>
+              <a:rPr lang="en-US" baseline="0" dirty="0" smtClean="0"/>
+              <a:t> web, </a:t>
+            </a:r>
+            <a:r>
+              <a:rPr lang="en-US" baseline="0" dirty="0" err="1" smtClean="0"/>
+              <a:t>lượng</a:t>
+            </a:r>
+            <a:r>
+              <a:rPr lang="en-US" baseline="0" dirty="0" smtClean="0"/>
+              <a:t> </a:t>
+            </a:r>
+            <a:r>
+              <a:rPr lang="en-US" baseline="0" dirty="0" err="1" smtClean="0"/>
+              <a:t>thông</a:t>
+            </a:r>
+            <a:r>
+              <a:rPr lang="en-US" baseline="0" dirty="0" smtClean="0"/>
+              <a:t> tin </a:t>
+            </a:r>
+            <a:r>
+              <a:rPr lang="en-US" baseline="0" dirty="0" err="1" smtClean="0"/>
+              <a:t>nhiều</a:t>
+            </a:r>
+            <a:r>
+              <a:rPr lang="en-US" baseline="0" dirty="0" smtClean="0"/>
+              <a:t>.</a:t>
+            </a:r>
+            <a:endParaRPr lang="vi-VN" dirty="0"/>
           </a:p>
         </p:txBody>
       </p:sp>
@@ -10993,15 +13349,7 @@
                   <a:srgbClr val="080808"/>
                 </a:solidFill>
               </a:rPr>
-              <a:t>Kiến trúc từng </a:t>
-            </a:r>
-            <a:r>
-              <a:rPr lang="en-US" sz="2000" smtClean="0">
-                <a:solidFill>
-                  <a:srgbClr val="080808"/>
-                </a:solidFill>
-              </a:rPr>
-              <a:t>tầng dạng 2D/3D</a:t>
+              <a:t>Kiến trúc từng tầng dạng 2D/3D</a:t>
             </a:r>
             <a:endParaRPr lang="en-US" sz="2000">
               <a:solidFill>
@@ -11378,55 +13726,18 @@
                   <a:srgbClr val="080808"/>
                 </a:solidFill>
               </a:rPr>
-              <a:t>Nhập từ khóa tìm </a:t>
-            </a:r>
+              <a:t>Nhập từ khóa tìm kiếm</a:t>
+            </a:r>
+          </a:p>
+          <a:p>
+            <a:pPr marL="171450" indent="-171450"/>
             <a:r>
               <a:rPr lang="en-US" sz="2000" smtClean="0">
                 <a:solidFill>
                   <a:srgbClr val="080808"/>
                 </a:solidFill>
               </a:rPr>
-              <a:t>kiếm</a:t>
-            </a:r>
-            <a:endParaRPr lang="en-US" sz="2000" smtClean="0">
-              <a:solidFill>
-                <a:srgbClr val="080808"/>
-              </a:solidFill>
-            </a:endParaRPr>
-          </a:p>
-          <a:p>
-            <a:pPr marL="171450" indent="-171450"/>
-            <a:r>
-              <a:rPr lang="en-US" sz="2000" smtClean="0">
-                <a:solidFill>
-                  <a:srgbClr val="080808"/>
-                </a:solidFill>
-              </a:rPr>
-              <a:t>Xem chi tiết </a:t>
-            </a:r>
-            <a:r>
-              <a:rPr lang="en-US" sz="2000" smtClean="0">
-                <a:solidFill>
-                  <a:srgbClr val="080808"/>
-                </a:solidFill>
-              </a:rPr>
-              <a:t>kết </a:t>
-            </a:r>
-            <a:r>
-              <a:rPr lang="en-US" sz="2000" smtClean="0">
-                <a:solidFill>
-                  <a:srgbClr val="080808"/>
-                </a:solidFill>
-              </a:rPr>
-              <a:t>quả tìm </a:t>
-            </a:r>
-            <a:r>
-              <a:rPr lang="en-US" sz="2000" smtClean="0">
-                <a:solidFill>
-                  <a:srgbClr val="080808"/>
-                </a:solidFill>
-              </a:rPr>
-              <a:t>kiếm</a:t>
+              <a:t>Xem chi tiết kết quả tìm kiếm</a:t>
             </a:r>
             <a:endParaRPr lang="en-US" sz="2000">
               <a:solidFill>
@@ -11474,34 +13785,18 @@
                   <a:srgbClr val="080808"/>
                 </a:solidFill>
               </a:rPr>
-              <a:t>Đặt </a:t>
-            </a:r>
+              <a:t>Đặt món</a:t>
+            </a:r>
+          </a:p>
+          <a:p>
+            <a:pPr marL="171450" indent="-171450"/>
             <a:r>
               <a:rPr lang="en-US" sz="2000" smtClean="0">
                 <a:solidFill>
                   <a:srgbClr val="080808"/>
                 </a:solidFill>
               </a:rPr>
-              <a:t>món</a:t>
-            </a:r>
-          </a:p>
-          <a:p>
-            <a:pPr marL="171450" indent="-171450"/>
-            <a:r>
-              <a:rPr lang="en-US" sz="2000" smtClean="0">
-                <a:solidFill>
-                  <a:srgbClr val="080808"/>
-                </a:solidFill>
-              </a:rPr>
-              <a:t>Đặt </a:t>
-            </a:r>
-            <a:r>
-              <a:rPr lang="en-US" sz="2000" smtClean="0">
-                <a:solidFill>
-                  <a:srgbClr val="080808"/>
-                </a:solidFill>
-              </a:rPr>
-              <a:t>bàn</a:t>
+              <a:t>Đặt bàn</a:t>
             </a:r>
           </a:p>
           <a:p>
@@ -13585,10 +15880,8 @@
       </p:grpSpPr>
       <p:pic>
         <p:nvPicPr>
-          <p:cNvPr id="1026" name="Picture 2"/>
-          <p:cNvPicPr>
-            <a:picLocks noChangeAspect="1" noChangeArrowheads="1"/>
-          </p:cNvPicPr>
+          <p:cNvPr id="3" name="Picture 2"/>
+          <p:cNvPicPr/>
           <p:nvPr/>
         </p:nvPicPr>
         <p:blipFill>
@@ -13601,7 +15894,7 @@
         <p:spPr bwMode="auto">
           <a:xfrm>
             <a:off x="0" y="0"/>
-            <a:ext cx="9144000" cy="6923674"/>
+            <a:ext cx="9144000" cy="6858000"/>
           </a:xfrm>
           <a:prstGeom prst="rect">
             <a:avLst/>
@@ -13649,8 +15942,10 @@
       </p:grpSpPr>
       <p:pic>
         <p:nvPicPr>
-          <p:cNvPr id="3" name="Picture 2"/>
-          <p:cNvPicPr/>
+          <p:cNvPr id="1026" name="Picture 2"/>
+          <p:cNvPicPr>
+            <a:picLocks noChangeAspect="1" noChangeArrowheads="1"/>
+          </p:cNvPicPr>
           <p:nvPr/>
         </p:nvPicPr>
         <p:blipFill>
@@ -13663,7 +15958,7 @@
         <p:spPr bwMode="auto">
           <a:xfrm>
             <a:off x="0" y="0"/>
-            <a:ext cx="9144000" cy="6858000"/>
+            <a:ext cx="9144000" cy="6923674"/>
           </a:xfrm>
           <a:prstGeom prst="rect">
             <a:avLst/>
@@ -17432,7 +19727,7 @@
           <p:nvPr/>
         </p:nvPicPr>
         <p:blipFill>
-          <a:blip r:embed="rId2" cstate="print"/>
+          <a:blip r:embed="rId3" cstate="print"/>
           <a:srcRect/>
           <a:stretch>
             <a:fillRect/>
@@ -17973,21 +20268,8 @@
                   <a:srgbClr val="FFFFFF"/>
                 </a:solidFill>
               </a:rPr>
-              <a:t>Đăng </a:t>
-            </a:r>
-            <a:r>
-              <a:rPr lang="en-US" sz="1400" smtClean="0">
-                <a:solidFill>
-                  <a:srgbClr val="FFFFFF"/>
-                </a:solidFill>
-              </a:rPr>
-              <a:t>nhập</a:t>
-            </a:r>
-            <a:endParaRPr lang="en-US" sz="1400" smtClean="0">
-              <a:solidFill>
-                <a:srgbClr val="FFFFFF"/>
-              </a:solidFill>
-            </a:endParaRPr>
+              <a:t>Đăng nhập</a:t>
+            </a:r>
           </a:p>
           <a:p>
             <a:pPr marL="120650" indent="-120650">
@@ -18006,15 +20288,7 @@
                   <a:srgbClr val="FFFFFF"/>
                 </a:solidFill>
               </a:rPr>
-              <a:t>Đăng </a:t>
-            </a:r>
-            <a:r>
-              <a:rPr lang="en-US" sz="1400" smtClean="0">
-                <a:solidFill>
-                  <a:srgbClr val="FFFFFF"/>
-                </a:solidFill>
-              </a:rPr>
-              <a:t>ký</a:t>
+              <a:t>Đăng ký</a:t>
             </a:r>
             <a:endParaRPr lang="en-US" sz="1400">
               <a:solidFill>
@@ -18117,7 +20391,7 @@
               <p:nvPr/>
             </p:nvPicPr>
             <p:blipFill>
-              <a:blip r:embed="rId3" cstate="print">
+              <a:blip r:embed="rId4" cstate="print">
                 <a:lum bright="-78000" contrast="-78000"/>
               </a:blip>
               <a:srcRect/>
@@ -18145,7 +20419,7 @@
               <p:nvPr/>
             </p:nvPicPr>
             <p:blipFill>
-              <a:blip r:embed="rId4" cstate="print"/>
+              <a:blip r:embed="rId5" cstate="print"/>
               <a:srcRect/>
               <a:stretch>
                 <a:fillRect/>
@@ -18230,7 +20504,7 @@
             <p:nvPr/>
           </p:nvPicPr>
           <p:blipFill>
-            <a:blip r:embed="rId5" cstate="print"/>
+            <a:blip r:embed="rId6" cstate="print"/>
             <a:srcRect/>
             <a:stretch>
               <a:fillRect/>
@@ -18432,7 +20706,7 @@
               <p:nvPr/>
             </p:nvPicPr>
             <p:blipFill>
-              <a:blip r:embed="rId6" cstate="print">
+              <a:blip r:embed="rId7" cstate="print">
                 <a:lum bright="-78000" contrast="-78000"/>
               </a:blip>
               <a:srcRect/>
@@ -18460,7 +20734,7 @@
               <p:nvPr/>
             </p:nvPicPr>
             <p:blipFill>
-              <a:blip r:embed="rId7" cstate="print"/>
+              <a:blip r:embed="rId8" cstate="print"/>
               <a:srcRect/>
               <a:stretch>
                 <a:fillRect/>
@@ -18545,7 +20819,7 @@
             <p:nvPr/>
           </p:nvPicPr>
           <p:blipFill>
-            <a:blip r:embed="rId5" cstate="print"/>
+            <a:blip r:embed="rId6" cstate="print"/>
             <a:srcRect/>
             <a:stretch>
               <a:fillRect/>
@@ -18715,7 +20989,7 @@
           <p:nvPr/>
         </p:nvPicPr>
         <p:blipFill>
-          <a:blip r:embed="rId5" cstate="print"/>
+          <a:blip r:embed="rId6" cstate="print"/>
           <a:srcRect/>
           <a:stretch>
             <a:fillRect/>
@@ -18817,7 +21091,7 @@
               <p:nvPr/>
             </p:nvPicPr>
             <p:blipFill>
-              <a:blip r:embed="rId6" cstate="print">
+              <a:blip r:embed="rId7" cstate="print">
                 <a:lum bright="-78000" contrast="-78000"/>
               </a:blip>
               <a:srcRect/>
@@ -18845,7 +21119,7 @@
               <p:nvPr/>
             </p:nvPicPr>
             <p:blipFill>
-              <a:blip r:embed="rId7" cstate="print"/>
+              <a:blip r:embed="rId8" cstate="print"/>
               <a:srcRect/>
               <a:stretch>
                 <a:fillRect/>
@@ -18930,7 +21204,7 @@
             <p:nvPr/>
           </p:nvPicPr>
           <p:blipFill>
-            <a:blip r:embed="rId5" cstate="print"/>
+            <a:blip r:embed="rId6" cstate="print"/>
             <a:srcRect/>
             <a:stretch>
               <a:fillRect/>
@@ -21801,1691 +24075,6 @@
       </p:grpSpPr>
       <p:sp>
         <p:nvSpPr>
-          <p:cNvPr id="5122" name="Rectangle 2"/>
-          <p:cNvSpPr>
-            <a:spLocks noGrp="1" noChangeArrowheads="1"/>
-          </p:cNvSpPr>
-          <p:nvPr>
-            <p:ph type="title"/>
-          </p:nvPr>
-        </p:nvSpPr>
-        <p:spPr/>
-        <p:txBody>
-          <a:bodyPr/>
-          <a:lstStyle/>
-          <a:p>
-            <a:r>
-              <a:rPr lang="en-US" sz="4500" smtClean="0"/>
-              <a:t>Nội dung</a:t>
-            </a:r>
-            <a:endParaRPr lang="en-US" sz="4500"/>
-          </a:p>
-        </p:txBody>
-      </p:sp>
-      <p:sp>
-        <p:nvSpPr>
-          <p:cNvPr id="5123" name="AutoShape 3"/>
-          <p:cNvSpPr>
-            <a:spLocks noChangeArrowheads="1"/>
-          </p:cNvSpPr>
-          <p:nvPr/>
-        </p:nvSpPr>
-        <p:spPr bwMode="gray">
-          <a:xfrm>
-            <a:off x="1403648" y="1909862"/>
-            <a:ext cx="6705600" cy="593725"/>
-          </a:xfrm>
-          <a:prstGeom prst="roundRect">
-            <a:avLst>
-              <a:gd name="adj" fmla="val 16667"/>
-            </a:avLst>
-          </a:prstGeom>
-          <a:solidFill>
-            <a:schemeClr val="accent1"/>
-          </a:solidFill>
-          <a:ln w="28575" algn="ctr">
-            <a:solidFill>
-              <a:srgbClr val="FCFCFC"/>
-            </a:solidFill>
-            <a:round/>
-            <a:headEnd/>
-            <a:tailEnd/>
-          </a:ln>
-          <a:effectLst>
-            <a:outerShdw dist="35921" dir="2700000" algn="ctr" rotWithShape="0">
-              <a:srgbClr val="001D3A">
-                <a:alpha val="50000"/>
-              </a:srgbClr>
-            </a:outerShdw>
-          </a:effectLst>
-        </p:spPr>
-        <p:txBody>
-          <a:bodyPr wrap="none" anchor="ctr"/>
-          <a:lstStyle/>
-          <a:p>
-            <a:endParaRPr lang="vi-VN"/>
-          </a:p>
-        </p:txBody>
-      </p:sp>
-      <p:sp>
-        <p:nvSpPr>
-          <p:cNvPr id="5124" name="AutoShape 4"/>
-          <p:cNvSpPr>
-            <a:spLocks noChangeArrowheads="1"/>
-          </p:cNvSpPr>
-          <p:nvPr/>
-        </p:nvSpPr>
-        <p:spPr bwMode="gray">
-          <a:xfrm>
-            <a:off x="1403648" y="1214537"/>
-            <a:ext cx="6705600" cy="593725"/>
-          </a:xfrm>
-          <a:prstGeom prst="roundRect">
-            <a:avLst>
-              <a:gd name="adj" fmla="val 16667"/>
-            </a:avLst>
-          </a:prstGeom>
-          <a:solidFill>
-            <a:schemeClr val="hlink"/>
-          </a:solidFill>
-          <a:ln w="28575" algn="ctr">
-            <a:solidFill>
-              <a:srgbClr val="FCFCFC"/>
-            </a:solidFill>
-            <a:round/>
-            <a:headEnd/>
-            <a:tailEnd/>
-          </a:ln>
-          <a:effectLst>
-            <a:outerShdw dist="35921" dir="2700000" algn="ctr" rotWithShape="0">
-              <a:srgbClr val="001D3A">
-                <a:alpha val="50000"/>
-              </a:srgbClr>
-            </a:outerShdw>
-          </a:effectLst>
-        </p:spPr>
-        <p:txBody>
-          <a:bodyPr wrap="none" anchor="ctr"/>
-          <a:lstStyle/>
-          <a:p>
-            <a:endParaRPr lang="vi-VN"/>
-          </a:p>
-        </p:txBody>
-      </p:sp>
-      <p:grpSp>
-        <p:nvGrpSpPr>
-          <p:cNvPr id="5129" name="Group 9"/>
-          <p:cNvGrpSpPr>
-            <a:grpSpLocks/>
-          </p:cNvGrpSpPr>
-          <p:nvPr/>
-        </p:nvGrpSpPr>
-        <p:grpSpPr bwMode="auto">
-          <a:xfrm>
-            <a:off x="1556048" y="1551087"/>
-            <a:ext cx="187325" cy="601663"/>
-            <a:chOff x="960" y="1764"/>
-            <a:chExt cx="130" cy="418"/>
-          </a:xfrm>
-        </p:grpSpPr>
-        <p:sp>
-          <p:nvSpPr>
-            <p:cNvPr id="5130" name="Oval 10"/>
-            <p:cNvSpPr>
-              <a:spLocks noChangeArrowheads="1"/>
-            </p:cNvSpPr>
-            <p:nvPr/>
-          </p:nvSpPr>
-          <p:spPr bwMode="gray">
-            <a:xfrm>
-              <a:off x="960" y="1764"/>
-              <a:ext cx="126" cy="120"/>
-            </a:xfrm>
-            <a:prstGeom prst="ellipse">
-              <a:avLst/>
-            </a:prstGeom>
-            <a:solidFill>
-              <a:schemeClr val="bg1"/>
-            </a:solidFill>
-            <a:ln w="38100" algn="ctr">
-              <a:solidFill>
-                <a:schemeClr val="bg2"/>
-              </a:solidFill>
-              <a:round/>
-              <a:headEnd/>
-              <a:tailEnd/>
-            </a:ln>
-            <a:effectLst/>
-          </p:spPr>
-          <p:txBody>
-            <a:bodyPr wrap="none" anchor="ctr"/>
-            <a:lstStyle/>
-            <a:p>
-              <a:endParaRPr lang="vi-VN"/>
-            </a:p>
-          </p:txBody>
-        </p:sp>
-        <p:sp>
-          <p:nvSpPr>
-            <p:cNvPr id="5131" name="Oval 11"/>
-            <p:cNvSpPr>
-              <a:spLocks noChangeArrowheads="1"/>
-            </p:cNvSpPr>
-            <p:nvPr/>
-          </p:nvSpPr>
-          <p:spPr bwMode="gray">
-            <a:xfrm>
-              <a:off x="964" y="2062"/>
-              <a:ext cx="126" cy="120"/>
-            </a:xfrm>
-            <a:prstGeom prst="ellipse">
-              <a:avLst/>
-            </a:prstGeom>
-            <a:solidFill>
-              <a:schemeClr val="bg1"/>
-            </a:solidFill>
-            <a:ln w="38100" algn="ctr">
-              <a:solidFill>
-                <a:schemeClr val="bg2"/>
-              </a:solidFill>
-              <a:round/>
-              <a:headEnd/>
-              <a:tailEnd/>
-            </a:ln>
-            <a:effectLst/>
-          </p:spPr>
-          <p:txBody>
-            <a:bodyPr wrap="none" anchor="ctr"/>
-            <a:lstStyle/>
-            <a:p>
-              <a:endParaRPr lang="vi-VN"/>
-            </a:p>
-          </p:txBody>
-        </p:sp>
-        <p:sp>
-          <p:nvSpPr>
-            <p:cNvPr id="5132" name="AutoShape 12"/>
-            <p:cNvSpPr>
-              <a:spLocks noChangeArrowheads="1"/>
-            </p:cNvSpPr>
-            <p:nvPr/>
-          </p:nvSpPr>
-          <p:spPr bwMode="gray">
-            <a:xfrm>
-              <a:off x="996" y="1836"/>
-              <a:ext cx="62" cy="300"/>
-            </a:xfrm>
-            <a:prstGeom prst="roundRect">
-              <a:avLst>
-                <a:gd name="adj" fmla="val 50000"/>
-              </a:avLst>
-            </a:prstGeom>
-            <a:gradFill rotWithShape="1">
-              <a:gsLst>
-                <a:gs pos="0">
-                  <a:srgbClr val="B2B2B2"/>
-                </a:gs>
-                <a:gs pos="50000">
-                  <a:srgbClr val="B2B2B2">
-                    <a:gamma/>
-                    <a:tint val="0"/>
-                    <a:invGamma/>
-                  </a:srgbClr>
-                </a:gs>
-                <a:gs pos="100000">
-                  <a:srgbClr val="B2B2B2"/>
-                </a:gs>
-              </a:gsLst>
-              <a:lin ang="5400000" scaled="1"/>
-            </a:gradFill>
-            <a:ln w="38100" algn="ctr">
-              <a:noFill/>
-              <a:round/>
-              <a:headEnd/>
-              <a:tailEnd/>
-            </a:ln>
-            <a:effectLst/>
-          </p:spPr>
-          <p:txBody>
-            <a:bodyPr wrap="none" anchor="ctr"/>
-            <a:lstStyle/>
-            <a:p>
-              <a:endParaRPr lang="vi-VN"/>
-            </a:p>
-          </p:txBody>
-        </p:sp>
-      </p:grpSp>
-      <p:sp>
-        <p:nvSpPr>
-          <p:cNvPr id="5133" name="Text Box 13"/>
-          <p:cNvSpPr txBox="1">
-            <a:spLocks noChangeArrowheads="1"/>
-          </p:cNvSpPr>
-          <p:nvPr/>
-        </p:nvSpPr>
-        <p:spPr bwMode="white">
-          <a:xfrm>
-            <a:off x="2241848" y="1279625"/>
-            <a:ext cx="5029200" cy="457200"/>
-          </a:xfrm>
-          <a:prstGeom prst="rect">
-            <a:avLst/>
-          </a:prstGeom>
-          <a:noFill/>
-          <a:ln w="9525">
-            <a:noFill/>
-            <a:miter lim="800000"/>
-            <a:headEnd/>
-            <a:tailEnd/>
-          </a:ln>
-          <a:effectLst>
-            <a:outerShdw dist="17961" dir="2700000" algn="ctr" rotWithShape="0">
-              <a:srgbClr val="000000">
-                <a:alpha val="50000"/>
-              </a:srgbClr>
-            </a:outerShdw>
-          </a:effectLst>
-        </p:spPr>
-        <p:txBody>
-          <a:bodyPr>
-            <a:spAutoFit/>
-          </a:bodyPr>
-          <a:lstStyle/>
-          <a:p>
-            <a:pPr marL="457200" indent="-457200">
-              <a:spcBef>
-                <a:spcPct val="50000"/>
-              </a:spcBef>
-              <a:buClr>
-                <a:schemeClr val="tx1"/>
-              </a:buClr>
-            </a:pPr>
-            <a:r>
-              <a:rPr lang="en-US" sz="2400" b="1" smtClean="0">
-                <a:solidFill>
-                  <a:schemeClr val="bg1"/>
-                </a:solidFill>
-              </a:rPr>
-              <a:t>1. Mô tả dự án</a:t>
-            </a:r>
-            <a:endParaRPr lang="en-US" sz="2400" b="1">
-              <a:solidFill>
-                <a:schemeClr val="bg1"/>
-              </a:solidFill>
-            </a:endParaRPr>
-          </a:p>
-        </p:txBody>
-      </p:sp>
-      <p:sp>
-        <p:nvSpPr>
-          <p:cNvPr id="5134" name="AutoShape 14"/>
-          <p:cNvSpPr>
-            <a:spLocks noChangeArrowheads="1"/>
-          </p:cNvSpPr>
-          <p:nvPr/>
-        </p:nvSpPr>
-        <p:spPr bwMode="gray">
-          <a:xfrm>
-            <a:off x="1403648" y="2635350"/>
-            <a:ext cx="6705600" cy="593725"/>
-          </a:xfrm>
-          <a:prstGeom prst="roundRect">
-            <a:avLst>
-              <a:gd name="adj" fmla="val 16667"/>
-            </a:avLst>
-          </a:prstGeom>
-          <a:solidFill>
-            <a:schemeClr val="hlink"/>
-          </a:solidFill>
-          <a:ln w="28575" algn="ctr">
-            <a:solidFill>
-              <a:srgbClr val="FCFCFC"/>
-            </a:solidFill>
-            <a:round/>
-            <a:headEnd/>
-            <a:tailEnd/>
-          </a:ln>
-          <a:effectLst>
-            <a:outerShdw dist="35921" dir="2700000" algn="ctr" rotWithShape="0">
-              <a:srgbClr val="001D3A">
-                <a:alpha val="50000"/>
-              </a:srgbClr>
-            </a:outerShdw>
-          </a:effectLst>
-        </p:spPr>
-        <p:txBody>
-          <a:bodyPr wrap="none" anchor="ctr"/>
-          <a:lstStyle/>
-          <a:p>
-            <a:endParaRPr lang="vi-VN"/>
-          </a:p>
-        </p:txBody>
-      </p:sp>
-      <p:sp>
-        <p:nvSpPr>
-          <p:cNvPr id="5135" name="AutoShape 15"/>
-          <p:cNvSpPr>
-            <a:spLocks noChangeArrowheads="1"/>
-          </p:cNvSpPr>
-          <p:nvPr/>
-        </p:nvSpPr>
-        <p:spPr bwMode="gray">
-          <a:xfrm>
-            <a:off x="1403648" y="3349725"/>
-            <a:ext cx="6705600" cy="593725"/>
-          </a:xfrm>
-          <a:prstGeom prst="roundRect">
-            <a:avLst>
-              <a:gd name="adj" fmla="val 16667"/>
-            </a:avLst>
-          </a:prstGeom>
-          <a:solidFill>
-            <a:schemeClr val="accent1"/>
-          </a:solidFill>
-          <a:ln w="28575" algn="ctr">
-            <a:solidFill>
-              <a:srgbClr val="FCFCFC"/>
-            </a:solidFill>
-            <a:round/>
-            <a:headEnd/>
-            <a:tailEnd/>
-          </a:ln>
-          <a:effectLst>
-            <a:outerShdw dist="35921" dir="2700000" algn="ctr" rotWithShape="0">
-              <a:srgbClr val="001D3A">
-                <a:alpha val="50000"/>
-              </a:srgbClr>
-            </a:outerShdw>
-          </a:effectLst>
-        </p:spPr>
-        <p:txBody>
-          <a:bodyPr wrap="none" anchor="ctr"/>
-          <a:lstStyle/>
-          <a:p>
-            <a:endParaRPr lang="vi-VN"/>
-          </a:p>
-        </p:txBody>
-      </p:sp>
-      <p:grpSp>
-        <p:nvGrpSpPr>
-          <p:cNvPr id="5140" name="Group 20"/>
-          <p:cNvGrpSpPr>
-            <a:grpSpLocks/>
-          </p:cNvGrpSpPr>
-          <p:nvPr/>
-        </p:nvGrpSpPr>
-        <p:grpSpPr bwMode="auto">
-          <a:xfrm>
-            <a:off x="1556048" y="2990950"/>
-            <a:ext cx="187325" cy="601662"/>
-            <a:chOff x="960" y="1764"/>
-            <a:chExt cx="130" cy="418"/>
-          </a:xfrm>
-        </p:grpSpPr>
-        <p:sp>
-          <p:nvSpPr>
-            <p:cNvPr id="5141" name="Oval 21"/>
-            <p:cNvSpPr>
-              <a:spLocks noChangeArrowheads="1"/>
-            </p:cNvSpPr>
-            <p:nvPr/>
-          </p:nvSpPr>
-          <p:spPr bwMode="gray">
-            <a:xfrm>
-              <a:off x="960" y="1764"/>
-              <a:ext cx="126" cy="120"/>
-            </a:xfrm>
-            <a:prstGeom prst="ellipse">
-              <a:avLst/>
-            </a:prstGeom>
-            <a:solidFill>
-              <a:schemeClr val="bg1"/>
-            </a:solidFill>
-            <a:ln w="38100" algn="ctr">
-              <a:solidFill>
-                <a:schemeClr val="bg2"/>
-              </a:solidFill>
-              <a:round/>
-              <a:headEnd/>
-              <a:tailEnd/>
-            </a:ln>
-            <a:effectLst/>
-          </p:spPr>
-          <p:txBody>
-            <a:bodyPr wrap="none" anchor="ctr"/>
-            <a:lstStyle/>
-            <a:p>
-              <a:endParaRPr lang="vi-VN"/>
-            </a:p>
-          </p:txBody>
-        </p:sp>
-        <p:sp>
-          <p:nvSpPr>
-            <p:cNvPr id="5142" name="Oval 22"/>
-            <p:cNvSpPr>
-              <a:spLocks noChangeArrowheads="1"/>
-            </p:cNvSpPr>
-            <p:nvPr/>
-          </p:nvSpPr>
-          <p:spPr bwMode="gray">
-            <a:xfrm>
-              <a:off x="964" y="2062"/>
-              <a:ext cx="126" cy="120"/>
-            </a:xfrm>
-            <a:prstGeom prst="ellipse">
-              <a:avLst/>
-            </a:prstGeom>
-            <a:solidFill>
-              <a:schemeClr val="bg1"/>
-            </a:solidFill>
-            <a:ln w="38100" algn="ctr">
-              <a:solidFill>
-                <a:schemeClr val="bg2"/>
-              </a:solidFill>
-              <a:round/>
-              <a:headEnd/>
-              <a:tailEnd/>
-            </a:ln>
-            <a:effectLst/>
-          </p:spPr>
-          <p:txBody>
-            <a:bodyPr wrap="none" anchor="ctr"/>
-            <a:lstStyle/>
-            <a:p>
-              <a:endParaRPr lang="vi-VN"/>
-            </a:p>
-          </p:txBody>
-        </p:sp>
-        <p:sp>
-          <p:nvSpPr>
-            <p:cNvPr id="5143" name="AutoShape 23"/>
-            <p:cNvSpPr>
-              <a:spLocks noChangeArrowheads="1"/>
-            </p:cNvSpPr>
-            <p:nvPr/>
-          </p:nvSpPr>
-          <p:spPr bwMode="gray">
-            <a:xfrm>
-              <a:off x="996" y="1836"/>
-              <a:ext cx="62" cy="300"/>
-            </a:xfrm>
-            <a:prstGeom prst="roundRect">
-              <a:avLst>
-                <a:gd name="adj" fmla="val 50000"/>
-              </a:avLst>
-            </a:prstGeom>
-            <a:gradFill rotWithShape="1">
-              <a:gsLst>
-                <a:gs pos="0">
-                  <a:srgbClr val="B2B2B2"/>
-                </a:gs>
-                <a:gs pos="50000">
-                  <a:srgbClr val="B2B2B2">
-                    <a:gamma/>
-                    <a:tint val="0"/>
-                    <a:invGamma/>
-                  </a:srgbClr>
-                </a:gs>
-                <a:gs pos="100000">
-                  <a:srgbClr val="B2B2B2"/>
-                </a:gs>
-              </a:gsLst>
-              <a:lin ang="5400000" scaled="1"/>
-            </a:gradFill>
-            <a:ln w="38100" algn="ctr">
-              <a:noFill/>
-              <a:round/>
-              <a:headEnd/>
-              <a:tailEnd/>
-            </a:ln>
-            <a:effectLst/>
-          </p:spPr>
-          <p:txBody>
-            <a:bodyPr wrap="none" anchor="ctr"/>
-            <a:lstStyle/>
-            <a:p>
-              <a:endParaRPr lang="vi-VN"/>
-            </a:p>
-          </p:txBody>
-        </p:sp>
-      </p:grpSp>
-      <p:sp>
-        <p:nvSpPr>
-          <p:cNvPr id="5144" name="AutoShape 24"/>
-          <p:cNvSpPr>
-            <a:spLocks noChangeArrowheads="1"/>
-          </p:cNvSpPr>
-          <p:nvPr/>
-        </p:nvSpPr>
-        <p:spPr bwMode="gray">
-          <a:xfrm>
-            <a:off x="1403648" y="4075212"/>
-            <a:ext cx="6705600" cy="593725"/>
-          </a:xfrm>
-          <a:prstGeom prst="roundRect">
-            <a:avLst>
-              <a:gd name="adj" fmla="val 16667"/>
-            </a:avLst>
-          </a:prstGeom>
-          <a:solidFill>
-            <a:schemeClr val="hlink"/>
-          </a:solidFill>
-          <a:ln w="28575" algn="ctr">
-            <a:solidFill>
-              <a:srgbClr val="FCFCFC"/>
-            </a:solidFill>
-            <a:round/>
-            <a:headEnd/>
-            <a:tailEnd/>
-          </a:ln>
-          <a:effectLst>
-            <a:outerShdw dist="35921" dir="2700000" algn="ctr" rotWithShape="0">
-              <a:srgbClr val="001D3A">
-                <a:alpha val="50000"/>
-              </a:srgbClr>
-            </a:outerShdw>
-          </a:effectLst>
-        </p:spPr>
-        <p:txBody>
-          <a:bodyPr wrap="none" anchor="ctr"/>
-          <a:lstStyle/>
-          <a:p>
-            <a:endParaRPr lang="vi-VN"/>
-          </a:p>
-        </p:txBody>
-      </p:sp>
-      <p:sp>
-        <p:nvSpPr>
-          <p:cNvPr id="5145" name="Text Box 25"/>
-          <p:cNvSpPr txBox="1">
-            <a:spLocks noChangeArrowheads="1"/>
-          </p:cNvSpPr>
-          <p:nvPr/>
-        </p:nvSpPr>
-        <p:spPr bwMode="white">
-          <a:xfrm>
-            <a:off x="2241848" y="1982887"/>
-            <a:ext cx="5029200" cy="457200"/>
-          </a:xfrm>
-          <a:prstGeom prst="rect">
-            <a:avLst/>
-          </a:prstGeom>
-          <a:noFill/>
-          <a:ln w="9525">
-            <a:noFill/>
-            <a:miter lim="800000"/>
-            <a:headEnd/>
-            <a:tailEnd/>
-          </a:ln>
-          <a:effectLst>
-            <a:outerShdw dist="17961" dir="2700000" algn="ctr" rotWithShape="0">
-              <a:srgbClr val="000000">
-                <a:alpha val="50000"/>
-              </a:srgbClr>
-            </a:outerShdw>
-          </a:effectLst>
-        </p:spPr>
-        <p:txBody>
-          <a:bodyPr>
-            <a:spAutoFit/>
-          </a:bodyPr>
-          <a:lstStyle/>
-          <a:p>
-            <a:pPr marL="457200" indent="-457200">
-              <a:spcBef>
-                <a:spcPct val="50000"/>
-              </a:spcBef>
-              <a:buClr>
-                <a:schemeClr val="tx1"/>
-              </a:buClr>
-            </a:pPr>
-            <a:r>
-              <a:rPr lang="en-US" sz="2400" b="1" smtClean="0">
-                <a:solidFill>
-                  <a:srgbClr val="FFFFFF"/>
-                </a:solidFill>
-              </a:rPr>
-              <a:t>2. Các yêu cầu cấp cao</a:t>
-            </a:r>
-            <a:endParaRPr lang="en-US" sz="2400" b="1">
-              <a:solidFill>
-                <a:srgbClr val="FFFFFF"/>
-              </a:solidFill>
-            </a:endParaRPr>
-          </a:p>
-        </p:txBody>
-      </p:sp>
-      <p:sp>
-        <p:nvSpPr>
-          <p:cNvPr id="5146" name="Text Box 26"/>
-          <p:cNvSpPr txBox="1">
-            <a:spLocks noChangeArrowheads="1"/>
-          </p:cNvSpPr>
-          <p:nvPr/>
-        </p:nvSpPr>
-        <p:spPr bwMode="white">
-          <a:xfrm>
-            <a:off x="2241848" y="2706787"/>
-            <a:ext cx="5029200" cy="457200"/>
-          </a:xfrm>
-          <a:prstGeom prst="rect">
-            <a:avLst/>
-          </a:prstGeom>
-          <a:noFill/>
-          <a:ln w="9525">
-            <a:noFill/>
-            <a:miter lim="800000"/>
-            <a:headEnd/>
-            <a:tailEnd/>
-          </a:ln>
-          <a:effectLst>
-            <a:outerShdw dist="17961" dir="2700000" algn="ctr" rotWithShape="0">
-              <a:srgbClr val="000000">
-                <a:alpha val="50000"/>
-              </a:srgbClr>
-            </a:outerShdw>
-          </a:effectLst>
-        </p:spPr>
-        <p:txBody>
-          <a:bodyPr>
-            <a:spAutoFit/>
-          </a:bodyPr>
-          <a:lstStyle/>
-          <a:p>
-            <a:pPr marL="457200" indent="-457200">
-              <a:spcBef>
-                <a:spcPct val="50000"/>
-              </a:spcBef>
-              <a:buClr>
-                <a:schemeClr val="tx1"/>
-              </a:buClr>
-            </a:pPr>
-            <a:r>
-              <a:rPr lang="en-US" sz="2400" b="1" smtClean="0">
-                <a:solidFill>
-                  <a:srgbClr val="FFFFFF"/>
-                </a:solidFill>
-              </a:rPr>
-              <a:t>3. User profile</a:t>
-            </a:r>
-            <a:endParaRPr lang="en-US" sz="2400" b="1">
-              <a:solidFill>
-                <a:srgbClr val="FFFFFF"/>
-              </a:solidFill>
-            </a:endParaRPr>
-          </a:p>
-        </p:txBody>
-      </p:sp>
-      <p:sp>
-        <p:nvSpPr>
-          <p:cNvPr id="5147" name="Text Box 27"/>
-          <p:cNvSpPr txBox="1">
-            <a:spLocks noChangeArrowheads="1"/>
-          </p:cNvSpPr>
-          <p:nvPr/>
-        </p:nvSpPr>
-        <p:spPr bwMode="white">
-          <a:xfrm>
-            <a:off x="2241848" y="3411637"/>
-            <a:ext cx="5029200" cy="457200"/>
-          </a:xfrm>
-          <a:prstGeom prst="rect">
-            <a:avLst/>
-          </a:prstGeom>
-          <a:noFill/>
-          <a:ln w="9525">
-            <a:noFill/>
-            <a:miter lim="800000"/>
-            <a:headEnd/>
-            <a:tailEnd/>
-          </a:ln>
-          <a:effectLst>
-            <a:outerShdw dist="17961" dir="2700000" algn="ctr" rotWithShape="0">
-              <a:srgbClr val="000000">
-                <a:alpha val="50000"/>
-              </a:srgbClr>
-            </a:outerShdw>
-          </a:effectLst>
-        </p:spPr>
-        <p:txBody>
-          <a:bodyPr>
-            <a:spAutoFit/>
-          </a:bodyPr>
-          <a:lstStyle/>
-          <a:p>
-            <a:pPr marL="457200" indent="-457200">
-              <a:spcBef>
-                <a:spcPct val="50000"/>
-              </a:spcBef>
-              <a:buClr>
-                <a:schemeClr val="tx1"/>
-              </a:buClr>
-            </a:pPr>
-            <a:r>
-              <a:rPr lang="en-US" sz="2400" b="1" smtClean="0">
-                <a:solidFill>
-                  <a:srgbClr val="FFFFFF"/>
-                </a:solidFill>
-              </a:rPr>
-              <a:t>4. Task analysis</a:t>
-            </a:r>
-            <a:endParaRPr lang="en-US" sz="2400" b="1">
-              <a:solidFill>
-                <a:srgbClr val="FFFFFF"/>
-              </a:solidFill>
-            </a:endParaRPr>
-          </a:p>
-        </p:txBody>
-      </p:sp>
-      <p:sp>
-        <p:nvSpPr>
-          <p:cNvPr id="5148" name="Text Box 28"/>
-          <p:cNvSpPr txBox="1">
-            <a:spLocks noChangeArrowheads="1"/>
-          </p:cNvSpPr>
-          <p:nvPr/>
-        </p:nvSpPr>
-        <p:spPr bwMode="white">
-          <a:xfrm>
-            <a:off x="2241848" y="4137125"/>
-            <a:ext cx="5029200" cy="457200"/>
-          </a:xfrm>
-          <a:prstGeom prst="rect">
-            <a:avLst/>
-          </a:prstGeom>
-          <a:noFill/>
-          <a:ln w="9525">
-            <a:noFill/>
-            <a:miter lim="800000"/>
-            <a:headEnd/>
-            <a:tailEnd/>
-          </a:ln>
-          <a:effectLst>
-            <a:outerShdw dist="17961" dir="2700000" algn="ctr" rotWithShape="0">
-              <a:srgbClr val="000000">
-                <a:alpha val="50000"/>
-              </a:srgbClr>
-            </a:outerShdw>
-          </a:effectLst>
-        </p:spPr>
-        <p:txBody>
-          <a:bodyPr>
-            <a:spAutoFit/>
-          </a:bodyPr>
-          <a:lstStyle/>
-          <a:p>
-            <a:pPr marL="457200" indent="-457200">
-              <a:spcBef>
-                <a:spcPct val="50000"/>
-              </a:spcBef>
-              <a:buClr>
-                <a:schemeClr val="tx1"/>
-              </a:buClr>
-            </a:pPr>
-            <a:r>
-              <a:rPr lang="en-US" sz="2400" b="1" smtClean="0">
-                <a:solidFill>
-                  <a:srgbClr val="FFFFFF"/>
-                </a:solidFill>
-              </a:rPr>
-              <a:t>5. Tổng quan prototype</a:t>
-            </a:r>
-            <a:endParaRPr lang="en-US" sz="2400" b="1">
-              <a:solidFill>
-                <a:srgbClr val="FFFFFF"/>
-              </a:solidFill>
-            </a:endParaRPr>
-          </a:p>
-        </p:txBody>
-      </p:sp>
-      <p:sp>
-        <p:nvSpPr>
-          <p:cNvPr id="5149" name="AutoShape 29"/>
-          <p:cNvSpPr>
-            <a:spLocks noChangeArrowheads="1"/>
-          </p:cNvSpPr>
-          <p:nvPr/>
-        </p:nvSpPr>
-        <p:spPr bwMode="gray">
-          <a:xfrm>
-            <a:off x="1403648" y="4834037"/>
-            <a:ext cx="6705600" cy="593725"/>
-          </a:xfrm>
-          <a:prstGeom prst="roundRect">
-            <a:avLst>
-              <a:gd name="adj" fmla="val 16667"/>
-            </a:avLst>
-          </a:prstGeom>
-          <a:solidFill>
-            <a:schemeClr val="accent1"/>
-          </a:solidFill>
-          <a:ln w="28575" algn="ctr">
-            <a:solidFill>
-              <a:srgbClr val="FCFCFC"/>
-            </a:solidFill>
-            <a:round/>
-            <a:headEnd/>
-            <a:tailEnd/>
-          </a:ln>
-          <a:effectLst>
-            <a:outerShdw dist="35921" dir="2700000" algn="ctr" rotWithShape="0">
-              <a:srgbClr val="001D3A">
-                <a:alpha val="50000"/>
-              </a:srgbClr>
-            </a:outerShdw>
-          </a:effectLst>
-        </p:spPr>
-        <p:txBody>
-          <a:bodyPr wrap="none" anchor="ctr"/>
-          <a:lstStyle/>
-          <a:p>
-            <a:endParaRPr lang="vi-VN"/>
-          </a:p>
-        </p:txBody>
-      </p:sp>
-      <p:sp>
-        <p:nvSpPr>
-          <p:cNvPr id="5150" name="Text Box 30"/>
-          <p:cNvSpPr txBox="1">
-            <a:spLocks noChangeArrowheads="1"/>
-          </p:cNvSpPr>
-          <p:nvPr/>
-        </p:nvSpPr>
-        <p:spPr bwMode="white">
-          <a:xfrm>
-            <a:off x="2241848" y="4895950"/>
-            <a:ext cx="5029200" cy="457200"/>
-          </a:xfrm>
-          <a:prstGeom prst="rect">
-            <a:avLst/>
-          </a:prstGeom>
-          <a:noFill/>
-          <a:ln w="9525">
-            <a:noFill/>
-            <a:miter lim="800000"/>
-            <a:headEnd/>
-            <a:tailEnd/>
-          </a:ln>
-          <a:effectLst>
-            <a:outerShdw dist="17961" dir="2700000" algn="ctr" rotWithShape="0">
-              <a:srgbClr val="000000">
-                <a:alpha val="50000"/>
-              </a:srgbClr>
-            </a:outerShdw>
-          </a:effectLst>
-        </p:spPr>
-        <p:txBody>
-          <a:bodyPr>
-            <a:spAutoFit/>
-          </a:bodyPr>
-          <a:lstStyle/>
-          <a:p>
-            <a:pPr marL="457200" indent="-457200">
-              <a:spcBef>
-                <a:spcPct val="50000"/>
-              </a:spcBef>
-              <a:buClr>
-                <a:schemeClr val="tx1"/>
-              </a:buClr>
-            </a:pPr>
-            <a:r>
-              <a:rPr lang="en-US" sz="2400" b="1" smtClean="0">
-                <a:solidFill>
-                  <a:srgbClr val="FFFFFF"/>
-                </a:solidFill>
-              </a:rPr>
-              <a:t>6. Demo</a:t>
-            </a:r>
-            <a:endParaRPr lang="en-US" sz="2400" b="1">
-              <a:solidFill>
-                <a:srgbClr val="FFFFFF"/>
-              </a:solidFill>
-            </a:endParaRPr>
-          </a:p>
-        </p:txBody>
-      </p:sp>
-      <p:grpSp>
-        <p:nvGrpSpPr>
-          <p:cNvPr id="5151" name="Group 31"/>
-          <p:cNvGrpSpPr>
-            <a:grpSpLocks/>
-          </p:cNvGrpSpPr>
-          <p:nvPr/>
-        </p:nvGrpSpPr>
-        <p:grpSpPr bwMode="auto">
-          <a:xfrm>
-            <a:off x="7740352" y="3717032"/>
-            <a:ext cx="187325" cy="601663"/>
-            <a:chOff x="960" y="1764"/>
-            <a:chExt cx="130" cy="418"/>
-          </a:xfrm>
-        </p:grpSpPr>
-        <p:sp>
-          <p:nvSpPr>
-            <p:cNvPr id="5152" name="Oval 32"/>
-            <p:cNvSpPr>
-              <a:spLocks noChangeArrowheads="1"/>
-            </p:cNvSpPr>
-            <p:nvPr/>
-          </p:nvSpPr>
-          <p:spPr bwMode="gray">
-            <a:xfrm>
-              <a:off x="960" y="1764"/>
-              <a:ext cx="126" cy="120"/>
-            </a:xfrm>
-            <a:prstGeom prst="ellipse">
-              <a:avLst/>
-            </a:prstGeom>
-            <a:solidFill>
-              <a:schemeClr val="bg1"/>
-            </a:solidFill>
-            <a:ln w="38100" algn="ctr">
-              <a:solidFill>
-                <a:schemeClr val="bg2"/>
-              </a:solidFill>
-              <a:round/>
-              <a:headEnd/>
-              <a:tailEnd/>
-            </a:ln>
-            <a:effectLst/>
-          </p:spPr>
-          <p:txBody>
-            <a:bodyPr wrap="none" anchor="ctr"/>
-            <a:lstStyle/>
-            <a:p>
-              <a:endParaRPr lang="vi-VN"/>
-            </a:p>
-          </p:txBody>
-        </p:sp>
-        <p:sp>
-          <p:nvSpPr>
-            <p:cNvPr id="5153" name="Oval 33"/>
-            <p:cNvSpPr>
-              <a:spLocks noChangeArrowheads="1"/>
-            </p:cNvSpPr>
-            <p:nvPr/>
-          </p:nvSpPr>
-          <p:spPr bwMode="gray">
-            <a:xfrm>
-              <a:off x="964" y="2062"/>
-              <a:ext cx="126" cy="120"/>
-            </a:xfrm>
-            <a:prstGeom prst="ellipse">
-              <a:avLst/>
-            </a:prstGeom>
-            <a:solidFill>
-              <a:schemeClr val="bg1"/>
-            </a:solidFill>
-            <a:ln w="38100" algn="ctr">
-              <a:solidFill>
-                <a:schemeClr val="bg2"/>
-              </a:solidFill>
-              <a:round/>
-              <a:headEnd/>
-              <a:tailEnd/>
-            </a:ln>
-            <a:effectLst/>
-          </p:spPr>
-          <p:txBody>
-            <a:bodyPr wrap="none" anchor="ctr"/>
-            <a:lstStyle/>
-            <a:p>
-              <a:endParaRPr lang="vi-VN"/>
-            </a:p>
-          </p:txBody>
-        </p:sp>
-        <p:sp>
-          <p:nvSpPr>
-            <p:cNvPr id="5154" name="AutoShape 34"/>
-            <p:cNvSpPr>
-              <a:spLocks noChangeArrowheads="1"/>
-            </p:cNvSpPr>
-            <p:nvPr/>
-          </p:nvSpPr>
-          <p:spPr bwMode="gray">
-            <a:xfrm>
-              <a:off x="996" y="1836"/>
-              <a:ext cx="62" cy="300"/>
-            </a:xfrm>
-            <a:prstGeom prst="roundRect">
-              <a:avLst>
-                <a:gd name="adj" fmla="val 50000"/>
-              </a:avLst>
-            </a:prstGeom>
-            <a:gradFill rotWithShape="1">
-              <a:gsLst>
-                <a:gs pos="0">
-                  <a:srgbClr val="B2B2B2"/>
-                </a:gs>
-                <a:gs pos="50000">
-                  <a:srgbClr val="B2B2B2">
-                    <a:gamma/>
-                    <a:tint val="27451"/>
-                    <a:invGamma/>
-                  </a:srgbClr>
-                </a:gs>
-                <a:gs pos="100000">
-                  <a:srgbClr val="B2B2B2"/>
-                </a:gs>
-              </a:gsLst>
-              <a:lin ang="5400000" scaled="1"/>
-            </a:gradFill>
-            <a:ln w="38100" algn="ctr">
-              <a:noFill/>
-              <a:round/>
-              <a:headEnd/>
-              <a:tailEnd/>
-            </a:ln>
-            <a:effectLst/>
-          </p:spPr>
-          <p:txBody>
-            <a:bodyPr wrap="none" anchor="ctr"/>
-            <a:lstStyle/>
-            <a:p>
-              <a:endParaRPr lang="vi-VN"/>
-            </a:p>
-          </p:txBody>
-        </p:sp>
-      </p:grpSp>
-      <p:grpSp>
-        <p:nvGrpSpPr>
-          <p:cNvPr id="5155" name="Group 35"/>
-          <p:cNvGrpSpPr>
-            <a:grpSpLocks/>
-          </p:cNvGrpSpPr>
-          <p:nvPr/>
-        </p:nvGrpSpPr>
-        <p:grpSpPr bwMode="auto">
-          <a:xfrm>
-            <a:off x="1556048" y="4433987"/>
-            <a:ext cx="187325" cy="601663"/>
-            <a:chOff x="960" y="1764"/>
-            <a:chExt cx="130" cy="418"/>
-          </a:xfrm>
-        </p:grpSpPr>
-        <p:sp>
-          <p:nvSpPr>
-            <p:cNvPr id="5156" name="Oval 36"/>
-            <p:cNvSpPr>
-              <a:spLocks noChangeArrowheads="1"/>
-            </p:cNvSpPr>
-            <p:nvPr/>
-          </p:nvSpPr>
-          <p:spPr bwMode="gray">
-            <a:xfrm>
-              <a:off x="960" y="1764"/>
-              <a:ext cx="126" cy="120"/>
-            </a:xfrm>
-            <a:prstGeom prst="ellipse">
-              <a:avLst/>
-            </a:prstGeom>
-            <a:solidFill>
-              <a:schemeClr val="bg1"/>
-            </a:solidFill>
-            <a:ln w="38100" algn="ctr">
-              <a:solidFill>
-                <a:schemeClr val="bg2"/>
-              </a:solidFill>
-              <a:round/>
-              <a:headEnd/>
-              <a:tailEnd/>
-            </a:ln>
-            <a:effectLst/>
-          </p:spPr>
-          <p:txBody>
-            <a:bodyPr wrap="none" anchor="ctr"/>
-            <a:lstStyle/>
-            <a:p>
-              <a:endParaRPr lang="vi-VN"/>
-            </a:p>
-          </p:txBody>
-        </p:sp>
-        <p:sp>
-          <p:nvSpPr>
-            <p:cNvPr id="5157" name="Oval 37"/>
-            <p:cNvSpPr>
-              <a:spLocks noChangeArrowheads="1"/>
-            </p:cNvSpPr>
-            <p:nvPr/>
-          </p:nvSpPr>
-          <p:spPr bwMode="gray">
-            <a:xfrm>
-              <a:off x="964" y="2062"/>
-              <a:ext cx="126" cy="120"/>
-            </a:xfrm>
-            <a:prstGeom prst="ellipse">
-              <a:avLst/>
-            </a:prstGeom>
-            <a:solidFill>
-              <a:schemeClr val="bg1"/>
-            </a:solidFill>
-            <a:ln w="38100" algn="ctr">
-              <a:solidFill>
-                <a:schemeClr val="bg2"/>
-              </a:solidFill>
-              <a:round/>
-              <a:headEnd/>
-              <a:tailEnd/>
-            </a:ln>
-            <a:effectLst/>
-          </p:spPr>
-          <p:txBody>
-            <a:bodyPr wrap="none" anchor="ctr"/>
-            <a:lstStyle/>
-            <a:p>
-              <a:endParaRPr lang="vi-VN"/>
-            </a:p>
-          </p:txBody>
-        </p:sp>
-        <p:sp>
-          <p:nvSpPr>
-            <p:cNvPr id="5158" name="AutoShape 38"/>
-            <p:cNvSpPr>
-              <a:spLocks noChangeArrowheads="1"/>
-            </p:cNvSpPr>
-            <p:nvPr/>
-          </p:nvSpPr>
-          <p:spPr bwMode="gray">
-            <a:xfrm>
-              <a:off x="996" y="1836"/>
-              <a:ext cx="62" cy="300"/>
-            </a:xfrm>
-            <a:prstGeom prst="roundRect">
-              <a:avLst>
-                <a:gd name="adj" fmla="val 50000"/>
-              </a:avLst>
-            </a:prstGeom>
-            <a:gradFill rotWithShape="1">
-              <a:gsLst>
-                <a:gs pos="0">
-                  <a:srgbClr val="B2B2B2"/>
-                </a:gs>
-                <a:gs pos="50000">
-                  <a:srgbClr val="B2B2B2">
-                    <a:gamma/>
-                    <a:tint val="0"/>
-                    <a:invGamma/>
-                  </a:srgbClr>
-                </a:gs>
-                <a:gs pos="100000">
-                  <a:srgbClr val="B2B2B2"/>
-                </a:gs>
-              </a:gsLst>
-              <a:lin ang="5400000" scaled="1"/>
-            </a:gradFill>
-            <a:ln w="38100" algn="ctr">
-              <a:noFill/>
-              <a:round/>
-              <a:headEnd/>
-              <a:tailEnd/>
-            </a:ln>
-            <a:effectLst/>
-          </p:spPr>
-          <p:txBody>
-            <a:bodyPr wrap="none" anchor="ctr"/>
-            <a:lstStyle/>
-            <a:p>
-              <a:endParaRPr lang="vi-VN"/>
-            </a:p>
-          </p:txBody>
-        </p:sp>
-      </p:grpSp>
-      <p:sp>
-        <p:nvSpPr>
-          <p:cNvPr id="39" name="AutoShape 24"/>
-          <p:cNvSpPr>
-            <a:spLocks noChangeArrowheads="1"/>
-          </p:cNvSpPr>
-          <p:nvPr/>
-        </p:nvSpPr>
-        <p:spPr bwMode="gray">
-          <a:xfrm>
-            <a:off x="1403648" y="5589240"/>
-            <a:ext cx="6705600" cy="593725"/>
-          </a:xfrm>
-          <a:prstGeom prst="roundRect">
-            <a:avLst>
-              <a:gd name="adj" fmla="val 16667"/>
-            </a:avLst>
-          </a:prstGeom>
-          <a:solidFill>
-            <a:schemeClr val="hlink"/>
-          </a:solidFill>
-          <a:ln w="28575" algn="ctr">
-            <a:solidFill>
-              <a:srgbClr val="FCFCFC"/>
-            </a:solidFill>
-            <a:round/>
-            <a:headEnd/>
-            <a:tailEnd/>
-          </a:ln>
-          <a:effectLst>
-            <a:outerShdw dist="35921" dir="2700000" algn="ctr" rotWithShape="0">
-              <a:srgbClr val="001D3A">
-                <a:alpha val="50000"/>
-              </a:srgbClr>
-            </a:outerShdw>
-          </a:effectLst>
-        </p:spPr>
-        <p:txBody>
-          <a:bodyPr wrap="none" anchor="ctr"/>
-          <a:lstStyle/>
-          <a:p>
-            <a:endParaRPr lang="vi-VN"/>
-          </a:p>
-        </p:txBody>
-      </p:sp>
-      <p:sp>
-        <p:nvSpPr>
-          <p:cNvPr id="40" name="Text Box 28"/>
-          <p:cNvSpPr txBox="1">
-            <a:spLocks noChangeArrowheads="1"/>
-          </p:cNvSpPr>
-          <p:nvPr/>
-        </p:nvSpPr>
-        <p:spPr bwMode="white">
-          <a:xfrm>
-            <a:off x="2241848" y="5651153"/>
-            <a:ext cx="5029200" cy="457200"/>
-          </a:xfrm>
-          <a:prstGeom prst="rect">
-            <a:avLst/>
-          </a:prstGeom>
-          <a:noFill/>
-          <a:ln w="9525">
-            <a:noFill/>
-            <a:miter lim="800000"/>
-            <a:headEnd/>
-            <a:tailEnd/>
-          </a:ln>
-          <a:effectLst>
-            <a:outerShdw dist="17961" dir="2700000" algn="ctr" rotWithShape="0">
-              <a:srgbClr val="000000">
-                <a:alpha val="50000"/>
-              </a:srgbClr>
-            </a:outerShdw>
-          </a:effectLst>
-        </p:spPr>
-        <p:txBody>
-          <a:bodyPr>
-            <a:spAutoFit/>
-          </a:bodyPr>
-          <a:lstStyle/>
-          <a:p>
-            <a:pPr marL="457200" indent="-457200">
-              <a:spcBef>
-                <a:spcPct val="50000"/>
-              </a:spcBef>
-              <a:buClr>
-                <a:schemeClr val="tx1"/>
-              </a:buClr>
-            </a:pPr>
-            <a:r>
-              <a:rPr lang="en-US" sz="2400" b="1" smtClean="0">
-                <a:solidFill>
-                  <a:srgbClr val="FFFFFF"/>
-                </a:solidFill>
-              </a:rPr>
-              <a:t>7. Tổng kết</a:t>
-            </a:r>
-            <a:endParaRPr lang="en-US" sz="2400" b="1">
-              <a:solidFill>
-                <a:srgbClr val="FFFFFF"/>
-              </a:solidFill>
-            </a:endParaRPr>
-          </a:p>
-        </p:txBody>
-      </p:sp>
-      <p:grpSp>
-        <p:nvGrpSpPr>
-          <p:cNvPr id="5125" name="Group 5"/>
-          <p:cNvGrpSpPr>
-            <a:grpSpLocks/>
-          </p:cNvGrpSpPr>
-          <p:nvPr/>
-        </p:nvGrpSpPr>
-        <p:grpSpPr bwMode="auto">
-          <a:xfrm>
-            <a:off x="7740352" y="2276872"/>
-            <a:ext cx="187325" cy="601663"/>
-            <a:chOff x="960" y="1764"/>
-            <a:chExt cx="130" cy="418"/>
-          </a:xfrm>
-        </p:grpSpPr>
-        <p:sp>
-          <p:nvSpPr>
-            <p:cNvPr id="5126" name="Oval 6"/>
-            <p:cNvSpPr>
-              <a:spLocks noChangeArrowheads="1"/>
-            </p:cNvSpPr>
-            <p:nvPr/>
-          </p:nvSpPr>
-          <p:spPr bwMode="gray">
-            <a:xfrm>
-              <a:off x="960" y="1764"/>
-              <a:ext cx="126" cy="120"/>
-            </a:xfrm>
-            <a:prstGeom prst="ellipse">
-              <a:avLst/>
-            </a:prstGeom>
-            <a:solidFill>
-              <a:schemeClr val="bg1"/>
-            </a:solidFill>
-            <a:ln w="38100" algn="ctr">
-              <a:solidFill>
-                <a:schemeClr val="bg2"/>
-              </a:solidFill>
-              <a:round/>
-              <a:headEnd/>
-              <a:tailEnd/>
-            </a:ln>
-            <a:effectLst/>
-          </p:spPr>
-          <p:txBody>
-            <a:bodyPr wrap="none" anchor="ctr"/>
-            <a:lstStyle/>
-            <a:p>
-              <a:endParaRPr lang="vi-VN"/>
-            </a:p>
-          </p:txBody>
-        </p:sp>
-        <p:sp>
-          <p:nvSpPr>
-            <p:cNvPr id="5127" name="Oval 7"/>
-            <p:cNvSpPr>
-              <a:spLocks noChangeArrowheads="1"/>
-            </p:cNvSpPr>
-            <p:nvPr/>
-          </p:nvSpPr>
-          <p:spPr bwMode="gray">
-            <a:xfrm>
-              <a:off x="964" y="2062"/>
-              <a:ext cx="126" cy="120"/>
-            </a:xfrm>
-            <a:prstGeom prst="ellipse">
-              <a:avLst/>
-            </a:prstGeom>
-            <a:solidFill>
-              <a:schemeClr val="bg1"/>
-            </a:solidFill>
-            <a:ln w="38100" algn="ctr">
-              <a:solidFill>
-                <a:schemeClr val="bg2"/>
-              </a:solidFill>
-              <a:round/>
-              <a:headEnd/>
-              <a:tailEnd/>
-            </a:ln>
-            <a:effectLst/>
-          </p:spPr>
-          <p:txBody>
-            <a:bodyPr wrap="none" anchor="ctr"/>
-            <a:lstStyle/>
-            <a:p>
-              <a:endParaRPr lang="vi-VN"/>
-            </a:p>
-          </p:txBody>
-        </p:sp>
-        <p:sp>
-          <p:nvSpPr>
-            <p:cNvPr id="5128" name="AutoShape 8"/>
-            <p:cNvSpPr>
-              <a:spLocks noChangeArrowheads="1"/>
-            </p:cNvSpPr>
-            <p:nvPr/>
-          </p:nvSpPr>
-          <p:spPr bwMode="gray">
-            <a:xfrm>
-              <a:off x="996" y="1836"/>
-              <a:ext cx="62" cy="300"/>
-            </a:xfrm>
-            <a:prstGeom prst="roundRect">
-              <a:avLst>
-                <a:gd name="adj" fmla="val 50000"/>
-              </a:avLst>
-            </a:prstGeom>
-            <a:gradFill rotWithShape="1">
-              <a:gsLst>
-                <a:gs pos="0">
-                  <a:srgbClr val="B2B2B2"/>
-                </a:gs>
-                <a:gs pos="50000">
-                  <a:srgbClr val="B2B2B2">
-                    <a:gamma/>
-                    <a:tint val="27451"/>
-                    <a:invGamma/>
-                  </a:srgbClr>
-                </a:gs>
-                <a:gs pos="100000">
-                  <a:srgbClr val="B2B2B2"/>
-                </a:gs>
-              </a:gsLst>
-              <a:lin ang="5400000" scaled="1"/>
-            </a:gradFill>
-            <a:ln w="38100" algn="ctr">
-              <a:noFill/>
-              <a:round/>
-              <a:headEnd/>
-              <a:tailEnd/>
-            </a:ln>
-            <a:effectLst/>
-          </p:spPr>
-          <p:txBody>
-            <a:bodyPr wrap="none" anchor="ctr"/>
-            <a:lstStyle/>
-            <a:p>
-              <a:endParaRPr lang="vi-VN"/>
-            </a:p>
-          </p:txBody>
-        </p:sp>
-      </p:grpSp>
-      <p:grpSp>
-        <p:nvGrpSpPr>
-          <p:cNvPr id="51" name="Group 31"/>
-          <p:cNvGrpSpPr>
-            <a:grpSpLocks/>
-          </p:cNvGrpSpPr>
-          <p:nvPr/>
-        </p:nvGrpSpPr>
-        <p:grpSpPr bwMode="auto">
-          <a:xfrm>
-            <a:off x="7668344" y="5229200"/>
-            <a:ext cx="187325" cy="601663"/>
-            <a:chOff x="960" y="1764"/>
-            <a:chExt cx="130" cy="418"/>
-          </a:xfrm>
-        </p:grpSpPr>
-        <p:sp>
-          <p:nvSpPr>
-            <p:cNvPr id="52" name="Oval 32"/>
-            <p:cNvSpPr>
-              <a:spLocks noChangeArrowheads="1"/>
-            </p:cNvSpPr>
-            <p:nvPr/>
-          </p:nvSpPr>
-          <p:spPr bwMode="gray">
-            <a:xfrm>
-              <a:off x="960" y="1764"/>
-              <a:ext cx="126" cy="120"/>
-            </a:xfrm>
-            <a:prstGeom prst="ellipse">
-              <a:avLst/>
-            </a:prstGeom>
-            <a:solidFill>
-              <a:schemeClr val="bg1"/>
-            </a:solidFill>
-            <a:ln w="38100" algn="ctr">
-              <a:solidFill>
-                <a:schemeClr val="bg2"/>
-              </a:solidFill>
-              <a:round/>
-              <a:headEnd/>
-              <a:tailEnd/>
-            </a:ln>
-            <a:effectLst/>
-          </p:spPr>
-          <p:txBody>
-            <a:bodyPr wrap="none" anchor="ctr"/>
-            <a:lstStyle/>
-            <a:p>
-              <a:endParaRPr lang="vi-VN"/>
-            </a:p>
-          </p:txBody>
-        </p:sp>
-        <p:sp>
-          <p:nvSpPr>
-            <p:cNvPr id="53" name="Oval 33"/>
-            <p:cNvSpPr>
-              <a:spLocks noChangeArrowheads="1"/>
-            </p:cNvSpPr>
-            <p:nvPr/>
-          </p:nvSpPr>
-          <p:spPr bwMode="gray">
-            <a:xfrm>
-              <a:off x="964" y="2062"/>
-              <a:ext cx="126" cy="120"/>
-            </a:xfrm>
-            <a:prstGeom prst="ellipse">
-              <a:avLst/>
-            </a:prstGeom>
-            <a:solidFill>
-              <a:schemeClr val="bg1"/>
-            </a:solidFill>
-            <a:ln w="38100" algn="ctr">
-              <a:solidFill>
-                <a:schemeClr val="bg2"/>
-              </a:solidFill>
-              <a:round/>
-              <a:headEnd/>
-              <a:tailEnd/>
-            </a:ln>
-            <a:effectLst/>
-          </p:spPr>
-          <p:txBody>
-            <a:bodyPr wrap="none" anchor="ctr"/>
-            <a:lstStyle/>
-            <a:p>
-              <a:endParaRPr lang="vi-VN"/>
-            </a:p>
-          </p:txBody>
-        </p:sp>
-        <p:sp>
-          <p:nvSpPr>
-            <p:cNvPr id="54" name="AutoShape 34"/>
-            <p:cNvSpPr>
-              <a:spLocks noChangeArrowheads="1"/>
-            </p:cNvSpPr>
-            <p:nvPr/>
-          </p:nvSpPr>
-          <p:spPr bwMode="gray">
-            <a:xfrm>
-              <a:off x="996" y="1836"/>
-              <a:ext cx="62" cy="300"/>
-            </a:xfrm>
-            <a:prstGeom prst="roundRect">
-              <a:avLst>
-                <a:gd name="adj" fmla="val 50000"/>
-              </a:avLst>
-            </a:prstGeom>
-            <a:gradFill rotWithShape="1">
-              <a:gsLst>
-                <a:gs pos="0">
-                  <a:srgbClr val="B2B2B2"/>
-                </a:gs>
-                <a:gs pos="50000">
-                  <a:srgbClr val="B2B2B2">
-                    <a:gamma/>
-                    <a:tint val="27451"/>
-                    <a:invGamma/>
-                  </a:srgbClr>
-                </a:gs>
-                <a:gs pos="100000">
-                  <a:srgbClr val="B2B2B2"/>
-                </a:gs>
-              </a:gsLst>
-              <a:lin ang="5400000" scaled="1"/>
-            </a:gradFill>
-            <a:ln w="38100" algn="ctr">
-              <a:noFill/>
-              <a:round/>
-              <a:headEnd/>
-              <a:tailEnd/>
-            </a:ln>
-            <a:effectLst/>
-          </p:spPr>
-          <p:txBody>
-            <a:bodyPr wrap="none" anchor="ctr"/>
-            <a:lstStyle/>
-            <a:p>
-              <a:endParaRPr lang="vi-VN"/>
-            </a:p>
-          </p:txBody>
-        </p:sp>
-      </p:grpSp>
-      <p:sp>
-        <p:nvSpPr>
-          <p:cNvPr id="41" name="TextBox 40"/>
-          <p:cNvSpPr txBox="1"/>
-          <p:nvPr/>
-        </p:nvSpPr>
-        <p:spPr>
-          <a:xfrm>
-            <a:off x="8604448" y="6488668"/>
-            <a:ext cx="539552" cy="369332"/>
-          </a:xfrm>
-          <a:prstGeom prst="rect">
-            <a:avLst/>
-          </a:prstGeom>
-          <a:noFill/>
-        </p:spPr>
-        <p:txBody>
-          <a:bodyPr wrap="square" rtlCol="0">
-            <a:spAutoFit/>
-          </a:bodyPr>
-          <a:lstStyle/>
-          <a:p>
-            <a:r>
-              <a:rPr lang="en-US" b="1" smtClean="0"/>
-              <a:t>2</a:t>
-            </a:r>
-            <a:endParaRPr lang="vi-VN" b="1"/>
-          </a:p>
-        </p:txBody>
-      </p:sp>
-    </p:spTree>
-  </p:cSld>
-  <p:clrMapOvr>
-    <a:masterClrMapping/>
-  </p:clrMapOvr>
-  <p:timing>
-    <p:tnLst>
-      <p:par>
-        <p:cTn id="1" dur="indefinite" restart="never" nodeType="tmRoot"/>
-      </p:par>
-    </p:tnLst>
-  </p:timing>
-</p:sld>
-</file>
-
-<file path=ppt/slides/slide3.xml><?xml version="1.0" encoding="utf-8"?>
-<p:sld xmlns:a="http://schemas.openxmlformats.org/drawingml/2006/main" xmlns:r="http://schemas.openxmlformats.org/officeDocument/2006/relationships" xmlns:p="http://schemas.openxmlformats.org/presentationml/2006/main">
-  <p:cSld>
-    <p:spTree>
-      <p:nvGrpSpPr>
-        <p:cNvPr id="1" name=""/>
-        <p:cNvGrpSpPr/>
-        <p:nvPr/>
-      </p:nvGrpSpPr>
-      <p:grpSpPr>
-        <a:xfrm>
-          <a:off x="0" y="0"/>
-          <a:ext cx="0" cy="0"/>
-          <a:chOff x="0" y="0"/>
-          <a:chExt cx="0" cy="0"/>
-        </a:xfrm>
-      </p:grpSpPr>
-      <p:sp>
-        <p:nvSpPr>
           <p:cNvPr id="6148" name="Rectangle 4"/>
           <p:cNvSpPr>
             <a:spLocks noGrp="1" noChangeArrowheads="1"/>
@@ -23972,6 +24561,1691 @@
 </p:sld>
 </file>
 
+<file path=ppt/slides/slide3.xml><?xml version="1.0" encoding="utf-8"?>
+<p:sld xmlns:a="http://schemas.openxmlformats.org/drawingml/2006/main" xmlns:r="http://schemas.openxmlformats.org/officeDocument/2006/relationships" xmlns:p="http://schemas.openxmlformats.org/presentationml/2006/main">
+  <p:cSld>
+    <p:spTree>
+      <p:nvGrpSpPr>
+        <p:cNvPr id="1" name=""/>
+        <p:cNvGrpSpPr/>
+        <p:nvPr/>
+      </p:nvGrpSpPr>
+      <p:grpSpPr>
+        <a:xfrm>
+          <a:off x="0" y="0"/>
+          <a:ext cx="0" cy="0"/>
+          <a:chOff x="0" y="0"/>
+          <a:chExt cx="0" cy="0"/>
+        </a:xfrm>
+      </p:grpSpPr>
+      <p:sp>
+        <p:nvSpPr>
+          <p:cNvPr id="5122" name="Rectangle 2"/>
+          <p:cNvSpPr>
+            <a:spLocks noGrp="1" noChangeArrowheads="1"/>
+          </p:cNvSpPr>
+          <p:nvPr>
+            <p:ph type="title"/>
+          </p:nvPr>
+        </p:nvSpPr>
+        <p:spPr/>
+        <p:txBody>
+          <a:bodyPr/>
+          <a:lstStyle/>
+          <a:p>
+            <a:r>
+              <a:rPr lang="en-US" sz="4500" smtClean="0"/>
+              <a:t>Nội dung</a:t>
+            </a:r>
+            <a:endParaRPr lang="en-US" sz="4500"/>
+          </a:p>
+        </p:txBody>
+      </p:sp>
+      <p:sp>
+        <p:nvSpPr>
+          <p:cNvPr id="5123" name="AutoShape 3"/>
+          <p:cNvSpPr>
+            <a:spLocks noChangeArrowheads="1"/>
+          </p:cNvSpPr>
+          <p:nvPr/>
+        </p:nvSpPr>
+        <p:spPr bwMode="gray">
+          <a:xfrm>
+            <a:off x="1403648" y="1909862"/>
+            <a:ext cx="6705600" cy="593725"/>
+          </a:xfrm>
+          <a:prstGeom prst="roundRect">
+            <a:avLst>
+              <a:gd name="adj" fmla="val 16667"/>
+            </a:avLst>
+          </a:prstGeom>
+          <a:solidFill>
+            <a:schemeClr val="accent1"/>
+          </a:solidFill>
+          <a:ln w="28575" algn="ctr">
+            <a:solidFill>
+              <a:srgbClr val="FCFCFC"/>
+            </a:solidFill>
+            <a:round/>
+            <a:headEnd/>
+            <a:tailEnd/>
+          </a:ln>
+          <a:effectLst>
+            <a:outerShdw dist="35921" dir="2700000" algn="ctr" rotWithShape="0">
+              <a:srgbClr val="001D3A">
+                <a:alpha val="50000"/>
+              </a:srgbClr>
+            </a:outerShdw>
+          </a:effectLst>
+        </p:spPr>
+        <p:txBody>
+          <a:bodyPr wrap="none" anchor="ctr"/>
+          <a:lstStyle/>
+          <a:p>
+            <a:endParaRPr lang="vi-VN"/>
+          </a:p>
+        </p:txBody>
+      </p:sp>
+      <p:sp>
+        <p:nvSpPr>
+          <p:cNvPr id="5124" name="AutoShape 4"/>
+          <p:cNvSpPr>
+            <a:spLocks noChangeArrowheads="1"/>
+          </p:cNvSpPr>
+          <p:nvPr/>
+        </p:nvSpPr>
+        <p:spPr bwMode="gray">
+          <a:xfrm>
+            <a:off x="1403648" y="1214537"/>
+            <a:ext cx="6705600" cy="593725"/>
+          </a:xfrm>
+          <a:prstGeom prst="roundRect">
+            <a:avLst>
+              <a:gd name="adj" fmla="val 16667"/>
+            </a:avLst>
+          </a:prstGeom>
+          <a:solidFill>
+            <a:schemeClr val="hlink"/>
+          </a:solidFill>
+          <a:ln w="28575" algn="ctr">
+            <a:solidFill>
+              <a:srgbClr val="FCFCFC"/>
+            </a:solidFill>
+            <a:round/>
+            <a:headEnd/>
+            <a:tailEnd/>
+          </a:ln>
+          <a:effectLst>
+            <a:outerShdw dist="35921" dir="2700000" algn="ctr" rotWithShape="0">
+              <a:srgbClr val="001D3A">
+                <a:alpha val="50000"/>
+              </a:srgbClr>
+            </a:outerShdw>
+          </a:effectLst>
+        </p:spPr>
+        <p:txBody>
+          <a:bodyPr wrap="none" anchor="ctr"/>
+          <a:lstStyle/>
+          <a:p>
+            <a:endParaRPr lang="vi-VN"/>
+          </a:p>
+        </p:txBody>
+      </p:sp>
+      <p:grpSp>
+        <p:nvGrpSpPr>
+          <p:cNvPr id="5129" name="Group 9"/>
+          <p:cNvGrpSpPr>
+            <a:grpSpLocks/>
+          </p:cNvGrpSpPr>
+          <p:nvPr/>
+        </p:nvGrpSpPr>
+        <p:grpSpPr bwMode="auto">
+          <a:xfrm>
+            <a:off x="1556048" y="1551087"/>
+            <a:ext cx="187325" cy="601663"/>
+            <a:chOff x="960" y="1764"/>
+            <a:chExt cx="130" cy="418"/>
+          </a:xfrm>
+        </p:grpSpPr>
+        <p:sp>
+          <p:nvSpPr>
+            <p:cNvPr id="5130" name="Oval 10"/>
+            <p:cNvSpPr>
+              <a:spLocks noChangeArrowheads="1"/>
+            </p:cNvSpPr>
+            <p:nvPr/>
+          </p:nvSpPr>
+          <p:spPr bwMode="gray">
+            <a:xfrm>
+              <a:off x="960" y="1764"/>
+              <a:ext cx="126" cy="120"/>
+            </a:xfrm>
+            <a:prstGeom prst="ellipse">
+              <a:avLst/>
+            </a:prstGeom>
+            <a:solidFill>
+              <a:schemeClr val="bg1"/>
+            </a:solidFill>
+            <a:ln w="38100" algn="ctr">
+              <a:solidFill>
+                <a:schemeClr val="bg2"/>
+              </a:solidFill>
+              <a:round/>
+              <a:headEnd/>
+              <a:tailEnd/>
+            </a:ln>
+            <a:effectLst/>
+          </p:spPr>
+          <p:txBody>
+            <a:bodyPr wrap="none" anchor="ctr"/>
+            <a:lstStyle/>
+            <a:p>
+              <a:endParaRPr lang="vi-VN"/>
+            </a:p>
+          </p:txBody>
+        </p:sp>
+        <p:sp>
+          <p:nvSpPr>
+            <p:cNvPr id="5131" name="Oval 11"/>
+            <p:cNvSpPr>
+              <a:spLocks noChangeArrowheads="1"/>
+            </p:cNvSpPr>
+            <p:nvPr/>
+          </p:nvSpPr>
+          <p:spPr bwMode="gray">
+            <a:xfrm>
+              <a:off x="964" y="2062"/>
+              <a:ext cx="126" cy="120"/>
+            </a:xfrm>
+            <a:prstGeom prst="ellipse">
+              <a:avLst/>
+            </a:prstGeom>
+            <a:solidFill>
+              <a:schemeClr val="bg1"/>
+            </a:solidFill>
+            <a:ln w="38100" algn="ctr">
+              <a:solidFill>
+                <a:schemeClr val="bg2"/>
+              </a:solidFill>
+              <a:round/>
+              <a:headEnd/>
+              <a:tailEnd/>
+            </a:ln>
+            <a:effectLst/>
+          </p:spPr>
+          <p:txBody>
+            <a:bodyPr wrap="none" anchor="ctr"/>
+            <a:lstStyle/>
+            <a:p>
+              <a:endParaRPr lang="vi-VN"/>
+            </a:p>
+          </p:txBody>
+        </p:sp>
+        <p:sp>
+          <p:nvSpPr>
+            <p:cNvPr id="5132" name="AutoShape 12"/>
+            <p:cNvSpPr>
+              <a:spLocks noChangeArrowheads="1"/>
+            </p:cNvSpPr>
+            <p:nvPr/>
+          </p:nvSpPr>
+          <p:spPr bwMode="gray">
+            <a:xfrm>
+              <a:off x="996" y="1836"/>
+              <a:ext cx="62" cy="300"/>
+            </a:xfrm>
+            <a:prstGeom prst="roundRect">
+              <a:avLst>
+                <a:gd name="adj" fmla="val 50000"/>
+              </a:avLst>
+            </a:prstGeom>
+            <a:gradFill rotWithShape="1">
+              <a:gsLst>
+                <a:gs pos="0">
+                  <a:srgbClr val="B2B2B2"/>
+                </a:gs>
+                <a:gs pos="50000">
+                  <a:srgbClr val="B2B2B2">
+                    <a:gamma/>
+                    <a:tint val="0"/>
+                    <a:invGamma/>
+                  </a:srgbClr>
+                </a:gs>
+                <a:gs pos="100000">
+                  <a:srgbClr val="B2B2B2"/>
+                </a:gs>
+              </a:gsLst>
+              <a:lin ang="5400000" scaled="1"/>
+            </a:gradFill>
+            <a:ln w="38100" algn="ctr">
+              <a:noFill/>
+              <a:round/>
+              <a:headEnd/>
+              <a:tailEnd/>
+            </a:ln>
+            <a:effectLst/>
+          </p:spPr>
+          <p:txBody>
+            <a:bodyPr wrap="none" anchor="ctr"/>
+            <a:lstStyle/>
+            <a:p>
+              <a:endParaRPr lang="vi-VN"/>
+            </a:p>
+          </p:txBody>
+        </p:sp>
+      </p:grpSp>
+      <p:sp>
+        <p:nvSpPr>
+          <p:cNvPr id="5133" name="Text Box 13"/>
+          <p:cNvSpPr txBox="1">
+            <a:spLocks noChangeArrowheads="1"/>
+          </p:cNvSpPr>
+          <p:nvPr/>
+        </p:nvSpPr>
+        <p:spPr bwMode="white">
+          <a:xfrm>
+            <a:off x="2241848" y="1279625"/>
+            <a:ext cx="5029200" cy="457200"/>
+          </a:xfrm>
+          <a:prstGeom prst="rect">
+            <a:avLst/>
+          </a:prstGeom>
+          <a:noFill/>
+          <a:ln w="9525">
+            <a:noFill/>
+            <a:miter lim="800000"/>
+            <a:headEnd/>
+            <a:tailEnd/>
+          </a:ln>
+          <a:effectLst>
+            <a:outerShdw dist="17961" dir="2700000" algn="ctr" rotWithShape="0">
+              <a:srgbClr val="000000">
+                <a:alpha val="50000"/>
+              </a:srgbClr>
+            </a:outerShdw>
+          </a:effectLst>
+        </p:spPr>
+        <p:txBody>
+          <a:bodyPr>
+            <a:spAutoFit/>
+          </a:bodyPr>
+          <a:lstStyle/>
+          <a:p>
+            <a:pPr marL="457200" indent="-457200">
+              <a:spcBef>
+                <a:spcPct val="50000"/>
+              </a:spcBef>
+              <a:buClr>
+                <a:schemeClr val="tx1"/>
+              </a:buClr>
+            </a:pPr>
+            <a:r>
+              <a:rPr lang="en-US" sz="2400" b="1" smtClean="0">
+                <a:solidFill>
+                  <a:schemeClr val="bg1"/>
+                </a:solidFill>
+              </a:rPr>
+              <a:t>1. Mô tả dự án</a:t>
+            </a:r>
+            <a:endParaRPr lang="en-US" sz="2400" b="1">
+              <a:solidFill>
+                <a:schemeClr val="bg1"/>
+              </a:solidFill>
+            </a:endParaRPr>
+          </a:p>
+        </p:txBody>
+      </p:sp>
+      <p:sp>
+        <p:nvSpPr>
+          <p:cNvPr id="5134" name="AutoShape 14"/>
+          <p:cNvSpPr>
+            <a:spLocks noChangeArrowheads="1"/>
+          </p:cNvSpPr>
+          <p:nvPr/>
+        </p:nvSpPr>
+        <p:spPr bwMode="gray">
+          <a:xfrm>
+            <a:off x="1403648" y="2635350"/>
+            <a:ext cx="6705600" cy="593725"/>
+          </a:xfrm>
+          <a:prstGeom prst="roundRect">
+            <a:avLst>
+              <a:gd name="adj" fmla="val 16667"/>
+            </a:avLst>
+          </a:prstGeom>
+          <a:solidFill>
+            <a:schemeClr val="hlink"/>
+          </a:solidFill>
+          <a:ln w="28575" algn="ctr">
+            <a:solidFill>
+              <a:srgbClr val="FCFCFC"/>
+            </a:solidFill>
+            <a:round/>
+            <a:headEnd/>
+            <a:tailEnd/>
+          </a:ln>
+          <a:effectLst>
+            <a:outerShdw dist="35921" dir="2700000" algn="ctr" rotWithShape="0">
+              <a:srgbClr val="001D3A">
+                <a:alpha val="50000"/>
+              </a:srgbClr>
+            </a:outerShdw>
+          </a:effectLst>
+        </p:spPr>
+        <p:txBody>
+          <a:bodyPr wrap="none" anchor="ctr"/>
+          <a:lstStyle/>
+          <a:p>
+            <a:endParaRPr lang="vi-VN"/>
+          </a:p>
+        </p:txBody>
+      </p:sp>
+      <p:sp>
+        <p:nvSpPr>
+          <p:cNvPr id="5135" name="AutoShape 15"/>
+          <p:cNvSpPr>
+            <a:spLocks noChangeArrowheads="1"/>
+          </p:cNvSpPr>
+          <p:nvPr/>
+        </p:nvSpPr>
+        <p:spPr bwMode="gray">
+          <a:xfrm>
+            <a:off x="1403648" y="3349725"/>
+            <a:ext cx="6705600" cy="593725"/>
+          </a:xfrm>
+          <a:prstGeom prst="roundRect">
+            <a:avLst>
+              <a:gd name="adj" fmla="val 16667"/>
+            </a:avLst>
+          </a:prstGeom>
+          <a:solidFill>
+            <a:schemeClr val="accent1"/>
+          </a:solidFill>
+          <a:ln w="28575" algn="ctr">
+            <a:solidFill>
+              <a:srgbClr val="FCFCFC"/>
+            </a:solidFill>
+            <a:round/>
+            <a:headEnd/>
+            <a:tailEnd/>
+          </a:ln>
+          <a:effectLst>
+            <a:outerShdw dist="35921" dir="2700000" algn="ctr" rotWithShape="0">
+              <a:srgbClr val="001D3A">
+                <a:alpha val="50000"/>
+              </a:srgbClr>
+            </a:outerShdw>
+          </a:effectLst>
+        </p:spPr>
+        <p:txBody>
+          <a:bodyPr wrap="none" anchor="ctr"/>
+          <a:lstStyle/>
+          <a:p>
+            <a:endParaRPr lang="vi-VN"/>
+          </a:p>
+        </p:txBody>
+      </p:sp>
+      <p:grpSp>
+        <p:nvGrpSpPr>
+          <p:cNvPr id="5140" name="Group 20"/>
+          <p:cNvGrpSpPr>
+            <a:grpSpLocks/>
+          </p:cNvGrpSpPr>
+          <p:nvPr/>
+        </p:nvGrpSpPr>
+        <p:grpSpPr bwMode="auto">
+          <a:xfrm>
+            <a:off x="1556048" y="2990950"/>
+            <a:ext cx="187325" cy="601662"/>
+            <a:chOff x="960" y="1764"/>
+            <a:chExt cx="130" cy="418"/>
+          </a:xfrm>
+        </p:grpSpPr>
+        <p:sp>
+          <p:nvSpPr>
+            <p:cNvPr id="5141" name="Oval 21"/>
+            <p:cNvSpPr>
+              <a:spLocks noChangeArrowheads="1"/>
+            </p:cNvSpPr>
+            <p:nvPr/>
+          </p:nvSpPr>
+          <p:spPr bwMode="gray">
+            <a:xfrm>
+              <a:off x="960" y="1764"/>
+              <a:ext cx="126" cy="120"/>
+            </a:xfrm>
+            <a:prstGeom prst="ellipse">
+              <a:avLst/>
+            </a:prstGeom>
+            <a:solidFill>
+              <a:schemeClr val="bg1"/>
+            </a:solidFill>
+            <a:ln w="38100" algn="ctr">
+              <a:solidFill>
+                <a:schemeClr val="bg2"/>
+              </a:solidFill>
+              <a:round/>
+              <a:headEnd/>
+              <a:tailEnd/>
+            </a:ln>
+            <a:effectLst/>
+          </p:spPr>
+          <p:txBody>
+            <a:bodyPr wrap="none" anchor="ctr"/>
+            <a:lstStyle/>
+            <a:p>
+              <a:endParaRPr lang="vi-VN"/>
+            </a:p>
+          </p:txBody>
+        </p:sp>
+        <p:sp>
+          <p:nvSpPr>
+            <p:cNvPr id="5142" name="Oval 22"/>
+            <p:cNvSpPr>
+              <a:spLocks noChangeArrowheads="1"/>
+            </p:cNvSpPr>
+            <p:nvPr/>
+          </p:nvSpPr>
+          <p:spPr bwMode="gray">
+            <a:xfrm>
+              <a:off x="964" y="2062"/>
+              <a:ext cx="126" cy="120"/>
+            </a:xfrm>
+            <a:prstGeom prst="ellipse">
+              <a:avLst/>
+            </a:prstGeom>
+            <a:solidFill>
+              <a:schemeClr val="bg1"/>
+            </a:solidFill>
+            <a:ln w="38100" algn="ctr">
+              <a:solidFill>
+                <a:schemeClr val="bg2"/>
+              </a:solidFill>
+              <a:round/>
+              <a:headEnd/>
+              <a:tailEnd/>
+            </a:ln>
+            <a:effectLst/>
+          </p:spPr>
+          <p:txBody>
+            <a:bodyPr wrap="none" anchor="ctr"/>
+            <a:lstStyle/>
+            <a:p>
+              <a:endParaRPr lang="vi-VN"/>
+            </a:p>
+          </p:txBody>
+        </p:sp>
+        <p:sp>
+          <p:nvSpPr>
+            <p:cNvPr id="5143" name="AutoShape 23"/>
+            <p:cNvSpPr>
+              <a:spLocks noChangeArrowheads="1"/>
+            </p:cNvSpPr>
+            <p:nvPr/>
+          </p:nvSpPr>
+          <p:spPr bwMode="gray">
+            <a:xfrm>
+              <a:off x="996" y="1836"/>
+              <a:ext cx="62" cy="300"/>
+            </a:xfrm>
+            <a:prstGeom prst="roundRect">
+              <a:avLst>
+                <a:gd name="adj" fmla="val 50000"/>
+              </a:avLst>
+            </a:prstGeom>
+            <a:gradFill rotWithShape="1">
+              <a:gsLst>
+                <a:gs pos="0">
+                  <a:srgbClr val="B2B2B2"/>
+                </a:gs>
+                <a:gs pos="50000">
+                  <a:srgbClr val="B2B2B2">
+                    <a:gamma/>
+                    <a:tint val="0"/>
+                    <a:invGamma/>
+                  </a:srgbClr>
+                </a:gs>
+                <a:gs pos="100000">
+                  <a:srgbClr val="B2B2B2"/>
+                </a:gs>
+              </a:gsLst>
+              <a:lin ang="5400000" scaled="1"/>
+            </a:gradFill>
+            <a:ln w="38100" algn="ctr">
+              <a:noFill/>
+              <a:round/>
+              <a:headEnd/>
+              <a:tailEnd/>
+            </a:ln>
+            <a:effectLst/>
+          </p:spPr>
+          <p:txBody>
+            <a:bodyPr wrap="none" anchor="ctr"/>
+            <a:lstStyle/>
+            <a:p>
+              <a:endParaRPr lang="vi-VN"/>
+            </a:p>
+          </p:txBody>
+        </p:sp>
+      </p:grpSp>
+      <p:sp>
+        <p:nvSpPr>
+          <p:cNvPr id="5144" name="AutoShape 24"/>
+          <p:cNvSpPr>
+            <a:spLocks noChangeArrowheads="1"/>
+          </p:cNvSpPr>
+          <p:nvPr/>
+        </p:nvSpPr>
+        <p:spPr bwMode="gray">
+          <a:xfrm>
+            <a:off x="1403648" y="4075212"/>
+            <a:ext cx="6705600" cy="593725"/>
+          </a:xfrm>
+          <a:prstGeom prst="roundRect">
+            <a:avLst>
+              <a:gd name="adj" fmla="val 16667"/>
+            </a:avLst>
+          </a:prstGeom>
+          <a:solidFill>
+            <a:schemeClr val="hlink"/>
+          </a:solidFill>
+          <a:ln w="28575" algn="ctr">
+            <a:solidFill>
+              <a:srgbClr val="FCFCFC"/>
+            </a:solidFill>
+            <a:round/>
+            <a:headEnd/>
+            <a:tailEnd/>
+          </a:ln>
+          <a:effectLst>
+            <a:outerShdw dist="35921" dir="2700000" algn="ctr" rotWithShape="0">
+              <a:srgbClr val="001D3A">
+                <a:alpha val="50000"/>
+              </a:srgbClr>
+            </a:outerShdw>
+          </a:effectLst>
+        </p:spPr>
+        <p:txBody>
+          <a:bodyPr wrap="none" anchor="ctr"/>
+          <a:lstStyle/>
+          <a:p>
+            <a:endParaRPr lang="vi-VN"/>
+          </a:p>
+        </p:txBody>
+      </p:sp>
+      <p:sp>
+        <p:nvSpPr>
+          <p:cNvPr id="5145" name="Text Box 25"/>
+          <p:cNvSpPr txBox="1">
+            <a:spLocks noChangeArrowheads="1"/>
+          </p:cNvSpPr>
+          <p:nvPr/>
+        </p:nvSpPr>
+        <p:spPr bwMode="white">
+          <a:xfrm>
+            <a:off x="2241848" y="1982887"/>
+            <a:ext cx="5029200" cy="457200"/>
+          </a:xfrm>
+          <a:prstGeom prst="rect">
+            <a:avLst/>
+          </a:prstGeom>
+          <a:noFill/>
+          <a:ln w="9525">
+            <a:noFill/>
+            <a:miter lim="800000"/>
+            <a:headEnd/>
+            <a:tailEnd/>
+          </a:ln>
+          <a:effectLst>
+            <a:outerShdw dist="17961" dir="2700000" algn="ctr" rotWithShape="0">
+              <a:srgbClr val="000000">
+                <a:alpha val="50000"/>
+              </a:srgbClr>
+            </a:outerShdw>
+          </a:effectLst>
+        </p:spPr>
+        <p:txBody>
+          <a:bodyPr>
+            <a:spAutoFit/>
+          </a:bodyPr>
+          <a:lstStyle/>
+          <a:p>
+            <a:pPr marL="457200" indent="-457200">
+              <a:spcBef>
+                <a:spcPct val="50000"/>
+              </a:spcBef>
+              <a:buClr>
+                <a:schemeClr val="tx1"/>
+              </a:buClr>
+            </a:pPr>
+            <a:r>
+              <a:rPr lang="en-US" sz="2400" b="1" smtClean="0">
+                <a:solidFill>
+                  <a:srgbClr val="FFFFFF"/>
+                </a:solidFill>
+              </a:rPr>
+              <a:t>2. Các yêu cầu cấp cao</a:t>
+            </a:r>
+            <a:endParaRPr lang="en-US" sz="2400" b="1">
+              <a:solidFill>
+                <a:srgbClr val="FFFFFF"/>
+              </a:solidFill>
+            </a:endParaRPr>
+          </a:p>
+        </p:txBody>
+      </p:sp>
+      <p:sp>
+        <p:nvSpPr>
+          <p:cNvPr id="5146" name="Text Box 26"/>
+          <p:cNvSpPr txBox="1">
+            <a:spLocks noChangeArrowheads="1"/>
+          </p:cNvSpPr>
+          <p:nvPr/>
+        </p:nvSpPr>
+        <p:spPr bwMode="white">
+          <a:xfrm>
+            <a:off x="2241848" y="2706787"/>
+            <a:ext cx="5029200" cy="457200"/>
+          </a:xfrm>
+          <a:prstGeom prst="rect">
+            <a:avLst/>
+          </a:prstGeom>
+          <a:noFill/>
+          <a:ln w="9525">
+            <a:noFill/>
+            <a:miter lim="800000"/>
+            <a:headEnd/>
+            <a:tailEnd/>
+          </a:ln>
+          <a:effectLst>
+            <a:outerShdw dist="17961" dir="2700000" algn="ctr" rotWithShape="0">
+              <a:srgbClr val="000000">
+                <a:alpha val="50000"/>
+              </a:srgbClr>
+            </a:outerShdw>
+          </a:effectLst>
+        </p:spPr>
+        <p:txBody>
+          <a:bodyPr>
+            <a:spAutoFit/>
+          </a:bodyPr>
+          <a:lstStyle/>
+          <a:p>
+            <a:pPr marL="457200" indent="-457200">
+              <a:spcBef>
+                <a:spcPct val="50000"/>
+              </a:spcBef>
+              <a:buClr>
+                <a:schemeClr val="tx1"/>
+              </a:buClr>
+            </a:pPr>
+            <a:r>
+              <a:rPr lang="en-US" sz="2400" b="1" smtClean="0">
+                <a:solidFill>
+                  <a:srgbClr val="FFFFFF"/>
+                </a:solidFill>
+              </a:rPr>
+              <a:t>3. User profile</a:t>
+            </a:r>
+            <a:endParaRPr lang="en-US" sz="2400" b="1">
+              <a:solidFill>
+                <a:srgbClr val="FFFFFF"/>
+              </a:solidFill>
+            </a:endParaRPr>
+          </a:p>
+        </p:txBody>
+      </p:sp>
+      <p:sp>
+        <p:nvSpPr>
+          <p:cNvPr id="5147" name="Text Box 27"/>
+          <p:cNvSpPr txBox="1">
+            <a:spLocks noChangeArrowheads="1"/>
+          </p:cNvSpPr>
+          <p:nvPr/>
+        </p:nvSpPr>
+        <p:spPr bwMode="white">
+          <a:xfrm>
+            <a:off x="2241848" y="3411637"/>
+            <a:ext cx="5029200" cy="457200"/>
+          </a:xfrm>
+          <a:prstGeom prst="rect">
+            <a:avLst/>
+          </a:prstGeom>
+          <a:noFill/>
+          <a:ln w="9525">
+            <a:noFill/>
+            <a:miter lim="800000"/>
+            <a:headEnd/>
+            <a:tailEnd/>
+          </a:ln>
+          <a:effectLst>
+            <a:outerShdw dist="17961" dir="2700000" algn="ctr" rotWithShape="0">
+              <a:srgbClr val="000000">
+                <a:alpha val="50000"/>
+              </a:srgbClr>
+            </a:outerShdw>
+          </a:effectLst>
+        </p:spPr>
+        <p:txBody>
+          <a:bodyPr>
+            <a:spAutoFit/>
+          </a:bodyPr>
+          <a:lstStyle/>
+          <a:p>
+            <a:pPr marL="457200" indent="-457200">
+              <a:spcBef>
+                <a:spcPct val="50000"/>
+              </a:spcBef>
+              <a:buClr>
+                <a:schemeClr val="tx1"/>
+              </a:buClr>
+            </a:pPr>
+            <a:r>
+              <a:rPr lang="en-US" sz="2400" b="1" smtClean="0">
+                <a:solidFill>
+                  <a:srgbClr val="FFFFFF"/>
+                </a:solidFill>
+              </a:rPr>
+              <a:t>4. Task analysis</a:t>
+            </a:r>
+            <a:endParaRPr lang="en-US" sz="2400" b="1">
+              <a:solidFill>
+                <a:srgbClr val="FFFFFF"/>
+              </a:solidFill>
+            </a:endParaRPr>
+          </a:p>
+        </p:txBody>
+      </p:sp>
+      <p:sp>
+        <p:nvSpPr>
+          <p:cNvPr id="5148" name="Text Box 28"/>
+          <p:cNvSpPr txBox="1">
+            <a:spLocks noChangeArrowheads="1"/>
+          </p:cNvSpPr>
+          <p:nvPr/>
+        </p:nvSpPr>
+        <p:spPr bwMode="white">
+          <a:xfrm>
+            <a:off x="2241848" y="4137125"/>
+            <a:ext cx="5029200" cy="457200"/>
+          </a:xfrm>
+          <a:prstGeom prst="rect">
+            <a:avLst/>
+          </a:prstGeom>
+          <a:noFill/>
+          <a:ln w="9525">
+            <a:noFill/>
+            <a:miter lim="800000"/>
+            <a:headEnd/>
+            <a:tailEnd/>
+          </a:ln>
+          <a:effectLst>
+            <a:outerShdw dist="17961" dir="2700000" algn="ctr" rotWithShape="0">
+              <a:srgbClr val="000000">
+                <a:alpha val="50000"/>
+              </a:srgbClr>
+            </a:outerShdw>
+          </a:effectLst>
+        </p:spPr>
+        <p:txBody>
+          <a:bodyPr>
+            <a:spAutoFit/>
+          </a:bodyPr>
+          <a:lstStyle/>
+          <a:p>
+            <a:pPr marL="457200" indent="-457200">
+              <a:spcBef>
+                <a:spcPct val="50000"/>
+              </a:spcBef>
+              <a:buClr>
+                <a:schemeClr val="tx1"/>
+              </a:buClr>
+            </a:pPr>
+            <a:r>
+              <a:rPr lang="en-US" sz="2400" b="1" smtClean="0">
+                <a:solidFill>
+                  <a:srgbClr val="FFFFFF"/>
+                </a:solidFill>
+              </a:rPr>
+              <a:t>5. Tổng quan prototype</a:t>
+            </a:r>
+            <a:endParaRPr lang="en-US" sz="2400" b="1">
+              <a:solidFill>
+                <a:srgbClr val="FFFFFF"/>
+              </a:solidFill>
+            </a:endParaRPr>
+          </a:p>
+        </p:txBody>
+      </p:sp>
+      <p:sp>
+        <p:nvSpPr>
+          <p:cNvPr id="5149" name="AutoShape 29"/>
+          <p:cNvSpPr>
+            <a:spLocks noChangeArrowheads="1"/>
+          </p:cNvSpPr>
+          <p:nvPr/>
+        </p:nvSpPr>
+        <p:spPr bwMode="gray">
+          <a:xfrm>
+            <a:off x="1403648" y="4834037"/>
+            <a:ext cx="6705600" cy="593725"/>
+          </a:xfrm>
+          <a:prstGeom prst="roundRect">
+            <a:avLst>
+              <a:gd name="adj" fmla="val 16667"/>
+            </a:avLst>
+          </a:prstGeom>
+          <a:solidFill>
+            <a:schemeClr val="accent1"/>
+          </a:solidFill>
+          <a:ln w="28575" algn="ctr">
+            <a:solidFill>
+              <a:srgbClr val="FCFCFC"/>
+            </a:solidFill>
+            <a:round/>
+            <a:headEnd/>
+            <a:tailEnd/>
+          </a:ln>
+          <a:effectLst>
+            <a:outerShdw dist="35921" dir="2700000" algn="ctr" rotWithShape="0">
+              <a:srgbClr val="001D3A">
+                <a:alpha val="50000"/>
+              </a:srgbClr>
+            </a:outerShdw>
+          </a:effectLst>
+        </p:spPr>
+        <p:txBody>
+          <a:bodyPr wrap="none" anchor="ctr"/>
+          <a:lstStyle/>
+          <a:p>
+            <a:endParaRPr lang="vi-VN"/>
+          </a:p>
+        </p:txBody>
+      </p:sp>
+      <p:sp>
+        <p:nvSpPr>
+          <p:cNvPr id="5150" name="Text Box 30"/>
+          <p:cNvSpPr txBox="1">
+            <a:spLocks noChangeArrowheads="1"/>
+          </p:cNvSpPr>
+          <p:nvPr/>
+        </p:nvSpPr>
+        <p:spPr bwMode="white">
+          <a:xfrm>
+            <a:off x="2241848" y="4895950"/>
+            <a:ext cx="5029200" cy="457200"/>
+          </a:xfrm>
+          <a:prstGeom prst="rect">
+            <a:avLst/>
+          </a:prstGeom>
+          <a:noFill/>
+          <a:ln w="9525">
+            <a:noFill/>
+            <a:miter lim="800000"/>
+            <a:headEnd/>
+            <a:tailEnd/>
+          </a:ln>
+          <a:effectLst>
+            <a:outerShdw dist="17961" dir="2700000" algn="ctr" rotWithShape="0">
+              <a:srgbClr val="000000">
+                <a:alpha val="50000"/>
+              </a:srgbClr>
+            </a:outerShdw>
+          </a:effectLst>
+        </p:spPr>
+        <p:txBody>
+          <a:bodyPr>
+            <a:spAutoFit/>
+          </a:bodyPr>
+          <a:lstStyle/>
+          <a:p>
+            <a:pPr marL="457200" indent="-457200">
+              <a:spcBef>
+                <a:spcPct val="50000"/>
+              </a:spcBef>
+              <a:buClr>
+                <a:schemeClr val="tx1"/>
+              </a:buClr>
+            </a:pPr>
+            <a:r>
+              <a:rPr lang="en-US" sz="2400" b="1" smtClean="0">
+                <a:solidFill>
+                  <a:srgbClr val="FFFFFF"/>
+                </a:solidFill>
+              </a:rPr>
+              <a:t>6. Demo</a:t>
+            </a:r>
+            <a:endParaRPr lang="en-US" sz="2400" b="1">
+              <a:solidFill>
+                <a:srgbClr val="FFFFFF"/>
+              </a:solidFill>
+            </a:endParaRPr>
+          </a:p>
+        </p:txBody>
+      </p:sp>
+      <p:grpSp>
+        <p:nvGrpSpPr>
+          <p:cNvPr id="5151" name="Group 31"/>
+          <p:cNvGrpSpPr>
+            <a:grpSpLocks/>
+          </p:cNvGrpSpPr>
+          <p:nvPr/>
+        </p:nvGrpSpPr>
+        <p:grpSpPr bwMode="auto">
+          <a:xfrm>
+            <a:off x="7740352" y="3717032"/>
+            <a:ext cx="187325" cy="601663"/>
+            <a:chOff x="960" y="1764"/>
+            <a:chExt cx="130" cy="418"/>
+          </a:xfrm>
+        </p:grpSpPr>
+        <p:sp>
+          <p:nvSpPr>
+            <p:cNvPr id="5152" name="Oval 32"/>
+            <p:cNvSpPr>
+              <a:spLocks noChangeArrowheads="1"/>
+            </p:cNvSpPr>
+            <p:nvPr/>
+          </p:nvSpPr>
+          <p:spPr bwMode="gray">
+            <a:xfrm>
+              <a:off x="960" y="1764"/>
+              <a:ext cx="126" cy="120"/>
+            </a:xfrm>
+            <a:prstGeom prst="ellipse">
+              <a:avLst/>
+            </a:prstGeom>
+            <a:solidFill>
+              <a:schemeClr val="bg1"/>
+            </a:solidFill>
+            <a:ln w="38100" algn="ctr">
+              <a:solidFill>
+                <a:schemeClr val="bg2"/>
+              </a:solidFill>
+              <a:round/>
+              <a:headEnd/>
+              <a:tailEnd/>
+            </a:ln>
+            <a:effectLst/>
+          </p:spPr>
+          <p:txBody>
+            <a:bodyPr wrap="none" anchor="ctr"/>
+            <a:lstStyle/>
+            <a:p>
+              <a:endParaRPr lang="vi-VN"/>
+            </a:p>
+          </p:txBody>
+        </p:sp>
+        <p:sp>
+          <p:nvSpPr>
+            <p:cNvPr id="5153" name="Oval 33"/>
+            <p:cNvSpPr>
+              <a:spLocks noChangeArrowheads="1"/>
+            </p:cNvSpPr>
+            <p:nvPr/>
+          </p:nvSpPr>
+          <p:spPr bwMode="gray">
+            <a:xfrm>
+              <a:off x="964" y="2062"/>
+              <a:ext cx="126" cy="120"/>
+            </a:xfrm>
+            <a:prstGeom prst="ellipse">
+              <a:avLst/>
+            </a:prstGeom>
+            <a:solidFill>
+              <a:schemeClr val="bg1"/>
+            </a:solidFill>
+            <a:ln w="38100" algn="ctr">
+              <a:solidFill>
+                <a:schemeClr val="bg2"/>
+              </a:solidFill>
+              <a:round/>
+              <a:headEnd/>
+              <a:tailEnd/>
+            </a:ln>
+            <a:effectLst/>
+          </p:spPr>
+          <p:txBody>
+            <a:bodyPr wrap="none" anchor="ctr"/>
+            <a:lstStyle/>
+            <a:p>
+              <a:endParaRPr lang="vi-VN"/>
+            </a:p>
+          </p:txBody>
+        </p:sp>
+        <p:sp>
+          <p:nvSpPr>
+            <p:cNvPr id="5154" name="AutoShape 34"/>
+            <p:cNvSpPr>
+              <a:spLocks noChangeArrowheads="1"/>
+            </p:cNvSpPr>
+            <p:nvPr/>
+          </p:nvSpPr>
+          <p:spPr bwMode="gray">
+            <a:xfrm>
+              <a:off x="996" y="1836"/>
+              <a:ext cx="62" cy="300"/>
+            </a:xfrm>
+            <a:prstGeom prst="roundRect">
+              <a:avLst>
+                <a:gd name="adj" fmla="val 50000"/>
+              </a:avLst>
+            </a:prstGeom>
+            <a:gradFill rotWithShape="1">
+              <a:gsLst>
+                <a:gs pos="0">
+                  <a:srgbClr val="B2B2B2"/>
+                </a:gs>
+                <a:gs pos="50000">
+                  <a:srgbClr val="B2B2B2">
+                    <a:gamma/>
+                    <a:tint val="27451"/>
+                    <a:invGamma/>
+                  </a:srgbClr>
+                </a:gs>
+                <a:gs pos="100000">
+                  <a:srgbClr val="B2B2B2"/>
+                </a:gs>
+              </a:gsLst>
+              <a:lin ang="5400000" scaled="1"/>
+            </a:gradFill>
+            <a:ln w="38100" algn="ctr">
+              <a:noFill/>
+              <a:round/>
+              <a:headEnd/>
+              <a:tailEnd/>
+            </a:ln>
+            <a:effectLst/>
+          </p:spPr>
+          <p:txBody>
+            <a:bodyPr wrap="none" anchor="ctr"/>
+            <a:lstStyle/>
+            <a:p>
+              <a:endParaRPr lang="vi-VN"/>
+            </a:p>
+          </p:txBody>
+        </p:sp>
+      </p:grpSp>
+      <p:grpSp>
+        <p:nvGrpSpPr>
+          <p:cNvPr id="5155" name="Group 35"/>
+          <p:cNvGrpSpPr>
+            <a:grpSpLocks/>
+          </p:cNvGrpSpPr>
+          <p:nvPr/>
+        </p:nvGrpSpPr>
+        <p:grpSpPr bwMode="auto">
+          <a:xfrm>
+            <a:off x="1556048" y="4433987"/>
+            <a:ext cx="187325" cy="601663"/>
+            <a:chOff x="960" y="1764"/>
+            <a:chExt cx="130" cy="418"/>
+          </a:xfrm>
+        </p:grpSpPr>
+        <p:sp>
+          <p:nvSpPr>
+            <p:cNvPr id="5156" name="Oval 36"/>
+            <p:cNvSpPr>
+              <a:spLocks noChangeArrowheads="1"/>
+            </p:cNvSpPr>
+            <p:nvPr/>
+          </p:nvSpPr>
+          <p:spPr bwMode="gray">
+            <a:xfrm>
+              <a:off x="960" y="1764"/>
+              <a:ext cx="126" cy="120"/>
+            </a:xfrm>
+            <a:prstGeom prst="ellipse">
+              <a:avLst/>
+            </a:prstGeom>
+            <a:solidFill>
+              <a:schemeClr val="bg1"/>
+            </a:solidFill>
+            <a:ln w="38100" algn="ctr">
+              <a:solidFill>
+                <a:schemeClr val="bg2"/>
+              </a:solidFill>
+              <a:round/>
+              <a:headEnd/>
+              <a:tailEnd/>
+            </a:ln>
+            <a:effectLst/>
+          </p:spPr>
+          <p:txBody>
+            <a:bodyPr wrap="none" anchor="ctr"/>
+            <a:lstStyle/>
+            <a:p>
+              <a:endParaRPr lang="vi-VN"/>
+            </a:p>
+          </p:txBody>
+        </p:sp>
+        <p:sp>
+          <p:nvSpPr>
+            <p:cNvPr id="5157" name="Oval 37"/>
+            <p:cNvSpPr>
+              <a:spLocks noChangeArrowheads="1"/>
+            </p:cNvSpPr>
+            <p:nvPr/>
+          </p:nvSpPr>
+          <p:spPr bwMode="gray">
+            <a:xfrm>
+              <a:off x="964" y="2062"/>
+              <a:ext cx="126" cy="120"/>
+            </a:xfrm>
+            <a:prstGeom prst="ellipse">
+              <a:avLst/>
+            </a:prstGeom>
+            <a:solidFill>
+              <a:schemeClr val="bg1"/>
+            </a:solidFill>
+            <a:ln w="38100" algn="ctr">
+              <a:solidFill>
+                <a:schemeClr val="bg2"/>
+              </a:solidFill>
+              <a:round/>
+              <a:headEnd/>
+              <a:tailEnd/>
+            </a:ln>
+            <a:effectLst/>
+          </p:spPr>
+          <p:txBody>
+            <a:bodyPr wrap="none" anchor="ctr"/>
+            <a:lstStyle/>
+            <a:p>
+              <a:endParaRPr lang="vi-VN"/>
+            </a:p>
+          </p:txBody>
+        </p:sp>
+        <p:sp>
+          <p:nvSpPr>
+            <p:cNvPr id="5158" name="AutoShape 38"/>
+            <p:cNvSpPr>
+              <a:spLocks noChangeArrowheads="1"/>
+            </p:cNvSpPr>
+            <p:nvPr/>
+          </p:nvSpPr>
+          <p:spPr bwMode="gray">
+            <a:xfrm>
+              <a:off x="996" y="1836"/>
+              <a:ext cx="62" cy="300"/>
+            </a:xfrm>
+            <a:prstGeom prst="roundRect">
+              <a:avLst>
+                <a:gd name="adj" fmla="val 50000"/>
+              </a:avLst>
+            </a:prstGeom>
+            <a:gradFill rotWithShape="1">
+              <a:gsLst>
+                <a:gs pos="0">
+                  <a:srgbClr val="B2B2B2"/>
+                </a:gs>
+                <a:gs pos="50000">
+                  <a:srgbClr val="B2B2B2">
+                    <a:gamma/>
+                    <a:tint val="0"/>
+                    <a:invGamma/>
+                  </a:srgbClr>
+                </a:gs>
+                <a:gs pos="100000">
+                  <a:srgbClr val="B2B2B2"/>
+                </a:gs>
+              </a:gsLst>
+              <a:lin ang="5400000" scaled="1"/>
+            </a:gradFill>
+            <a:ln w="38100" algn="ctr">
+              <a:noFill/>
+              <a:round/>
+              <a:headEnd/>
+              <a:tailEnd/>
+            </a:ln>
+            <a:effectLst/>
+          </p:spPr>
+          <p:txBody>
+            <a:bodyPr wrap="none" anchor="ctr"/>
+            <a:lstStyle/>
+            <a:p>
+              <a:endParaRPr lang="vi-VN"/>
+            </a:p>
+          </p:txBody>
+        </p:sp>
+      </p:grpSp>
+      <p:sp>
+        <p:nvSpPr>
+          <p:cNvPr id="39" name="AutoShape 24"/>
+          <p:cNvSpPr>
+            <a:spLocks noChangeArrowheads="1"/>
+          </p:cNvSpPr>
+          <p:nvPr/>
+        </p:nvSpPr>
+        <p:spPr bwMode="gray">
+          <a:xfrm>
+            <a:off x="1403648" y="5589240"/>
+            <a:ext cx="6705600" cy="593725"/>
+          </a:xfrm>
+          <a:prstGeom prst="roundRect">
+            <a:avLst>
+              <a:gd name="adj" fmla="val 16667"/>
+            </a:avLst>
+          </a:prstGeom>
+          <a:solidFill>
+            <a:schemeClr val="hlink"/>
+          </a:solidFill>
+          <a:ln w="28575" algn="ctr">
+            <a:solidFill>
+              <a:srgbClr val="FCFCFC"/>
+            </a:solidFill>
+            <a:round/>
+            <a:headEnd/>
+            <a:tailEnd/>
+          </a:ln>
+          <a:effectLst>
+            <a:outerShdw dist="35921" dir="2700000" algn="ctr" rotWithShape="0">
+              <a:srgbClr val="001D3A">
+                <a:alpha val="50000"/>
+              </a:srgbClr>
+            </a:outerShdw>
+          </a:effectLst>
+        </p:spPr>
+        <p:txBody>
+          <a:bodyPr wrap="none" anchor="ctr"/>
+          <a:lstStyle/>
+          <a:p>
+            <a:endParaRPr lang="vi-VN"/>
+          </a:p>
+        </p:txBody>
+      </p:sp>
+      <p:sp>
+        <p:nvSpPr>
+          <p:cNvPr id="40" name="Text Box 28"/>
+          <p:cNvSpPr txBox="1">
+            <a:spLocks noChangeArrowheads="1"/>
+          </p:cNvSpPr>
+          <p:nvPr/>
+        </p:nvSpPr>
+        <p:spPr bwMode="white">
+          <a:xfrm>
+            <a:off x="2241848" y="5651153"/>
+            <a:ext cx="5029200" cy="457200"/>
+          </a:xfrm>
+          <a:prstGeom prst="rect">
+            <a:avLst/>
+          </a:prstGeom>
+          <a:noFill/>
+          <a:ln w="9525">
+            <a:noFill/>
+            <a:miter lim="800000"/>
+            <a:headEnd/>
+            <a:tailEnd/>
+          </a:ln>
+          <a:effectLst>
+            <a:outerShdw dist="17961" dir="2700000" algn="ctr" rotWithShape="0">
+              <a:srgbClr val="000000">
+                <a:alpha val="50000"/>
+              </a:srgbClr>
+            </a:outerShdw>
+          </a:effectLst>
+        </p:spPr>
+        <p:txBody>
+          <a:bodyPr>
+            <a:spAutoFit/>
+          </a:bodyPr>
+          <a:lstStyle/>
+          <a:p>
+            <a:pPr marL="457200" indent="-457200">
+              <a:spcBef>
+                <a:spcPct val="50000"/>
+              </a:spcBef>
+              <a:buClr>
+                <a:schemeClr val="tx1"/>
+              </a:buClr>
+            </a:pPr>
+            <a:r>
+              <a:rPr lang="en-US" sz="2400" b="1" smtClean="0">
+                <a:solidFill>
+                  <a:srgbClr val="FFFFFF"/>
+                </a:solidFill>
+              </a:rPr>
+              <a:t>7. Tổng kết</a:t>
+            </a:r>
+            <a:endParaRPr lang="en-US" sz="2400" b="1">
+              <a:solidFill>
+                <a:srgbClr val="FFFFFF"/>
+              </a:solidFill>
+            </a:endParaRPr>
+          </a:p>
+        </p:txBody>
+      </p:sp>
+      <p:grpSp>
+        <p:nvGrpSpPr>
+          <p:cNvPr id="5125" name="Group 5"/>
+          <p:cNvGrpSpPr>
+            <a:grpSpLocks/>
+          </p:cNvGrpSpPr>
+          <p:nvPr/>
+        </p:nvGrpSpPr>
+        <p:grpSpPr bwMode="auto">
+          <a:xfrm>
+            <a:off x="7740352" y="2276872"/>
+            <a:ext cx="187325" cy="601663"/>
+            <a:chOff x="960" y="1764"/>
+            <a:chExt cx="130" cy="418"/>
+          </a:xfrm>
+        </p:grpSpPr>
+        <p:sp>
+          <p:nvSpPr>
+            <p:cNvPr id="5126" name="Oval 6"/>
+            <p:cNvSpPr>
+              <a:spLocks noChangeArrowheads="1"/>
+            </p:cNvSpPr>
+            <p:nvPr/>
+          </p:nvSpPr>
+          <p:spPr bwMode="gray">
+            <a:xfrm>
+              <a:off x="960" y="1764"/>
+              <a:ext cx="126" cy="120"/>
+            </a:xfrm>
+            <a:prstGeom prst="ellipse">
+              <a:avLst/>
+            </a:prstGeom>
+            <a:solidFill>
+              <a:schemeClr val="bg1"/>
+            </a:solidFill>
+            <a:ln w="38100" algn="ctr">
+              <a:solidFill>
+                <a:schemeClr val="bg2"/>
+              </a:solidFill>
+              <a:round/>
+              <a:headEnd/>
+              <a:tailEnd/>
+            </a:ln>
+            <a:effectLst/>
+          </p:spPr>
+          <p:txBody>
+            <a:bodyPr wrap="none" anchor="ctr"/>
+            <a:lstStyle/>
+            <a:p>
+              <a:endParaRPr lang="vi-VN"/>
+            </a:p>
+          </p:txBody>
+        </p:sp>
+        <p:sp>
+          <p:nvSpPr>
+            <p:cNvPr id="5127" name="Oval 7"/>
+            <p:cNvSpPr>
+              <a:spLocks noChangeArrowheads="1"/>
+            </p:cNvSpPr>
+            <p:nvPr/>
+          </p:nvSpPr>
+          <p:spPr bwMode="gray">
+            <a:xfrm>
+              <a:off x="964" y="2062"/>
+              <a:ext cx="126" cy="120"/>
+            </a:xfrm>
+            <a:prstGeom prst="ellipse">
+              <a:avLst/>
+            </a:prstGeom>
+            <a:solidFill>
+              <a:schemeClr val="bg1"/>
+            </a:solidFill>
+            <a:ln w="38100" algn="ctr">
+              <a:solidFill>
+                <a:schemeClr val="bg2"/>
+              </a:solidFill>
+              <a:round/>
+              <a:headEnd/>
+              <a:tailEnd/>
+            </a:ln>
+            <a:effectLst/>
+          </p:spPr>
+          <p:txBody>
+            <a:bodyPr wrap="none" anchor="ctr"/>
+            <a:lstStyle/>
+            <a:p>
+              <a:endParaRPr lang="vi-VN"/>
+            </a:p>
+          </p:txBody>
+        </p:sp>
+        <p:sp>
+          <p:nvSpPr>
+            <p:cNvPr id="5128" name="AutoShape 8"/>
+            <p:cNvSpPr>
+              <a:spLocks noChangeArrowheads="1"/>
+            </p:cNvSpPr>
+            <p:nvPr/>
+          </p:nvSpPr>
+          <p:spPr bwMode="gray">
+            <a:xfrm>
+              <a:off x="996" y="1836"/>
+              <a:ext cx="62" cy="300"/>
+            </a:xfrm>
+            <a:prstGeom prst="roundRect">
+              <a:avLst>
+                <a:gd name="adj" fmla="val 50000"/>
+              </a:avLst>
+            </a:prstGeom>
+            <a:gradFill rotWithShape="1">
+              <a:gsLst>
+                <a:gs pos="0">
+                  <a:srgbClr val="B2B2B2"/>
+                </a:gs>
+                <a:gs pos="50000">
+                  <a:srgbClr val="B2B2B2">
+                    <a:gamma/>
+                    <a:tint val="27451"/>
+                    <a:invGamma/>
+                  </a:srgbClr>
+                </a:gs>
+                <a:gs pos="100000">
+                  <a:srgbClr val="B2B2B2"/>
+                </a:gs>
+              </a:gsLst>
+              <a:lin ang="5400000" scaled="1"/>
+            </a:gradFill>
+            <a:ln w="38100" algn="ctr">
+              <a:noFill/>
+              <a:round/>
+              <a:headEnd/>
+              <a:tailEnd/>
+            </a:ln>
+            <a:effectLst/>
+          </p:spPr>
+          <p:txBody>
+            <a:bodyPr wrap="none" anchor="ctr"/>
+            <a:lstStyle/>
+            <a:p>
+              <a:endParaRPr lang="vi-VN"/>
+            </a:p>
+          </p:txBody>
+        </p:sp>
+      </p:grpSp>
+      <p:grpSp>
+        <p:nvGrpSpPr>
+          <p:cNvPr id="51" name="Group 31"/>
+          <p:cNvGrpSpPr>
+            <a:grpSpLocks/>
+          </p:cNvGrpSpPr>
+          <p:nvPr/>
+        </p:nvGrpSpPr>
+        <p:grpSpPr bwMode="auto">
+          <a:xfrm>
+            <a:off x="7668344" y="5229200"/>
+            <a:ext cx="187325" cy="601663"/>
+            <a:chOff x="960" y="1764"/>
+            <a:chExt cx="130" cy="418"/>
+          </a:xfrm>
+        </p:grpSpPr>
+        <p:sp>
+          <p:nvSpPr>
+            <p:cNvPr id="52" name="Oval 32"/>
+            <p:cNvSpPr>
+              <a:spLocks noChangeArrowheads="1"/>
+            </p:cNvSpPr>
+            <p:nvPr/>
+          </p:nvSpPr>
+          <p:spPr bwMode="gray">
+            <a:xfrm>
+              <a:off x="960" y="1764"/>
+              <a:ext cx="126" cy="120"/>
+            </a:xfrm>
+            <a:prstGeom prst="ellipse">
+              <a:avLst/>
+            </a:prstGeom>
+            <a:solidFill>
+              <a:schemeClr val="bg1"/>
+            </a:solidFill>
+            <a:ln w="38100" algn="ctr">
+              <a:solidFill>
+                <a:schemeClr val="bg2"/>
+              </a:solidFill>
+              <a:round/>
+              <a:headEnd/>
+              <a:tailEnd/>
+            </a:ln>
+            <a:effectLst/>
+          </p:spPr>
+          <p:txBody>
+            <a:bodyPr wrap="none" anchor="ctr"/>
+            <a:lstStyle/>
+            <a:p>
+              <a:endParaRPr lang="vi-VN"/>
+            </a:p>
+          </p:txBody>
+        </p:sp>
+        <p:sp>
+          <p:nvSpPr>
+            <p:cNvPr id="53" name="Oval 33"/>
+            <p:cNvSpPr>
+              <a:spLocks noChangeArrowheads="1"/>
+            </p:cNvSpPr>
+            <p:nvPr/>
+          </p:nvSpPr>
+          <p:spPr bwMode="gray">
+            <a:xfrm>
+              <a:off x="964" y="2062"/>
+              <a:ext cx="126" cy="120"/>
+            </a:xfrm>
+            <a:prstGeom prst="ellipse">
+              <a:avLst/>
+            </a:prstGeom>
+            <a:solidFill>
+              <a:schemeClr val="bg1"/>
+            </a:solidFill>
+            <a:ln w="38100" algn="ctr">
+              <a:solidFill>
+                <a:schemeClr val="bg2"/>
+              </a:solidFill>
+              <a:round/>
+              <a:headEnd/>
+              <a:tailEnd/>
+            </a:ln>
+            <a:effectLst/>
+          </p:spPr>
+          <p:txBody>
+            <a:bodyPr wrap="none" anchor="ctr"/>
+            <a:lstStyle/>
+            <a:p>
+              <a:endParaRPr lang="vi-VN"/>
+            </a:p>
+          </p:txBody>
+        </p:sp>
+        <p:sp>
+          <p:nvSpPr>
+            <p:cNvPr id="54" name="AutoShape 34"/>
+            <p:cNvSpPr>
+              <a:spLocks noChangeArrowheads="1"/>
+            </p:cNvSpPr>
+            <p:nvPr/>
+          </p:nvSpPr>
+          <p:spPr bwMode="gray">
+            <a:xfrm>
+              <a:off x="996" y="1836"/>
+              <a:ext cx="62" cy="300"/>
+            </a:xfrm>
+            <a:prstGeom prst="roundRect">
+              <a:avLst>
+                <a:gd name="adj" fmla="val 50000"/>
+              </a:avLst>
+            </a:prstGeom>
+            <a:gradFill rotWithShape="1">
+              <a:gsLst>
+                <a:gs pos="0">
+                  <a:srgbClr val="B2B2B2"/>
+                </a:gs>
+                <a:gs pos="50000">
+                  <a:srgbClr val="B2B2B2">
+                    <a:gamma/>
+                    <a:tint val="27451"/>
+                    <a:invGamma/>
+                  </a:srgbClr>
+                </a:gs>
+                <a:gs pos="100000">
+                  <a:srgbClr val="B2B2B2"/>
+                </a:gs>
+              </a:gsLst>
+              <a:lin ang="5400000" scaled="1"/>
+            </a:gradFill>
+            <a:ln w="38100" algn="ctr">
+              <a:noFill/>
+              <a:round/>
+              <a:headEnd/>
+              <a:tailEnd/>
+            </a:ln>
+            <a:effectLst/>
+          </p:spPr>
+          <p:txBody>
+            <a:bodyPr wrap="none" anchor="ctr"/>
+            <a:lstStyle/>
+            <a:p>
+              <a:endParaRPr lang="vi-VN"/>
+            </a:p>
+          </p:txBody>
+        </p:sp>
+      </p:grpSp>
+      <p:sp>
+        <p:nvSpPr>
+          <p:cNvPr id="41" name="TextBox 40"/>
+          <p:cNvSpPr txBox="1"/>
+          <p:nvPr/>
+        </p:nvSpPr>
+        <p:spPr>
+          <a:xfrm>
+            <a:off x="8604448" y="6488668"/>
+            <a:ext cx="539552" cy="369332"/>
+          </a:xfrm>
+          <a:prstGeom prst="rect">
+            <a:avLst/>
+          </a:prstGeom>
+          <a:noFill/>
+        </p:spPr>
+        <p:txBody>
+          <a:bodyPr wrap="square" rtlCol="0">
+            <a:spAutoFit/>
+          </a:bodyPr>
+          <a:lstStyle/>
+          <a:p>
+            <a:r>
+              <a:rPr lang="en-US" b="1" smtClean="0"/>
+              <a:t>2</a:t>
+            </a:r>
+            <a:endParaRPr lang="vi-VN" b="1"/>
+          </a:p>
+        </p:txBody>
+      </p:sp>
+    </p:spTree>
+  </p:cSld>
+  <p:clrMapOvr>
+    <a:masterClrMapping/>
+  </p:clrMapOvr>
+  <p:timing>
+    <p:tnLst>
+      <p:par>
+        <p:cTn id="1" dur="indefinite" restart="never" nodeType="tmRoot"/>
+      </p:par>
+    </p:tnLst>
+  </p:timing>
+</p:sld>
+</file>
+
 <file path=ppt/slides/slide4.xml><?xml version="1.0" encoding="utf-8"?>
 <p:sld xmlns:a="http://schemas.openxmlformats.org/drawingml/2006/main" xmlns:r="http://schemas.openxmlformats.org/officeDocument/2006/relationships" xmlns:p="http://schemas.openxmlformats.org/presentationml/2006/main">
   <p:cSld>
@@ -24005,10 +26279,34 @@
           <a:lstStyle/>
           <a:p>
             <a:r>
-              <a:rPr lang="en-US" smtClean="0"/>
-              <a:t>Mô tả dự án</a:t>
-            </a:r>
-            <a:endParaRPr lang="en-US"/>
+              <a:rPr lang="en-US" dirty="0" err="1" smtClean="0"/>
+              <a:t>Mô</a:t>
+            </a:r>
+            <a:r>
+              <a:rPr lang="en-US" dirty="0" smtClean="0"/>
+              <a:t> </a:t>
+            </a:r>
+            <a:r>
+              <a:rPr lang="en-US" dirty="0" err="1" smtClean="0"/>
+              <a:t>tả</a:t>
+            </a:r>
+            <a:r>
+              <a:rPr lang="en-US" dirty="0" smtClean="0"/>
+              <a:t> </a:t>
+            </a:r>
+            <a:r>
+              <a:rPr lang="en-US" dirty="0" err="1" smtClean="0"/>
+              <a:t>dự</a:t>
+            </a:r>
+            <a:r>
+              <a:rPr lang="en-US" dirty="0" smtClean="0"/>
+              <a:t> </a:t>
+            </a:r>
+            <a:r>
+              <a:rPr lang="en-US" dirty="0" err="1" smtClean="0"/>
+              <a:t>án</a:t>
+            </a:r>
+            <a:endParaRPr lang="en-US" dirty="0"/>
           </a:p>
         </p:txBody>
       </p:sp>
@@ -24263,841 +26561,6 @@
       </p:pic>
       <p:grpSp>
         <p:nvGrpSpPr>
-          <p:cNvPr id="2" name="Group 9"/>
-          <p:cNvGrpSpPr>
-            <a:grpSpLocks/>
-          </p:cNvGrpSpPr>
-          <p:nvPr/>
-        </p:nvGrpSpPr>
-        <p:grpSpPr bwMode="auto">
-          <a:xfrm>
-            <a:off x="1115616" y="1628800"/>
-            <a:ext cx="1879600" cy="1825625"/>
-            <a:chOff x="2457" y="2000"/>
-            <a:chExt cx="901" cy="888"/>
-          </a:xfrm>
-        </p:grpSpPr>
-        <p:pic>
-          <p:nvPicPr>
-            <p:cNvPr id="12298" name="Picture 10" descr="circuler_1"/>
-            <p:cNvPicPr>
-              <a:picLocks noChangeAspect="1" noChangeArrowheads="1"/>
-            </p:cNvPicPr>
-            <p:nvPr/>
-          </p:nvPicPr>
-          <p:blipFill>
-            <a:blip r:embed="rId4" cstate="print"/>
-            <a:srcRect/>
-            <a:stretch>
-              <a:fillRect/>
-            </a:stretch>
-          </p:blipFill>
-          <p:spPr bwMode="ltGray">
-            <a:xfrm>
-              <a:off x="2457" y="2000"/>
-              <a:ext cx="901" cy="886"/>
-            </a:xfrm>
-            <a:prstGeom prst="rect">
-              <a:avLst/>
-            </a:prstGeom>
-            <a:noFill/>
-          </p:spPr>
-        </p:pic>
-        <p:sp>
-          <p:nvSpPr>
-            <p:cNvPr id="12299" name="Oval 11"/>
-            <p:cNvSpPr>
-              <a:spLocks noChangeArrowheads="1"/>
-            </p:cNvSpPr>
-            <p:nvPr/>
-          </p:nvSpPr>
-          <p:spPr bwMode="ltGray">
-            <a:xfrm>
-              <a:off x="2457" y="2000"/>
-              <a:ext cx="895" cy="888"/>
-            </a:xfrm>
-            <a:prstGeom prst="ellipse">
-              <a:avLst/>
-            </a:prstGeom>
-            <a:gradFill rotWithShape="1">
-              <a:gsLst>
-                <a:gs pos="0">
-                  <a:srgbClr val="F8F8F8">
-                    <a:gamma/>
-                    <a:shade val="26275"/>
-                    <a:invGamma/>
-                    <a:alpha val="89999"/>
-                  </a:srgbClr>
-                </a:gs>
-                <a:gs pos="50000">
-                  <a:srgbClr val="F8F8F8">
-                    <a:alpha val="45000"/>
-                  </a:srgbClr>
-                </a:gs>
-                <a:gs pos="100000">
-                  <a:srgbClr val="F8F8F8">
-                    <a:gamma/>
-                    <a:shade val="26275"/>
-                    <a:invGamma/>
-                    <a:alpha val="89999"/>
-                  </a:srgbClr>
-                </a:gs>
-              </a:gsLst>
-              <a:lin ang="5400000" scaled="1"/>
-            </a:gradFill>
-            <a:ln w="9525" algn="ctr">
-              <a:noFill/>
-              <a:round/>
-              <a:headEnd/>
-              <a:tailEnd/>
-            </a:ln>
-            <a:effectLst/>
-          </p:spPr>
-          <p:txBody>
-            <a:bodyPr wrap="none" anchor="ctr"/>
-            <a:lstStyle/>
-            <a:p>
-              <a:endParaRPr lang="vi-VN"/>
-            </a:p>
-          </p:txBody>
-        </p:sp>
-        <p:sp>
-          <p:nvSpPr>
-            <p:cNvPr id="12300" name="Freeform 12"/>
-            <p:cNvSpPr>
-              <a:spLocks/>
-            </p:cNvSpPr>
-            <p:nvPr/>
-          </p:nvSpPr>
-          <p:spPr bwMode="ltGray">
-            <a:xfrm>
-              <a:off x="2550" y="2018"/>
-              <a:ext cx="703" cy="308"/>
-            </a:xfrm>
-            <a:custGeom>
-              <a:avLst/>
-              <a:gdLst/>
-              <a:ahLst/>
-              <a:cxnLst>
-                <a:cxn ang="0">
-                  <a:pos x="1301" y="401"/>
-                </a:cxn>
-                <a:cxn ang="0">
-                  <a:pos x="1317" y="442"/>
-                </a:cxn>
-                <a:cxn ang="0">
-                  <a:pos x="1321" y="481"/>
-                </a:cxn>
-                <a:cxn ang="0">
-                  <a:pos x="1315" y="516"/>
-                </a:cxn>
-                <a:cxn ang="0">
-                  <a:pos x="1298" y="550"/>
-                </a:cxn>
-                <a:cxn ang="0">
-                  <a:pos x="1272" y="579"/>
-                </a:cxn>
-                <a:cxn ang="0">
-                  <a:pos x="1239" y="604"/>
-                </a:cxn>
-                <a:cxn ang="0">
-                  <a:pos x="1196" y="628"/>
-                </a:cxn>
-                <a:cxn ang="0">
-                  <a:pos x="1147" y="649"/>
-                </a:cxn>
-                <a:cxn ang="0">
-                  <a:pos x="1092" y="667"/>
-                </a:cxn>
-                <a:cxn ang="0">
-                  <a:pos x="1031" y="683"/>
-                </a:cxn>
-                <a:cxn ang="0">
-                  <a:pos x="967" y="694"/>
-                </a:cxn>
-                <a:cxn ang="0">
-                  <a:pos x="896" y="704"/>
-                </a:cxn>
-                <a:cxn ang="0">
-                  <a:pos x="824" y="710"/>
-                </a:cxn>
-                <a:cxn ang="0">
-                  <a:pos x="795" y="712"/>
-                </a:cxn>
-                <a:cxn ang="0">
-                  <a:pos x="476" y="712"/>
-                </a:cxn>
-                <a:cxn ang="0">
-                  <a:pos x="472" y="712"/>
-                </a:cxn>
-                <a:cxn ang="0">
-                  <a:pos x="409" y="708"/>
-                </a:cxn>
-                <a:cxn ang="0">
-                  <a:pos x="348" y="704"/>
-                </a:cxn>
-                <a:cxn ang="0">
-                  <a:pos x="290" y="696"/>
-                </a:cxn>
-                <a:cxn ang="0">
-                  <a:pos x="235" y="689"/>
-                </a:cxn>
-                <a:cxn ang="0">
-                  <a:pos x="186" y="677"/>
-                </a:cxn>
-                <a:cxn ang="0">
-                  <a:pos x="141" y="663"/>
-                </a:cxn>
-                <a:cxn ang="0">
-                  <a:pos x="102" y="648"/>
-                </a:cxn>
-                <a:cxn ang="0">
-                  <a:pos x="67" y="630"/>
-                </a:cxn>
-                <a:cxn ang="0">
-                  <a:pos x="39" y="608"/>
-                </a:cxn>
-                <a:cxn ang="0">
-                  <a:pos x="18" y="583"/>
-                </a:cxn>
-                <a:cxn ang="0">
-                  <a:pos x="6" y="554"/>
-                </a:cxn>
-                <a:cxn ang="0">
-                  <a:pos x="0" y="524"/>
-                </a:cxn>
-                <a:cxn ang="0">
-                  <a:pos x="0" y="520"/>
-                </a:cxn>
-                <a:cxn ang="0">
-                  <a:pos x="4" y="487"/>
-                </a:cxn>
-                <a:cxn ang="0">
-                  <a:pos x="16" y="446"/>
-                </a:cxn>
-                <a:cxn ang="0">
-                  <a:pos x="51" y="370"/>
-                </a:cxn>
-                <a:cxn ang="0">
-                  <a:pos x="94" y="299"/>
-                </a:cxn>
-                <a:cxn ang="0">
-                  <a:pos x="147" y="235"/>
-                </a:cxn>
-                <a:cxn ang="0">
-                  <a:pos x="204" y="176"/>
-                </a:cxn>
-                <a:cxn ang="0">
-                  <a:pos x="270" y="125"/>
-                </a:cxn>
-                <a:cxn ang="0">
-                  <a:pos x="341" y="82"/>
-                </a:cxn>
-                <a:cxn ang="0">
-                  <a:pos x="415" y="47"/>
-                </a:cxn>
-                <a:cxn ang="0">
-                  <a:pos x="497" y="21"/>
-                </a:cxn>
-                <a:cxn ang="0">
-                  <a:pos x="581" y="6"/>
-                </a:cxn>
-                <a:cxn ang="0">
-                  <a:pos x="667" y="0"/>
-                </a:cxn>
-                <a:cxn ang="0">
-                  <a:pos x="667" y="0"/>
-                </a:cxn>
-                <a:cxn ang="0">
-                  <a:pos x="759" y="6"/>
-                </a:cxn>
-                <a:cxn ang="0">
-                  <a:pos x="847" y="23"/>
-                </a:cxn>
-                <a:cxn ang="0">
-                  <a:pos x="932" y="53"/>
-                </a:cxn>
-                <a:cxn ang="0">
-                  <a:pos x="1010" y="90"/>
-                </a:cxn>
-                <a:cxn ang="0">
-                  <a:pos x="1082" y="137"/>
-                </a:cxn>
-                <a:cxn ang="0">
-                  <a:pos x="1149" y="194"/>
-                </a:cxn>
-                <a:cxn ang="0">
-                  <a:pos x="1208" y="256"/>
-                </a:cxn>
-                <a:cxn ang="0">
-                  <a:pos x="1258" y="325"/>
-                </a:cxn>
-                <a:cxn ang="0">
-                  <a:pos x="1301" y="401"/>
-                </a:cxn>
-                <a:cxn ang="0">
-                  <a:pos x="1301" y="401"/>
-                </a:cxn>
-              </a:cxnLst>
-              <a:rect l="0" t="0" r="r" b="b"/>
-              <a:pathLst>
-                <a:path w="1321" h="712">
-                  <a:moveTo>
-                    <a:pt x="1301" y="401"/>
-                  </a:moveTo>
-                  <a:lnTo>
-                    <a:pt x="1317" y="442"/>
-                  </a:lnTo>
-                  <a:lnTo>
-                    <a:pt x="1321" y="481"/>
-                  </a:lnTo>
-                  <a:lnTo>
-                    <a:pt x="1315" y="516"/>
-                  </a:lnTo>
-                  <a:lnTo>
-                    <a:pt x="1298" y="550"/>
-                  </a:lnTo>
-                  <a:lnTo>
-                    <a:pt x="1272" y="579"/>
-                  </a:lnTo>
-                  <a:lnTo>
-                    <a:pt x="1239" y="604"/>
-                  </a:lnTo>
-                  <a:lnTo>
-                    <a:pt x="1196" y="628"/>
-                  </a:lnTo>
-                  <a:lnTo>
-                    <a:pt x="1147" y="649"/>
-                  </a:lnTo>
-                  <a:lnTo>
-                    <a:pt x="1092" y="667"/>
-                  </a:lnTo>
-                  <a:lnTo>
-                    <a:pt x="1031" y="683"/>
-                  </a:lnTo>
-                  <a:lnTo>
-                    <a:pt x="967" y="694"/>
-                  </a:lnTo>
-                  <a:lnTo>
-                    <a:pt x="896" y="704"/>
-                  </a:lnTo>
-                  <a:lnTo>
-                    <a:pt x="824" y="710"/>
-                  </a:lnTo>
-                  <a:lnTo>
-                    <a:pt x="795" y="712"/>
-                  </a:lnTo>
-                  <a:lnTo>
-                    <a:pt x="476" y="712"/>
-                  </a:lnTo>
-                  <a:lnTo>
-                    <a:pt x="472" y="712"/>
-                  </a:lnTo>
-                  <a:lnTo>
-                    <a:pt x="409" y="708"/>
-                  </a:lnTo>
-                  <a:lnTo>
-                    <a:pt x="348" y="704"/>
-                  </a:lnTo>
-                  <a:lnTo>
-                    <a:pt x="290" y="696"/>
-                  </a:lnTo>
-                  <a:lnTo>
-                    <a:pt x="235" y="689"/>
-                  </a:lnTo>
-                  <a:lnTo>
-                    <a:pt x="186" y="677"/>
-                  </a:lnTo>
-                  <a:lnTo>
-                    <a:pt x="141" y="663"/>
-                  </a:lnTo>
-                  <a:lnTo>
-                    <a:pt x="102" y="648"/>
-                  </a:lnTo>
-                  <a:lnTo>
-                    <a:pt x="67" y="630"/>
-                  </a:lnTo>
-                  <a:lnTo>
-                    <a:pt x="39" y="608"/>
-                  </a:lnTo>
-                  <a:lnTo>
-                    <a:pt x="18" y="583"/>
-                  </a:lnTo>
-                  <a:lnTo>
-                    <a:pt x="6" y="554"/>
-                  </a:lnTo>
-                  <a:lnTo>
-                    <a:pt x="0" y="524"/>
-                  </a:lnTo>
-                  <a:lnTo>
-                    <a:pt x="0" y="520"/>
-                  </a:lnTo>
-                  <a:lnTo>
-                    <a:pt x="4" y="487"/>
-                  </a:lnTo>
-                  <a:lnTo>
-                    <a:pt x="16" y="446"/>
-                  </a:lnTo>
-                  <a:lnTo>
-                    <a:pt x="51" y="370"/>
-                  </a:lnTo>
-                  <a:lnTo>
-                    <a:pt x="94" y="299"/>
-                  </a:lnTo>
-                  <a:lnTo>
-                    <a:pt x="147" y="235"/>
-                  </a:lnTo>
-                  <a:lnTo>
-                    <a:pt x="204" y="176"/>
-                  </a:lnTo>
-                  <a:lnTo>
-                    <a:pt x="270" y="125"/>
-                  </a:lnTo>
-                  <a:lnTo>
-                    <a:pt x="341" y="82"/>
-                  </a:lnTo>
-                  <a:lnTo>
-                    <a:pt x="415" y="47"/>
-                  </a:lnTo>
-                  <a:lnTo>
-                    <a:pt x="497" y="21"/>
-                  </a:lnTo>
-                  <a:lnTo>
-                    <a:pt x="581" y="6"/>
-                  </a:lnTo>
-                  <a:lnTo>
-                    <a:pt x="667" y="0"/>
-                  </a:lnTo>
-                  <a:lnTo>
-                    <a:pt x="667" y="0"/>
-                  </a:lnTo>
-                  <a:lnTo>
-                    <a:pt x="759" y="6"/>
-                  </a:lnTo>
-                  <a:lnTo>
-                    <a:pt x="847" y="23"/>
-                  </a:lnTo>
-                  <a:lnTo>
-                    <a:pt x="932" y="53"/>
-                  </a:lnTo>
-                  <a:lnTo>
-                    <a:pt x="1010" y="90"/>
-                  </a:lnTo>
-                  <a:lnTo>
-                    <a:pt x="1082" y="137"/>
-                  </a:lnTo>
-                  <a:lnTo>
-                    <a:pt x="1149" y="194"/>
-                  </a:lnTo>
-                  <a:lnTo>
-                    <a:pt x="1208" y="256"/>
-                  </a:lnTo>
-                  <a:lnTo>
-                    <a:pt x="1258" y="325"/>
-                  </a:lnTo>
-                  <a:lnTo>
-                    <a:pt x="1301" y="401"/>
-                  </a:lnTo>
-                  <a:lnTo>
-                    <a:pt x="1301" y="401"/>
-                  </a:lnTo>
-                  <a:close/>
-                </a:path>
-              </a:pathLst>
-            </a:custGeom>
-            <a:gradFill rotWithShape="1">
-              <a:gsLst>
-                <a:gs pos="0">
-                  <a:srgbClr val="FFFFFF"/>
-                </a:gs>
-                <a:gs pos="100000">
-                  <a:srgbClr val="DDDDDD"/>
-                </a:gs>
-              </a:gsLst>
-              <a:lin ang="5400000" scaled="1"/>
-            </a:gradFill>
-            <a:ln w="0">
-              <a:noFill/>
-              <a:prstDash val="solid"/>
-              <a:round/>
-              <a:headEnd/>
-              <a:tailEnd/>
-            </a:ln>
-          </p:spPr>
-          <p:txBody>
-            <a:bodyPr/>
-            <a:lstStyle/>
-            <a:p>
-              <a:endParaRPr lang="vi-VN"/>
-            </a:p>
-          </p:txBody>
-        </p:sp>
-        <p:grpSp>
-          <p:nvGrpSpPr>
-            <p:cNvPr id="3" name="Group 13"/>
-            <p:cNvGrpSpPr>
-              <a:grpSpLocks/>
-            </p:cNvGrpSpPr>
-            <p:nvPr/>
-          </p:nvGrpSpPr>
-          <p:grpSpPr bwMode="auto">
-            <a:xfrm rot="-1297425" flipH="1" flipV="1">
-              <a:off x="2525" y="2693"/>
-              <a:ext cx="781" cy="188"/>
-              <a:chOff x="2532" y="1051"/>
-              <a:chExt cx="893" cy="246"/>
-            </a:xfrm>
-          </p:grpSpPr>
-          <p:grpSp>
-            <p:nvGrpSpPr>
-              <p:cNvPr id="4" name="Group 14"/>
-              <p:cNvGrpSpPr>
-                <a:grpSpLocks/>
-              </p:cNvGrpSpPr>
-              <p:nvPr/>
-            </p:nvGrpSpPr>
-            <p:grpSpPr bwMode="auto">
-              <a:xfrm>
-                <a:off x="2532" y="1051"/>
-                <a:ext cx="743" cy="185"/>
-                <a:chOff x="1565" y="2568"/>
-                <a:chExt cx="1118" cy="279"/>
-              </a:xfrm>
-            </p:grpSpPr>
-            <p:sp>
-              <p:nvSpPr>
-                <p:cNvPr id="12303" name="AutoShape 15"/>
-                <p:cNvSpPr>
-                  <a:spLocks noChangeArrowheads="1"/>
-                </p:cNvSpPr>
-                <p:nvPr/>
-              </p:nvSpPr>
-              <p:spPr bwMode="ltGray">
-                <a:xfrm rot="5263130">
-                  <a:off x="1859" y="2274"/>
-                  <a:ext cx="227" cy="816"/>
-                </a:xfrm>
-                <a:prstGeom prst="moon">
-                  <a:avLst>
-                    <a:gd name="adj" fmla="val 49773"/>
-                  </a:avLst>
-                </a:prstGeom>
-                <a:solidFill>
-                  <a:srgbClr val="F8F8F8">
-                    <a:alpha val="3999"/>
-                  </a:srgbClr>
-                </a:solidFill>
-                <a:ln w="9525">
-                  <a:noFill/>
-                  <a:miter lim="800000"/>
-                  <a:headEnd/>
-                  <a:tailEnd/>
-                </a:ln>
-                <a:effectLst/>
-              </p:spPr>
-              <p:txBody>
-                <a:bodyPr wrap="none" anchor="ctr"/>
-                <a:lstStyle/>
-                <a:p>
-                  <a:endParaRPr lang="vi-VN"/>
-                </a:p>
-              </p:txBody>
-            </p:sp>
-            <p:sp>
-              <p:nvSpPr>
-                <p:cNvPr id="12304" name="AutoShape 16"/>
-                <p:cNvSpPr>
-                  <a:spLocks noChangeArrowheads="1"/>
-                </p:cNvSpPr>
-                <p:nvPr/>
-              </p:nvSpPr>
-              <p:spPr bwMode="ltGray">
-                <a:xfrm rot="6078281">
-                  <a:off x="1995" y="2274"/>
-                  <a:ext cx="227" cy="816"/>
-                </a:xfrm>
-                <a:prstGeom prst="moon">
-                  <a:avLst>
-                    <a:gd name="adj" fmla="val 49773"/>
-                  </a:avLst>
-                </a:prstGeom>
-                <a:solidFill>
-                  <a:srgbClr val="F8F8F8">
-                    <a:alpha val="3999"/>
-                  </a:srgbClr>
-                </a:solidFill>
-                <a:ln w="9525">
-                  <a:noFill/>
-                  <a:miter lim="800000"/>
-                  <a:headEnd/>
-                  <a:tailEnd/>
-                </a:ln>
-                <a:effectLst/>
-              </p:spPr>
-              <p:txBody>
-                <a:bodyPr wrap="none" anchor="ctr"/>
-                <a:lstStyle/>
-                <a:p>
-                  <a:endParaRPr lang="vi-VN"/>
-                </a:p>
-              </p:txBody>
-            </p:sp>
-            <p:sp>
-              <p:nvSpPr>
-                <p:cNvPr id="12305" name="AutoShape 17"/>
-                <p:cNvSpPr>
-                  <a:spLocks noChangeArrowheads="1"/>
-                </p:cNvSpPr>
-                <p:nvPr/>
-              </p:nvSpPr>
-              <p:spPr bwMode="ltGray">
-                <a:xfrm rot="6373927">
-                  <a:off x="2071" y="2296"/>
-                  <a:ext cx="227" cy="816"/>
-                </a:xfrm>
-                <a:prstGeom prst="moon">
-                  <a:avLst>
-                    <a:gd name="adj" fmla="val 49773"/>
-                  </a:avLst>
-                </a:prstGeom>
-                <a:solidFill>
-                  <a:srgbClr val="F8F8F8">
-                    <a:alpha val="3999"/>
-                  </a:srgbClr>
-                </a:solidFill>
-                <a:ln w="9525">
-                  <a:noFill/>
-                  <a:miter lim="800000"/>
-                  <a:headEnd/>
-                  <a:tailEnd/>
-                </a:ln>
-                <a:effectLst/>
-              </p:spPr>
-              <p:txBody>
-                <a:bodyPr wrap="none" anchor="ctr"/>
-                <a:lstStyle/>
-                <a:p>
-                  <a:endParaRPr lang="vi-VN"/>
-                </a:p>
-              </p:txBody>
-            </p:sp>
-            <p:sp>
-              <p:nvSpPr>
-                <p:cNvPr id="12306" name="AutoShape 18"/>
-                <p:cNvSpPr>
-                  <a:spLocks noChangeArrowheads="1"/>
-                </p:cNvSpPr>
-                <p:nvPr/>
-              </p:nvSpPr>
-              <p:spPr bwMode="ltGray">
-                <a:xfrm rot="6906312">
-                  <a:off x="2161" y="2326"/>
-                  <a:ext cx="227" cy="816"/>
-                </a:xfrm>
-                <a:prstGeom prst="moon">
-                  <a:avLst>
-                    <a:gd name="adj" fmla="val 49773"/>
-                  </a:avLst>
-                </a:prstGeom>
-                <a:solidFill>
-                  <a:srgbClr val="F8F8F8">
-                    <a:alpha val="3999"/>
-                  </a:srgbClr>
-                </a:solidFill>
-                <a:ln w="9525">
-                  <a:noFill/>
-                  <a:miter lim="800000"/>
-                  <a:headEnd/>
-                  <a:tailEnd/>
-                </a:ln>
-                <a:effectLst/>
-              </p:spPr>
-              <p:txBody>
-                <a:bodyPr wrap="none" anchor="ctr"/>
-                <a:lstStyle/>
-                <a:p>
-                  <a:endParaRPr lang="vi-VN"/>
-                </a:p>
-              </p:txBody>
-            </p:sp>
-          </p:grpSp>
-          <p:grpSp>
-            <p:nvGrpSpPr>
-              <p:cNvPr id="5" name="Group 19"/>
-              <p:cNvGrpSpPr>
-                <a:grpSpLocks/>
-              </p:cNvGrpSpPr>
-              <p:nvPr/>
-            </p:nvGrpSpPr>
-            <p:grpSpPr bwMode="auto">
-              <a:xfrm rot="1353540">
-                <a:off x="2682" y="1111"/>
-                <a:ext cx="743" cy="186"/>
-                <a:chOff x="1565" y="2568"/>
-                <a:chExt cx="1118" cy="279"/>
-              </a:xfrm>
-            </p:grpSpPr>
-            <p:sp>
-              <p:nvSpPr>
-                <p:cNvPr id="12308" name="AutoShape 20"/>
-                <p:cNvSpPr>
-                  <a:spLocks noChangeArrowheads="1"/>
-                </p:cNvSpPr>
-                <p:nvPr/>
-              </p:nvSpPr>
-              <p:spPr bwMode="ltGray">
-                <a:xfrm rot="5263130">
-                  <a:off x="1859" y="2274"/>
-                  <a:ext cx="227" cy="816"/>
-                </a:xfrm>
-                <a:prstGeom prst="moon">
-                  <a:avLst>
-                    <a:gd name="adj" fmla="val 49773"/>
-                  </a:avLst>
-                </a:prstGeom>
-                <a:solidFill>
-                  <a:srgbClr val="F8F8F8">
-                    <a:alpha val="3999"/>
-                  </a:srgbClr>
-                </a:solidFill>
-                <a:ln w="9525">
-                  <a:noFill/>
-                  <a:miter lim="800000"/>
-                  <a:headEnd/>
-                  <a:tailEnd/>
-                </a:ln>
-                <a:effectLst/>
-              </p:spPr>
-              <p:txBody>
-                <a:bodyPr wrap="none" anchor="ctr"/>
-                <a:lstStyle/>
-                <a:p>
-                  <a:endParaRPr lang="vi-VN"/>
-                </a:p>
-              </p:txBody>
-            </p:sp>
-            <p:sp>
-              <p:nvSpPr>
-                <p:cNvPr id="12309" name="AutoShape 21"/>
-                <p:cNvSpPr>
-                  <a:spLocks noChangeArrowheads="1"/>
-                </p:cNvSpPr>
-                <p:nvPr/>
-              </p:nvSpPr>
-              <p:spPr bwMode="ltGray">
-                <a:xfrm rot="6078281">
-                  <a:off x="1995" y="2274"/>
-                  <a:ext cx="227" cy="816"/>
-                </a:xfrm>
-                <a:prstGeom prst="moon">
-                  <a:avLst>
-                    <a:gd name="adj" fmla="val 49773"/>
-                  </a:avLst>
-                </a:prstGeom>
-                <a:solidFill>
-                  <a:srgbClr val="F8F8F8">
-                    <a:alpha val="3999"/>
-                  </a:srgbClr>
-                </a:solidFill>
-                <a:ln w="9525">
-                  <a:noFill/>
-                  <a:miter lim="800000"/>
-                  <a:headEnd/>
-                  <a:tailEnd/>
-                </a:ln>
-                <a:effectLst/>
-              </p:spPr>
-              <p:txBody>
-                <a:bodyPr wrap="none" anchor="ctr"/>
-                <a:lstStyle/>
-                <a:p>
-                  <a:endParaRPr lang="vi-VN"/>
-                </a:p>
-              </p:txBody>
-            </p:sp>
-            <p:sp>
-              <p:nvSpPr>
-                <p:cNvPr id="12310" name="AutoShape 22"/>
-                <p:cNvSpPr>
-                  <a:spLocks noChangeArrowheads="1"/>
-                </p:cNvSpPr>
-                <p:nvPr/>
-              </p:nvSpPr>
-              <p:spPr bwMode="ltGray">
-                <a:xfrm rot="6373927">
-                  <a:off x="2071" y="2296"/>
-                  <a:ext cx="227" cy="816"/>
-                </a:xfrm>
-                <a:prstGeom prst="moon">
-                  <a:avLst>
-                    <a:gd name="adj" fmla="val 49773"/>
-                  </a:avLst>
-                </a:prstGeom>
-                <a:solidFill>
-                  <a:srgbClr val="F8F8F8">
-                    <a:alpha val="3999"/>
-                  </a:srgbClr>
-                </a:solidFill>
-                <a:ln w="9525">
-                  <a:noFill/>
-                  <a:miter lim="800000"/>
-                  <a:headEnd/>
-                  <a:tailEnd/>
-                </a:ln>
-                <a:effectLst/>
-              </p:spPr>
-              <p:txBody>
-                <a:bodyPr wrap="none" anchor="ctr"/>
-                <a:lstStyle/>
-                <a:p>
-                  <a:endParaRPr lang="vi-VN"/>
-                </a:p>
-              </p:txBody>
-            </p:sp>
-            <p:sp>
-              <p:nvSpPr>
-                <p:cNvPr id="12311" name="AutoShape 23"/>
-                <p:cNvSpPr>
-                  <a:spLocks noChangeArrowheads="1"/>
-                </p:cNvSpPr>
-                <p:nvPr/>
-              </p:nvSpPr>
-              <p:spPr bwMode="ltGray">
-                <a:xfrm rot="6906312">
-                  <a:off x="2161" y="2326"/>
-                  <a:ext cx="227" cy="816"/>
-                </a:xfrm>
-                <a:prstGeom prst="moon">
-                  <a:avLst>
-                    <a:gd name="adj" fmla="val 49773"/>
-                  </a:avLst>
-                </a:prstGeom>
-                <a:solidFill>
-                  <a:srgbClr val="F8F8F8">
-                    <a:alpha val="3999"/>
-                  </a:srgbClr>
-                </a:solidFill>
-                <a:ln w="9525">
-                  <a:noFill/>
-                  <a:miter lim="800000"/>
-                  <a:headEnd/>
-                  <a:tailEnd/>
-                </a:ln>
-                <a:effectLst/>
-              </p:spPr>
-              <p:txBody>
-                <a:bodyPr wrap="none" anchor="ctr"/>
-                <a:lstStyle/>
-                <a:p>
-                  <a:endParaRPr lang="vi-VN"/>
-                </a:p>
-              </p:txBody>
-            </p:sp>
-          </p:grpSp>
-        </p:grpSp>
-      </p:grpSp>
-      <p:grpSp>
-        <p:nvGrpSpPr>
           <p:cNvPr id="6" name="Group 24"/>
           <p:cNvGrpSpPr>
             <a:grpSpLocks/>
@@ -25106,7 +26569,7 @@
         </p:nvGrpSpPr>
         <p:grpSpPr bwMode="auto">
           <a:xfrm>
-            <a:off x="1195388" y="3956050"/>
+            <a:off x="1000100" y="2746383"/>
             <a:ext cx="1879600" cy="1825625"/>
             <a:chOff x="2457" y="2000"/>
             <a:chExt cx="901" cy="888"/>
@@ -25968,10 +27431,58 @@
               </a:lnSpc>
             </a:pPr>
             <a:r>
-              <a:rPr lang="en-US" b="1" smtClean="0"/>
-              <a:t>Giúp người dùng tìm kiếm, đặt món</a:t>
-            </a:r>
-            <a:endParaRPr lang="en-US" b="1"/>
+              <a:rPr lang="en-US" b="1" dirty="0" err="1" smtClean="0"/>
+              <a:t>Giúp</a:t>
+            </a:r>
+            <a:r>
+              <a:rPr lang="en-US" b="1" dirty="0" smtClean="0"/>
+              <a:t> </a:t>
+            </a:r>
+            <a:r>
+              <a:rPr lang="en-US" b="1" dirty="0" err="1" smtClean="0"/>
+              <a:t>người</a:t>
+            </a:r>
+            <a:r>
+              <a:rPr lang="en-US" b="1" dirty="0" smtClean="0"/>
+              <a:t> </a:t>
+            </a:r>
+            <a:r>
+              <a:rPr lang="en-US" b="1" dirty="0" err="1" smtClean="0"/>
+              <a:t>dùng</a:t>
+            </a:r>
+            <a:r>
+              <a:rPr lang="en-US" b="1" dirty="0" smtClean="0"/>
+              <a:t> </a:t>
+            </a:r>
+            <a:r>
+              <a:rPr lang="en-US" b="1" dirty="0" err="1" smtClean="0"/>
+              <a:t>tìm</a:t>
+            </a:r>
+            <a:r>
+              <a:rPr lang="en-US" b="1" dirty="0" smtClean="0"/>
+              <a:t> </a:t>
+            </a:r>
+            <a:r>
+              <a:rPr lang="en-US" b="1" dirty="0" err="1" smtClean="0"/>
+              <a:t>kiếm</a:t>
+            </a:r>
+            <a:r>
+              <a:rPr lang="en-US" b="1" dirty="0" smtClean="0"/>
+              <a:t>, </a:t>
+            </a:r>
+            <a:r>
+              <a:rPr lang="en-US" b="1" dirty="0" err="1" smtClean="0"/>
+              <a:t>đặt</a:t>
+            </a:r>
+            <a:r>
+              <a:rPr lang="en-US" b="1" dirty="0" smtClean="0"/>
+              <a:t> </a:t>
+            </a:r>
+            <a:r>
+              <a:rPr lang="en-US" b="1" dirty="0" err="1" smtClean="0"/>
+              <a:t>món</a:t>
+            </a:r>
+            <a:endParaRPr lang="en-US" b="1" dirty="0"/>
           </a:p>
         </p:txBody>
       </p:sp>
@@ -26065,67 +27576,6 @@
       </p:sp>
       <p:sp>
         <p:nvSpPr>
-          <p:cNvPr id="12330" name="Text Box 42"/>
-          <p:cNvSpPr txBox="1">
-            <a:spLocks noChangeArrowheads="1"/>
-          </p:cNvSpPr>
-          <p:nvPr/>
-        </p:nvSpPr>
-        <p:spPr bwMode="auto">
-          <a:xfrm>
-            <a:off x="1143000" y="2209800"/>
-            <a:ext cx="1905000" cy="766557"/>
-          </a:xfrm>
-          <a:prstGeom prst="rect">
-            <a:avLst/>
-          </a:prstGeom>
-          <a:noFill/>
-          <a:ln w="9525">
-            <a:noFill/>
-            <a:miter lim="800000"/>
-            <a:headEnd/>
-            <a:tailEnd/>
-          </a:ln>
-          <a:effectLst/>
-        </p:spPr>
-        <p:txBody>
-          <a:bodyPr>
-            <a:spAutoFit/>
-          </a:bodyPr>
-          <a:lstStyle/>
-          <a:p>
-            <a:pPr algn="ctr">
-              <a:lnSpc>
-                <a:spcPct val="50000"/>
-              </a:lnSpc>
-              <a:spcBef>
-                <a:spcPct val="50000"/>
-              </a:spcBef>
-            </a:pPr>
-            <a:r>
-              <a:rPr lang="en-US" sz="2800" b="1" smtClean="0"/>
-              <a:t>Dự</a:t>
-            </a:r>
-          </a:p>
-          <a:p>
-            <a:pPr algn="ctr">
-              <a:lnSpc>
-                <a:spcPct val="50000"/>
-              </a:lnSpc>
-              <a:spcBef>
-                <a:spcPct val="50000"/>
-              </a:spcBef>
-            </a:pPr>
-            <a:r>
-              <a:rPr lang="en-US" sz="2800" b="1" smtClean="0"/>
-              <a:t> án</a:t>
-            </a:r>
-            <a:endParaRPr lang="en-US" sz="2800" b="1"/>
-          </a:p>
-        </p:txBody>
-      </p:sp>
-      <p:sp>
-        <p:nvSpPr>
           <p:cNvPr id="12331" name="Text Box 43"/>
           <p:cNvSpPr txBox="1">
             <a:spLocks noChangeArrowheads="1"/>
@@ -26134,7 +27584,7 @@
         </p:nvSpPr>
         <p:spPr bwMode="auto">
           <a:xfrm>
-            <a:off x="1219200" y="4564063"/>
+            <a:off x="1023912" y="3354396"/>
             <a:ext cx="1905000" cy="766557"/>
           </a:xfrm>
           <a:prstGeom prst="rect">
@@ -26194,8 +27644,8 @@
           <p:nvPr/>
         </p:nvSpPr>
         <p:spPr bwMode="gray">
-          <a:xfrm rot="16200000">
-            <a:off x="2951957" y="4498181"/>
+          <a:xfrm rot="20140439">
+            <a:off x="2627656" y="4455140"/>
             <a:ext cx="1624012" cy="968375"/>
           </a:xfrm>
           <a:custGeom>
@@ -26438,8 +27888,8 @@
           <p:nvPr/>
         </p:nvSpPr>
         <p:spPr bwMode="gray">
-          <a:xfrm rot="16200000" flipH="1">
-            <a:off x="2912269" y="1934369"/>
+          <a:xfrm rot="12553533" flipH="1">
+            <a:off x="2633338" y="1877781"/>
             <a:ext cx="1624013" cy="968375"/>
           </a:xfrm>
           <a:custGeom>
@@ -26624,6 +28074,9 @@
                     <p:cTn id="3" fill="hold">
                       <p:stCondLst>
                         <p:cond delay="indefinite"/>
+                        <p:cond evt="onBegin" delay="0">
+                          <p:tn val="2"/>
+                        </p:cond>
                       </p:stCondLst>
                       <p:childTnLst>
                         <p:par>
@@ -26633,7 +28086,7 @@
                             </p:stCondLst>
                             <p:childTnLst>
                               <p:par>
-                                <p:cTn id="5" presetID="18" presetClass="entr" presetSubtype="12" fill="hold" nodeType="clickEffect">
+                                <p:cTn id="5" presetID="18" presetClass="entr" presetSubtype="12" fill="hold" grpId="0" nodeType="withEffect">
                                   <p:stCondLst>
                                     <p:cond delay="0"/>
                                   </p:stCondLst>
@@ -26646,7 +28099,7 @@
                                           </p:stCondLst>
                                         </p:cTn>
                                         <p:tgtEl>
-                                          <p:spTgt spid="2"/>
+                                          <p:spTgt spid="12331"/>
                                         </p:tgtEl>
                                         <p:attrNameLst>
                                           <p:attrName>style.visibility</p:attrName>
@@ -26660,7 +28113,7 @@
                                       <p:cBhvr>
                                         <p:cTn id="7" dur="500"/>
                                         <p:tgtEl>
-                                          <p:spTgt spid="2"/>
+                                          <p:spTgt spid="12331"/>
                                         </p:tgtEl>
                                       </p:cBhvr>
                                     </p:animEffect>
@@ -26668,7 +28121,7 @@
                                 </p:cTn>
                               </p:par>
                               <p:par>
-                                <p:cTn id="8" presetID="18" presetClass="entr" presetSubtype="12" fill="hold" grpId="0" nodeType="withEffect">
+                                <p:cTn id="8" presetID="18" presetClass="entr" presetSubtype="12" fill="hold" nodeType="withEffect">
                                   <p:stCondLst>
                                     <p:cond delay="0"/>
                                   </p:stCondLst>
@@ -26681,7 +28134,7 @@
                                           </p:stCondLst>
                                         </p:cTn>
                                         <p:tgtEl>
-                                          <p:spTgt spid="12330"/>
+                                          <p:spTgt spid="6"/>
                                         </p:tgtEl>
                                         <p:attrNameLst>
                                           <p:attrName>style.visibility</p:attrName>
@@ -26694,76 +28147,6 @@
                                     <p:animEffect transition="in" filter="strips(downLeft)">
                                       <p:cBhvr>
                                         <p:cTn id="10" dur="500"/>
-                                        <p:tgtEl>
-                                          <p:spTgt spid="12330"/>
-                                        </p:tgtEl>
-                                      </p:cBhvr>
-                                    </p:animEffect>
-                                  </p:childTnLst>
-                                </p:cTn>
-                              </p:par>
-                              <p:par>
-                                <p:cTn id="11" presetID="18" presetClass="entr" presetSubtype="12" fill="hold" grpId="0" nodeType="withEffect">
-                                  <p:stCondLst>
-                                    <p:cond delay="0"/>
-                                  </p:stCondLst>
-                                  <p:childTnLst>
-                                    <p:set>
-                                      <p:cBhvr>
-                                        <p:cTn id="12" dur="1" fill="hold">
-                                          <p:stCondLst>
-                                            <p:cond delay="0"/>
-                                          </p:stCondLst>
-                                        </p:cTn>
-                                        <p:tgtEl>
-                                          <p:spTgt spid="12331"/>
-                                        </p:tgtEl>
-                                        <p:attrNameLst>
-                                          <p:attrName>style.visibility</p:attrName>
-                                        </p:attrNameLst>
-                                      </p:cBhvr>
-                                      <p:to>
-                                        <p:strVal val="visible"/>
-                                      </p:to>
-                                    </p:set>
-                                    <p:animEffect transition="in" filter="strips(downLeft)">
-                                      <p:cBhvr>
-                                        <p:cTn id="13" dur="500"/>
-                                        <p:tgtEl>
-                                          <p:spTgt spid="12331"/>
-                                        </p:tgtEl>
-                                      </p:cBhvr>
-                                    </p:animEffect>
-                                  </p:childTnLst>
-                                </p:cTn>
-                              </p:par>
-                              <p:par>
-                                <p:cTn id="14" presetID="18" presetClass="entr" presetSubtype="12" fill="hold" nodeType="withEffect">
-                                  <p:stCondLst>
-                                    <p:cond delay="0"/>
-                                  </p:stCondLst>
-                                  <p:childTnLst>
-                                    <p:set>
-                                      <p:cBhvr>
-                                        <p:cTn id="15" dur="1" fill="hold">
-                                          <p:stCondLst>
-                                            <p:cond delay="0"/>
-                                          </p:stCondLst>
-                                        </p:cTn>
-                                        <p:tgtEl>
-                                          <p:spTgt spid="6"/>
-                                        </p:tgtEl>
-                                        <p:attrNameLst>
-                                          <p:attrName>style.visibility</p:attrName>
-                                        </p:attrNameLst>
-                                      </p:cBhvr>
-                                      <p:to>
-                                        <p:strVal val="visible"/>
-                                      </p:to>
-                                    </p:set>
-                                    <p:animEffect transition="in" filter="strips(downLeft)">
-                                      <p:cBhvr>
-                                        <p:cTn id="16" dur="500"/>
                                         <p:tgtEl>
                                           <p:spTgt spid="6"/>
                                         </p:tgtEl>
@@ -26779,32 +28162,102 @@
                     </p:cTn>
                   </p:par>
                   <p:par>
-                    <p:cTn id="17" fill="hold">
+                    <p:cTn id="11" fill="hold">
                       <p:stCondLst>
                         <p:cond delay="indefinite"/>
                       </p:stCondLst>
                       <p:childTnLst>
                         <p:par>
-                          <p:cTn id="18" fill="hold">
+                          <p:cTn id="12" fill="hold">
                             <p:stCondLst>
                               <p:cond delay="0"/>
                             </p:stCondLst>
                             <p:childTnLst>
                               <p:par>
-                                <p:cTn id="19" presetID="22" presetClass="entr" presetSubtype="4" fill="hold" grpId="0" nodeType="clickEffect">
+                                <p:cTn id="13" presetID="22" presetClass="entr" presetSubtype="4" fill="hold" grpId="0" nodeType="clickEffect">
                                   <p:stCondLst>
                                     <p:cond delay="0"/>
                                   </p:stCondLst>
                                   <p:childTnLst>
                                     <p:set>
                                       <p:cBhvr>
+                                        <p:cTn id="14" dur="1" fill="hold">
+                                          <p:stCondLst>
+                                            <p:cond delay="0"/>
+                                          </p:stCondLst>
+                                        </p:cTn>
+                                        <p:tgtEl>
+                                          <p:spTgt spid="12334"/>
+                                        </p:tgtEl>
+                                        <p:attrNameLst>
+                                          <p:attrName>style.visibility</p:attrName>
+                                        </p:attrNameLst>
+                                      </p:cBhvr>
+                                      <p:to>
+                                        <p:strVal val="visible"/>
+                                      </p:to>
+                                    </p:set>
+                                    <p:animEffect transition="in" filter="wipe(down)">
+                                      <p:cBhvr>
+                                        <p:cTn id="15" dur="500"/>
+                                        <p:tgtEl>
+                                          <p:spTgt spid="12334"/>
+                                        </p:tgtEl>
+                                      </p:cBhvr>
+                                    </p:animEffect>
+                                  </p:childTnLst>
+                                </p:cTn>
+                              </p:par>
+                              <p:par>
+                                <p:cTn id="16" presetID="22" presetClass="entr" presetSubtype="4" fill="hold" grpId="0" nodeType="withEffect">
+                                  <p:stCondLst>
+                                    <p:cond delay="0"/>
+                                  </p:stCondLst>
+                                  <p:childTnLst>
+                                    <p:set>
+                                      <p:cBhvr>
+                                        <p:cTn id="17" dur="1" fill="hold">
+                                          <p:stCondLst>
+                                            <p:cond delay="0"/>
+                                          </p:stCondLst>
+                                        </p:cTn>
+                                        <p:tgtEl>
+                                          <p:spTgt spid="12333"/>
+                                        </p:tgtEl>
+                                        <p:attrNameLst>
+                                          <p:attrName>style.visibility</p:attrName>
+                                        </p:attrNameLst>
+                                      </p:cBhvr>
+                                      <p:to>
+                                        <p:strVal val="visible"/>
+                                      </p:to>
+                                    </p:set>
+                                    <p:animEffect transition="in" filter="wipe(down)">
+                                      <p:cBhvr>
+                                        <p:cTn id="18" dur="500"/>
+                                        <p:tgtEl>
+                                          <p:spTgt spid="12333"/>
+                                        </p:tgtEl>
+                                      </p:cBhvr>
+                                    </p:animEffect>
+                                  </p:childTnLst>
+                                </p:cTn>
+                              </p:par>
+                              <p:par>
+                                <p:cTn id="19" presetID="22" presetClass="entr" presetSubtype="4" fill="hold" grpId="0" nodeType="withEffect">
+                                  <p:stCondLst>
+                                    <p:cond delay="0"/>
+                                  </p:stCondLst>
+                                  <p:childTnLst>
+                                    <p:set>
+                                      <p:cBhvr>
                                         <p:cTn id="20" dur="1" fill="hold">
                                           <p:stCondLst>
                                             <p:cond delay="0"/>
                                           </p:stCondLst>
                                         </p:cTn>
                                         <p:tgtEl>
-                                          <p:spTgt spid="12334"/>
+                                          <p:spTgt spid="12332"/>
                                         </p:tgtEl>
                                         <p:attrNameLst>
                                           <p:attrName>style.visibility</p:attrName>
@@ -26817,76 +28270,6 @@
                                     <p:animEffect transition="in" filter="wipe(down)">
                                       <p:cBhvr>
                                         <p:cTn id="21" dur="500"/>
-                                        <p:tgtEl>
-                                          <p:spTgt spid="12334"/>
-                                        </p:tgtEl>
-                                      </p:cBhvr>
-                                    </p:animEffect>
-                                  </p:childTnLst>
-                                </p:cTn>
-                              </p:par>
-                              <p:par>
-                                <p:cTn id="22" presetID="22" presetClass="entr" presetSubtype="4" fill="hold" grpId="0" nodeType="withEffect">
-                                  <p:stCondLst>
-                                    <p:cond delay="0"/>
-                                  </p:stCondLst>
-                                  <p:childTnLst>
-                                    <p:set>
-                                      <p:cBhvr>
-                                        <p:cTn id="23" dur="1" fill="hold">
-                                          <p:stCondLst>
-                                            <p:cond delay="0"/>
-                                          </p:stCondLst>
-                                        </p:cTn>
-                                        <p:tgtEl>
-                                          <p:spTgt spid="12333"/>
-                                        </p:tgtEl>
-                                        <p:attrNameLst>
-                                          <p:attrName>style.visibility</p:attrName>
-                                        </p:attrNameLst>
-                                      </p:cBhvr>
-                                      <p:to>
-                                        <p:strVal val="visible"/>
-                                      </p:to>
-                                    </p:set>
-                                    <p:animEffect transition="in" filter="wipe(down)">
-                                      <p:cBhvr>
-                                        <p:cTn id="24" dur="500"/>
-                                        <p:tgtEl>
-                                          <p:spTgt spid="12333"/>
-                                        </p:tgtEl>
-                                      </p:cBhvr>
-                                    </p:animEffect>
-                                  </p:childTnLst>
-                                </p:cTn>
-                              </p:par>
-                              <p:par>
-                                <p:cTn id="25" presetID="22" presetClass="entr" presetSubtype="4" fill="hold" grpId="0" nodeType="withEffect">
-                                  <p:stCondLst>
-                                    <p:cond delay="0"/>
-                                  </p:stCondLst>
-                                  <p:childTnLst>
-                                    <p:set>
-                                      <p:cBhvr>
-                                        <p:cTn id="26" dur="1" fill="hold">
-                                          <p:stCondLst>
-                                            <p:cond delay="0"/>
-                                          </p:stCondLst>
-                                        </p:cTn>
-                                        <p:tgtEl>
-                                          <p:spTgt spid="12332"/>
-                                        </p:tgtEl>
-                                        <p:attrNameLst>
-                                          <p:attrName>style.visibility</p:attrName>
-                                        </p:attrNameLst>
-                                      </p:cBhvr>
-                                      <p:to>
-                                        <p:strVal val="visible"/>
-                                      </p:to>
-                                    </p:set>
-                                    <p:animEffect transition="in" filter="wipe(down)">
-                                      <p:cBhvr>
-                                        <p:cTn id="27" dur="500"/>
                                         <p:tgtEl>
                                           <p:spTgt spid="12332"/>
                                         </p:tgtEl>
@@ -26902,32 +28285,102 @@
                     </p:cTn>
                   </p:par>
                   <p:par>
-                    <p:cTn id="28" fill="hold">
+                    <p:cTn id="22" fill="hold">
                       <p:stCondLst>
                         <p:cond delay="indefinite"/>
                       </p:stCondLst>
                       <p:childTnLst>
                         <p:par>
-                          <p:cTn id="29" fill="hold">
+                          <p:cTn id="23" fill="hold">
                             <p:stCondLst>
                               <p:cond delay="0"/>
                             </p:stCondLst>
                             <p:childTnLst>
                               <p:par>
-                                <p:cTn id="30" presetID="18" presetClass="entr" presetSubtype="12" fill="hold" grpId="0" nodeType="clickEffect">
+                                <p:cTn id="24" presetID="18" presetClass="entr" presetSubtype="12" fill="hold" grpId="0" nodeType="clickEffect">
                                   <p:stCondLst>
                                     <p:cond delay="0"/>
                                   </p:stCondLst>
                                   <p:childTnLst>
                                     <p:set>
                                       <p:cBhvr>
+                                        <p:cTn id="25" dur="1" fill="hold">
+                                          <p:stCondLst>
+                                            <p:cond delay="0"/>
+                                          </p:stCondLst>
+                                        </p:cTn>
+                                        <p:tgtEl>
+                                          <p:spTgt spid="12291"/>
+                                        </p:tgtEl>
+                                        <p:attrNameLst>
+                                          <p:attrName>style.visibility</p:attrName>
+                                        </p:attrNameLst>
+                                      </p:cBhvr>
+                                      <p:to>
+                                        <p:strVal val="visible"/>
+                                      </p:to>
+                                    </p:set>
+                                    <p:animEffect transition="in" filter="strips(downLeft)">
+                                      <p:cBhvr>
+                                        <p:cTn id="26" dur="500"/>
+                                        <p:tgtEl>
+                                          <p:spTgt spid="12291"/>
+                                        </p:tgtEl>
+                                      </p:cBhvr>
+                                    </p:animEffect>
+                                  </p:childTnLst>
+                                </p:cTn>
+                              </p:par>
+                              <p:par>
+                                <p:cTn id="27" presetID="18" presetClass="entr" presetSubtype="12" fill="hold" nodeType="withEffect">
+                                  <p:stCondLst>
+                                    <p:cond delay="0"/>
+                                  </p:stCondLst>
+                                  <p:childTnLst>
+                                    <p:set>
+                                      <p:cBhvr>
+                                        <p:cTn id="28" dur="1" fill="hold">
+                                          <p:stCondLst>
+                                            <p:cond delay="0"/>
+                                          </p:stCondLst>
+                                        </p:cTn>
+                                        <p:tgtEl>
+                                          <p:spTgt spid="12292"/>
+                                        </p:tgtEl>
+                                        <p:attrNameLst>
+                                          <p:attrName>style.visibility</p:attrName>
+                                        </p:attrNameLst>
+                                      </p:cBhvr>
+                                      <p:to>
+                                        <p:strVal val="visible"/>
+                                      </p:to>
+                                    </p:set>
+                                    <p:animEffect transition="in" filter="strips(downLeft)">
+                                      <p:cBhvr>
+                                        <p:cTn id="29" dur="500"/>
+                                        <p:tgtEl>
+                                          <p:spTgt spid="12292"/>
+                                        </p:tgtEl>
+                                      </p:cBhvr>
+                                    </p:animEffect>
+                                  </p:childTnLst>
+                                </p:cTn>
+                              </p:par>
+                              <p:par>
+                                <p:cTn id="30" presetID="18" presetClass="entr" presetSubtype="12" fill="hold" grpId="0" nodeType="withEffect">
+                                  <p:stCondLst>
+                                    <p:cond delay="0"/>
+                                  </p:stCondLst>
+                                  <p:childTnLst>
+                                    <p:set>
+                                      <p:cBhvr>
                                         <p:cTn id="31" dur="1" fill="hold">
                                           <p:stCondLst>
                                             <p:cond delay="0"/>
                                           </p:stCondLst>
                                         </p:cTn>
                                         <p:tgtEl>
-                                          <p:spTgt spid="12291"/>
+                                          <p:spTgt spid="12293"/>
                                         </p:tgtEl>
                                         <p:attrNameLst>
                                           <p:attrName>style.visibility</p:attrName>
@@ -26941,7 +28394,7 @@
                                       <p:cBhvr>
                                         <p:cTn id="32" dur="500"/>
                                         <p:tgtEl>
-                                          <p:spTgt spid="12291"/>
+                                          <p:spTgt spid="12293"/>
                                         </p:tgtEl>
                                       </p:cBhvr>
                                     </p:animEffect>
@@ -26962,7 +28415,7 @@
                                           </p:stCondLst>
                                         </p:cTn>
                                         <p:tgtEl>
-                                          <p:spTgt spid="12292"/>
+                                          <p:spTgt spid="12294"/>
                                         </p:tgtEl>
                                         <p:attrNameLst>
                                           <p:attrName>style.visibility</p:attrName>
@@ -26976,7 +28429,7 @@
                                       <p:cBhvr>
                                         <p:cTn id="35" dur="500"/>
                                         <p:tgtEl>
-                                          <p:spTgt spid="12292"/>
+                                          <p:spTgt spid="12294"/>
                                         </p:tgtEl>
                                       </p:cBhvr>
                                     </p:animEffect>
@@ -26997,7 +28450,7 @@
                                           </p:stCondLst>
                                         </p:cTn>
                                         <p:tgtEl>
-                                          <p:spTgt spid="12293"/>
+                                          <p:spTgt spid="12295"/>
                                         </p:tgtEl>
                                         <p:attrNameLst>
                                           <p:attrName>style.visibility</p:attrName>
@@ -27011,7 +28464,7 @@
                                       <p:cBhvr>
                                         <p:cTn id="38" dur="500"/>
                                         <p:tgtEl>
-                                          <p:spTgt spid="12293"/>
+                                          <p:spTgt spid="12295"/>
                                         </p:tgtEl>
                                       </p:cBhvr>
                                     </p:animEffect>
@@ -27032,7 +28485,7 @@
                                           </p:stCondLst>
                                         </p:cTn>
                                         <p:tgtEl>
-                                          <p:spTgt spid="12294"/>
+                                          <p:spTgt spid="12296"/>
                                         </p:tgtEl>
                                         <p:attrNameLst>
                                           <p:attrName>style.visibility</p:attrName>
@@ -27046,7 +28499,7 @@
                                       <p:cBhvr>
                                         <p:cTn id="41" dur="500"/>
                                         <p:tgtEl>
-                                          <p:spTgt spid="12294"/>
+                                          <p:spTgt spid="12296"/>
                                         </p:tgtEl>
                                       </p:cBhvr>
                                     </p:animEffect>
@@ -27067,7 +28520,7 @@
                                           </p:stCondLst>
                                         </p:cTn>
                                         <p:tgtEl>
-                                          <p:spTgt spid="12295"/>
+                                          <p:spTgt spid="12327"/>
                                         </p:tgtEl>
                                         <p:attrNameLst>
                                           <p:attrName>style.visibility</p:attrName>
@@ -27081,7 +28534,7 @@
                                       <p:cBhvr>
                                         <p:cTn id="44" dur="500"/>
                                         <p:tgtEl>
-                                          <p:spTgt spid="12295"/>
+                                          <p:spTgt spid="12327"/>
                                         </p:tgtEl>
                                       </p:cBhvr>
                                     </p:animEffect>
@@ -27089,7 +28542,7 @@
                                 </p:cTn>
                               </p:par>
                               <p:par>
-                                <p:cTn id="45" presetID="18" presetClass="entr" presetSubtype="12" fill="hold" nodeType="withEffect">
+                                <p:cTn id="45" presetID="18" presetClass="entr" presetSubtype="12" fill="hold" grpId="0" nodeType="withEffect">
                                   <p:stCondLst>
                                     <p:cond delay="0"/>
                                   </p:stCondLst>
@@ -27102,7 +28555,7 @@
                                           </p:stCondLst>
                                         </p:cTn>
                                         <p:tgtEl>
-                                          <p:spTgt spid="12296"/>
+                                          <p:spTgt spid="12328"/>
                                         </p:tgtEl>
                                         <p:attrNameLst>
                                           <p:attrName>style.visibility</p:attrName>
@@ -27116,7 +28569,7 @@
                                       <p:cBhvr>
                                         <p:cTn id="47" dur="500"/>
                                         <p:tgtEl>
-                                          <p:spTgt spid="12296"/>
+                                          <p:spTgt spid="12328"/>
                                         </p:tgtEl>
                                       </p:cBhvr>
                                     </p:animEffect>
@@ -27137,7 +28590,7 @@
                                           </p:stCondLst>
                                         </p:cTn>
                                         <p:tgtEl>
-                                          <p:spTgt spid="12327"/>
+                                          <p:spTgt spid="12329"/>
                                         </p:tgtEl>
                                         <p:attrNameLst>
                                           <p:attrName>style.visibility</p:attrName>
@@ -27150,76 +28603,6 @@
                                     <p:animEffect transition="in" filter="strips(downLeft)">
                                       <p:cBhvr>
                                         <p:cTn id="50" dur="500"/>
-                                        <p:tgtEl>
-                                          <p:spTgt spid="12327"/>
-                                        </p:tgtEl>
-                                      </p:cBhvr>
-                                    </p:animEffect>
-                                  </p:childTnLst>
-                                </p:cTn>
-                              </p:par>
-                              <p:par>
-                                <p:cTn id="51" presetID="18" presetClass="entr" presetSubtype="12" fill="hold" grpId="0" nodeType="withEffect">
-                                  <p:stCondLst>
-                                    <p:cond delay="0"/>
-                                  </p:stCondLst>
-                                  <p:childTnLst>
-                                    <p:set>
-                                      <p:cBhvr>
-                                        <p:cTn id="52" dur="1" fill="hold">
-                                          <p:stCondLst>
-                                            <p:cond delay="0"/>
-                                          </p:stCondLst>
-                                        </p:cTn>
-                                        <p:tgtEl>
-                                          <p:spTgt spid="12328"/>
-                                        </p:tgtEl>
-                                        <p:attrNameLst>
-                                          <p:attrName>style.visibility</p:attrName>
-                                        </p:attrNameLst>
-                                      </p:cBhvr>
-                                      <p:to>
-                                        <p:strVal val="visible"/>
-                                      </p:to>
-                                    </p:set>
-                                    <p:animEffect transition="in" filter="strips(downLeft)">
-                                      <p:cBhvr>
-                                        <p:cTn id="53" dur="500"/>
-                                        <p:tgtEl>
-                                          <p:spTgt spid="12328"/>
-                                        </p:tgtEl>
-                                      </p:cBhvr>
-                                    </p:animEffect>
-                                  </p:childTnLst>
-                                </p:cTn>
-                              </p:par>
-                              <p:par>
-                                <p:cTn id="54" presetID="18" presetClass="entr" presetSubtype="12" fill="hold" grpId="0" nodeType="withEffect">
-                                  <p:stCondLst>
-                                    <p:cond delay="0"/>
-                                  </p:stCondLst>
-                                  <p:childTnLst>
-                                    <p:set>
-                                      <p:cBhvr>
-                                        <p:cTn id="55" dur="1" fill="hold">
-                                          <p:stCondLst>
-                                            <p:cond delay="0"/>
-                                          </p:stCondLst>
-                                        </p:cTn>
-                                        <p:tgtEl>
-                                          <p:spTgt spid="12329"/>
-                                        </p:tgtEl>
-                                        <p:attrNameLst>
-                                          <p:attrName>style.visibility</p:attrName>
-                                        </p:attrNameLst>
-                                      </p:cBhvr>
-                                      <p:to>
-                                        <p:strVal val="visible"/>
-                                      </p:to>
-                                    </p:set>
-                                    <p:animEffect transition="in" filter="strips(downLeft)">
-                                      <p:cBhvr>
-                                        <p:cTn id="56" dur="500"/>
                                         <p:tgtEl>
                                           <p:spTgt spid="12329"/>
                                         </p:tgtEl>
@@ -27262,7 +28645,6 @@
       <p:bldP spid="12327" grpId="0"/>
       <p:bldP spid="12328" grpId="0"/>
       <p:bldP spid="12329" grpId="0"/>
-      <p:bldP spid="12330" grpId="0"/>
       <p:bldP spid="12331" grpId="0"/>
       <p:bldP spid="12332" grpId="0" animBg="1"/>
       <p:bldP spid="12333" grpId="0" animBg="1"/>
@@ -29056,7 +30438,7 @@
         <p:spPr bwMode="auto">
           <a:xfrm>
             <a:off x="3868738" y="2405063"/>
-            <a:ext cx="1711374" cy="735905"/>
+            <a:ext cx="1489080" cy="881061"/>
           </a:xfrm>
           <a:prstGeom prst="roundRect">
             <a:avLst>
@@ -29083,7 +30465,7 @@
           <a:bodyPr wrap="none" anchor="ctr"/>
           <a:lstStyle/>
           <a:p>
-            <a:endParaRPr lang="vi-VN"/>
+            <a:endParaRPr lang="vi-VN" dirty="0"/>
           </a:p>
         </p:txBody>
       </p:sp>
@@ -29170,14 +30552,14 @@
               </a:spcBef>
             </a:pPr>
             <a:r>
-              <a:rPr lang="en-US" sz="2000" b="1" smtClean="0">
+              <a:rPr lang="en-US" sz="2000" b="1" dirty="0" smtClean="0">
                 <a:solidFill>
                   <a:schemeClr val="accent2"/>
                 </a:solidFill>
               </a:rPr>
               <a:t>9%</a:t>
             </a:r>
-            <a:endParaRPr lang="en-US" sz="2000" b="1">
+            <a:endParaRPr lang="en-US" sz="2000" b="1" dirty="0">
               <a:solidFill>
                 <a:schemeClr val="accent2"/>
               </a:solidFill>
@@ -29196,7 +30578,7 @@
         <p:spPr bwMode="auto">
           <a:xfrm>
             <a:off x="3868738" y="2800350"/>
-            <a:ext cx="1783382" cy="276999"/>
+            <a:ext cx="1417642" cy="461665"/>
           </a:xfrm>
           <a:prstGeom prst="rect">
             <a:avLst/>
@@ -29217,14 +30599,70 @@
           <a:lstStyle/>
           <a:p>
             <a:r>
-              <a:rPr lang="en-US" sz="1200" b="1" smtClean="0">
+              <a:rPr lang="en-US" sz="1200" b="1" dirty="0" err="1" smtClean="0">
                 <a:solidFill>
                   <a:srgbClr val="000000"/>
                 </a:solidFill>
               </a:rPr>
-              <a:t>Nhân viên văn phòng</a:t>
-            </a:r>
-            <a:endParaRPr lang="en-US" sz="1200" b="1">
+              <a:t>Thanh</a:t>
+            </a:r>
+            <a:r>
+              <a:rPr lang="en-US" sz="1200" b="1" dirty="0" smtClean="0">
+                <a:solidFill>
+                  <a:srgbClr val="000000"/>
+                </a:solidFill>
+              </a:rPr>
+              <a:t> </a:t>
+            </a:r>
+            <a:r>
+              <a:rPr lang="en-US" sz="1200" b="1" dirty="0" err="1" smtClean="0">
+                <a:solidFill>
+                  <a:srgbClr val="000000"/>
+                </a:solidFill>
+              </a:rPr>
+              <a:t>thiếu</a:t>
+            </a:r>
+            <a:r>
+              <a:rPr lang="en-US" sz="1200" b="1" dirty="0" smtClean="0">
+                <a:solidFill>
+                  <a:srgbClr val="000000"/>
+                </a:solidFill>
+              </a:rPr>
+              <a:t> </a:t>
+            </a:r>
+            <a:r>
+              <a:rPr lang="en-US" sz="1200" b="1" dirty="0" err="1" smtClean="0">
+                <a:solidFill>
+                  <a:srgbClr val="000000"/>
+                </a:solidFill>
+              </a:rPr>
+              <a:t>niên</a:t>
+            </a:r>
+            <a:r>
+              <a:rPr lang="en-US" sz="1200" b="1" dirty="0" smtClean="0">
+                <a:solidFill>
+                  <a:srgbClr val="000000"/>
+                </a:solidFill>
+              </a:rPr>
+              <a:t> (16-30 </a:t>
+            </a:r>
+            <a:r>
+              <a:rPr lang="en-US" sz="1200" b="1" dirty="0" err="1" smtClean="0">
+                <a:solidFill>
+                  <a:srgbClr val="000000"/>
+                </a:solidFill>
+              </a:rPr>
+              <a:t>tuổi</a:t>
+            </a:r>
+            <a:r>
+              <a:rPr lang="en-US" sz="1200" b="1" dirty="0" smtClean="0">
+                <a:solidFill>
+                  <a:srgbClr val="000000"/>
+                </a:solidFill>
+              </a:rPr>
+              <a:t>)</a:t>
+            </a:r>
+            <a:endParaRPr lang="en-US" sz="1200" b="1" dirty="0">
               <a:solidFill>
                 <a:srgbClr val="000000"/>
               </a:solidFill>
@@ -29399,14 +30837,30 @@
           <a:lstStyle/>
           <a:p>
             <a:r>
-              <a:rPr lang="en-US" sz="1200" b="1" smtClean="0">
+              <a:rPr lang="en-US" sz="1200" b="1" dirty="0" err="1" smtClean="0">
                 <a:solidFill>
                   <a:srgbClr val="000000"/>
                 </a:solidFill>
               </a:rPr>
-              <a:t>Nội trợ</a:t>
-            </a:r>
-            <a:endParaRPr lang="en-US" sz="1200" b="1">
+              <a:t>Nội</a:t>
+            </a:r>
+            <a:r>
+              <a:rPr lang="en-US" sz="1200" b="1" dirty="0" smtClean="0">
+                <a:solidFill>
+                  <a:srgbClr val="000000"/>
+                </a:solidFill>
+              </a:rPr>
+              <a:t> </a:t>
+            </a:r>
+            <a:r>
+              <a:rPr lang="en-US" sz="1200" b="1" dirty="0" err="1" smtClean="0">
+                <a:solidFill>
+                  <a:srgbClr val="000000"/>
+                </a:solidFill>
+              </a:rPr>
+              <a:t>trợ</a:t>
+            </a:r>
+            <a:endParaRPr lang="en-US" sz="1200" b="1" dirty="0">
               <a:solidFill>
                 <a:srgbClr val="000000"/>
               </a:solidFill>
@@ -29500,7 +30954,7 @@
         <p:spPr bwMode="gray">
           <a:xfrm>
             <a:off x="1570038" y="2532063"/>
-            <a:ext cx="1508125" cy="896937"/>
+            <a:ext cx="1787515" cy="682623"/>
           </a:xfrm>
           <a:prstGeom prst="roundRect">
             <a:avLst>
@@ -30068,14 +31522,14 @@
               </a:spcBef>
             </a:pPr>
             <a:r>
-              <a:rPr lang="en-US" sz="2000" b="1" smtClean="0">
+              <a:rPr lang="en-US" sz="2000" b="1" dirty="0" smtClean="0">
                 <a:solidFill>
                   <a:schemeClr val="accent1"/>
                 </a:solidFill>
               </a:rPr>
               <a:t>64%</a:t>
             </a:r>
-            <a:endParaRPr lang="en-US" sz="2000" b="1">
+            <a:endParaRPr lang="en-US" sz="2000" b="1" dirty="0">
               <a:solidFill>
                 <a:schemeClr val="accent1"/>
               </a:solidFill>
@@ -30093,8 +31547,8 @@
         </p:nvSpPr>
         <p:spPr bwMode="auto">
           <a:xfrm>
-            <a:off x="1570038" y="2927350"/>
-            <a:ext cx="1487487" cy="461665"/>
+            <a:off x="1570038" y="2927351"/>
+            <a:ext cx="1787515" cy="276999"/>
           </a:xfrm>
           <a:prstGeom prst="rect">
             <a:avLst/>
@@ -30109,20 +31563,68 @@
           <a:effectLst/>
         </p:spPr>
         <p:txBody>
-          <a:bodyPr>
+          <a:bodyPr wrap="square">
             <a:spAutoFit/>
           </a:bodyPr>
           <a:lstStyle/>
           <a:p>
             <a:r>
-              <a:rPr lang="en-US" sz="1200" b="1" smtClean="0">
+              <a:rPr lang="en-US" sz="1200" b="1" dirty="0" err="1" smtClean="0">
                 <a:solidFill>
                   <a:srgbClr val="000000"/>
                 </a:solidFill>
               </a:rPr>
-              <a:t>Thanh thiếu niên (16-30 tuổi)</a:t>
-            </a:r>
-            <a:endParaRPr lang="en-US" sz="1200" b="1">
+              <a:t>Nhân</a:t>
+            </a:r>
+            <a:r>
+              <a:rPr lang="en-US" sz="1200" b="1" dirty="0" smtClean="0">
+                <a:solidFill>
+                  <a:srgbClr val="000000"/>
+                </a:solidFill>
+              </a:rPr>
+              <a:t> </a:t>
+            </a:r>
+            <a:r>
+              <a:rPr lang="en-US" sz="1200" b="1" dirty="0" err="1" smtClean="0">
+                <a:solidFill>
+                  <a:srgbClr val="000000"/>
+                </a:solidFill>
+              </a:rPr>
+              <a:t>viên</a:t>
+            </a:r>
+            <a:r>
+              <a:rPr lang="en-US" sz="1200" b="1" dirty="0" smtClean="0">
+                <a:solidFill>
+                  <a:srgbClr val="000000"/>
+                </a:solidFill>
+              </a:rPr>
+              <a:t> </a:t>
+            </a:r>
+            <a:r>
+              <a:rPr lang="en-US" sz="1200" b="1" dirty="0" err="1" smtClean="0">
+                <a:solidFill>
+                  <a:srgbClr val="000000"/>
+                </a:solidFill>
+              </a:rPr>
+              <a:t>văn</a:t>
+            </a:r>
+            <a:r>
+              <a:rPr lang="en-US" sz="1200" b="1" dirty="0" smtClean="0">
+                <a:solidFill>
+                  <a:srgbClr val="000000"/>
+                </a:solidFill>
+              </a:rPr>
+              <a:t> </a:t>
+            </a:r>
+            <a:r>
+              <a:rPr lang="en-US" sz="1200" b="1" dirty="0" err="1" smtClean="0">
+                <a:solidFill>
+                  <a:srgbClr val="000000"/>
+                </a:solidFill>
+              </a:rPr>
+              <a:t>phòng</a:t>
+            </a:r>
+            <a:endParaRPr lang="en-US" sz="1200" b="1" dirty="0">
               <a:solidFill>
                 <a:srgbClr val="000000"/>
               </a:solidFill>
@@ -30141,7 +31643,7 @@
           </p:nvPr>
         </p:nvGraphicFramePr>
         <p:xfrm>
-          <a:off x="1691680" y="2667000"/>
+          <a:off x="1643042" y="2667000"/>
           <a:ext cx="4824412" cy="4191000"/>
         </p:xfrm>
         <a:graphic>
@@ -30375,8 +31877,8 @@
         </p:nvSpPr>
         <p:spPr bwMode="auto">
           <a:xfrm flipH="1" flipV="1">
-            <a:off x="2267743" y="3428999"/>
-            <a:ext cx="216023" cy="936103"/>
+            <a:off x="2214546" y="3214686"/>
+            <a:ext cx="269220" cy="1150416"/>
           </a:xfrm>
           <a:prstGeom prst="line">
             <a:avLst/>
@@ -30410,8 +31912,8 @@
         </p:nvSpPr>
         <p:spPr bwMode="auto">
           <a:xfrm flipV="1">
-            <a:off x="3347864" y="3140968"/>
-            <a:ext cx="576064" cy="792086"/>
+            <a:off x="3347864" y="3000372"/>
+            <a:ext cx="509756" cy="932682"/>
           </a:xfrm>
           <a:prstGeom prst="line">
             <a:avLst/>
@@ -30480,8 +31982,8 @@
         </p:nvSpPr>
         <p:spPr bwMode="auto">
           <a:xfrm>
-            <a:off x="6156176" y="4941168"/>
-            <a:ext cx="1008112" cy="1008112"/>
+            <a:off x="6000760" y="5000636"/>
+            <a:ext cx="1163528" cy="948644"/>
           </a:xfrm>
           <a:prstGeom prst="line">
             <a:avLst/>
@@ -30700,14 +32202,30 @@
           <a:lstStyle/>
           <a:p>
             <a:r>
-              <a:rPr lang="en-US" sz="1200" b="1" smtClean="0">
+              <a:rPr lang="en-US" sz="1200" b="1" dirty="0" err="1" smtClean="0">
                 <a:solidFill>
                   <a:srgbClr val="000000"/>
                 </a:solidFill>
               </a:rPr>
-              <a:t>Doanh nhân</a:t>
-            </a:r>
-            <a:endParaRPr lang="en-US" sz="1200" b="1">
+              <a:t>Doanh</a:t>
+            </a:r>
+            <a:r>
+              <a:rPr lang="en-US" sz="1200" b="1" dirty="0" smtClean="0">
+                <a:solidFill>
+                  <a:srgbClr val="000000"/>
+                </a:solidFill>
+              </a:rPr>
+              <a:t> </a:t>
+            </a:r>
+            <a:r>
+              <a:rPr lang="en-US" sz="1200" b="1" dirty="0" err="1" smtClean="0">
+                <a:solidFill>
+                  <a:srgbClr val="000000"/>
+                </a:solidFill>
+              </a:rPr>
+              <a:t>nhân</a:t>
+            </a:r>
+            <a:endParaRPr lang="en-US" sz="1200" b="1" dirty="0">
               <a:solidFill>
                 <a:srgbClr val="000000"/>
               </a:solidFill>
@@ -30910,14 +32428,78 @@
           <a:lstStyle/>
           <a:p>
             <a:r>
-              <a:rPr lang="en-US" sz="2400" b="1" smtClean="0">
+              <a:rPr lang="en-US" sz="2400" b="1" dirty="0" err="1" smtClean="0">
                 <a:solidFill>
                   <a:srgbClr val="002060"/>
                 </a:solidFill>
               </a:rPr>
-              <a:t>Đối tượng được khảo sát</a:t>
-            </a:r>
-            <a:endParaRPr lang="vi-VN" sz="2400" b="1">
+              <a:t>Đối</a:t>
+            </a:r>
+            <a:r>
+              <a:rPr lang="en-US" sz="2400" b="1" dirty="0" smtClean="0">
+                <a:solidFill>
+                  <a:srgbClr val="002060"/>
+                </a:solidFill>
+              </a:rPr>
+              <a:t> </a:t>
+            </a:r>
+            <a:r>
+              <a:rPr lang="en-US" sz="2400" b="1" dirty="0" err="1" smtClean="0">
+                <a:solidFill>
+                  <a:srgbClr val="002060"/>
+                </a:solidFill>
+              </a:rPr>
+              <a:t>tượng</a:t>
+            </a:r>
+            <a:r>
+              <a:rPr lang="en-US" sz="2400" b="1" dirty="0" smtClean="0">
+                <a:solidFill>
+                  <a:srgbClr val="002060"/>
+                </a:solidFill>
+              </a:rPr>
+              <a:t> </a:t>
+            </a:r>
+            <a:r>
+              <a:rPr lang="en-US" sz="2400" b="1" dirty="0" err="1" smtClean="0">
+                <a:solidFill>
+                  <a:srgbClr val="002060"/>
+                </a:solidFill>
+              </a:rPr>
+              <a:t>được</a:t>
+            </a:r>
+            <a:r>
+              <a:rPr lang="en-US" sz="2400" b="1" dirty="0" smtClean="0">
+                <a:solidFill>
+                  <a:srgbClr val="002060"/>
+                </a:solidFill>
+              </a:rPr>
+              <a:t> </a:t>
+            </a:r>
+            <a:r>
+              <a:rPr lang="en-US" sz="2400" b="1" dirty="0" err="1" smtClean="0">
+                <a:solidFill>
+                  <a:srgbClr val="002060"/>
+                </a:solidFill>
+              </a:rPr>
+              <a:t>khảo</a:t>
+            </a:r>
+            <a:r>
+              <a:rPr lang="en-US" sz="2400" b="1" dirty="0" smtClean="0">
+                <a:solidFill>
+                  <a:srgbClr val="002060"/>
+                </a:solidFill>
+              </a:rPr>
+              <a:t> </a:t>
+            </a:r>
+            <a:r>
+              <a:rPr lang="en-US" sz="2400" b="1" dirty="0" err="1" smtClean="0">
+                <a:solidFill>
+                  <a:srgbClr val="002060"/>
+                </a:solidFill>
+              </a:rPr>
+              <a:t>sát</a:t>
+            </a:r>
+            <a:endParaRPr lang="vi-VN" sz="2400" b="1" dirty="0">
               <a:solidFill>
                 <a:srgbClr val="002060"/>
               </a:solidFill>
@@ -41347,15 +42929,7 @@
                   <a:srgbClr val="FFFFFF"/>
                 </a:solidFill>
               </a:rPr>
-              <a:t>Xem giá món </a:t>
-            </a:r>
-            <a:r>
-              <a:rPr lang="en-US" smtClean="0">
-                <a:solidFill>
-                  <a:srgbClr val="FFFFFF"/>
-                </a:solidFill>
-              </a:rPr>
-              <a:t>ăn và bình luận</a:t>
+              <a:t>Xem giá món ăn và bình luận</a:t>
             </a:r>
             <a:endParaRPr lang="en-US">
               <a:solidFill>
